--- a/docs/files/ldow2016.pptx
+++ b/docs/files/ldow2016.pptx
@@ -280,9 +280,9 @@
 </file>
 
 <file path=ppt/charts/chart1.xml><?xml version="1.0" encoding="utf-8"?>
-<c:chartSpace xmlns:c="http://schemas.openxmlformats.org/drawingml/2006/chart" xmlns:a="http://schemas.openxmlformats.org/drawingml/2006/main" xmlns:r="http://schemas.openxmlformats.org/officeDocument/2006/relationships">
+<c:chartSpace xmlns:c="http://schemas.openxmlformats.org/drawingml/2006/chart" xmlns:a="http://schemas.openxmlformats.org/drawingml/2006/main" xmlns:r="http://schemas.openxmlformats.org/officeDocument/2006/relationships" xmlns:c16r2="http://schemas.microsoft.com/office/drawing/2015/06/chart">
   <c:date1904 val="0"/>
-  <c:lang val="en-US"/>
+  <c:lang val="en-GB"/>
   <c:roundedCorners val="0"/>
   <mc:AlternateContent xmlns:mc="http://schemas.openxmlformats.org/markup-compatibility/2006">
     <mc:Choice xmlns:c14="http://schemas.microsoft.com/office/drawing/2007/8/2/chart" Requires="c14">
@@ -337,22 +337,22 @@
                   <c:v>0.5</c:v>
                 </c:pt>
                 <c:pt idx="1">
-                  <c:v>1.0</c:v>
+                  <c:v>1</c:v>
                 </c:pt>
                 <c:pt idx="2">
-                  <c:v>5.0</c:v>
+                  <c:v>5</c:v>
                 </c:pt>
                 <c:pt idx="3">
-                  <c:v>10.0</c:v>
+                  <c:v>10</c:v>
                 </c:pt>
                 <c:pt idx="4">
-                  <c:v>20.0</c:v>
+                  <c:v>20</c:v>
                 </c:pt>
                 <c:pt idx="5">
-                  <c:v>50.0</c:v>
+                  <c:v>50</c:v>
                 </c:pt>
                 <c:pt idx="6">
-                  <c:v>100.0</c:v>
+                  <c:v>100</c:v>
                 </c:pt>
               </c:numCache>
             </c:numRef>
@@ -364,29 +364,34 @@
                 <c:formatCode>General</c:formatCode>
                 <c:ptCount val="7"/>
                 <c:pt idx="0">
-                  <c:v>7125.0</c:v>
+                  <c:v>7125</c:v>
                 </c:pt>
                 <c:pt idx="1">
-                  <c:v>3410.0</c:v>
+                  <c:v>3410</c:v>
                 </c:pt>
                 <c:pt idx="2">
-                  <c:v>412.0</c:v>
+                  <c:v>412</c:v>
                 </c:pt>
                 <c:pt idx="3">
-                  <c:v>220.0</c:v>
+                  <c:v>220</c:v>
                 </c:pt>
                 <c:pt idx="4">
-                  <c:v>224.0</c:v>
+                  <c:v>224</c:v>
                 </c:pt>
                 <c:pt idx="5">
-                  <c:v>378.0</c:v>
+                  <c:v>378</c:v>
                 </c:pt>
                 <c:pt idx="6">
-                  <c:v>958.0</c:v>
+                  <c:v>958</c:v>
                 </c:pt>
               </c:numCache>
             </c:numRef>
           </c:val>
+          <c:extLst>
+            <c:ext xmlns:c16="http://schemas.microsoft.com/office/drawing/2014/chart" uri="{C3380CC4-5D6E-409C-BE32-E72D297353CC}">
+              <c16:uniqueId val="{00000000-2200-2948-BEE1-10E8C5CBB6A1}"/>
+            </c:ext>
+          </c:extLst>
         </c:ser>
         <c:ser>
           <c:idx val="1"/>
@@ -425,22 +430,22 @@
                   <c:v>0.5</c:v>
                 </c:pt>
                 <c:pt idx="1">
-                  <c:v>1.0</c:v>
+                  <c:v>1</c:v>
                 </c:pt>
                 <c:pt idx="2">
-                  <c:v>5.0</c:v>
+                  <c:v>5</c:v>
                 </c:pt>
                 <c:pt idx="3">
-                  <c:v>10.0</c:v>
+                  <c:v>10</c:v>
                 </c:pt>
                 <c:pt idx="4">
-                  <c:v>20.0</c:v>
+                  <c:v>20</c:v>
                 </c:pt>
                 <c:pt idx="5">
-                  <c:v>50.0</c:v>
+                  <c:v>50</c:v>
                 </c:pt>
                 <c:pt idx="6">
-                  <c:v>100.0</c:v>
+                  <c:v>100</c:v>
                 </c:pt>
               </c:numCache>
             </c:numRef>
@@ -452,29 +457,34 @@
                 <c:formatCode>General</c:formatCode>
                 <c:ptCount val="7"/>
                 <c:pt idx="0">
-                  <c:v>415.0</c:v>
+                  <c:v>415</c:v>
                 </c:pt>
                 <c:pt idx="1">
-                  <c:v>211.0</c:v>
+                  <c:v>211</c:v>
                 </c:pt>
                 <c:pt idx="2">
-                  <c:v>62.0</c:v>
+                  <c:v>62</c:v>
                 </c:pt>
                 <c:pt idx="3">
-                  <c:v>59.0</c:v>
+                  <c:v>59</c:v>
                 </c:pt>
                 <c:pt idx="4">
-                  <c:v>83.0</c:v>
+                  <c:v>83</c:v>
                 </c:pt>
                 <c:pt idx="5">
-                  <c:v>206.0</c:v>
+                  <c:v>206</c:v>
                 </c:pt>
                 <c:pt idx="6">
-                  <c:v>546.0</c:v>
+                  <c:v>546</c:v>
                 </c:pt>
               </c:numCache>
             </c:numRef>
           </c:val>
+          <c:extLst>
+            <c:ext xmlns:c16="http://schemas.microsoft.com/office/drawing/2014/chart" uri="{C3380CC4-5D6E-409C-BE32-E72D297353CC}">
+              <c16:uniqueId val="{00000001-2200-2948-BEE1-10E8C5CBB6A1}"/>
+            </c:ext>
+          </c:extLst>
         </c:ser>
         <c:dLbls>
           <c:dLblPos val="ctr"/>
@@ -529,22 +539,22 @@
                   <c:v>0.5</c:v>
                 </c:pt>
                 <c:pt idx="1">
-                  <c:v>1.0</c:v>
+                  <c:v>1</c:v>
                 </c:pt>
                 <c:pt idx="2">
-                  <c:v>5.0</c:v>
+                  <c:v>5</c:v>
                 </c:pt>
                 <c:pt idx="3">
-                  <c:v>10.0</c:v>
+                  <c:v>10</c:v>
                 </c:pt>
                 <c:pt idx="4">
-                  <c:v>20.0</c:v>
+                  <c:v>20</c:v>
                 </c:pt>
                 <c:pt idx="5">
-                  <c:v>50.0</c:v>
+                  <c:v>50</c:v>
                 </c:pt>
                 <c:pt idx="6">
-                  <c:v>100.0</c:v>
+                  <c:v>100</c:v>
                 </c:pt>
               </c:numCache>
             </c:numRef>
@@ -556,30 +566,35 @@
                 <c:formatCode>General</c:formatCode>
                 <c:ptCount val="7"/>
                 <c:pt idx="0">
-                  <c:v>78373.0</c:v>
+                  <c:v>78373</c:v>
                 </c:pt>
                 <c:pt idx="1">
-                  <c:v>78373.0</c:v>
+                  <c:v>78373</c:v>
                 </c:pt>
                 <c:pt idx="2">
-                  <c:v>78373.0</c:v>
+                  <c:v>78373</c:v>
                 </c:pt>
                 <c:pt idx="3">
-                  <c:v>78373.0</c:v>
+                  <c:v>78373</c:v>
                 </c:pt>
                 <c:pt idx="4">
-                  <c:v>78373.0</c:v>
+                  <c:v>78373</c:v>
                 </c:pt>
                 <c:pt idx="5">
-                  <c:v>78373.0</c:v>
+                  <c:v>78373</c:v>
                 </c:pt>
                 <c:pt idx="6">
-                  <c:v>78373.0</c:v>
+                  <c:v>78373</c:v>
                 </c:pt>
               </c:numCache>
             </c:numRef>
           </c:val>
           <c:smooth val="0"/>
+          <c:extLst>
+            <c:ext xmlns:c16="http://schemas.microsoft.com/office/drawing/2014/chart" uri="{C3380CC4-5D6E-409C-BE32-E72D297353CC}">
+              <c16:uniqueId val="{00000002-2200-2948-BEE1-10E8C5CBB6A1}"/>
+            </c:ext>
+          </c:extLst>
         </c:ser>
         <c:dLbls>
           <c:showLegendKey val="0"/>
@@ -621,17 +636,16 @@
                   </a:defRPr>
                 </a:pPr>
                 <a:r>
-                  <a:rPr lang="en-US" b="1" dirty="0" smtClean="0"/>
+                  <a:rPr lang="en-US" b="1" dirty="0"/>
                   <a:t>Spatial</a:t>
                 </a:r>
                 <a:r>
-                  <a:rPr lang="en-US" b="1" baseline="0" dirty="0" smtClean="0"/>
+                  <a:rPr lang="en-US" b="1" baseline="0" dirty="0"/>
                   <a:t> Blocking Factor</a:t>
                 </a:r>
               </a:p>
             </c:rich>
           </c:tx>
-          <c:layout/>
           <c:overlay val="0"/>
           <c:spPr>
             <a:noFill/>
@@ -657,7 +671,7 @@
                   <a:cs typeface="+mn-cs"/>
                 </a:defRPr>
               </a:pPr>
-              <a:endParaRPr lang="en-US"/>
+              <a:endParaRPr lang="en-CH"/>
             </a:p>
           </c:txPr>
         </c:title>
@@ -695,7 +709,7 @@
                 <a:cs typeface="+mn-cs"/>
               </a:defRPr>
             </a:pPr>
-            <a:endParaRPr lang="en-US"/>
+            <a:endParaRPr lang="en-CH"/>
           </a:p>
         </c:txPr>
         <c:crossAx val="1967296096"/>
@@ -746,14 +760,12 @@
                   </a:defRPr>
                 </a:pPr>
                 <a:r>
-                  <a:rPr lang="en-US" b="1" dirty="0" smtClean="0"/>
+                  <a:rPr lang="en-US" b="1" dirty="0"/>
                   <a:t>Time (seconds) </a:t>
                 </a:r>
-                <a:endParaRPr lang="en-US" b="1" dirty="0"/>
               </a:p>
             </c:rich>
           </c:tx>
-          <c:layout/>
           <c:overlay val="0"/>
           <c:spPr>
             <a:noFill/>
@@ -779,7 +791,7 @@
                   <a:cs typeface="+mn-cs"/>
                 </a:defRPr>
               </a:pPr>
-              <a:endParaRPr lang="en-US"/>
+              <a:endParaRPr lang="en-CH"/>
             </a:p>
           </c:txPr>
         </c:title>
@@ -811,7 +823,7 @@
                 <a:cs typeface="+mn-cs"/>
               </a:defRPr>
             </a:pPr>
-            <a:endParaRPr lang="en-US"/>
+            <a:endParaRPr lang="en-CH"/>
           </a:p>
         </c:txPr>
         <c:crossAx val="1967292736"/>
@@ -822,7 +834,7 @@
         <c:axId val="1967298944"/>
         <c:scaling>
           <c:orientation val="minMax"/>
-          <c:max val="200000.0"/>
+          <c:max val="200000"/>
         </c:scaling>
         <c:delete val="0"/>
         <c:axPos val="r"/>
@@ -846,13 +858,12 @@
                   </a:defRPr>
                 </a:pPr>
                 <a:r>
-                  <a:rPr lang="en-US" b="1" dirty="0" smtClean="0"/>
+                  <a:rPr lang="en-US" b="1" dirty="0"/>
                   <a:t>Links</a:t>
                 </a:r>
               </a:p>
             </c:rich>
           </c:tx>
-          <c:layout/>
           <c:overlay val="0"/>
           <c:spPr>
             <a:noFill/>
@@ -878,7 +889,7 @@
                   <a:cs typeface="+mn-cs"/>
                 </a:defRPr>
               </a:pPr>
-              <a:endParaRPr lang="en-US"/>
+              <a:endParaRPr lang="en-CH"/>
             </a:p>
           </c:txPr>
         </c:title>
@@ -910,13 +921,13 @@
                 <a:cs typeface="+mn-cs"/>
               </a:defRPr>
             </a:pPr>
-            <a:endParaRPr lang="en-US"/>
+            <a:endParaRPr lang="en-CH"/>
           </a:p>
         </c:txPr>
         <c:crossAx val="1967302064"/>
         <c:crosses val="max"/>
         <c:crossBetween val="between"/>
-        <c:majorUnit val="50000.0"/>
+        <c:majorUnit val="50000"/>
       </c:valAx>
       <c:catAx>
         <c:axId val="1967302064"/>
@@ -969,7 +980,7 @@
                 <a:cs typeface="+mn-cs"/>
               </a:defRPr>
             </a:pPr>
-            <a:endParaRPr lang="en-US"/>
+            <a:endParaRPr lang="en-CH"/>
           </a:p>
         </c:txPr>
       </c:legendEntry>
@@ -996,7 +1007,7 @@
                 <a:cs typeface="+mn-cs"/>
               </a:defRPr>
             </a:pPr>
-            <a:endParaRPr lang="en-US"/>
+            <a:endParaRPr lang="en-CH"/>
           </a:p>
         </c:txPr>
       </c:legendEntry>
@@ -1023,11 +1034,10 @@
                 <a:cs typeface="+mn-cs"/>
               </a:defRPr>
             </a:pPr>
-            <a:endParaRPr lang="en-US"/>
+            <a:endParaRPr lang="en-CH"/>
           </a:p>
         </c:txPr>
       </c:legendEntry>
-      <c:layout/>
       <c:overlay val="0"/>
       <c:spPr>
         <a:noFill/>
@@ -1057,7 +1067,7 @@
               <a:cs typeface="+mn-cs"/>
             </a:defRPr>
           </a:pPr>
-          <a:endParaRPr lang="en-US"/>
+          <a:endParaRPr lang="en-CH"/>
         </a:p>
       </c:txPr>
     </c:legend>
@@ -1079,7 +1089,7 @@
       <a:pPr>
         <a:defRPr/>
       </a:pPr>
-      <a:endParaRPr lang="en-US"/>
+      <a:endParaRPr lang="en-CH"/>
     </a:p>
   </c:txPr>
   <c:externalData r:id="rId3">
@@ -1089,9 +1099,9 @@
 </file>
 
 <file path=ppt/charts/chart2.xml><?xml version="1.0" encoding="utf-8"?>
-<c:chartSpace xmlns:c="http://schemas.openxmlformats.org/drawingml/2006/chart" xmlns:a="http://schemas.openxmlformats.org/drawingml/2006/main" xmlns:r="http://schemas.openxmlformats.org/officeDocument/2006/relationships">
+<c:chartSpace xmlns:c="http://schemas.openxmlformats.org/drawingml/2006/chart" xmlns:a="http://schemas.openxmlformats.org/drawingml/2006/main" xmlns:r="http://schemas.openxmlformats.org/officeDocument/2006/relationships" xmlns:c16r2="http://schemas.microsoft.com/office/drawing/2015/06/chart">
   <c:date1904 val="0"/>
-  <c:lang val="en-US"/>
+  <c:lang val="en-GB"/>
   <c:roundedCorners val="0"/>
   <mc:AlternateContent xmlns:mc="http://schemas.openxmlformats.org/markup-compatibility/2006">
     <mc:Choice xmlns:c14="http://schemas.microsoft.com/office/drawing/2007/8/2/chart" Requires="c14">
@@ -1160,20 +1170,25 @@
                 <c:formatCode>General</c:formatCode>
                 <c:ptCount val="4"/>
                 <c:pt idx="0">
-                  <c:v>2.0</c:v>
+                  <c:v>2</c:v>
                 </c:pt>
                 <c:pt idx="1">
-                  <c:v>36.0</c:v>
+                  <c:v>36</c:v>
                 </c:pt>
                 <c:pt idx="2">
-                  <c:v>2857.0</c:v>
+                  <c:v>2857</c:v>
                 </c:pt>
                 <c:pt idx="3">
-                  <c:v>109838.0</c:v>
+                  <c:v>109838</c:v>
                 </c:pt>
               </c:numCache>
             </c:numRef>
           </c:val>
+          <c:extLst>
+            <c:ext xmlns:c16="http://schemas.microsoft.com/office/drawing/2014/chart" uri="{C3380CC4-5D6E-409C-BE32-E72D297353CC}">
+              <c16:uniqueId val="{00000000-E329-7E40-AABA-8DD1ACC2480B}"/>
+            </c:ext>
+          </c:extLst>
         </c:ser>
         <c:ser>
           <c:idx val="1"/>
@@ -1229,17 +1244,22 @@
                   <c:v>1.4</c:v>
                 </c:pt>
                 <c:pt idx="1">
-                  <c:v>2.0</c:v>
+                  <c:v>2</c:v>
                 </c:pt>
                 <c:pt idx="2">
                   <c:v>8.5</c:v>
                 </c:pt>
                 <c:pt idx="3">
-                  <c:v>276.0</c:v>
+                  <c:v>276</c:v>
                 </c:pt>
               </c:numCache>
             </c:numRef>
           </c:val>
+          <c:extLst>
+            <c:ext xmlns:c16="http://schemas.microsoft.com/office/drawing/2014/chart" uri="{C3380CC4-5D6E-409C-BE32-E72D297353CC}">
+              <c16:uniqueId val="{00000001-E329-7E40-AABA-8DD1ACC2480B}"/>
+            </c:ext>
+          </c:extLst>
         </c:ser>
         <c:ser>
           <c:idx val="2"/>
@@ -1295,17 +1315,22 @@
                   <c:v>0.8</c:v>
                 </c:pt>
                 <c:pt idx="1">
-                  <c:v>1.0</c:v>
+                  <c:v>1</c:v>
                 </c:pt>
                 <c:pt idx="2">
                   <c:v>9.5</c:v>
                 </c:pt>
                 <c:pt idx="3">
-                  <c:v>296.0</c:v>
+                  <c:v>296</c:v>
                 </c:pt>
               </c:numCache>
             </c:numRef>
           </c:val>
+          <c:extLst>
+            <c:ext xmlns:c16="http://schemas.microsoft.com/office/drawing/2014/chart" uri="{C3380CC4-5D6E-409C-BE32-E72D297353CC}">
+              <c16:uniqueId val="{00000002-E329-7E40-AABA-8DD1ACC2480B}"/>
+            </c:ext>
+          </c:extLst>
         </c:ser>
         <c:ser>
           <c:idx val="3"/>
@@ -1358,20 +1383,25 @@
                 <c:formatCode>General</c:formatCode>
                 <c:ptCount val="4"/>
                 <c:pt idx="0">
-                  <c:v>13.0</c:v>
+                  <c:v>13</c:v>
                 </c:pt>
                 <c:pt idx="1">
-                  <c:v>19.0</c:v>
+                  <c:v>19</c:v>
                 </c:pt>
                 <c:pt idx="2">
-                  <c:v>42.0</c:v>
+                  <c:v>42</c:v>
                 </c:pt>
                 <c:pt idx="3">
-                  <c:v>113.0</c:v>
+                  <c:v>113</c:v>
                 </c:pt>
               </c:numCache>
             </c:numRef>
           </c:val>
+          <c:extLst>
+            <c:ext xmlns:c16="http://schemas.microsoft.com/office/drawing/2014/chart" uri="{C3380CC4-5D6E-409C-BE32-E72D297353CC}">
+              <c16:uniqueId val="{00000003-E329-7E40-AABA-8DD1ACC2480B}"/>
+            </c:ext>
+          </c:extLst>
         </c:ser>
         <c:dLbls>
           <c:showLegendKey val="0"/>
@@ -1442,21 +1472,26 @@
                 <c:formatCode>General</c:formatCode>
                 <c:ptCount val="4"/>
                 <c:pt idx="0">
-                  <c:v>1.0</c:v>
+                  <c:v>1</c:v>
                 </c:pt>
                 <c:pt idx="1">
-                  <c:v>8.0</c:v>
+                  <c:v>8</c:v>
                 </c:pt>
                 <c:pt idx="2">
-                  <c:v>491.0</c:v>
+                  <c:v>491</c:v>
                 </c:pt>
                 <c:pt idx="3">
-                  <c:v>78373.0</c:v>
+                  <c:v>78373</c:v>
                 </c:pt>
               </c:numCache>
             </c:numRef>
           </c:val>
           <c:smooth val="0"/>
+          <c:extLst>
+            <c:ext xmlns:c16="http://schemas.microsoft.com/office/drawing/2014/chart" uri="{C3380CC4-5D6E-409C-BE32-E72D297353CC}">
+              <c16:uniqueId val="{00000004-E329-7E40-AABA-8DD1ACC2480B}"/>
+            </c:ext>
+          </c:extLst>
         </c:ser>
         <c:dLbls>
           <c:showLegendKey val="0"/>
@@ -1498,14 +1533,12 @@
                   </a:defRPr>
                 </a:pPr>
                 <a:r>
-                  <a:rPr lang="en-US" b="1" dirty="0" smtClean="0"/>
+                  <a:rPr lang="en-US" b="1" dirty="0"/>
                   <a:t>Entities per Dataset</a:t>
                 </a:r>
-                <a:endParaRPr lang="en-US" b="1" dirty="0"/>
               </a:p>
             </c:rich>
           </c:tx>
-          <c:layout/>
           <c:overlay val="0"/>
           <c:spPr>
             <a:noFill/>
@@ -1531,7 +1564,7 @@
                   <a:cs typeface="+mn-cs"/>
                 </a:defRPr>
               </a:pPr>
-              <a:endParaRPr lang="en-US"/>
+              <a:endParaRPr lang="en-CH"/>
             </a:p>
           </c:txPr>
         </c:title>
@@ -1569,7 +1602,7 @@
                 <a:cs typeface="+mn-cs"/>
               </a:defRPr>
             </a:pPr>
-            <a:endParaRPr lang="en-US"/>
+            <a:endParaRPr lang="en-CH"/>
           </a:p>
         </c:txPr>
         <c:crossAx val="1894741696"/>
@@ -1582,7 +1615,7 @@
       <c:valAx>
         <c:axId val="1894741696"/>
         <c:scaling>
-          <c:logBase val="10.0"/>
+          <c:logBase val="10"/>
           <c:orientation val="minMax"/>
         </c:scaling>
         <c:delete val="0"/>
@@ -1621,18 +1654,17 @@
                   </a:defRPr>
                 </a:pPr>
                 <a:r>
-                  <a:rPr lang="en-US" b="1" dirty="0" smtClean="0"/>
+                  <a:rPr lang="en-US" b="1" dirty="0"/>
                   <a:t>Time</a:t>
                 </a:r>
                 <a:r>
-                  <a:rPr lang="en-US" b="1" baseline="0" dirty="0" smtClean="0"/>
+                  <a:rPr lang="en-US" b="1" baseline="0" dirty="0"/>
                   <a:t> (seconds)</a:t>
                 </a:r>
                 <a:endParaRPr lang="en-US" b="1" dirty="0"/>
               </a:p>
             </c:rich>
           </c:tx>
-          <c:layout/>
           <c:overlay val="0"/>
           <c:spPr>
             <a:noFill/>
@@ -1658,7 +1690,7 @@
                   <a:cs typeface="+mn-cs"/>
                 </a:defRPr>
               </a:pPr>
-              <a:endParaRPr lang="en-US"/>
+              <a:endParaRPr lang="en-CH"/>
             </a:p>
           </c:txPr>
         </c:title>
@@ -1690,7 +1722,7 @@
                 <a:cs typeface="+mn-cs"/>
               </a:defRPr>
             </a:pPr>
-            <a:endParaRPr lang="en-US"/>
+            <a:endParaRPr lang="en-CH"/>
           </a:p>
         </c:txPr>
         <c:crossAx val="1962964512"/>
@@ -1700,9 +1732,9 @@
       <c:valAx>
         <c:axId val="1894129552"/>
         <c:scaling>
-          <c:logBase val="10.0"/>
+          <c:logBase val="10"/>
           <c:orientation val="minMax"/>
-          <c:max val="1.0E6"/>
+          <c:max val="1000000"/>
           <c:min val="0.1"/>
         </c:scaling>
         <c:delete val="0"/>
@@ -1727,13 +1759,12 @@
                   </a:defRPr>
                 </a:pPr>
                 <a:r>
-                  <a:rPr lang="en-US" b="1" dirty="0" smtClean="0"/>
+                  <a:rPr lang="en-US" b="1" dirty="0"/>
                   <a:t>Links</a:t>
                 </a:r>
               </a:p>
             </c:rich>
           </c:tx>
-          <c:layout/>
           <c:overlay val="0"/>
           <c:spPr>
             <a:noFill/>
@@ -1759,7 +1790,7 @@
                   <a:cs typeface="+mn-cs"/>
                 </a:defRPr>
               </a:pPr>
-              <a:endParaRPr lang="en-US"/>
+              <a:endParaRPr lang="en-CH"/>
             </a:p>
           </c:txPr>
         </c:title>
@@ -1791,13 +1822,13 @@
                 <a:cs typeface="+mn-cs"/>
               </a:defRPr>
             </a:pPr>
-            <a:endParaRPr lang="en-US"/>
+            <a:endParaRPr lang="en-CH"/>
           </a:p>
         </c:txPr>
         <c:crossAx val="1990646208"/>
         <c:crosses val="max"/>
         <c:crossBetween val="between"/>
-        <c:majorUnit val="10.0"/>
+        <c:majorUnit val="10"/>
       </c:valAx>
       <c:catAx>
         <c:axId val="1990646208"/>
@@ -1827,7 +1858,6 @@
     </c:plotArea>
     <c:legend>
       <c:legendPos val="t"/>
-      <c:layout/>
       <c:overlay val="0"/>
       <c:spPr>
         <a:noFill/>
@@ -1853,7 +1883,7 @@
               <a:cs typeface="+mn-cs"/>
             </a:defRPr>
           </a:pPr>
-          <a:endParaRPr lang="en-US"/>
+          <a:endParaRPr lang="en-CH"/>
         </a:p>
       </c:txPr>
     </c:legend>
@@ -1875,7 +1905,7 @@
       <a:pPr>
         <a:defRPr/>
       </a:pPr>
-      <a:endParaRPr lang="en-US"/>
+      <a:endParaRPr lang="en-CH"/>
     </a:p>
   </c:txPr>
   <c:externalData r:id="rId3">
@@ -3759,10 +3789,9 @@
         <a:lstStyle/>
         <a:p>
           <a:r>
-            <a:rPr lang="en-US" dirty="0" smtClean="0"/>
+            <a:rPr lang="en-US" dirty="0"/>
             <a:t>e1</a:t>
           </a:r>
-          <a:endParaRPr lang="en-US" dirty="0"/>
         </a:p>
       </dgm:t>
     </dgm:pt>
@@ -3818,10 +3847,9 @@
         <a:lstStyle/>
         <a:p>
           <a:r>
-            <a:rPr lang="en-US" dirty="0" smtClean="0"/>
+            <a:rPr lang="en-US" dirty="0"/>
             <a:t>b1</a:t>
           </a:r>
-          <a:endParaRPr lang="en-US" dirty="0"/>
         </a:p>
       </dgm:t>
     </dgm:pt>
@@ -3877,10 +3905,9 @@
         <a:lstStyle/>
         <a:p>
           <a:r>
-            <a:rPr lang="en-US" dirty="0" smtClean="0"/>
+            <a:rPr lang="en-US" dirty="0"/>
             <a:t>b2</a:t>
           </a:r>
-          <a:endParaRPr lang="en-US" dirty="0"/>
         </a:p>
       </dgm:t>
     </dgm:pt>
@@ -3937,10 +3964,9 @@
         <a:lstStyle/>
         <a:p>
           <a:r>
-            <a:rPr lang="en-US" dirty="0" smtClean="0"/>
+            <a:rPr lang="en-US" dirty="0"/>
             <a:t>b3</a:t>
           </a:r>
-          <a:endParaRPr lang="en-US" dirty="0"/>
         </a:p>
       </dgm:t>
     </dgm:pt>
@@ -3996,10 +4022,9 @@
         <a:lstStyle/>
         <a:p>
           <a:r>
-            <a:rPr lang="en-US" dirty="0" smtClean="0"/>
+            <a:rPr lang="en-US" dirty="0"/>
             <a:t>b4</a:t>
           </a:r>
-          <a:endParaRPr lang="en-US" dirty="0"/>
         </a:p>
       </dgm:t>
     </dgm:pt>
@@ -4035,13 +4060,6 @@
         </dgm:presLayoutVars>
       </dgm:prSet>
       <dgm:spPr/>
-      <dgm:t>
-        <a:bodyPr/>
-        <a:lstStyle/>
-        <a:p>
-          <a:endParaRPr lang="en-US"/>
-        </a:p>
-      </dgm:t>
     </dgm:pt>
     <dgm:pt modelId="{3C4B931F-A726-3941-8D25-922E0EC0C7E7}" type="pres">
       <dgm:prSet presAssocID="{C4DB0361-550B-654F-9CBB-9FE95931E8B2}" presName="matrix" presStyleCnt="0"/>
@@ -4050,13 +4068,6 @@
     <dgm:pt modelId="{441EAE88-D538-8F4C-883A-D2ABC036B931}" type="pres">
       <dgm:prSet presAssocID="{C4DB0361-550B-654F-9CBB-9FE95931E8B2}" presName="tile1" presStyleLbl="node1" presStyleIdx="0" presStyleCnt="4"/>
       <dgm:spPr/>
-      <dgm:t>
-        <a:bodyPr/>
-        <a:lstStyle/>
-        <a:p>
-          <a:endParaRPr lang="en-US"/>
-        </a:p>
-      </dgm:t>
     </dgm:pt>
     <dgm:pt modelId="{9AA89E86-D31D-2040-B731-513BBD74AEBE}" type="pres">
       <dgm:prSet presAssocID="{C4DB0361-550B-654F-9CBB-9FE95931E8B2}" presName="tile1text" presStyleLbl="node1" presStyleIdx="0" presStyleCnt="4">
@@ -4067,24 +4078,10 @@
         </dgm:presLayoutVars>
       </dgm:prSet>
       <dgm:spPr/>
-      <dgm:t>
-        <a:bodyPr/>
-        <a:lstStyle/>
-        <a:p>
-          <a:endParaRPr lang="en-US"/>
-        </a:p>
-      </dgm:t>
     </dgm:pt>
     <dgm:pt modelId="{412B1DFC-D08E-0C49-A81C-8B44D64E0B9B}" type="pres">
       <dgm:prSet presAssocID="{C4DB0361-550B-654F-9CBB-9FE95931E8B2}" presName="tile2" presStyleLbl="node1" presStyleIdx="1" presStyleCnt="4"/>
       <dgm:spPr/>
-      <dgm:t>
-        <a:bodyPr/>
-        <a:lstStyle/>
-        <a:p>
-          <a:endParaRPr lang="en-US"/>
-        </a:p>
-      </dgm:t>
     </dgm:pt>
     <dgm:pt modelId="{4195CBBF-DFA8-2B42-A65D-CE471B415FA6}" type="pres">
       <dgm:prSet presAssocID="{C4DB0361-550B-654F-9CBB-9FE95931E8B2}" presName="tile2text" presStyleLbl="node1" presStyleIdx="1" presStyleCnt="4">
@@ -4095,24 +4092,10 @@
         </dgm:presLayoutVars>
       </dgm:prSet>
       <dgm:spPr/>
-      <dgm:t>
-        <a:bodyPr/>
-        <a:lstStyle/>
-        <a:p>
-          <a:endParaRPr lang="en-US"/>
-        </a:p>
-      </dgm:t>
     </dgm:pt>
     <dgm:pt modelId="{8F44405B-B98B-464E-9009-A2793C78E692}" type="pres">
       <dgm:prSet presAssocID="{C4DB0361-550B-654F-9CBB-9FE95931E8B2}" presName="tile3" presStyleLbl="node1" presStyleIdx="2" presStyleCnt="4"/>
       <dgm:spPr/>
-      <dgm:t>
-        <a:bodyPr/>
-        <a:lstStyle/>
-        <a:p>
-          <a:endParaRPr lang="en-US"/>
-        </a:p>
-      </dgm:t>
     </dgm:pt>
     <dgm:pt modelId="{B5F5C2E6-744D-B941-8BEA-E6BDDCBCCE4B}" type="pres">
       <dgm:prSet presAssocID="{C4DB0361-550B-654F-9CBB-9FE95931E8B2}" presName="tile3text" presStyleLbl="node1" presStyleIdx="2" presStyleCnt="4">
@@ -4123,24 +4106,10 @@
         </dgm:presLayoutVars>
       </dgm:prSet>
       <dgm:spPr/>
-      <dgm:t>
-        <a:bodyPr/>
-        <a:lstStyle/>
-        <a:p>
-          <a:endParaRPr lang="en-US"/>
-        </a:p>
-      </dgm:t>
     </dgm:pt>
     <dgm:pt modelId="{8DCE5BF6-BE7D-D848-B30E-B99800596646}" type="pres">
       <dgm:prSet presAssocID="{C4DB0361-550B-654F-9CBB-9FE95931E8B2}" presName="tile4" presStyleLbl="node1" presStyleIdx="3" presStyleCnt="4" custLinFactNeighborX="2778"/>
       <dgm:spPr/>
-      <dgm:t>
-        <a:bodyPr/>
-        <a:lstStyle/>
-        <a:p>
-          <a:endParaRPr lang="en-US"/>
-        </a:p>
-      </dgm:t>
     </dgm:pt>
     <dgm:pt modelId="{DD2A629E-B56B-7B45-9B1E-0CF939092A9D}" type="pres">
       <dgm:prSet presAssocID="{C4DB0361-550B-654F-9CBB-9FE95931E8B2}" presName="tile4text" presStyleLbl="node1" presStyleIdx="3" presStyleCnt="4">
@@ -4151,13 +4120,6 @@
         </dgm:presLayoutVars>
       </dgm:prSet>
       <dgm:spPr/>
-      <dgm:t>
-        <a:bodyPr/>
-        <a:lstStyle/>
-        <a:p>
-          <a:endParaRPr lang="en-US"/>
-        </a:p>
-      </dgm:t>
     </dgm:pt>
     <dgm:pt modelId="{99848CCA-1BAB-314D-9C92-3B23D6B4834C}" type="pres">
       <dgm:prSet presAssocID="{C4DB0361-550B-654F-9CBB-9FE95931E8B2}" presName="centerTile" presStyleLbl="fgShp" presStyleIdx="0" presStyleCnt="1" custScaleX="109261" custScaleY="180000" custLinFactY="-3333" custLinFactNeighborX="925" custLinFactNeighborY="-100000">
@@ -4167,31 +4129,24 @@
         </dgm:presLayoutVars>
       </dgm:prSet>
       <dgm:spPr/>
-      <dgm:t>
-        <a:bodyPr/>
-        <a:lstStyle/>
-        <a:p>
-          <a:endParaRPr lang="en-US"/>
-        </a:p>
-      </dgm:t>
     </dgm:pt>
   </dgm:ptLst>
   <dgm:cxnLst>
+    <dgm:cxn modelId="{EDC1D61B-74FE-D947-9149-B576982D9F9A}" type="presOf" srcId="{B7C3CE46-8C65-4046-9E4F-7A2C3D790D37}" destId="{412B1DFC-D08E-0C49-A81C-8B44D64E0B9B}" srcOrd="0" destOrd="0" presId="urn:microsoft.com/office/officeart/2005/8/layout/matrix1"/>
+    <dgm:cxn modelId="{6644932A-9937-EC4B-9E16-5EB758695E50}" type="presOf" srcId="{3A7EADB2-EBF7-274F-B049-2491D27138FE}" destId="{8F44405B-B98B-464E-9009-A2793C78E692}" srcOrd="0" destOrd="0" presId="urn:microsoft.com/office/officeart/2005/8/layout/matrix1"/>
+    <dgm:cxn modelId="{AB21CA2A-5E22-7A42-A5B8-F6A28DF936D0}" type="presOf" srcId="{3A7EADB2-EBF7-274F-B049-2491D27138FE}" destId="{B5F5C2E6-744D-B941-8BEA-E6BDDCBCCE4B}" srcOrd="1" destOrd="0" presId="urn:microsoft.com/office/officeart/2005/8/layout/matrix1"/>
+    <dgm:cxn modelId="{6AACD341-3B4E-6042-BCEE-65195C69C99D}" srcId="{32AB40E6-A23E-6349-8F8F-86B57B9B15F7}" destId="{3A7EADB2-EBF7-274F-B049-2491D27138FE}" srcOrd="2" destOrd="0" parTransId="{7B062F10-7BB5-FA4E-AF17-5D85AAF0AA28}" sibTransId="{CD107E2A-0F3C-994D-8B1F-097431F6D176}"/>
     <dgm:cxn modelId="{B428FB48-76E2-C249-9F15-CE2572F36FA6}" srcId="{32AB40E6-A23E-6349-8F8F-86B57B9B15F7}" destId="{B7C3CE46-8C65-4046-9E4F-7A2C3D790D37}" srcOrd="1" destOrd="0" parTransId="{8A52E2A7-819C-B648-ABFB-CF9EC3106C0A}" sibTransId="{21147C38-8488-0249-8EB6-B612830FF9A0}"/>
+    <dgm:cxn modelId="{EBF37158-98AF-1F4B-A404-B12A0E78FEBE}" type="presOf" srcId="{32AB40E6-A23E-6349-8F8F-86B57B9B15F7}" destId="{99848CCA-1BAB-314D-9C92-3B23D6B4834C}" srcOrd="0" destOrd="0" presId="urn:microsoft.com/office/officeart/2005/8/layout/matrix1"/>
+    <dgm:cxn modelId="{2724875C-A03D-DD42-A542-E7006D27B368}" srcId="{C4DB0361-550B-654F-9CBB-9FE95931E8B2}" destId="{32AB40E6-A23E-6349-8F8F-86B57B9B15F7}" srcOrd="0" destOrd="0" parTransId="{0A8764F4-29EA-6E4B-A2C9-6F93854635B0}" sibTransId="{46AC96E8-EBE9-B341-8EA3-4B70EB26737C}"/>
     <dgm:cxn modelId="{536EBB5D-0A5E-F44A-9D2A-28C3ECFAA0C8}" type="presOf" srcId="{B7C3CE46-8C65-4046-9E4F-7A2C3D790D37}" destId="{4195CBBF-DFA8-2B42-A65D-CE471B415FA6}" srcOrd="1" destOrd="0" presId="urn:microsoft.com/office/officeart/2005/8/layout/matrix1"/>
+    <dgm:cxn modelId="{4AFE896B-726D-C04A-915F-1C95498E7ED2}" srcId="{32AB40E6-A23E-6349-8F8F-86B57B9B15F7}" destId="{39F832DC-642D-684D-946C-A3ED5F42850B}" srcOrd="0" destOrd="0" parTransId="{98DA5C93-0E9B-534F-97C6-2A82327B9776}" sibTransId="{F3ADC893-D8C4-CE40-AE34-15C9145E1159}"/>
+    <dgm:cxn modelId="{50638994-9033-DD4E-8339-9E2B159F8943}" type="presOf" srcId="{F2358A24-26FD-AC4B-A43D-40BC5222A989}" destId="{8DCE5BF6-BE7D-D848-B30E-B99800596646}" srcOrd="0" destOrd="0" presId="urn:microsoft.com/office/officeart/2005/8/layout/matrix1"/>
     <dgm:cxn modelId="{F49B65A9-74F2-1844-9D2C-2C49266C7979}" type="presOf" srcId="{F2358A24-26FD-AC4B-A43D-40BC5222A989}" destId="{DD2A629E-B56B-7B45-9B1E-0CF939092A9D}" srcOrd="1" destOrd="0" presId="urn:microsoft.com/office/officeart/2005/8/layout/matrix1"/>
+    <dgm:cxn modelId="{327000BD-813C-854B-9E2A-7F0CBE2B52E3}" type="presOf" srcId="{C4DB0361-550B-654F-9CBB-9FE95931E8B2}" destId="{A4C8D47B-BDF9-164E-A048-1729E04DFBEB}" srcOrd="0" destOrd="0" presId="urn:microsoft.com/office/officeart/2005/8/layout/matrix1"/>
     <dgm:cxn modelId="{E636DEBE-68EF-1140-A314-037501BF609E}" type="presOf" srcId="{39F832DC-642D-684D-946C-A3ED5F42850B}" destId="{441EAE88-D538-8F4C-883A-D2ABC036B931}" srcOrd="0" destOrd="0" presId="urn:microsoft.com/office/officeart/2005/8/layout/matrix1"/>
-    <dgm:cxn modelId="{50638994-9033-DD4E-8339-9E2B159F8943}" type="presOf" srcId="{F2358A24-26FD-AC4B-A43D-40BC5222A989}" destId="{8DCE5BF6-BE7D-D848-B30E-B99800596646}" srcOrd="0" destOrd="0" presId="urn:microsoft.com/office/officeart/2005/8/layout/matrix1"/>
+    <dgm:cxn modelId="{0E95A0D9-B6AF-3B4E-AA1B-C58F846EA9AB}" type="presOf" srcId="{39F832DC-642D-684D-946C-A3ED5F42850B}" destId="{9AA89E86-D31D-2040-B731-513BBD74AEBE}" srcOrd="1" destOrd="0" presId="urn:microsoft.com/office/officeart/2005/8/layout/matrix1"/>
     <dgm:cxn modelId="{B6AD38FB-9C77-9D49-BE82-336D919F594E}" srcId="{32AB40E6-A23E-6349-8F8F-86B57B9B15F7}" destId="{F2358A24-26FD-AC4B-A43D-40BC5222A989}" srcOrd="3" destOrd="0" parTransId="{795BB02F-FDD9-134A-B08B-8D5D58D11369}" sibTransId="{363B6DB8-B78C-844F-9852-00152B811BD8}"/>
-    <dgm:cxn modelId="{6644932A-9937-EC4B-9E16-5EB758695E50}" type="presOf" srcId="{3A7EADB2-EBF7-274F-B049-2491D27138FE}" destId="{8F44405B-B98B-464E-9009-A2793C78E692}" srcOrd="0" destOrd="0" presId="urn:microsoft.com/office/officeart/2005/8/layout/matrix1"/>
-    <dgm:cxn modelId="{327000BD-813C-854B-9E2A-7F0CBE2B52E3}" type="presOf" srcId="{C4DB0361-550B-654F-9CBB-9FE95931E8B2}" destId="{A4C8D47B-BDF9-164E-A048-1729E04DFBEB}" srcOrd="0" destOrd="0" presId="urn:microsoft.com/office/officeart/2005/8/layout/matrix1"/>
-    <dgm:cxn modelId="{EDC1D61B-74FE-D947-9149-B576982D9F9A}" type="presOf" srcId="{B7C3CE46-8C65-4046-9E4F-7A2C3D790D37}" destId="{412B1DFC-D08E-0C49-A81C-8B44D64E0B9B}" srcOrd="0" destOrd="0" presId="urn:microsoft.com/office/officeart/2005/8/layout/matrix1"/>
-    <dgm:cxn modelId="{EBF37158-98AF-1F4B-A404-B12A0E78FEBE}" type="presOf" srcId="{32AB40E6-A23E-6349-8F8F-86B57B9B15F7}" destId="{99848CCA-1BAB-314D-9C92-3B23D6B4834C}" srcOrd="0" destOrd="0" presId="urn:microsoft.com/office/officeart/2005/8/layout/matrix1"/>
-    <dgm:cxn modelId="{AB21CA2A-5E22-7A42-A5B8-F6A28DF936D0}" type="presOf" srcId="{3A7EADB2-EBF7-274F-B049-2491D27138FE}" destId="{B5F5C2E6-744D-B941-8BEA-E6BDDCBCCE4B}" srcOrd="1" destOrd="0" presId="urn:microsoft.com/office/officeart/2005/8/layout/matrix1"/>
-    <dgm:cxn modelId="{0E95A0D9-B6AF-3B4E-AA1B-C58F846EA9AB}" type="presOf" srcId="{39F832DC-642D-684D-946C-A3ED5F42850B}" destId="{9AA89E86-D31D-2040-B731-513BBD74AEBE}" srcOrd="1" destOrd="0" presId="urn:microsoft.com/office/officeart/2005/8/layout/matrix1"/>
-    <dgm:cxn modelId="{2724875C-A03D-DD42-A542-E7006D27B368}" srcId="{C4DB0361-550B-654F-9CBB-9FE95931E8B2}" destId="{32AB40E6-A23E-6349-8F8F-86B57B9B15F7}" srcOrd="0" destOrd="0" parTransId="{0A8764F4-29EA-6E4B-A2C9-6F93854635B0}" sibTransId="{46AC96E8-EBE9-B341-8EA3-4B70EB26737C}"/>
-    <dgm:cxn modelId="{4AFE896B-726D-C04A-915F-1C95498E7ED2}" srcId="{32AB40E6-A23E-6349-8F8F-86B57B9B15F7}" destId="{39F832DC-642D-684D-946C-A3ED5F42850B}" srcOrd="0" destOrd="0" parTransId="{98DA5C93-0E9B-534F-97C6-2A82327B9776}" sibTransId="{F3ADC893-D8C4-CE40-AE34-15C9145E1159}"/>
-    <dgm:cxn modelId="{6AACD341-3B4E-6042-BCEE-65195C69C99D}" srcId="{32AB40E6-A23E-6349-8F8F-86B57B9B15F7}" destId="{3A7EADB2-EBF7-274F-B049-2491D27138FE}" srcOrd="2" destOrd="0" parTransId="{7B062F10-7BB5-FA4E-AF17-5D85AAF0AA28}" sibTransId="{CD107E2A-0F3C-994D-8B1F-097431F6D176}"/>
     <dgm:cxn modelId="{A58B08AF-EF28-6847-8BAD-0AF64512CB58}" type="presParOf" srcId="{A4C8D47B-BDF9-164E-A048-1729E04DFBEB}" destId="{3C4B931F-A726-3941-8D25-922E0EC0C7E7}" srcOrd="0" destOrd="0" presId="urn:microsoft.com/office/officeart/2005/8/layout/matrix1"/>
     <dgm:cxn modelId="{8298275D-F06D-0440-B557-6179E2642E06}" type="presParOf" srcId="{3C4B931F-A726-3941-8D25-922E0EC0C7E7}" destId="{441EAE88-D538-8F4C-883A-D2ABC036B931}" srcOrd="0" destOrd="0" presId="urn:microsoft.com/office/officeart/2005/8/layout/matrix1"/>
     <dgm:cxn modelId="{952C68D2-5FB5-7341-A1AA-3CD2D82D1FA3}" type="presParOf" srcId="{3C4B931F-A726-3941-8D25-922E0EC0C7E7}" destId="{9AA89E86-D31D-2040-B731-513BBD74AEBE}" srcOrd="1" destOrd="0" presId="urn:microsoft.com/office/officeart/2005/8/layout/matrix1"/>
@@ -4275,7 +4230,7 @@
         </a:bodyPr>
         <a:lstStyle/>
         <a:p>
-          <a:pPr lvl="0" algn="ctr" defTabSz="1778000">
+          <a:pPr marL="0" lvl="0" indent="0" algn="ctr" defTabSz="1778000">
             <a:lnSpc>
               <a:spcPct val="90000"/>
             </a:lnSpc>
@@ -4285,12 +4240,12 @@
             <a:spcAft>
               <a:spcPct val="35000"/>
             </a:spcAft>
+            <a:buNone/>
           </a:pPr>
           <a:r>
-            <a:rPr lang="en-US" sz="4000" kern="1200" dirty="0" smtClean="0"/>
+            <a:rPr lang="en-US" sz="4000" kern="1200" dirty="0"/>
             <a:t>b1</a:t>
           </a:r>
-          <a:endParaRPr lang="en-US" sz="4000" kern="1200" dirty="0"/>
         </a:p>
       </dsp:txBody>
       <dsp:txXfrm rot="5400000">
@@ -4350,7 +4305,7 @@
         </a:bodyPr>
         <a:lstStyle/>
         <a:p>
-          <a:pPr lvl="0" algn="ctr" defTabSz="1778000">
+          <a:pPr marL="0" lvl="0" indent="0" algn="ctr" defTabSz="1778000">
             <a:lnSpc>
               <a:spcPct val="90000"/>
             </a:lnSpc>
@@ -4360,12 +4315,12 @@
             <a:spcAft>
               <a:spcPct val="35000"/>
             </a:spcAft>
+            <a:buNone/>
           </a:pPr>
           <a:r>
-            <a:rPr lang="en-US" sz="4000" kern="1200" dirty="0" smtClean="0"/>
+            <a:rPr lang="en-US" sz="4000" kern="1200" dirty="0"/>
             <a:t>b2</a:t>
           </a:r>
-          <a:endParaRPr lang="en-US" sz="4000" kern="1200" dirty="0"/>
         </a:p>
       </dsp:txBody>
       <dsp:txXfrm>
@@ -4425,7 +4380,7 @@
         </a:bodyPr>
         <a:lstStyle/>
         <a:p>
-          <a:pPr lvl="0" algn="ctr" defTabSz="1778000">
+          <a:pPr marL="0" lvl="0" indent="0" algn="ctr" defTabSz="1778000">
             <a:lnSpc>
               <a:spcPct val="90000"/>
             </a:lnSpc>
@@ -4435,12 +4390,12 @@
             <a:spcAft>
               <a:spcPct val="35000"/>
             </a:spcAft>
+            <a:buNone/>
           </a:pPr>
           <a:r>
-            <a:rPr lang="en-US" sz="4000" kern="1200" dirty="0" smtClean="0"/>
+            <a:rPr lang="en-US" sz="4000" kern="1200" dirty="0"/>
             <a:t>b3</a:t>
           </a:r>
-          <a:endParaRPr lang="en-US" sz="4000" kern="1200" dirty="0"/>
         </a:p>
       </dsp:txBody>
       <dsp:txXfrm rot="10800000">
@@ -4500,7 +4455,7 @@
         </a:bodyPr>
         <a:lstStyle/>
         <a:p>
-          <a:pPr lvl="0" algn="ctr" defTabSz="1778000">
+          <a:pPr marL="0" lvl="0" indent="0" algn="ctr" defTabSz="1778000">
             <a:lnSpc>
               <a:spcPct val="90000"/>
             </a:lnSpc>
@@ -4510,12 +4465,12 @@
             <a:spcAft>
               <a:spcPct val="35000"/>
             </a:spcAft>
+            <a:buNone/>
           </a:pPr>
           <a:r>
-            <a:rPr lang="en-US" sz="4000" kern="1200" dirty="0" smtClean="0"/>
+            <a:rPr lang="en-US" sz="4000" kern="1200" dirty="0"/>
             <a:t>b4</a:t>
           </a:r>
-          <a:endParaRPr lang="en-US" sz="4000" kern="1200" dirty="0"/>
         </a:p>
       </dsp:txBody>
       <dsp:txXfrm rot="-5400000">
@@ -4587,7 +4542,7 @@
         </a:bodyPr>
         <a:lstStyle/>
         <a:p>
-          <a:pPr lvl="0" algn="ctr" defTabSz="1778000">
+          <a:pPr marL="0" lvl="0" indent="0" algn="ctr" defTabSz="1778000">
             <a:lnSpc>
               <a:spcPct val="90000"/>
             </a:lnSpc>
@@ -4597,12 +4552,12 @@
             <a:spcAft>
               <a:spcPct val="35000"/>
             </a:spcAft>
+            <a:buNone/>
           </a:pPr>
           <a:r>
-            <a:rPr lang="en-US" sz="4000" kern="1200" dirty="0" smtClean="0"/>
+            <a:rPr lang="en-US" sz="4000" kern="1200" dirty="0"/>
             <a:t>e1</a:t>
           </a:r>
-          <a:endParaRPr lang="en-US" sz="4000" kern="1200" dirty="0"/>
         </a:p>
       </dsp:txBody>
       <dsp:txXfrm>
@@ -6133,7 +6088,7 @@
           <a:p>
             <a:fld id="{6DE84279-423B-4B34-8CA9-B9770621B3B4}" type="datetimeFigureOut">
               <a:rPr lang="en-US" smtClean="0"/>
-              <a:t>10/19/17</a:t>
+              <a:t>10/20/22</a:t>
             </a:fld>
             <a:endParaRPr lang="en-US" dirty="0"/>
           </a:p>
@@ -6197,38 +6152,37 @@
           <a:p>
             <a:pPr lvl="0"/>
             <a:r>
-              <a:rPr lang="en-US" smtClean="0"/>
+              <a:rPr lang="en-US"/>
               <a:t>Click to edit Master text styles</a:t>
             </a:r>
           </a:p>
           <a:p>
             <a:pPr lvl="1"/>
             <a:r>
-              <a:rPr lang="en-US" smtClean="0"/>
+              <a:rPr lang="en-US"/>
               <a:t>Second level</a:t>
             </a:r>
           </a:p>
           <a:p>
             <a:pPr lvl="2"/>
             <a:r>
-              <a:rPr lang="en-US" smtClean="0"/>
+              <a:rPr lang="en-US"/>
               <a:t>Third level</a:t>
             </a:r>
           </a:p>
           <a:p>
             <a:pPr lvl="3"/>
             <a:r>
-              <a:rPr lang="en-US" smtClean="0"/>
+              <a:rPr lang="en-US"/>
               <a:t>Fourth level</a:t>
             </a:r>
           </a:p>
           <a:p>
             <a:pPr lvl="4"/>
             <a:r>
-              <a:rPr lang="en-US" smtClean="0"/>
+              <a:rPr lang="en-US"/>
               <a:t>Fifth level</a:t>
             </a:r>
-            <a:endParaRPr lang="en-US"/>
           </a:p>
         </p:txBody>
       </p:sp>
@@ -6608,7 +6562,7 @@
             </a:clrChange>
             <a:extLst>
               <a:ext uri="{28A0092B-C50C-407E-A947-70E740481C1C}">
-                <a14:useLocalDpi xmlns:a14="http://schemas.microsoft.com/office/drawing/2010/main" val="0"/>
+                <a14:useLocalDpi xmlns:a14="http://schemas.microsoft.com/office/drawing/2010/main"/>
               </a:ext>
             </a:extLst>
           </a:blip>
@@ -6747,7 +6701,7 @@
           <a:p>
             <a:pPr lvl="0"/>
             <a:r>
-              <a:rPr lang="en-US" dirty="0" smtClean="0"/>
+              <a:rPr lang="en-US" dirty="0"/>
               <a:t>Presentation Title</a:t>
             </a:r>
           </a:p>
@@ -6874,14 +6828,14 @@
           <a:p>
             <a:pPr lvl="0"/>
             <a:r>
-              <a:rPr lang="en-US" dirty="0" smtClean="0"/>
+              <a:rPr lang="en-US" dirty="0"/>
               <a:t>Event</a:t>
             </a:r>
           </a:p>
           <a:p>
             <a:pPr lvl="0"/>
             <a:r>
-              <a:rPr lang="en-US" dirty="0" smtClean="0"/>
+              <a:rPr lang="en-US" dirty="0"/>
               <a:t>Place, Time</a:t>
             </a:r>
           </a:p>
@@ -7008,7 +6962,7 @@
           <a:p>
             <a:pPr lvl="0"/>
             <a:r>
-              <a:rPr lang="en-US" dirty="0" smtClean="0"/>
+              <a:rPr lang="en-US" dirty="0"/>
               <a:t>Presenter</a:t>
             </a:r>
           </a:p>
@@ -7086,13 +7040,6 @@
   <p:clrMapOvr>
     <a:overrideClrMapping bg1="lt1" tx1="dk1" bg2="lt2" tx2="dk2" accent1="accent1" accent2="accent2" accent3="accent3" accent4="accent4" accent5="accent5" accent6="accent6" hlink="hlink" folHlink="folHlink"/>
   </p:clrMapOvr>
-  <p:timing>
-    <p:tnLst>
-      <p:par>
-        <p:cTn id="1" dur="indefinite" restart="never" nodeType="tmRoot"/>
-      </p:par>
-    </p:tnLst>
-  </p:timing>
 </p:sldLayout>
 </file>
 
@@ -7180,10 +7127,10 @@
           </a:lstStyle>
           <a:p>
             <a:r>
-              <a:rPr lang="en-US" smtClean="0"/>
+              <a:rPr lang="en-US"/>
               <a:t>12/04/2016</a:t>
             </a:r>
-            <a:endParaRPr lang="el-GR" dirty="0" smtClean="0"/>
+            <a:endParaRPr lang="el-GR" dirty="0"/>
           </a:p>
         </p:txBody>
       </p:sp>
@@ -7237,7 +7184,7 @@
           </a:lstStyle>
           <a:p>
             <a:r>
-              <a:rPr lang="en-US" smtClean="0"/>
+              <a:rPr lang="en-US"/>
               <a:t>Discovering Spatial and Temporal Links among RDF Data</a:t>
             </a:r>
             <a:endParaRPr lang="en-US" dirty="0"/>
@@ -7311,7 +7258,7 @@
             </a:clrChange>
             <a:extLst>
               <a:ext uri="{28A0092B-C50C-407E-A947-70E740481C1C}">
-                <a14:useLocalDpi xmlns:a14="http://schemas.microsoft.com/office/drawing/2010/main" val="0"/>
+                <a14:useLocalDpi xmlns:a14="http://schemas.microsoft.com/office/drawing/2010/main"/>
               </a:ext>
             </a:extLst>
           </a:blip>
@@ -7410,10 +7357,9 @@
           </a:lstStyle>
           <a:p>
             <a:r>
-              <a:rPr lang="en-US" dirty="0" smtClean="0"/>
+              <a:rPr lang="en-US" dirty="0"/>
               <a:t>Click to edit title</a:t>
             </a:r>
-            <a:endParaRPr lang="en-US" dirty="0"/>
           </a:p>
         </p:txBody>
       </p:sp>
@@ -7490,38 +7436,37 @@
           <a:p>
             <a:pPr lvl="0"/>
             <a:r>
-              <a:rPr lang="en-US" dirty="0" smtClean="0"/>
+              <a:rPr lang="en-US" dirty="0"/>
               <a:t>Click to edit text</a:t>
             </a:r>
           </a:p>
           <a:p>
             <a:pPr lvl="1"/>
             <a:r>
-              <a:rPr lang="en-US" dirty="0" smtClean="0"/>
+              <a:rPr lang="en-US" dirty="0"/>
               <a:t>Second level</a:t>
             </a:r>
           </a:p>
           <a:p>
             <a:pPr lvl="2"/>
             <a:r>
-              <a:rPr lang="en-US" dirty="0" smtClean="0"/>
+              <a:rPr lang="en-US" dirty="0"/>
               <a:t>Third level</a:t>
             </a:r>
           </a:p>
           <a:p>
             <a:pPr lvl="3"/>
             <a:r>
-              <a:rPr lang="en-US" dirty="0" smtClean="0"/>
+              <a:rPr lang="en-US" dirty="0"/>
               <a:t>Fourth level</a:t>
             </a:r>
           </a:p>
           <a:p>
             <a:pPr lvl="4"/>
             <a:r>
-              <a:rPr lang="en-US" dirty="0" smtClean="0"/>
+              <a:rPr lang="en-US" dirty="0"/>
               <a:t>Fifth level</a:t>
             </a:r>
-            <a:endParaRPr lang="en-US" dirty="0"/>
           </a:p>
         </p:txBody>
       </p:sp>
@@ -7535,13 +7480,6 @@
   <p:clrMapOvr>
     <a:overrideClrMapping bg1="lt1" tx1="dk1" bg2="lt2" tx2="dk2" accent1="accent1" accent2="accent2" accent3="accent3" accent4="accent4" accent5="accent5" accent6="accent6" hlink="hlink" folHlink="folHlink"/>
   </p:clrMapOvr>
-  <p:timing>
-    <p:tnLst>
-      <p:par>
-        <p:cTn id="1" dur="indefinite" restart="never" nodeType="tmRoot"/>
-      </p:par>
-    </p:tnLst>
-  </p:timing>
 </p:sldLayout>
 </file>
 
@@ -7585,13 +7523,6 @@
     <p:sldLayoutId id="2147483649" r:id="rId1"/>
     <p:sldLayoutId id="2147483650" r:id="rId2"/>
   </p:sldLayoutIdLst>
-  <p:timing>
-    <p:tnLst>
-      <p:par>
-        <p:cTn id="1" dur="indefinite" restart="never" nodeType="tmRoot"/>
-      </p:par>
-    </p:tnLst>
-  </p:timing>
   <p:hf hdr="0"/>
   <p:txStyles>
     <p:titleStyle>
@@ -7881,13 +7812,8 @@
             <a:pPr algn="ctr"/>
             <a:r>
               <a:rPr lang="en-US" dirty="0"/>
-              <a:t>Discovering Spatial and Temporal Links among RDF </a:t>
-            </a:r>
-            <a:r>
-              <a:rPr lang="en-US" dirty="0" smtClean="0"/>
-              <a:t>Data</a:t>
-            </a:r>
-            <a:endParaRPr lang="en-US" dirty="0"/>
+              <a:t>Discovering Spatial and Temporal Links among RDF Data</a:t>
+            </a:r>
           </a:p>
         </p:txBody>
       </p:sp>
@@ -7947,21 +7873,8 @@
                   <a:srgbClr val="000000"/>
                 </a:solidFill>
               </a:rPr>
-              <a:t>WWW2016 Workshop: Linked Data on the Web (LDOW2016</a:t>
-            </a:r>
-            <a:r>
-              <a:rPr lang="en-US" sz="1400" dirty="0" smtClean="0">
-                <a:solidFill>
-                  <a:srgbClr val="000000"/>
-                </a:solidFill>
-              </a:rPr>
-              <a:t>)</a:t>
-            </a:r>
-            <a:endParaRPr lang="en-US" sz="1400" dirty="0">
-              <a:solidFill>
-                <a:srgbClr val="000000"/>
-              </a:solidFill>
-            </a:endParaRPr>
+              <a:t>WWW2016 Workshop: Linked Data on the Web (LDOW2016)</a:t>
+            </a:r>
           </a:p>
           <a:p>
             <a:pPr>
@@ -7998,37 +7911,8 @@
                   <a:srgbClr val="000000"/>
                 </a:solidFill>
               </a:rPr>
-              <a:t>April </a:t>
-            </a:r>
-            <a:r>
-              <a:rPr lang="en-US" sz="1400" dirty="0" smtClean="0">
-                <a:solidFill>
-                  <a:srgbClr val="000000"/>
-                </a:solidFill>
-              </a:rPr>
-              <a:t>12, </a:t>
-            </a:r>
-            <a:r>
-              <a:rPr lang="en-US" sz="1400" dirty="0">
-                <a:solidFill>
-                  <a:srgbClr val="000000"/>
-                </a:solidFill>
-              </a:rPr>
-              <a:t>2016 - </a:t>
-            </a:r>
-            <a:r>
-              <a:rPr lang="en-US" sz="1400" dirty="0" smtClean="0">
-                <a:solidFill>
-                  <a:srgbClr val="000000"/>
-                </a:solidFill>
-              </a:rPr>
-              <a:t>Montréal, Canada</a:t>
-            </a:r>
-            <a:endParaRPr lang="en-US" sz="1400" dirty="0">
-              <a:solidFill>
-                <a:srgbClr val="000000"/>
-              </a:solidFill>
-            </a:endParaRPr>
+              <a:t>April 12, 2016 - Montréal, Canada</a:t>
+            </a:r>
           </a:p>
         </p:txBody>
       </p:sp>
@@ -8083,7 +7967,7 @@
               </a:tabLst>
             </a:pPr>
             <a:r>
-              <a:rPr lang="en-US" sz="1800" b="1" u="sng" dirty="0" smtClean="0">
+              <a:rPr lang="en-US" sz="1800" b="1" u="sng" dirty="0">
                 <a:solidFill>
                   <a:schemeClr val="accent2">
                     <a:lumMod val="75000"/>
@@ -8093,7 +7977,7 @@
               <a:t>Panayiotis </a:t>
             </a:r>
             <a:r>
-              <a:rPr lang="en-US" sz="1800" b="1" u="sng" dirty="0" err="1" smtClean="0">
+              <a:rPr lang="en-US" sz="1800" b="1" u="sng" dirty="0" err="1">
                 <a:solidFill>
                   <a:schemeClr val="accent2">
                     <a:lumMod val="75000"/>
@@ -8103,7 +7987,7 @@
               <a:t>Smeros</a:t>
             </a:r>
             <a:r>
-              <a:rPr lang="en-US" sz="1800" b="1" dirty="0" smtClean="0">
+              <a:rPr lang="en-US" sz="1800" b="1" dirty="0">
                 <a:solidFill>
                   <a:schemeClr val="accent2">
                     <a:lumMod val="75000"/>
@@ -8113,7 +7997,7 @@
               <a:t> and </a:t>
             </a:r>
             <a:r>
-              <a:rPr lang="en-US" sz="1800" b="1" dirty="0" err="1" smtClean="0">
+              <a:rPr lang="en-US" sz="1800" b="1" dirty="0" err="1">
                 <a:solidFill>
                   <a:schemeClr val="accent2">
                     <a:lumMod val="75000"/>
@@ -8123,7 +8007,7 @@
               <a:t>Manolis</a:t>
             </a:r>
             <a:r>
-              <a:rPr lang="en-US" sz="1800" b="1" dirty="0" smtClean="0">
+              <a:rPr lang="en-US" sz="1800" b="1" dirty="0">
                 <a:solidFill>
                   <a:schemeClr val="accent2">
                     <a:lumMod val="75000"/>
@@ -8133,7 +8017,7 @@
               <a:t> </a:t>
             </a:r>
             <a:r>
-              <a:rPr lang="en-US" sz="1800" b="1" dirty="0" err="1" smtClean="0">
+              <a:rPr lang="en-US" sz="1800" b="1" dirty="0" err="1">
                 <a:solidFill>
                   <a:schemeClr val="accent2">
                     <a:lumMod val="75000"/>
@@ -8375,13 +8259,6 @@
   <p:clrMapOvr>
     <a:masterClrMapping/>
   </p:clrMapOvr>
-  <p:timing>
-    <p:tnLst>
-      <p:par>
-        <p:cTn id="1" dur="indefinite" restart="never" nodeType="tmRoot"/>
-      </p:par>
-    </p:tnLst>
-  </p:timing>
 </p:sld>
 </file>
 
@@ -8418,7 +8295,7 @@
           <a:lstStyle/>
           <a:p>
             <a:r>
-              <a:rPr lang="en-US" smtClean="0"/>
+              <a:rPr lang="en-US"/>
               <a:t>12/04/2016</a:t>
             </a:r>
             <a:endParaRPr lang="en-US" dirty="0"/>
@@ -8442,7 +8319,7 @@
           <a:p>
             <a:pPr algn="ctr"/>
             <a:r>
-              <a:rPr lang="en-US" smtClean="0"/>
+              <a:rPr lang="en-US"/>
               <a:t>Discovering Spatial and Temporal Links among RDF Data</a:t>
             </a:r>
             <a:endParaRPr lang="en-US" dirty="0"/>
@@ -8519,18 +8396,11 @@
               <a:buNone/>
             </a:pPr>
             <a:r>
-              <a:rPr lang="en-US" sz="1800" dirty="0" smtClean="0">
-                <a:latin typeface="Courier New" pitchFamily="49" charset="0"/>
-                <a:cs typeface="Courier New" pitchFamily="49" charset="0"/>
-              </a:rPr>
-              <a:t>_:</a:t>
-            </a:r>
-            <a:r>
               <a:rPr lang="en-US" sz="1800" dirty="0">
                 <a:latin typeface="Courier New" pitchFamily="49" charset="0"/>
                 <a:cs typeface="Courier New" pitchFamily="49" charset="0"/>
               </a:rPr>
-              <a:t>1 </a:t>
+              <a:t>_:1 </a:t>
             </a:r>
             <a:r>
               <a:rPr lang="en-US" sz="1800" dirty="0" err="1">
@@ -8595,17 +8465,13 @@
               </a:rPr>
               <a:t>"&lt;http://www.opengis.net/def/crs/EPSG/0/4326&gt; </a:t>
             </a:r>
-            <a:endParaRPr lang="en-US" sz="1800" dirty="0" smtClean="0">
-              <a:latin typeface="Courier New" pitchFamily="49" charset="0"/>
-              <a:cs typeface="Courier New" pitchFamily="49" charset="0"/>
-            </a:endParaRPr>
           </a:p>
           <a:p>
             <a:pPr marL="0" indent="0">
               <a:buNone/>
             </a:pPr>
             <a:r>
-              <a:rPr lang="en-US" sz="1800" dirty="0" smtClean="0">
+              <a:rPr lang="en-US" sz="1800" dirty="0">
                 <a:latin typeface="Courier New" pitchFamily="49" charset="0"/>
                 <a:cs typeface="Courier New" pitchFamily="49" charset="0"/>
               </a:rPr>
@@ -8625,19 +8491,6 @@
               </a:rPr>
               <a:t> .</a:t>
             </a:r>
-            <a:endParaRPr lang="en-US" sz="1800" dirty="0" smtClean="0">
-              <a:latin typeface="Courier New" pitchFamily="49" charset="0"/>
-              <a:cs typeface="Courier New" pitchFamily="49" charset="0"/>
-            </a:endParaRPr>
-          </a:p>
-          <a:p>
-            <a:pPr marL="0" indent="0">
-              <a:buNone/>
-            </a:pPr>
-            <a:endParaRPr lang="en-US" sz="1800" dirty="0" smtClean="0">
-              <a:latin typeface="Courier New" pitchFamily="49" charset="0"/>
-              <a:cs typeface="Courier New" pitchFamily="49" charset="0"/>
-            </a:endParaRPr>
           </a:p>
           <a:p>
             <a:pPr marL="0" indent="0">
@@ -8652,60 +8505,6 @@
             <a:pPr marL="0" indent="0">
               <a:buNone/>
             </a:pPr>
-            <a:r>
-              <a:rPr lang="en-US" sz="1800" dirty="0">
-                <a:latin typeface="Courier New" pitchFamily="49" charset="0"/>
-                <a:cs typeface="Courier New" pitchFamily="49" charset="0"/>
-              </a:rPr>
-              <a:t>_:1 </a:t>
-            </a:r>
-            <a:r>
-              <a:rPr lang="en-US" sz="1800" dirty="0" err="1">
-                <a:latin typeface="Courier New" pitchFamily="49" charset="0"/>
-                <a:cs typeface="Courier New" pitchFamily="49" charset="0"/>
-              </a:rPr>
-              <a:t>rdf:type</a:t>
-            </a:r>
-            <a:r>
-              <a:rPr lang="en-US" sz="1800" dirty="0">
-                <a:latin typeface="Courier New" pitchFamily="49" charset="0"/>
-                <a:cs typeface="Courier New" pitchFamily="49" charset="0"/>
-              </a:rPr>
-              <a:t> </a:t>
-            </a:r>
-            <a:r>
-              <a:rPr lang="en-US" sz="1800" dirty="0" err="1">
-                <a:latin typeface="Courier New" pitchFamily="49" charset="0"/>
-                <a:cs typeface="Courier New" pitchFamily="49" charset="0"/>
-              </a:rPr>
-              <a:t>strdf:Geometry</a:t>
-            </a:r>
-            <a:r>
-              <a:rPr lang="en-US" sz="1800" dirty="0">
-                <a:latin typeface="Courier New" pitchFamily="49" charset="0"/>
-                <a:cs typeface="Courier New" pitchFamily="49" charset="0"/>
-              </a:rPr>
-              <a:t> .</a:t>
-            </a:r>
-          </a:p>
-          <a:p>
-            <a:pPr marL="0" indent="0">
-              <a:buNone/>
-            </a:pPr>
-            <a:r>
-              <a:rPr lang="en-US" sz="1800" dirty="0">
-                <a:latin typeface="Courier New" pitchFamily="49" charset="0"/>
-                <a:cs typeface="Courier New" pitchFamily="49" charset="0"/>
-              </a:rPr>
-              <a:t>_:1 </a:t>
-            </a:r>
-            <a:r>
-              <a:rPr lang="en-US" sz="1800" dirty="0" err="1">
-                <a:latin typeface="Courier New" pitchFamily="49" charset="0"/>
-                <a:cs typeface="Courier New" pitchFamily="49" charset="0"/>
-              </a:rPr>
-              <a:t>strdf:hasGeometry</a:t>
-            </a:r>
             <a:endParaRPr lang="en-US" sz="1800" dirty="0">
               <a:latin typeface="Courier New" pitchFamily="49" charset="0"/>
               <a:cs typeface="Courier New" pitchFamily="49" charset="0"/>
@@ -8720,14 +8519,14 @@
                 <a:latin typeface="Courier New" pitchFamily="49" charset="0"/>
                 <a:cs typeface="Courier New" pitchFamily="49" charset="0"/>
               </a:rPr>
-              <a:t>"&lt;</a:t>
+              <a:t>_:1 </a:t>
             </a:r>
             <a:r>
               <a:rPr lang="en-US" sz="1800" dirty="0" err="1">
                 <a:latin typeface="Courier New" pitchFamily="49" charset="0"/>
                 <a:cs typeface="Courier New" pitchFamily="49" charset="0"/>
               </a:rPr>
-              <a:t>gml:Point</a:t>
+              <a:t>rdf:type</a:t>
             </a:r>
             <a:r>
               <a:rPr lang="en-US" sz="1800" dirty="0">
@@ -8741,27 +8540,90 @@
                 <a:latin typeface="Courier New" pitchFamily="49" charset="0"/>
                 <a:cs typeface="Courier New" pitchFamily="49" charset="0"/>
               </a:rPr>
-              <a:t>crsName</a:t>
+              <a:t>strdf:Geometry</a:t>
             </a:r>
             <a:r>
               <a:rPr lang="en-US" sz="1800" dirty="0">
                 <a:latin typeface="Courier New" pitchFamily="49" charset="0"/>
                 <a:cs typeface="Courier New" pitchFamily="49" charset="0"/>
               </a:rPr>
-              <a:t>="EPSG:2100"&gt;&lt;</a:t>
+              <a:t> .</a:t>
+            </a:r>
+          </a:p>
+          <a:p>
+            <a:pPr marL="0" indent="0">
+              <a:buNone/>
+            </a:pPr>
+            <a:r>
+              <a:rPr lang="en-US" sz="1800" dirty="0">
+                <a:latin typeface="Courier New" pitchFamily="49" charset="0"/>
+                <a:cs typeface="Courier New" pitchFamily="49" charset="0"/>
+              </a:rPr>
+              <a:t>_:1 </a:t>
             </a:r>
             <a:r>
               <a:rPr lang="en-US" sz="1800" dirty="0" err="1">
                 <a:latin typeface="Courier New" pitchFamily="49" charset="0"/>
                 <a:cs typeface="Courier New" pitchFamily="49" charset="0"/>
               </a:rPr>
-              <a:t>gml:coordinates</a:t>
-            </a:r>
+              <a:t>strdf:hasGeometry</a:t>
+            </a:r>
+            <a:endParaRPr lang="en-US" sz="1800" dirty="0">
+              <a:latin typeface="Courier New" pitchFamily="49" charset="0"/>
+              <a:cs typeface="Courier New" pitchFamily="49" charset="0"/>
+            </a:endParaRPr>
+          </a:p>
+          <a:p>
+            <a:pPr marL="0" indent="0">
+              <a:buNone/>
+            </a:pPr>
             <a:r>
               <a:rPr lang="en-US" sz="1800" dirty="0">
                 <a:latin typeface="Courier New" pitchFamily="49" charset="0"/>
                 <a:cs typeface="Courier New" pitchFamily="49" charset="0"/>
               </a:rPr>
+              <a:t>"&lt;</a:t>
+            </a:r>
+            <a:r>
+              <a:rPr lang="en-US" sz="1800" dirty="0" err="1">
+                <a:latin typeface="Courier New" pitchFamily="49" charset="0"/>
+                <a:cs typeface="Courier New" pitchFamily="49" charset="0"/>
+              </a:rPr>
+              <a:t>gml:Point</a:t>
+            </a:r>
+            <a:r>
+              <a:rPr lang="en-US" sz="1800" dirty="0">
+                <a:latin typeface="Courier New" pitchFamily="49" charset="0"/>
+                <a:cs typeface="Courier New" pitchFamily="49" charset="0"/>
+              </a:rPr>
+              <a:t> </a:t>
+            </a:r>
+            <a:r>
+              <a:rPr lang="en-US" sz="1800" dirty="0" err="1">
+                <a:latin typeface="Courier New" pitchFamily="49" charset="0"/>
+                <a:cs typeface="Courier New" pitchFamily="49" charset="0"/>
+              </a:rPr>
+              <a:t>crsName</a:t>
+            </a:r>
+            <a:r>
+              <a:rPr lang="en-US" sz="1800" dirty="0">
+                <a:latin typeface="Courier New" pitchFamily="49" charset="0"/>
+                <a:cs typeface="Courier New" pitchFamily="49" charset="0"/>
+              </a:rPr>
+              <a:t>="EPSG:2100"&gt;&lt;</a:t>
+            </a:r>
+            <a:r>
+              <a:rPr lang="en-US" sz="1800" dirty="0" err="1">
+                <a:latin typeface="Courier New" pitchFamily="49" charset="0"/>
+                <a:cs typeface="Courier New" pitchFamily="49" charset="0"/>
+              </a:rPr>
+              <a:t>gml:coordinates</a:t>
+            </a:r>
+            <a:r>
+              <a:rPr lang="en-US" sz="1800" dirty="0">
+                <a:latin typeface="Courier New" pitchFamily="49" charset="0"/>
+                <a:cs typeface="Courier New" pitchFamily="49" charset="0"/>
+              </a:rPr>
               <a:t>&gt;10,20 </a:t>
             </a:r>
           </a:p>
@@ -8823,7 +8685,7 @@
             <a:pPr marL="0" indent="0">
               <a:buNone/>
             </a:pPr>
-            <a:endParaRPr lang="en-US" sz="1200" dirty="0" smtClean="0">
+            <a:endParaRPr lang="en-US" sz="1200" dirty="0">
               <a:latin typeface="Courier New" pitchFamily="49" charset="0"/>
               <a:cs typeface="Courier New" pitchFamily="49" charset="0"/>
             </a:endParaRPr>
@@ -8832,21 +8694,12 @@
             <a:pPr marL="0" indent="0">
               <a:buNone/>
             </a:pPr>
-            <a:endParaRPr lang="en-US" sz="1200" dirty="0" smtClean="0">
+            <a:endParaRPr lang="en-US" sz="1200" dirty="0">
               <a:latin typeface="Courier New" pitchFamily="49" charset="0"/>
               <a:cs typeface="Courier New" pitchFamily="49" charset="0"/>
             </a:endParaRPr>
           </a:p>
           <a:p>
-            <a:r>
-              <a:rPr lang="en-US" sz="2100" b="1" i="1" dirty="0" smtClean="0">
-                <a:solidFill>
-                  <a:srgbClr val="C00000"/>
-                </a:solidFill>
-                <a:cs typeface="Courier New" pitchFamily="49" charset="0"/>
-              </a:rPr>
-              <a:t>Different </a:t>
-            </a:r>
             <a:r>
               <a:rPr lang="en-US" sz="2100" b="1" i="1" dirty="0">
                 <a:solidFill>
@@ -8854,21 +8707,12 @@
                 </a:solidFill>
                 <a:cs typeface="Courier New" pitchFamily="49" charset="0"/>
               </a:rPr>
-              <a:t>V</a:t>
-            </a:r>
-            <a:r>
-              <a:rPr lang="en-US" sz="2100" b="1" i="1" dirty="0" smtClean="0">
-                <a:solidFill>
-                  <a:srgbClr val="C00000"/>
-                </a:solidFill>
-                <a:cs typeface="Courier New" pitchFamily="49" charset="0"/>
-              </a:rPr>
-              <a:t>ocabularies</a:t>
-            </a:r>
-          </a:p>
-          <a:p>
-            <a:r>
-              <a:rPr lang="en-US" sz="2100" b="1" i="1" dirty="0" smtClean="0">
+              <a:t>Different Vocabularies</a:t>
+            </a:r>
+          </a:p>
+          <a:p>
+            <a:r>
+              <a:rPr lang="en-US" sz="2100" b="1" i="1" dirty="0">
                 <a:solidFill>
                   <a:srgbClr val="C00000"/>
                 </a:solidFill>
@@ -9015,7 +8859,7 @@
           <a:lstStyle/>
           <a:p>
             <a:r>
-              <a:rPr lang="en-US" sz="2400" dirty="0" err="1" smtClean="0">
+              <a:rPr lang="en-US" sz="2400" dirty="0" err="1">
                 <a:solidFill>
                   <a:schemeClr val="accent6">
                     <a:lumMod val="50000"/>
@@ -9048,7 +8892,7 @@
           <a:blip r:embed="rId2">
             <a:extLst>
               <a:ext uri="{28A0092B-C50C-407E-A947-70E740481C1C}">
-                <a14:useLocalDpi xmlns:a14="http://schemas.microsoft.com/office/drawing/2010/main" val="0"/>
+                <a14:useLocalDpi xmlns:a14="http://schemas.microsoft.com/office/drawing/2010/main"/>
               </a:ext>
             </a:extLst>
           </a:blip>
@@ -9121,7 +8965,7 @@
           <a:lstStyle/>
           <a:p>
             <a:r>
-              <a:rPr lang="en-US" sz="2400" dirty="0" err="1" smtClean="0">
+              <a:rPr lang="en-US" sz="2400" dirty="0" err="1">
                 <a:solidFill>
                   <a:schemeClr val="accent6">
                     <a:lumMod val="50000"/>
@@ -9152,13 +8996,6 @@
   <p:clrMapOvr>
     <a:masterClrMapping/>
   </p:clrMapOvr>
-  <p:timing>
-    <p:tnLst>
-      <p:par>
-        <p:cTn id="1" dur="indefinite" restart="never" nodeType="tmRoot"/>
-      </p:par>
-    </p:tnLst>
-  </p:timing>
 </p:sld>
 </file>
 
@@ -9195,7 +9032,7 @@
           <a:lstStyle/>
           <a:p>
             <a:r>
-              <a:rPr lang="en-US" smtClean="0"/>
+              <a:rPr lang="en-US"/>
               <a:t>12/04/2016</a:t>
             </a:r>
             <a:endParaRPr lang="en-US" dirty="0"/>
@@ -9219,7 +9056,7 @@
           <a:p>
             <a:pPr algn="ctr"/>
             <a:r>
-              <a:rPr lang="en-US" smtClean="0"/>
+              <a:rPr lang="en-US"/>
               <a:t>Discovering Spatial and Temporal Links among RDF Data</a:t>
             </a:r>
             <a:endParaRPr lang="en-US" dirty="0"/>
@@ -9693,7 +9530,7 @@
             <a:pPr marL="0" indent="0">
               <a:buNone/>
             </a:pPr>
-            <a:endParaRPr lang="en-US" sz="1200" i="1" dirty="0" smtClean="0">
+            <a:endParaRPr lang="en-US" sz="1200" i="1" dirty="0">
               <a:solidFill>
                 <a:srgbClr val="C00000"/>
               </a:solidFill>
@@ -9712,7 +9549,7 @@
             <a:pPr marL="0" indent="0">
               <a:buNone/>
             </a:pPr>
-            <a:endParaRPr lang="en-US" sz="1200" i="1" dirty="0" smtClean="0">
+            <a:endParaRPr lang="en-US" sz="1200" i="1" dirty="0">
               <a:solidFill>
                 <a:srgbClr val="C00000"/>
               </a:solidFill>
@@ -9729,31 +9566,13 @@
           </a:p>
           <a:p>
             <a:r>
-              <a:rPr lang="en-US" sz="2100" b="1" i="1" dirty="0" smtClean="0">
-                <a:solidFill>
-                  <a:srgbClr val="C00000"/>
-                </a:solidFill>
-                <a:cs typeface="Courier New" pitchFamily="49" charset="0"/>
-              </a:rPr>
-              <a:t>Different </a:t>
-            </a:r>
-            <a:r>
               <a:rPr lang="en-US" sz="2100" b="1" i="1" dirty="0">
                 <a:solidFill>
                   <a:srgbClr val="C00000"/>
                 </a:solidFill>
                 <a:cs typeface="Courier New" pitchFamily="49" charset="0"/>
               </a:rPr>
-              <a:t>V</a:t>
-            </a:r>
-            <a:r>
-              <a:rPr lang="en-US" sz="2100" b="1" i="1" dirty="0" smtClean="0">
-                <a:solidFill>
-                  <a:srgbClr val="C00000"/>
-                </a:solidFill>
-                <a:cs typeface="Courier New" pitchFamily="49" charset="0"/>
-              </a:rPr>
-              <a:t>ocabularies</a:t>
+              <a:t>Different Vocabularies</a:t>
             </a:r>
           </a:p>
           <a:p>
@@ -9764,38 +9583,29 @@
                 </a:solidFill>
                 <a:cs typeface="Courier New" pitchFamily="49" charset="0"/>
               </a:rPr>
-              <a:t>Different Serializations of </a:t>
-            </a:r>
-            <a:r>
-              <a:rPr lang="en-US" sz="2100" b="1" i="1" dirty="0" smtClean="0">
+              <a:t>Different Serializations of Geometries</a:t>
+            </a:r>
+          </a:p>
+          <a:p>
+            <a:r>
+              <a:rPr lang="en-US" sz="2100" b="1" i="1" dirty="0">
                 <a:solidFill>
                   <a:srgbClr val="C00000"/>
                 </a:solidFill>
                 <a:cs typeface="Courier New" pitchFamily="49" charset="0"/>
               </a:rPr>
-              <a:t>Geometries</a:t>
-            </a:r>
-          </a:p>
-          <a:p>
-            <a:r>
-              <a:rPr lang="en-US" sz="2100" b="1" i="1" dirty="0" smtClean="0">
+              <a:t>Geometries expressed in Different Coordinate </a:t>
+            </a:r>
+            <a:br>
+              <a:rPr lang="en-US" sz="2100" b="1" i="1" dirty="0">
                 <a:solidFill>
                   <a:srgbClr val="C00000"/>
                 </a:solidFill>
                 <a:cs typeface="Courier New" pitchFamily="49" charset="0"/>
               </a:rPr>
-              <a:t>Geometries expressed in Different Coordinate </a:t>
-            </a:r>
-            <a:br>
-              <a:rPr lang="en-US" sz="2100" b="1" i="1" dirty="0" smtClean="0">
-                <a:solidFill>
-                  <a:srgbClr val="C00000"/>
-                </a:solidFill>
-                <a:cs typeface="Courier New" pitchFamily="49" charset="0"/>
-              </a:rPr>
             </a:br>
             <a:r>
-              <a:rPr lang="en-US" sz="2100" b="1" i="1" dirty="0" smtClean="0">
+              <a:rPr lang="en-US" sz="2100" b="1" i="1" dirty="0">
                 <a:solidFill>
                   <a:srgbClr val="C00000"/>
                 </a:solidFill>
@@ -9942,7 +9752,7 @@
           <a:lstStyle/>
           <a:p>
             <a:r>
-              <a:rPr lang="en-US" sz="2400" dirty="0" err="1" smtClean="0">
+              <a:rPr lang="en-US" sz="2400" dirty="0" err="1">
                 <a:solidFill>
                   <a:schemeClr val="accent6">
                     <a:lumMod val="50000"/>
@@ -10007,7 +9817,7 @@
           <a:lstStyle/>
           <a:p>
             <a:r>
-              <a:rPr lang="en-US" sz="2400" dirty="0" err="1" smtClean="0">
+              <a:rPr lang="en-US" sz="2400" dirty="0" err="1">
                 <a:solidFill>
                   <a:schemeClr val="accent6">
                     <a:lumMod val="50000"/>
@@ -10040,7 +9850,7 @@
           <a:blip r:embed="rId2">
             <a:extLst>
               <a:ext uri="{28A0092B-C50C-407E-A947-70E740481C1C}">
-                <a14:useLocalDpi xmlns:a14="http://schemas.microsoft.com/office/drawing/2010/main" val="0"/>
+                <a14:useLocalDpi xmlns:a14="http://schemas.microsoft.com/office/drawing/2010/main"/>
               </a:ext>
             </a:extLst>
           </a:blip>
@@ -10079,13 +9889,6 @@
   <p:clrMapOvr>
     <a:masterClrMapping/>
   </p:clrMapOvr>
-  <p:timing>
-    <p:tnLst>
-      <p:par>
-        <p:cTn id="1" dur="indefinite" restart="never" nodeType="tmRoot"/>
-      </p:par>
-    </p:tnLst>
-  </p:timing>
 </p:sld>
 </file>
 
@@ -10122,7 +9925,7 @@
           <a:lstStyle/>
           <a:p>
             <a:r>
-              <a:rPr lang="en-US" smtClean="0"/>
+              <a:rPr lang="en-US"/>
               <a:t>12/04/2016</a:t>
             </a:r>
             <a:endParaRPr lang="en-US" dirty="0"/>
@@ -10146,7 +9949,7 @@
           <a:p>
             <a:pPr algn="ctr"/>
             <a:r>
-              <a:rPr lang="en-US" smtClean="0"/>
+              <a:rPr lang="en-US"/>
               <a:t>Discovering Spatial and Temporal Links among RDF Data</a:t>
             </a:r>
             <a:endParaRPr lang="en-US" dirty="0"/>
@@ -10218,13 +10021,6 @@
           <a:lstStyle/>
           <a:p>
             <a:pPr marL="514350" indent="-457200"/>
-            <a:endParaRPr lang="en-US" b="1" dirty="0" smtClean="0">
-              <a:solidFill>
-                <a:srgbClr val="C00000"/>
-              </a:solidFill>
-            </a:endParaRPr>
-          </a:p>
-          <a:p>
             <a:endParaRPr lang="en-US" b="1" dirty="0">
               <a:solidFill>
                 <a:srgbClr val="C00000"/>
@@ -10232,13 +10028,6 @@
             </a:endParaRPr>
           </a:p>
           <a:p>
-            <a:endParaRPr lang="en-US" b="1" dirty="0" smtClean="0">
-              <a:solidFill>
-                <a:srgbClr val="C00000"/>
-              </a:solidFill>
-            </a:endParaRPr>
-          </a:p>
-          <a:p>
             <a:endParaRPr lang="en-US" b="1" dirty="0">
               <a:solidFill>
                 <a:srgbClr val="C00000"/>
@@ -10246,21 +10035,35 @@
             </a:endParaRPr>
           </a:p>
           <a:p>
-            <a:endParaRPr lang="en-US" b="1" dirty="0" smtClean="0">
+            <a:endParaRPr lang="en-US" b="1" dirty="0">
               <a:solidFill>
                 <a:srgbClr val="C00000"/>
               </a:solidFill>
             </a:endParaRPr>
           </a:p>
           <a:p>
-            <a:endParaRPr lang="en-US" b="1" dirty="0" smtClean="0">
+            <a:endParaRPr lang="en-US" b="1" dirty="0">
               <a:solidFill>
                 <a:srgbClr val="C00000"/>
               </a:solidFill>
             </a:endParaRPr>
           </a:p>
           <a:p>
-            <a:endParaRPr lang="en-US" b="1" dirty="0" smtClean="0">
+            <a:endParaRPr lang="en-US" b="1" dirty="0">
+              <a:solidFill>
+                <a:srgbClr val="C00000"/>
+              </a:solidFill>
+            </a:endParaRPr>
+          </a:p>
+          <a:p>
+            <a:endParaRPr lang="en-US" b="1" dirty="0">
+              <a:solidFill>
+                <a:srgbClr val="C00000"/>
+              </a:solidFill>
+            </a:endParaRPr>
+          </a:p>
+          <a:p>
+            <a:endParaRPr lang="en-US" b="1" dirty="0">
               <a:solidFill>
                 <a:srgbClr val="C00000"/>
               </a:solidFill>
@@ -10290,7 +10093,7 @@
             </a:clrChange>
             <a:extLst>
               <a:ext uri="{28A0092B-C50C-407E-A947-70E740481C1C}">
-                <a14:useLocalDpi xmlns:a14="http://schemas.microsoft.com/office/drawing/2010/main" val="0"/>
+                <a14:useLocalDpi xmlns:a14="http://schemas.microsoft.com/office/drawing/2010/main"/>
               </a:ext>
             </a:extLst>
           </a:blip>
@@ -10365,7 +10168,7 @@
           <a:p>
             <a:pPr algn="r"/>
             <a:r>
-              <a:rPr lang="en-US" sz="800" dirty="0" smtClean="0">
+              <a:rPr lang="en-US" sz="800" dirty="0">
                 <a:hlinkClick r:id="rId3" action="ppaction://hlinkpres?slideindex=1&amp;slidetitle="/>
               </a:rPr>
               <a:t>source</a:t>
@@ -10384,13 +10187,6 @@
   <p:clrMapOvr>
     <a:masterClrMapping/>
   </p:clrMapOvr>
-  <p:timing>
-    <p:tnLst>
-      <p:par>
-        <p:cTn id="1" dur="indefinite" restart="never" nodeType="tmRoot"/>
-      </p:par>
-    </p:tnLst>
-  </p:timing>
 </p:sld>
 </file>
 
@@ -10427,7 +10223,7 @@
           <a:lstStyle/>
           <a:p>
             <a:r>
-              <a:rPr lang="en-US" smtClean="0"/>
+              <a:rPr lang="en-US"/>
               <a:t>12/04/2016</a:t>
             </a:r>
             <a:endParaRPr lang="en-US" dirty="0"/>
@@ -10451,7 +10247,7 @@
           <a:p>
             <a:pPr algn="ctr"/>
             <a:r>
-              <a:rPr lang="en-US" smtClean="0"/>
+              <a:rPr lang="en-US"/>
               <a:t>Discovering Spatial and Temporal Links among RDF Data</a:t>
             </a:r>
             <a:endParaRPr lang="en-US" dirty="0"/>
@@ -10523,13 +10319,6 @@
           <a:lstStyle/>
           <a:p>
             <a:pPr marL="514350" indent="-457200"/>
-            <a:endParaRPr lang="en-US" b="1" dirty="0" smtClean="0">
-              <a:solidFill>
-                <a:srgbClr val="C00000"/>
-              </a:solidFill>
-            </a:endParaRPr>
-          </a:p>
-          <a:p>
             <a:endParaRPr lang="en-US" b="1" dirty="0">
               <a:solidFill>
                 <a:srgbClr val="C00000"/>
@@ -10537,13 +10326,6 @@
             </a:endParaRPr>
           </a:p>
           <a:p>
-            <a:endParaRPr lang="en-US" b="1" dirty="0" smtClean="0">
-              <a:solidFill>
-                <a:srgbClr val="C00000"/>
-              </a:solidFill>
-            </a:endParaRPr>
-          </a:p>
-          <a:p>
             <a:endParaRPr lang="en-US" b="1" dirty="0">
               <a:solidFill>
                 <a:srgbClr val="C00000"/>
@@ -10551,96 +10333,76 @@
             </a:endParaRPr>
           </a:p>
           <a:p>
-            <a:endParaRPr lang="en-US" b="1" dirty="0" smtClean="0">
+            <a:endParaRPr lang="en-US" b="1" dirty="0">
               <a:solidFill>
                 <a:srgbClr val="C00000"/>
               </a:solidFill>
             </a:endParaRPr>
           </a:p>
           <a:p>
-            <a:endParaRPr lang="en-US" b="1" dirty="0" smtClean="0">
+            <a:endParaRPr lang="en-US" b="1" dirty="0">
               <a:solidFill>
                 <a:srgbClr val="C00000"/>
               </a:solidFill>
             </a:endParaRPr>
           </a:p>
           <a:p>
-            <a:endParaRPr lang="en-US" b="1" dirty="0" smtClean="0">
+            <a:endParaRPr lang="en-US" b="1" dirty="0">
               <a:solidFill>
                 <a:srgbClr val="C00000"/>
               </a:solidFill>
             </a:endParaRPr>
           </a:p>
           <a:p>
-            <a:endParaRPr lang="en-US" b="1" dirty="0" smtClean="0">
+            <a:endParaRPr lang="en-US" b="1" dirty="0">
               <a:solidFill>
                 <a:srgbClr val="C00000"/>
               </a:solidFill>
             </a:endParaRPr>
           </a:p>
           <a:p>
-            <a:r>
-              <a:rPr lang="en-US" sz="2100" b="1" i="1" dirty="0" smtClean="0">
-                <a:solidFill>
-                  <a:srgbClr val="C00000"/>
-                </a:solidFill>
-              </a:rPr>
-              <a:t>Different Sampling Values</a:t>
-            </a:r>
-            <a:endParaRPr lang="en-US" sz="2100" b="1" i="1" dirty="0">
+            <a:endParaRPr lang="en-US" b="1" dirty="0">
               <a:solidFill>
                 <a:srgbClr val="C00000"/>
               </a:solidFill>
             </a:endParaRPr>
           </a:p>
           <a:p>
+            <a:endParaRPr lang="en-US" b="1" dirty="0">
+              <a:solidFill>
+                <a:srgbClr val="C00000"/>
+              </a:solidFill>
+            </a:endParaRPr>
+          </a:p>
+          <a:p>
             <a:r>
               <a:rPr lang="en-US" sz="2100" b="1" i="1" dirty="0">
                 <a:solidFill>
                   <a:srgbClr val="C00000"/>
                 </a:solidFill>
               </a:rPr>
-              <a:t>Different </a:t>
-            </a:r>
-            <a:r>
-              <a:rPr lang="en-US" sz="2100" b="1" i="1" dirty="0" smtClean="0">
-                <a:solidFill>
-                  <a:srgbClr val="C00000"/>
-                </a:solidFill>
-              </a:rPr>
-              <a:t>Granularity</a:t>
-            </a:r>
-          </a:p>
-          <a:p>
-            <a:r>
-              <a:rPr lang="en-US" sz="2100" b="1" i="1" dirty="0" smtClean="0">
-                <a:solidFill>
-                  <a:srgbClr val="C00000"/>
-                </a:solidFill>
-              </a:rPr>
-              <a:t>Different Rounding </a:t>
-            </a:r>
+              <a:t>Different Sampling Values</a:t>
+            </a:r>
+          </a:p>
+          <a:p>
             <a:r>
               <a:rPr lang="en-US" sz="2100" b="1" i="1" dirty="0">
                 <a:solidFill>
                   <a:srgbClr val="C00000"/>
                 </a:solidFill>
               </a:rPr>
-              <a:t>E</a:t>
-            </a:r>
-            <a:r>
-              <a:rPr lang="en-US" sz="2100" b="1" i="1" dirty="0" smtClean="0">
+              <a:t>Different Granularity</a:t>
+            </a:r>
+          </a:p>
+          <a:p>
+            <a:r>
+              <a:rPr lang="en-US" sz="2100" b="1" i="1" dirty="0">
                 <a:solidFill>
                   <a:srgbClr val="C00000"/>
                 </a:solidFill>
               </a:rPr>
-              <a:t>ffects</a:t>
-            </a:r>
-            <a:endParaRPr lang="en-US" sz="2100" b="1" i="1" dirty="0">
-              <a:solidFill>
-                <a:srgbClr val="C00000"/>
-              </a:solidFill>
-            </a:endParaRPr>
+              <a:t>Different Rounding Effects</a:t>
+            </a:r>
           </a:p>
         </p:txBody>
       </p:sp>
@@ -10666,7 +10428,7 @@
             </a:clrChange>
             <a:extLst>
               <a:ext uri="{28A0092B-C50C-407E-A947-70E740481C1C}">
-                <a14:useLocalDpi xmlns:a14="http://schemas.microsoft.com/office/drawing/2010/main" val="0"/>
+                <a14:useLocalDpi xmlns:a14="http://schemas.microsoft.com/office/drawing/2010/main"/>
               </a:ext>
             </a:extLst>
           </a:blip>
@@ -10741,7 +10503,7 @@
           <a:p>
             <a:pPr algn="r"/>
             <a:r>
-              <a:rPr lang="en-US" sz="800" dirty="0" smtClean="0">
+              <a:rPr lang="en-US" sz="800" dirty="0">
                 <a:hlinkClick r:id="rId3" action="ppaction://hlinkpres?slideindex=1&amp;slidetitle="/>
               </a:rPr>
               <a:t>source</a:t>
@@ -10762,7 +10524,7 @@
           <a:blip r:embed="rId4">
             <a:extLst>
               <a:ext uri="{28A0092B-C50C-407E-A947-70E740481C1C}">
-                <a14:useLocalDpi xmlns:a14="http://schemas.microsoft.com/office/drawing/2010/main" val="0"/>
+                <a14:useLocalDpi xmlns:a14="http://schemas.microsoft.com/office/drawing/2010/main"/>
               </a:ext>
             </a:extLst>
           </a:blip>
@@ -10801,13 +10563,6 @@
   <p:clrMapOvr>
     <a:masterClrMapping/>
   </p:clrMapOvr>
-  <p:timing>
-    <p:tnLst>
-      <p:par>
-        <p:cTn id="1" dur="indefinite" restart="never" nodeType="tmRoot"/>
-      </p:par>
-    </p:tnLst>
-  </p:timing>
 </p:sld>
 </file>
 
@@ -10844,7 +10599,7 @@
           <a:lstStyle/>
           <a:p>
             <a:r>
-              <a:rPr lang="en-US" smtClean="0"/>
+              <a:rPr lang="en-US"/>
               <a:t>12/04/2016</a:t>
             </a:r>
             <a:endParaRPr lang="en-US" dirty="0"/>
@@ -10868,7 +10623,7 @@
           <a:p>
             <a:pPr algn="ctr"/>
             <a:r>
-              <a:rPr lang="en-US" smtClean="0"/>
+              <a:rPr lang="en-US"/>
               <a:t>Discovering Spatial and Temporal Links among RDF Data</a:t>
             </a:r>
             <a:endParaRPr lang="en-US" dirty="0"/>
@@ -10919,15 +10674,7 @@
           <a:p>
             <a:r>
               <a:rPr lang="en-US" dirty="0"/>
-              <a:t>Heterogeneity: </a:t>
-            </a:r>
-            <a:r>
-              <a:rPr lang="en-US" dirty="0" smtClean="0"/>
-              <a:t>Temporal </a:t>
-            </a:r>
-            <a:r>
-              <a:rPr lang="en-US" dirty="0"/>
-              <a:t>Datasets</a:t>
+              <a:t>Heterogeneity: Temporal Datasets</a:t>
             </a:r>
           </a:p>
         </p:txBody>
@@ -10958,29 +10705,22 @@
               <a:t>_:1 </a:t>
             </a:r>
             <a:r>
-              <a:rPr lang="en-US" sz="2400" dirty="0" err="1" smtClean="0">
+              <a:rPr lang="en-US" sz="2400" dirty="0" err="1">
                 <a:latin typeface="Courier New" pitchFamily="49" charset="0"/>
                 <a:cs typeface="Courier New" pitchFamily="49" charset="0"/>
               </a:rPr>
               <a:t>ex:hasBirthday</a:t>
-            </a:r>
-            <a:r>
-              <a:rPr lang="en-US" sz="2400" dirty="0" smtClean="0">
-                <a:latin typeface="Courier New" pitchFamily="49" charset="0"/>
-                <a:cs typeface="Courier New" pitchFamily="49" charset="0"/>
-              </a:rPr>
-              <a:t> "</a:t>
             </a:r>
             <a:r>
               <a:rPr lang="en-US" sz="2400" dirty="0">
                 <a:latin typeface="Courier New" pitchFamily="49" charset="0"/>
                 <a:cs typeface="Courier New" pitchFamily="49" charset="0"/>
               </a:rPr>
-              <a:t>1989-09-24T11:05:00+01:00"xsd:dateTime .</a:t>
-            </a:r>
-          </a:p>
-          <a:p>
-            <a:endParaRPr lang="en-US" dirty="0" smtClean="0"/>
+              <a:t> "1989-09-24T11:05:00+01:00"xsd:dateTime .</a:t>
+            </a:r>
+          </a:p>
+          <a:p>
+            <a:endParaRPr lang="en-US" dirty="0"/>
           </a:p>
           <a:p>
             <a:endParaRPr lang="en-US" dirty="0"/>
@@ -10997,28 +10737,28 @@
               <a:t>_:1 </a:t>
             </a:r>
             <a:r>
-              <a:rPr lang="en-US" sz="2400" dirty="0" err="1" smtClean="0">
+              <a:rPr lang="en-US" sz="2400" dirty="0" err="1">
                 <a:latin typeface="Courier New" pitchFamily="49" charset="0"/>
                 <a:cs typeface="Courier New" pitchFamily="49" charset="0"/>
               </a:rPr>
               <a:t>ex:hasAffiliation</a:t>
             </a:r>
             <a:r>
-              <a:rPr lang="en-US" sz="2400" dirty="0" smtClean="0">
+              <a:rPr lang="en-US" sz="2400" dirty="0">
                 <a:latin typeface="Courier New" pitchFamily="49" charset="0"/>
                 <a:cs typeface="Courier New" pitchFamily="49" charset="0"/>
               </a:rPr>
               <a:t> </a:t>
             </a:r>
             <a:r>
-              <a:rPr lang="en-US" sz="2400" dirty="0" err="1" smtClean="0">
+              <a:rPr lang="en-US" sz="2400" dirty="0" err="1">
                 <a:latin typeface="Courier New" pitchFamily="49" charset="0"/>
                 <a:cs typeface="Courier New" pitchFamily="49" charset="0"/>
               </a:rPr>
               <a:t>ex:UoA</a:t>
             </a:r>
             <a:r>
-              <a:rPr lang="en-US" sz="2400" dirty="0" smtClean="0">
+              <a:rPr lang="en-US" sz="2400" dirty="0">
                 <a:latin typeface="Courier New" pitchFamily="49" charset="0"/>
                 <a:cs typeface="Courier New" pitchFamily="49" charset="0"/>
               </a:rPr>
@@ -11030,69 +10770,51 @@
               <a:buNone/>
             </a:pPr>
             <a:r>
-              <a:rPr lang="en-US" sz="2400" dirty="0" smtClean="0">
-                <a:latin typeface="Courier New" pitchFamily="49" charset="0"/>
-                <a:cs typeface="Courier New" pitchFamily="49" charset="0"/>
-              </a:rPr>
-              <a:t>"[2007-09-01T00:00:00+03:00</a:t>
-            </a:r>
-            <a:r>
               <a:rPr lang="en-US" sz="2400" dirty="0">
                 <a:latin typeface="Courier New" pitchFamily="49" charset="0"/>
                 <a:cs typeface="Courier New" pitchFamily="49" charset="0"/>
               </a:rPr>
-              <a:t>, </a:t>
-            </a:r>
-            <a:r>
-              <a:rPr lang="en-US" sz="2400" dirty="0" smtClean="0">
+              <a:t>"[2007-09-01T00:00:00+03:00, </a:t>
+            </a:r>
+            <a:br>
+              <a:rPr lang="en-US" sz="2400" dirty="0">
                 <a:latin typeface="Courier New" pitchFamily="49" charset="0"/>
                 <a:cs typeface="Courier New" pitchFamily="49" charset="0"/>
               </a:rPr>
-              <a:t/>
-            </a:r>
-            <a:br>
-              <a:rPr lang="en-US" sz="2400" dirty="0" smtClean="0">
+            </a:br>
+            <a:r>
+              <a:rPr lang="en-US" sz="2400" dirty="0">
                 <a:latin typeface="Courier New" pitchFamily="49" charset="0"/>
                 <a:cs typeface="Courier New" pitchFamily="49" charset="0"/>
               </a:rPr>
-            </a:br>
-            <a:r>
-              <a:rPr lang="en-US" sz="2400" dirty="0" smtClean="0">
+              <a:t>  2015-08-31T00:00:00+04:00)"^^</a:t>
+            </a:r>
+            <a:r>
+              <a:rPr lang="en-US" sz="2400" dirty="0" err="1">
                 <a:latin typeface="Courier New" pitchFamily="49" charset="0"/>
                 <a:cs typeface="Courier New" pitchFamily="49" charset="0"/>
               </a:rPr>
-              <a:t>  2015-08-31T00:00:00+04:00)"^^</a:t>
-            </a:r>
-            <a:r>
-              <a:rPr lang="en-US" sz="2400" dirty="0" err="1" smtClean="0">
+              <a:t>strdf:Period</a:t>
+            </a:r>
+            <a:r>
+              <a:rPr lang="en-US" sz="2400" dirty="0">
                 <a:latin typeface="Courier New" pitchFamily="49" charset="0"/>
                 <a:cs typeface="Courier New" pitchFamily="49" charset="0"/>
               </a:rPr>
-              <a:t>strdf:Period</a:t>
-            </a:r>
-            <a:r>
-              <a:rPr lang="en-US" sz="2400" dirty="0" smtClean="0">
-                <a:latin typeface="Courier New" pitchFamily="49" charset="0"/>
-                <a:cs typeface="Courier New" pitchFamily="49" charset="0"/>
-              </a:rPr>
               <a:t> .</a:t>
             </a:r>
-            <a:endParaRPr lang="en-US" sz="2400" dirty="0">
-              <a:latin typeface="Courier New" pitchFamily="49" charset="0"/>
-              <a:cs typeface="Courier New" pitchFamily="49" charset="0"/>
-            </a:endParaRPr>
           </a:p>
           <a:p>
             <a:pPr marL="0" indent="0">
               <a:buNone/>
             </a:pPr>
-            <a:endParaRPr lang="en-US" sz="1200" dirty="0" smtClean="0"/>
+            <a:endParaRPr lang="en-US" sz="1200" dirty="0"/>
           </a:p>
           <a:p>
             <a:pPr marL="0" indent="0">
               <a:buNone/>
             </a:pPr>
-            <a:endParaRPr lang="en-US" sz="1200" dirty="0" smtClean="0"/>
+            <a:endParaRPr lang="en-US" sz="1200" dirty="0"/>
           </a:p>
           <a:p>
             <a:pPr marL="0" indent="0">
@@ -11146,7 +10868,7 @@
           <a:lstStyle/>
           <a:p>
             <a:r>
-              <a:rPr lang="en-US" sz="2400" dirty="0" err="1" smtClean="0">
+              <a:rPr lang="en-US" sz="2400" dirty="0" err="1">
                 <a:solidFill>
                   <a:schemeClr val="accent6">
                     <a:lumMod val="50000"/>
@@ -11211,7 +10933,7 @@
           <a:lstStyle/>
           <a:p>
             <a:r>
-              <a:rPr lang="en-US" sz="2400" dirty="0" smtClean="0">
+              <a:rPr lang="en-US" sz="2400" dirty="0">
                 <a:solidFill>
                   <a:schemeClr val="accent6">
                     <a:lumMod val="50000"/>
@@ -11242,13 +10964,6 @@
   <p:clrMapOvr>
     <a:masterClrMapping/>
   </p:clrMapOvr>
-  <p:timing>
-    <p:tnLst>
-      <p:par>
-        <p:cTn id="1" dur="indefinite" restart="never" nodeType="tmRoot"/>
-      </p:par>
-    </p:tnLst>
-  </p:timing>
 </p:sld>
 </file>
 
@@ -11285,7 +11000,7 @@
           <a:lstStyle/>
           <a:p>
             <a:r>
-              <a:rPr lang="en-US" smtClean="0"/>
+              <a:rPr lang="en-US"/>
               <a:t>12/04/2016</a:t>
             </a:r>
             <a:endParaRPr lang="en-US" dirty="0"/>
@@ -11309,7 +11024,7 @@
           <a:p>
             <a:pPr algn="ctr"/>
             <a:r>
-              <a:rPr lang="en-US" smtClean="0"/>
+              <a:rPr lang="en-US"/>
               <a:t>Discovering Spatial and Temporal Links among RDF Data</a:t>
             </a:r>
             <a:endParaRPr lang="en-US" dirty="0"/>
@@ -11391,29 +11106,22 @@
               <a:t>_:1 </a:t>
             </a:r>
             <a:r>
-              <a:rPr lang="en-US" sz="2400" dirty="0" err="1" smtClean="0">
+              <a:rPr lang="en-US" sz="2400" dirty="0" err="1">
                 <a:latin typeface="Courier New" pitchFamily="49" charset="0"/>
                 <a:cs typeface="Courier New" pitchFamily="49" charset="0"/>
               </a:rPr>
               <a:t>ex:hasBirthday</a:t>
-            </a:r>
-            <a:r>
-              <a:rPr lang="en-US" sz="2400" dirty="0" smtClean="0">
-                <a:latin typeface="Courier New" pitchFamily="49" charset="0"/>
-                <a:cs typeface="Courier New" pitchFamily="49" charset="0"/>
-              </a:rPr>
-              <a:t> "</a:t>
             </a:r>
             <a:r>
               <a:rPr lang="en-US" sz="2400" dirty="0">
                 <a:latin typeface="Courier New" pitchFamily="49" charset="0"/>
                 <a:cs typeface="Courier New" pitchFamily="49" charset="0"/>
               </a:rPr>
-              <a:t>1989-09-24T11:05:00+01:00"xsd:dateTime .</a:t>
-            </a:r>
-          </a:p>
-          <a:p>
-            <a:endParaRPr lang="en-US" dirty="0" smtClean="0"/>
+              <a:t> "1989-09-24T11:05:00+01:00"xsd:dateTime .</a:t>
+            </a:r>
+          </a:p>
+          <a:p>
+            <a:endParaRPr lang="en-US" dirty="0"/>
           </a:p>
           <a:p>
             <a:endParaRPr lang="en-US" dirty="0"/>
@@ -11430,28 +11138,28 @@
               <a:t>_:1 </a:t>
             </a:r>
             <a:r>
-              <a:rPr lang="en-US" sz="2400" dirty="0" err="1" smtClean="0">
+              <a:rPr lang="en-US" sz="2400" dirty="0" err="1">
                 <a:latin typeface="Courier New" pitchFamily="49" charset="0"/>
                 <a:cs typeface="Courier New" pitchFamily="49" charset="0"/>
               </a:rPr>
               <a:t>ex:hasAffiliation</a:t>
             </a:r>
             <a:r>
-              <a:rPr lang="en-US" sz="2400" dirty="0" smtClean="0">
+              <a:rPr lang="en-US" sz="2400" dirty="0">
                 <a:latin typeface="Courier New" pitchFamily="49" charset="0"/>
                 <a:cs typeface="Courier New" pitchFamily="49" charset="0"/>
               </a:rPr>
               <a:t> </a:t>
             </a:r>
             <a:r>
-              <a:rPr lang="en-US" sz="2400" dirty="0" err="1" smtClean="0">
+              <a:rPr lang="en-US" sz="2400" dirty="0" err="1">
                 <a:latin typeface="Courier New" pitchFamily="49" charset="0"/>
                 <a:cs typeface="Courier New" pitchFamily="49" charset="0"/>
               </a:rPr>
               <a:t>ex:UoA</a:t>
             </a:r>
             <a:r>
-              <a:rPr lang="en-US" sz="2400" dirty="0" smtClean="0">
+              <a:rPr lang="en-US" sz="2400" dirty="0">
                 <a:latin typeface="Courier New" pitchFamily="49" charset="0"/>
                 <a:cs typeface="Courier New" pitchFamily="49" charset="0"/>
               </a:rPr>
@@ -11463,99 +11171,65 @@
               <a:buNone/>
             </a:pPr>
             <a:r>
-              <a:rPr lang="en-US" sz="2400" dirty="0" smtClean="0">
-                <a:latin typeface="Courier New" pitchFamily="49" charset="0"/>
-                <a:cs typeface="Courier New" pitchFamily="49" charset="0"/>
-              </a:rPr>
-              <a:t>"[2007-09-01T00:00:00+03:00</a:t>
-            </a:r>
-            <a:r>
               <a:rPr lang="en-US" sz="2400" dirty="0">
                 <a:latin typeface="Courier New" pitchFamily="49" charset="0"/>
                 <a:cs typeface="Courier New" pitchFamily="49" charset="0"/>
               </a:rPr>
-              <a:t>, </a:t>
-            </a:r>
-            <a:r>
-              <a:rPr lang="en-US" sz="2400" dirty="0" smtClean="0">
-                <a:latin typeface="Courier New" pitchFamily="49" charset="0"/>
-                <a:cs typeface="Courier New" pitchFamily="49" charset="0"/>
-              </a:rPr>
-              <a:t/>
+              <a:t>"[2007-09-01T00:00:00+03:00, </a:t>
             </a:r>
             <a:br>
-              <a:rPr lang="en-US" sz="2400" dirty="0" smtClean="0">
-                <a:latin typeface="Courier New" pitchFamily="49" charset="0"/>
-                <a:cs typeface="Courier New" pitchFamily="49" charset="0"/>
-              </a:rPr>
-            </a:br>
-            <a:r>
-              <a:rPr lang="en-US" sz="2400" dirty="0" smtClean="0">
-                <a:latin typeface="Courier New" pitchFamily="49" charset="0"/>
-                <a:cs typeface="Courier New" pitchFamily="49" charset="0"/>
-              </a:rPr>
-              <a:t>  2015-08-31T00:00:00+04:00)"</a:t>
-            </a:r>
-            <a:r>
               <a:rPr lang="en-US" sz="2400" dirty="0">
                 <a:latin typeface="Courier New" pitchFamily="49" charset="0"/>
                 <a:cs typeface="Courier New" pitchFamily="49" charset="0"/>
               </a:rPr>
-              <a:t>^^</a:t>
-            </a:r>
-            <a:r>
-              <a:rPr lang="en-US" sz="2400" dirty="0" err="1" smtClean="0">
+            </a:br>
+            <a:r>
+              <a:rPr lang="en-US" sz="2400" dirty="0">
                 <a:latin typeface="Courier New" pitchFamily="49" charset="0"/>
                 <a:cs typeface="Courier New" pitchFamily="49" charset="0"/>
               </a:rPr>
-              <a:t>strdf:Period</a:t>
-            </a:r>
-            <a:r>
-              <a:rPr lang="en-US" sz="2400" dirty="0" smtClean="0">
+              <a:t>  2015-08-31T00:00:00+04:00)"^^</a:t>
+            </a:r>
+            <a:r>
+              <a:rPr lang="en-US" sz="2400" dirty="0" err="1">
                 <a:latin typeface="Courier New" pitchFamily="49" charset="0"/>
                 <a:cs typeface="Courier New" pitchFamily="49" charset="0"/>
               </a:rPr>
+              <a:t>strdf:Period</a:t>
+            </a:r>
+            <a:r>
+              <a:rPr lang="en-US" sz="2400" dirty="0">
+                <a:latin typeface="Courier New" pitchFamily="49" charset="0"/>
+                <a:cs typeface="Courier New" pitchFamily="49" charset="0"/>
+              </a:rPr>
               <a:t> .</a:t>
             </a:r>
-            <a:endParaRPr lang="en-US" sz="2400" dirty="0">
-              <a:latin typeface="Courier New" pitchFamily="49" charset="0"/>
-              <a:cs typeface="Courier New" pitchFamily="49" charset="0"/>
-            </a:endParaRPr>
           </a:p>
           <a:p>
             <a:pPr marL="0" indent="0">
               <a:buNone/>
             </a:pPr>
-            <a:endParaRPr lang="en-US" sz="1200" dirty="0" smtClean="0"/>
+            <a:endParaRPr lang="en-US" sz="1200" dirty="0"/>
           </a:p>
           <a:p>
             <a:pPr marL="0" indent="0">
               <a:buNone/>
             </a:pPr>
-            <a:endParaRPr lang="en-US" sz="1200" dirty="0" smtClean="0"/>
+            <a:endParaRPr lang="en-US" sz="1200" dirty="0"/>
           </a:p>
           <a:p>
             <a:pPr marL="0" indent="0">
               <a:buNone/>
             </a:pPr>
-            <a:endParaRPr lang="en-US" sz="1200" dirty="0" smtClean="0"/>
+            <a:endParaRPr lang="en-US" sz="1200" dirty="0"/>
           </a:p>
           <a:p>
             <a:pPr marL="0" indent="0">
               <a:buNone/>
             </a:pPr>
-            <a:endParaRPr lang="en-US" sz="1200" dirty="0" smtClean="0"/>
-          </a:p>
-          <a:p>
-            <a:r>
-              <a:rPr lang="en-US" sz="2100" b="1" i="1" dirty="0" smtClean="0">
-                <a:solidFill>
-                  <a:srgbClr val="C00000"/>
-                </a:solidFill>
-                <a:cs typeface="Courier New" pitchFamily="49" charset="0"/>
-              </a:rPr>
-              <a:t>Different </a:t>
-            </a:r>
+            <a:endParaRPr lang="en-US" sz="1200" dirty="0"/>
+          </a:p>
+          <a:p>
             <a:r>
               <a:rPr lang="en-US" sz="2100" b="1" i="1" dirty="0">
                 <a:solidFill>
@@ -11563,16 +11237,7 @@
                 </a:solidFill>
                 <a:cs typeface="Courier New" pitchFamily="49" charset="0"/>
               </a:rPr>
-              <a:t>V</a:t>
-            </a:r>
-            <a:r>
-              <a:rPr lang="en-US" sz="2100" b="1" i="1" dirty="0" smtClean="0">
-                <a:solidFill>
-                  <a:srgbClr val="C00000"/>
-                </a:solidFill>
-                <a:cs typeface="Courier New" pitchFamily="49" charset="0"/>
-              </a:rPr>
-              <a:t>ocabularies</a:t>
+              <a:t>Different Vocabularies</a:t>
             </a:r>
           </a:p>
           <a:p>
@@ -11627,7 +11292,7 @@
           <a:lstStyle/>
           <a:p>
             <a:r>
-              <a:rPr lang="en-US" sz="2400" dirty="0" err="1" smtClean="0">
+              <a:rPr lang="en-US" sz="2400" dirty="0" err="1">
                 <a:solidFill>
                   <a:schemeClr val="accent6">
                     <a:lumMod val="50000"/>
@@ -11692,7 +11357,7 @@
           <a:lstStyle/>
           <a:p>
             <a:r>
-              <a:rPr lang="en-US" sz="2400" dirty="0" smtClean="0">
+              <a:rPr lang="en-US" sz="2400" dirty="0">
                 <a:solidFill>
                   <a:schemeClr val="accent6">
                     <a:lumMod val="50000"/>
@@ -11725,7 +11390,7 @@
           <a:blip r:embed="rId2">
             <a:extLst>
               <a:ext uri="{28A0092B-C50C-407E-A947-70E740481C1C}">
-                <a14:useLocalDpi xmlns:a14="http://schemas.microsoft.com/office/drawing/2010/main" val="0"/>
+                <a14:useLocalDpi xmlns:a14="http://schemas.microsoft.com/office/drawing/2010/main"/>
               </a:ext>
             </a:extLst>
           </a:blip>
@@ -11764,13 +11429,6 @@
   <p:clrMapOvr>
     <a:masterClrMapping/>
   </p:clrMapOvr>
-  <p:timing>
-    <p:tnLst>
-      <p:par>
-        <p:cTn id="1" dur="indefinite" restart="never" nodeType="tmRoot"/>
-      </p:par>
-    </p:tnLst>
-  </p:timing>
 </p:sld>
 </file>
 
@@ -11807,7 +11465,7 @@
           <a:lstStyle/>
           <a:p>
             <a:r>
-              <a:rPr lang="en-US" smtClean="0"/>
+              <a:rPr lang="en-US"/>
               <a:t>12/04/2016</a:t>
             </a:r>
             <a:endParaRPr lang="en-US" dirty="0"/>
@@ -11831,7 +11489,7 @@
           <a:p>
             <a:pPr algn="ctr"/>
             <a:r>
-              <a:rPr lang="en-US" smtClean="0"/>
+              <a:rPr lang="en-US"/>
               <a:t>Discovering Spatial and Temporal Links among RDF Data</a:t>
             </a:r>
             <a:endParaRPr lang="en-US" dirty="0"/>
@@ -11913,29 +11571,22 @@
               <a:t>_:1 </a:t>
             </a:r>
             <a:r>
-              <a:rPr lang="en-US" sz="2400" dirty="0" err="1" smtClean="0">
+              <a:rPr lang="en-US" sz="2400" dirty="0" err="1">
                 <a:latin typeface="Courier New" pitchFamily="49" charset="0"/>
                 <a:cs typeface="Courier New" pitchFamily="49" charset="0"/>
               </a:rPr>
               <a:t>ex:hasBirthday</a:t>
-            </a:r>
-            <a:r>
-              <a:rPr lang="en-US" sz="2400" dirty="0" smtClean="0">
-                <a:latin typeface="Courier New" pitchFamily="49" charset="0"/>
-                <a:cs typeface="Courier New" pitchFamily="49" charset="0"/>
-              </a:rPr>
-              <a:t> "</a:t>
             </a:r>
             <a:r>
               <a:rPr lang="en-US" sz="2400" dirty="0">
                 <a:latin typeface="Courier New" pitchFamily="49" charset="0"/>
                 <a:cs typeface="Courier New" pitchFamily="49" charset="0"/>
               </a:rPr>
-              <a:t>1989-09-24T11:05:00+01:00"xsd:dateTime .</a:t>
-            </a:r>
-          </a:p>
-          <a:p>
-            <a:endParaRPr lang="en-US" dirty="0" smtClean="0"/>
+              <a:t> "1989-09-24T11:05:00+01:00"xsd:dateTime .</a:t>
+            </a:r>
+          </a:p>
+          <a:p>
+            <a:endParaRPr lang="en-US" dirty="0"/>
           </a:p>
           <a:p>
             <a:endParaRPr lang="en-US" dirty="0"/>
@@ -11952,28 +11603,28 @@
               <a:t>_:1 </a:t>
             </a:r>
             <a:r>
-              <a:rPr lang="en-US" sz="2400" dirty="0" err="1" smtClean="0">
+              <a:rPr lang="en-US" sz="2400" dirty="0" err="1">
                 <a:latin typeface="Courier New" pitchFamily="49" charset="0"/>
                 <a:cs typeface="Courier New" pitchFamily="49" charset="0"/>
               </a:rPr>
               <a:t>ex:hasAffiliation</a:t>
             </a:r>
             <a:r>
-              <a:rPr lang="en-US" sz="2400" dirty="0" smtClean="0">
+              <a:rPr lang="en-US" sz="2400" dirty="0">
                 <a:latin typeface="Courier New" pitchFamily="49" charset="0"/>
                 <a:cs typeface="Courier New" pitchFamily="49" charset="0"/>
               </a:rPr>
               <a:t> </a:t>
             </a:r>
             <a:r>
-              <a:rPr lang="en-US" sz="2400" dirty="0" err="1" smtClean="0">
+              <a:rPr lang="en-US" sz="2400" dirty="0" err="1">
                 <a:latin typeface="Courier New" pitchFamily="49" charset="0"/>
                 <a:cs typeface="Courier New" pitchFamily="49" charset="0"/>
               </a:rPr>
               <a:t>ex:UoA</a:t>
             </a:r>
             <a:r>
-              <a:rPr lang="en-US" sz="2400" dirty="0" smtClean="0">
+              <a:rPr lang="en-US" sz="2400" dirty="0">
                 <a:latin typeface="Courier New" pitchFamily="49" charset="0"/>
                 <a:cs typeface="Courier New" pitchFamily="49" charset="0"/>
               </a:rPr>
@@ -12023,36 +11674,27 @@
             <a:pPr marL="0" indent="0">
               <a:buNone/>
             </a:pPr>
-            <a:endParaRPr lang="en-US" sz="1200" dirty="0" smtClean="0"/>
+            <a:endParaRPr lang="en-US" sz="1200" dirty="0"/>
           </a:p>
           <a:p>
             <a:pPr marL="0" indent="0">
               <a:buNone/>
             </a:pPr>
-            <a:endParaRPr lang="en-US" sz="1200" dirty="0" smtClean="0"/>
+            <a:endParaRPr lang="en-US" sz="1200" dirty="0"/>
           </a:p>
           <a:p>
             <a:pPr marL="0" indent="0">
               <a:buNone/>
             </a:pPr>
-            <a:endParaRPr lang="en-US" sz="1200" dirty="0" smtClean="0"/>
+            <a:endParaRPr lang="en-US" sz="1200" dirty="0"/>
           </a:p>
           <a:p>
             <a:pPr marL="0" indent="0">
               <a:buNone/>
             </a:pPr>
-            <a:endParaRPr lang="en-US" sz="1200" dirty="0" smtClean="0"/>
-          </a:p>
-          <a:p>
-            <a:r>
-              <a:rPr lang="en-US" sz="2100" b="1" i="1" dirty="0" smtClean="0">
-                <a:solidFill>
-                  <a:srgbClr val="C00000"/>
-                </a:solidFill>
-                <a:cs typeface="Courier New" pitchFamily="49" charset="0"/>
-              </a:rPr>
-              <a:t>Different </a:t>
-            </a:r>
+            <a:endParaRPr lang="en-US" sz="1200" dirty="0"/>
+          </a:p>
+          <a:p>
             <a:r>
               <a:rPr lang="en-US" sz="2100" b="1" i="1" dirty="0">
                 <a:solidFill>
@@ -12060,16 +11702,7 @@
                 </a:solidFill>
                 <a:cs typeface="Courier New" pitchFamily="49" charset="0"/>
               </a:rPr>
-              <a:t>V</a:t>
-            </a:r>
-            <a:r>
-              <a:rPr lang="en-US" sz="2100" b="1" i="1" dirty="0" smtClean="0">
-                <a:solidFill>
-                  <a:srgbClr val="C00000"/>
-                </a:solidFill>
-                <a:cs typeface="Courier New" pitchFamily="49" charset="0"/>
-              </a:rPr>
-              <a:t>ocabularies</a:t>
+              <a:t>Different Vocabularies</a:t>
             </a:r>
           </a:p>
           <a:p>
@@ -12080,23 +11713,8 @@
                 </a:solidFill>
                 <a:cs typeface="Courier New" pitchFamily="49" charset="0"/>
               </a:rPr>
-              <a:t>Different Time </a:t>
-            </a:r>
-            <a:r>
-              <a:rPr lang="en-US" sz="2100" b="1" i="1" dirty="0" smtClean="0">
-                <a:solidFill>
-                  <a:srgbClr val="C00000"/>
-                </a:solidFill>
-                <a:cs typeface="Courier New" pitchFamily="49" charset="0"/>
-              </a:rPr>
-              <a:t>Zones</a:t>
-            </a:r>
-            <a:endParaRPr lang="en-US" sz="2100" b="1" i="1" dirty="0">
-              <a:solidFill>
-                <a:srgbClr val="C00000"/>
-              </a:solidFill>
-              <a:cs typeface="Courier New" pitchFamily="49" charset="0"/>
-            </a:endParaRPr>
+              <a:t>Different Time Zones</a:t>
+            </a:r>
           </a:p>
         </p:txBody>
       </p:sp>
@@ -12144,7 +11762,7 @@
           <a:lstStyle/>
           <a:p>
             <a:r>
-              <a:rPr lang="en-US" sz="2400" dirty="0" err="1" smtClean="0">
+              <a:rPr lang="en-US" sz="2400" dirty="0" err="1">
                 <a:solidFill>
                   <a:schemeClr val="accent6">
                     <a:lumMod val="50000"/>
@@ -12209,7 +11827,7 @@
           <a:lstStyle/>
           <a:p>
             <a:r>
-              <a:rPr lang="en-US" sz="2400" dirty="0" smtClean="0">
+              <a:rPr lang="en-US" sz="2400" dirty="0">
                 <a:solidFill>
                   <a:schemeClr val="accent6">
                     <a:lumMod val="50000"/>
@@ -12242,7 +11860,7 @@
           <a:blip r:embed="rId2">
             <a:extLst>
               <a:ext uri="{28A0092B-C50C-407E-A947-70E740481C1C}">
-                <a14:useLocalDpi xmlns:a14="http://schemas.microsoft.com/office/drawing/2010/main" val="0"/>
+                <a14:useLocalDpi xmlns:a14="http://schemas.microsoft.com/office/drawing/2010/main"/>
               </a:ext>
             </a:extLst>
           </a:blip>
@@ -12419,13 +12037,6 @@
   <p:clrMapOvr>
     <a:masterClrMapping/>
   </p:clrMapOvr>
-  <p:timing>
-    <p:tnLst>
-      <p:par>
-        <p:cTn id="1" dur="indefinite" restart="never" nodeType="tmRoot"/>
-      </p:par>
-    </p:tnLst>
-  </p:timing>
 </p:sld>
 </file>
 
@@ -12462,7 +12073,7 @@
           <a:lstStyle/>
           <a:p>
             <a:r>
-              <a:rPr lang="en-US" smtClean="0"/>
+              <a:rPr lang="en-US"/>
               <a:t>12/04/2016</a:t>
             </a:r>
             <a:endParaRPr lang="en-US" dirty="0"/>
@@ -12486,7 +12097,7 @@
           <a:p>
             <a:pPr algn="ctr"/>
             <a:r>
-              <a:rPr lang="en-US" smtClean="0"/>
+              <a:rPr lang="en-US"/>
               <a:t>Discovering Spatial and Temporal Links among RDF Data</a:t>
             </a:r>
             <a:endParaRPr lang="en-US" dirty="0"/>
@@ -12570,29 +12181,22 @@
               <a:t>_:1 </a:t>
             </a:r>
             <a:r>
-              <a:rPr lang="en-US" sz="2400" dirty="0" err="1" smtClean="0">
+              <a:rPr lang="en-US" sz="2400" dirty="0" err="1">
                 <a:latin typeface="Courier New" pitchFamily="49" charset="0"/>
                 <a:cs typeface="Courier New" pitchFamily="49" charset="0"/>
               </a:rPr>
               <a:t>ex:hasBirthday</a:t>
-            </a:r>
-            <a:r>
-              <a:rPr lang="en-US" sz="2400" dirty="0" smtClean="0">
-                <a:latin typeface="Courier New" pitchFamily="49" charset="0"/>
-                <a:cs typeface="Courier New" pitchFamily="49" charset="0"/>
-              </a:rPr>
-              <a:t> "</a:t>
             </a:r>
             <a:r>
               <a:rPr lang="en-US" sz="2400" dirty="0">
                 <a:latin typeface="Courier New" pitchFamily="49" charset="0"/>
                 <a:cs typeface="Courier New" pitchFamily="49" charset="0"/>
               </a:rPr>
-              <a:t>1989-09-24T11:05:00+01:00"xsd:dateTime .</a:t>
-            </a:r>
-          </a:p>
-          <a:p>
-            <a:endParaRPr lang="en-US" dirty="0" smtClean="0"/>
+              <a:t> "1989-09-24T11:05:00+01:00"xsd:dateTime .</a:t>
+            </a:r>
+          </a:p>
+          <a:p>
+            <a:endParaRPr lang="en-US" dirty="0"/>
           </a:p>
           <a:p>
             <a:endParaRPr lang="en-US" dirty="0"/>
@@ -12609,28 +12213,28 @@
               <a:t>_:1 </a:t>
             </a:r>
             <a:r>
-              <a:rPr lang="en-US" sz="2400" dirty="0" err="1" smtClean="0">
+              <a:rPr lang="en-US" sz="2400" dirty="0" err="1">
                 <a:latin typeface="Courier New" pitchFamily="49" charset="0"/>
                 <a:cs typeface="Courier New" pitchFamily="49" charset="0"/>
               </a:rPr>
               <a:t>ex:hasAffiliation</a:t>
             </a:r>
             <a:r>
-              <a:rPr lang="en-US" sz="2400" dirty="0" smtClean="0">
+              <a:rPr lang="en-US" sz="2400" dirty="0">
                 <a:latin typeface="Courier New" pitchFamily="49" charset="0"/>
                 <a:cs typeface="Courier New" pitchFamily="49" charset="0"/>
               </a:rPr>
               <a:t> </a:t>
             </a:r>
             <a:r>
-              <a:rPr lang="en-US" sz="2400" dirty="0" err="1" smtClean="0">
+              <a:rPr lang="en-US" sz="2400" dirty="0" err="1">
                 <a:latin typeface="Courier New" pitchFamily="49" charset="0"/>
                 <a:cs typeface="Courier New" pitchFamily="49" charset="0"/>
               </a:rPr>
               <a:t>ex:UoA</a:t>
             </a:r>
             <a:r>
-              <a:rPr lang="en-US" sz="2400" dirty="0" smtClean="0">
+              <a:rPr lang="en-US" sz="2400" dirty="0">
                 <a:latin typeface="Courier New" pitchFamily="49" charset="0"/>
                 <a:cs typeface="Courier New" pitchFamily="49" charset="0"/>
               </a:rPr>
@@ -12680,13 +12284,7 @@
             <a:pPr marL="0" indent="0">
               <a:buNone/>
             </a:pPr>
-            <a:endParaRPr lang="en-US" sz="1200" dirty="0" smtClean="0"/>
-          </a:p>
-          <a:p>
-            <a:pPr marL="0" indent="0">
-              <a:buNone/>
-            </a:pPr>
-            <a:endParaRPr lang="en-US" sz="1200" dirty="0" smtClean="0"/>
+            <a:endParaRPr lang="en-US" sz="1200" dirty="0"/>
           </a:p>
           <a:p>
             <a:pPr marL="0" indent="0">
@@ -12698,7 +12296,13 @@
             <a:pPr marL="0" indent="0">
               <a:buNone/>
             </a:pPr>
-            <a:endParaRPr lang="en-US" sz="1200" dirty="0" smtClean="0"/>
+            <a:endParaRPr lang="en-US" sz="1200" dirty="0"/>
+          </a:p>
+          <a:p>
+            <a:pPr marL="0" indent="0">
+              <a:buNone/>
+            </a:pPr>
+            <a:endParaRPr lang="en-US" sz="1200" dirty="0"/>
           </a:p>
           <a:p>
             <a:r>
@@ -12708,17 +12312,10 @@
                 </a:solidFill>
                 <a:cs typeface="Courier New" pitchFamily="49" charset="0"/>
               </a:rPr>
-              <a:t>D</a:t>
-            </a:r>
-            <a:r>
-              <a:rPr lang="en-US" sz="2100" b="1" i="1" dirty="0" smtClean="0">
-                <a:solidFill>
-                  <a:srgbClr val="C00000"/>
-                </a:solidFill>
-                <a:cs typeface="Courier New" pitchFamily="49" charset="0"/>
-              </a:rPr>
-              <a:t>ifferent </a:t>
-            </a:r>
+              <a:t>Different Vocabularies</a:t>
+            </a:r>
+          </a:p>
+          <a:p>
             <a:r>
               <a:rPr lang="en-US" sz="2100" b="1" i="1" dirty="0">
                 <a:solidFill>
@@ -12726,16 +12323,7 @@
                 </a:solidFill>
                 <a:cs typeface="Courier New" pitchFamily="49" charset="0"/>
               </a:rPr>
-              <a:t>V</a:t>
-            </a:r>
-            <a:r>
-              <a:rPr lang="en-US" sz="2100" b="1" i="1" dirty="0" smtClean="0">
-                <a:solidFill>
-                  <a:srgbClr val="C00000"/>
-                </a:solidFill>
-                <a:cs typeface="Courier New" pitchFamily="49" charset="0"/>
-              </a:rPr>
-              <a:t>ocabularies</a:t>
+              <a:t>Different Time Zones</a:t>
             </a:r>
           </a:p>
           <a:p>
@@ -12746,58 +12334,8 @@
                 </a:solidFill>
                 <a:cs typeface="Courier New" pitchFamily="49" charset="0"/>
               </a:rPr>
-              <a:t>Different </a:t>
-            </a:r>
-            <a:r>
-              <a:rPr lang="en-US" sz="2100" b="1" i="1" dirty="0" smtClean="0">
-                <a:solidFill>
-                  <a:srgbClr val="C00000"/>
-                </a:solidFill>
-                <a:cs typeface="Courier New" pitchFamily="49" charset="0"/>
-              </a:rPr>
-              <a:t>Time Zones</a:t>
-            </a:r>
-            <a:endParaRPr lang="en-US" sz="2100" b="1" i="1" dirty="0">
-              <a:solidFill>
-                <a:srgbClr val="C00000"/>
-              </a:solidFill>
-              <a:cs typeface="Courier New" pitchFamily="49" charset="0"/>
-            </a:endParaRPr>
-          </a:p>
-          <a:p>
-            <a:r>
-              <a:rPr lang="en-US" sz="2100" b="1" i="1" dirty="0" smtClean="0">
-                <a:solidFill>
-                  <a:srgbClr val="C00000"/>
-                </a:solidFill>
-                <a:cs typeface="Courier New" pitchFamily="49" charset="0"/>
-              </a:rPr>
-              <a:t>Time </a:t>
-            </a:r>
-            <a:r>
-              <a:rPr lang="en-US" sz="2100" b="1" i="1" dirty="0">
-                <a:solidFill>
-                  <a:srgbClr val="C00000"/>
-                </a:solidFill>
-                <a:cs typeface="Courier New" pitchFamily="49" charset="0"/>
-              </a:rPr>
-              <a:t>I</a:t>
-            </a:r>
-            <a:r>
-              <a:rPr lang="en-US" sz="2100" b="1" i="1" dirty="0" smtClean="0">
-                <a:solidFill>
-                  <a:srgbClr val="C00000"/>
-                </a:solidFill>
-                <a:cs typeface="Courier New" pitchFamily="49" charset="0"/>
-              </a:rPr>
-              <a:t>nstants and Periods</a:t>
-            </a:r>
-            <a:endParaRPr lang="en-US" sz="2100" b="1" i="1" dirty="0">
-              <a:solidFill>
-                <a:srgbClr val="C00000"/>
-              </a:solidFill>
-              <a:cs typeface="Courier New" pitchFamily="49" charset="0"/>
-            </a:endParaRPr>
+              <a:t>Time Instants and Periods</a:t>
+            </a:r>
           </a:p>
           <a:p>
             <a:pPr marL="0" indent="0">
@@ -12851,7 +12389,7 @@
           <a:lstStyle/>
           <a:p>
             <a:r>
-              <a:rPr lang="en-US" sz="2400" dirty="0" err="1" smtClean="0">
+              <a:rPr lang="en-US" sz="2400" dirty="0" err="1">
                 <a:solidFill>
                   <a:schemeClr val="accent6">
                     <a:lumMod val="50000"/>
@@ -12916,7 +12454,7 @@
           <a:lstStyle/>
           <a:p>
             <a:r>
-              <a:rPr lang="en-US" sz="2400" dirty="0" smtClean="0">
+              <a:rPr lang="en-US" sz="2400" dirty="0">
                 <a:solidFill>
                   <a:schemeClr val="accent6">
                     <a:lumMod val="50000"/>
@@ -13041,7 +12579,7 @@
           <a:blip r:embed="rId2">
             <a:extLst>
               <a:ext uri="{28A0092B-C50C-407E-A947-70E740481C1C}">
-                <a14:useLocalDpi xmlns:a14="http://schemas.microsoft.com/office/drawing/2010/main" val="0"/>
+                <a14:useLocalDpi xmlns:a14="http://schemas.microsoft.com/office/drawing/2010/main"/>
               </a:ext>
             </a:extLst>
           </a:blip>
@@ -13080,13 +12618,6 @@
   <p:clrMapOvr>
     <a:masterClrMapping/>
   </p:clrMapOvr>
-  <p:timing>
-    <p:tnLst>
-      <p:par>
-        <p:cTn id="1" dur="indefinite" restart="never" nodeType="tmRoot"/>
-      </p:par>
-    </p:tnLst>
-  </p:timing>
 </p:sld>
 </file>
 
@@ -13217,7 +12748,7 @@
           <a:lstStyle/>
           <a:p>
             <a:r>
-              <a:rPr lang="en-US" smtClean="0"/>
+              <a:rPr lang="en-US"/>
               <a:t>12/04/2016</a:t>
             </a:r>
             <a:endParaRPr lang="en-US" dirty="0"/>
@@ -13241,7 +12772,7 @@
           <a:p>
             <a:pPr algn="ctr"/>
             <a:r>
-              <a:rPr lang="en-US" smtClean="0"/>
+              <a:rPr lang="en-US"/>
               <a:t>Discovering Spatial and Temporal Links among RDF Data</a:t>
             </a:r>
             <a:endParaRPr lang="en-US" dirty="0"/>
@@ -13283,13 +12814,6 @@
   <p:clrMapOvr>
     <a:masterClrMapping/>
   </p:clrMapOvr>
-  <p:timing>
-    <p:tnLst>
-      <p:par>
-        <p:cTn id="1" dur="indefinite" restart="never" nodeType="tmRoot"/>
-      </p:par>
-    </p:tnLst>
-  </p:timing>
 </p:sld>
 </file>
 
@@ -13357,7 +12881,7 @@
                   <a:buNone/>
                 </a:pPr>
                 <a:r>
-                  <a:rPr lang="en-US" sz="2400" dirty="0" smtClean="0"/>
+                  <a:rPr lang="en-US" sz="2400" dirty="0"/>
                   <a:t>Let </a:t>
                 </a:r>
                 <a14:m>
@@ -13371,12 +12895,8 @@
                   </m:oMath>
                 </a14:m>
                 <a:r>
-                  <a:rPr lang="en-US" sz="2400" dirty="0" smtClean="0"/>
-                  <a:t> </a:t>
-                </a:r>
-                <a:r>
                   <a:rPr lang="en-US" sz="2400" dirty="0"/>
-                  <a:t>and </a:t>
+                  <a:t> and </a:t>
                 </a:r>
                 <a14:m>
                   <m:oMath xmlns:m="http://schemas.openxmlformats.org/officeDocument/2006/math">
@@ -13389,24 +12909,8 @@
                   </m:oMath>
                 </a14:m>
                 <a:r>
-                  <a:rPr lang="en-US" sz="2400" dirty="0" smtClean="0"/>
-                  <a:t> </a:t>
-                </a:r>
-                <a:r>
                   <a:rPr lang="en-US" sz="2400" dirty="0"/>
-                  <a:t>be two sets of </a:t>
-                </a:r>
-                <a:r>
-                  <a:rPr lang="en-US" sz="2400" dirty="0" smtClean="0"/>
-                  <a:t>entities</a:t>
-                </a:r>
-                <a:r>
-                  <a:rPr lang="en-US" sz="2400" dirty="0"/>
-                  <a:t> </a:t>
-                </a:r>
-                <a:r>
-                  <a:rPr lang="en-US" sz="2400" dirty="0" smtClean="0"/>
-                  <a:t>and </a:t>
+                  <a:t> be two sets of entities and </a:t>
                 </a:r>
                 <a14:m>
                   <m:oMath xmlns:m="http://schemas.openxmlformats.org/officeDocument/2006/math">
@@ -13419,24 +12923,8 @@
                   </m:oMath>
                 </a14:m>
                 <a:r>
-                  <a:rPr lang="en-US" sz="2400" dirty="0" smtClean="0"/>
-                  <a:t> </a:t>
-                </a:r>
-                <a:r>
                   <a:rPr lang="en-US" sz="2400" dirty="0"/>
-                  <a:t>the set of relations </a:t>
-                </a:r>
-                <a:r>
-                  <a:rPr lang="en-US" sz="2400" dirty="0" smtClean="0"/>
-                  <a:t>that can </a:t>
-                </a:r>
-                <a:r>
-                  <a:rPr lang="en-US" sz="2400" dirty="0"/>
-                  <a:t>be discovered between entities. For a </a:t>
-                </a:r>
-                <a:r>
-                  <a:rPr lang="en-US" sz="2400" dirty="0" smtClean="0"/>
-                  <a:t>relation </a:t>
+                  <a:t> the set of relations that can be discovered between entities. For a relation </a:t>
                 </a:r>
                 <a14:m>
                   <m:oMath xmlns:m="http://schemas.openxmlformats.org/officeDocument/2006/math">
@@ -13472,11 +12960,7 @@
                 </a:r>
                 <a:r>
                   <a:rPr lang="en-US" sz="2400" dirty="0"/>
-                  <a:t>., we define </a:t>
-                </a:r>
-                <a:r>
-                  <a:rPr lang="en-US" sz="2400" dirty="0" smtClean="0"/>
-                  <a:t>a distance function </a:t>
+                  <a:t>., we define a distance function </a:t>
                 </a:r>
                 <a14:m>
                   <m:oMath xmlns:m="http://schemas.openxmlformats.org/officeDocument/2006/math">
@@ -13484,7 +12968,7 @@
                       <m:sSubPr>
                         <m:ctrlPr>
                           <a:rPr lang="en-US" sz="2400" i="1" dirty="0">
-                            <a:latin typeface="Cambria Math" charset="0"/>
+                            <a:latin typeface="Cambria Math" panose="02040503050406030204" pitchFamily="18" charset="0"/>
                           </a:rPr>
                         </m:ctrlPr>
                       </m:sSubPr>
@@ -13514,7 +12998,7 @@
                   </m:oMath>
                 </a14:m>
                 <a:r>
-                  <a:rPr lang="en-US" sz="2400" dirty="0" smtClean="0"/>
+                  <a:rPr lang="en-US" sz="2400" dirty="0"/>
                   <a:t>and a distance threshold </a:t>
                 </a:r>
                 <a14:m>
@@ -13523,7 +13007,7 @@
                       <m:sSubPr>
                         <m:ctrlPr>
                           <a:rPr lang="en-US" sz="2400" i="1">
-                            <a:latin typeface="Cambria Math" charset="0"/>
+                            <a:latin typeface="Cambria Math" panose="02040503050406030204" pitchFamily="18" charset="0"/>
                           </a:rPr>
                         </m:ctrlPr>
                       </m:sSubPr>
@@ -13540,7 +13024,7 @@
                           <m:sSubPr>
                             <m:ctrlPr>
                               <a:rPr lang="en-US" sz="2400" i="1">
-                                <a:latin typeface="Cambria Math" charset="0"/>
+                                <a:latin typeface="Cambria Math" panose="02040503050406030204" pitchFamily="18" charset="0"/>
                               </a:rPr>
                             </m:ctrlPr>
                           </m:sSubPr>
@@ -13567,24 +13051,20 @@
                 </a14:m>
                 <a:r>
                   <a:rPr lang="en-US" sz="2400" dirty="0"/>
-                  <a:t> </a:t>
-                </a:r>
-                <a:r>
-                  <a:rPr lang="en-US" sz="2400" dirty="0" smtClean="0"/>
-                  <a:t>as follows:</a:t>
+                  <a:t> as follows:</a:t>
                 </a:r>
               </a:p>
               <a:p>
                 <a:pPr marL="0" indent="0">
                   <a:buNone/>
                 </a:pPr>
-                <a:endParaRPr lang="en-US" sz="1200" dirty="0" smtClean="0"/>
+                <a:endParaRPr lang="en-US" sz="1200" dirty="0"/>
               </a:p>
               <a:p>
                 <a:pPr marL="0" indent="0">
                   <a:buNone/>
                 </a:pPr>
-                <a:endParaRPr lang="en-US" sz="1200" dirty="0" smtClean="0"/>
+                <a:endParaRPr lang="en-US" sz="1200" dirty="0"/>
               </a:p>
               <a:p>
                 <a:pPr marL="0" indent="0" algn="ctr">
@@ -13596,7 +13076,7 @@
                       <m:sSubPr>
                         <m:ctrlPr>
                           <a:rPr lang="en-US" sz="2400" i="1" dirty="0" smtClean="0">
-                            <a:latin typeface="Cambria Math" charset="0"/>
+                            <a:latin typeface="Cambria Math" panose="02040503050406030204" pitchFamily="18" charset="0"/>
                             <a:ea typeface="Cambria Math" pitchFamily="18" charset="0"/>
                           </a:rPr>
                         </m:ctrlPr>
@@ -13604,7 +13084,7 @@
                       <m:e>
                         <m:r>
                           <a:rPr lang="en-US" sz="2400" b="0" i="1" dirty="0" smtClean="0">
-                            <a:latin typeface="Cambria Math" pitchFamily="18" charset="0"/>
+                            <a:latin typeface="Cambria Math" panose="02040503050406030204" pitchFamily="18" charset="0"/>
                             <a:ea typeface="Cambria Math" pitchFamily="18" charset="0"/>
                           </a:rPr>
                           <m:t>𝑑</m:t>
@@ -13613,7 +13093,7 @@
                       <m:sub>
                         <m:r>
                           <a:rPr lang="en-US" sz="2400" b="0" i="1" dirty="0" smtClean="0">
-                            <a:latin typeface="Cambria Math" pitchFamily="18" charset="0"/>
+                            <a:latin typeface="Cambria Math" panose="02040503050406030204" pitchFamily="18" charset="0"/>
                             <a:ea typeface="Cambria Math" pitchFamily="18" charset="0"/>
                           </a:rPr>
                           <m:t>𝑟</m:t>
@@ -13680,14 +13160,14 @@
                   </m:oMath>
                 </a14:m>
                 <a:r>
-                  <a:rPr lang="en-US" sz="2400" i="1" dirty="0" smtClean="0">
+                  <a:rPr lang="en-US" sz="2400" i="1" dirty="0">
                     <a:latin typeface="Cambria Math" pitchFamily="18" charset="0"/>
                     <a:ea typeface="Cambria Math" pitchFamily="18" charset="0"/>
                   </a:rPr>
                   <a:t> </a:t>
                 </a:r>
                 <a:r>
-                  <a:rPr lang="en-US" sz="2400" dirty="0" smtClean="0">
+                  <a:rPr lang="en-US" sz="2400" dirty="0">
                     <a:latin typeface="Cambria Math" pitchFamily="18" charset="0"/>
                     <a:ea typeface="Cambria Math" pitchFamily="18" charset="0"/>
                   </a:rPr>
@@ -13706,7 +13186,7 @@
                       <m:sSubPr>
                         <m:ctrlPr>
                           <a:rPr lang="en-US" sz="2400" i="1" smtClean="0">
-                            <a:latin typeface="Cambria Math" charset="0"/>
+                            <a:latin typeface="Cambria Math" panose="02040503050406030204" pitchFamily="18" charset="0"/>
                             <a:ea typeface="Cambria Math" pitchFamily="18" charset="0"/>
                           </a:rPr>
                         </m:ctrlPr>
@@ -13714,7 +13194,7 @@
                       <m:e>
                         <m:r>
                           <a:rPr lang="el-GR" sz="2400" b="0" i="1" smtClean="0">
-                            <a:latin typeface="Cambria Math" pitchFamily="18" charset="0"/>
+                            <a:latin typeface="Cambria Math" panose="02040503050406030204" pitchFamily="18" charset="0"/>
                             <a:ea typeface="Cambria Math" pitchFamily="18" charset="0"/>
                           </a:rPr>
                           <m:t>𝜃</m:t>
@@ -13725,7 +13205,7 @@
                           <m:sSubPr>
                             <m:ctrlPr>
                               <a:rPr lang="en-US" sz="2400" i="1" smtClean="0">
-                                <a:latin typeface="Cambria Math" charset="0"/>
+                                <a:latin typeface="Cambria Math" panose="02040503050406030204" pitchFamily="18" charset="0"/>
                                 <a:ea typeface="Cambria Math" pitchFamily="18" charset="0"/>
                               </a:rPr>
                             </m:ctrlPr>
@@ -13733,7 +13213,7 @@
                           <m:e>
                             <m:r>
                               <a:rPr lang="en-US" sz="2400" b="0" i="1" smtClean="0">
-                                <a:latin typeface="Cambria Math" pitchFamily="18" charset="0"/>
+                                <a:latin typeface="Cambria Math" panose="02040503050406030204" pitchFamily="18" charset="0"/>
                                 <a:ea typeface="Cambria Math" pitchFamily="18" charset="0"/>
                               </a:rPr>
                               <m:t>𝑑</m:t>
@@ -13742,7 +13222,7 @@
                           <m:sub>
                             <m:r>
                               <a:rPr lang="en-US" sz="2400" b="0" i="1" smtClean="0">
-                                <a:latin typeface="Cambria Math" pitchFamily="18" charset="0"/>
+                                <a:latin typeface="Cambria Math" panose="02040503050406030204" pitchFamily="18" charset="0"/>
                                 <a:ea typeface="Cambria Math" pitchFamily="18" charset="0"/>
                               </a:rPr>
                               <m:t>𝑟</m:t>
@@ -13761,7 +13241,7 @@
                   </m:oMath>
                 </a14:m>
                 <a:r>
-                  <a:rPr lang="en-US" sz="2400" dirty="0" smtClean="0">
+                  <a:rPr lang="en-US" sz="2400" dirty="0">
                     <a:latin typeface="Cambria Math" pitchFamily="18" charset="0"/>
                     <a:ea typeface="Cambria Math" pitchFamily="18" charset="0"/>
                   </a:rPr>
@@ -13775,7 +13255,7 @@
                         <m:endChr m:val="]"/>
                         <m:ctrlPr>
                           <a:rPr lang="en-US" sz="2400" i="1">
-                            <a:latin typeface="Cambria Math" charset="0"/>
+                            <a:latin typeface="Cambria Math" panose="02040503050406030204" pitchFamily="18" charset="0"/>
                             <a:ea typeface="Cambria Math" pitchFamily="18" charset="0"/>
                           </a:rPr>
                         </m:ctrlPr>
@@ -13793,7 +13273,7 @@
                         </m:r>
                         <m:r>
                           <a:rPr lang="en-US" sz="2400" b="0" i="1">
-                            <a:latin typeface="Cambria Math" pitchFamily="18" charset="0"/>
+                            <a:latin typeface="Cambria Math" panose="02040503050406030204" pitchFamily="18" charset="0"/>
                             <a:ea typeface="Cambria Math" pitchFamily="18" charset="0"/>
                           </a:rPr>
                           <m:t>,1</m:t>
@@ -13811,13 +13291,13 @@
                 <a:pPr marL="0" indent="0">
                   <a:buNone/>
                 </a:pPr>
-                <a:endParaRPr lang="en-US" sz="1200" dirty="0" smtClean="0"/>
+                <a:endParaRPr lang="en-US" sz="1200" dirty="0"/>
               </a:p>
               <a:p>
                 <a:pPr marL="0" indent="0">
                   <a:buNone/>
                 </a:pPr>
-                <a:endParaRPr lang="en-US" sz="1200" dirty="0" smtClean="0"/>
+                <a:endParaRPr lang="en-US" sz="1200" dirty="0"/>
               </a:p>
               <a:p>
                 <a:pPr marL="0" indent="0">
@@ -13838,7 +13318,7 @@
                   </m:oMath>
                 </a14:m>
                 <a:r>
-                  <a:rPr lang="en-US" sz="2400" dirty="0" smtClean="0"/>
+                  <a:rPr lang="en-US" sz="2400" dirty="0"/>
                   <a:t> (</a:t>
                 </a:r>
                 <a14:m>
@@ -13847,7 +13327,7 @@
                       <m:sSubPr>
                         <m:ctrlPr>
                           <a:rPr lang="en-US" sz="2400" i="1" dirty="0">
-                            <a:latin typeface="Cambria Math" charset="0"/>
+                            <a:latin typeface="Cambria Math" panose="02040503050406030204" pitchFamily="18" charset="0"/>
                           </a:rPr>
                         </m:ctrlPr>
                       </m:sSubPr>
@@ -13871,23 +13351,15 @@
                   </m:oMath>
                 </a14:m>
                 <a:r>
-                  <a:rPr lang="en-US" sz="2400" dirty="0" smtClean="0"/>
-                  <a:t>) </a:t>
-                </a:r>
-                <a:r>
                   <a:rPr lang="en-US" sz="2400" dirty="0"/>
-                  <a:t>as follows</a:t>
-                </a:r>
-                <a:r>
-                  <a:rPr lang="en-US" sz="2400" dirty="0" smtClean="0"/>
-                  <a:t>:</a:t>
+                  <a:t>) as follows:</a:t>
                 </a:r>
               </a:p>
               <a:p>
                 <a:pPr marL="0" indent="0">
                   <a:buNone/>
                 </a:pPr>
-                <a:endParaRPr lang="en-US" sz="1200" dirty="0" smtClean="0">
+                <a:endParaRPr lang="en-US" sz="1200" dirty="0">
                   <a:ea typeface="Cambria Math" pitchFamily="18" charset="0"/>
                 </a:endParaRPr>
               </a:p>
@@ -13901,7 +13373,7 @@
                       <m:sSubPr>
                         <m:ctrlPr>
                           <a:rPr lang="en-US" sz="2400" i="1" dirty="0">
-                            <a:latin typeface="Cambria Math" charset="0"/>
+                            <a:latin typeface="Cambria Math" panose="02040503050406030204" pitchFamily="18" charset="0"/>
                             <a:ea typeface="Cambria Math" pitchFamily="18" charset="0"/>
                           </a:rPr>
                         </m:ctrlPr>
@@ -13909,7 +13381,7 @@
                       <m:e>
                         <m:r>
                           <a:rPr lang="en-US" sz="2400" b="0" i="1" dirty="0" smtClean="0">
-                            <a:latin typeface="Cambria Math" pitchFamily="18" charset="0"/>
+                            <a:latin typeface="Cambria Math" panose="02040503050406030204" pitchFamily="18" charset="0"/>
                             <a:ea typeface="Cambria Math" pitchFamily="18" charset="0"/>
                           </a:rPr>
                           <m:t>𝐷𝐿</m:t>
@@ -13918,7 +13390,7 @@
                       <m:sub>
                         <m:r>
                           <a:rPr lang="en-US" sz="2400" b="0" i="1" dirty="0">
-                            <a:latin typeface="Cambria Math" pitchFamily="18" charset="0"/>
+                            <a:latin typeface="Cambria Math" panose="02040503050406030204" pitchFamily="18" charset="0"/>
                             <a:ea typeface="Cambria Math" pitchFamily="18" charset="0"/>
                           </a:rPr>
                           <m:t>𝑟</m:t>
@@ -13938,7 +13410,7 @@
                         <m:endChr m:val="|"/>
                         <m:ctrlPr>
                           <a:rPr lang="en-US" sz="2400" i="1" smtClean="0">
-                            <a:latin typeface="Cambria Math" charset="0"/>
+                            <a:latin typeface="Cambria Math" panose="02040503050406030204" pitchFamily="18" charset="0"/>
                             <a:ea typeface="Cambria Math" pitchFamily="18" charset="0"/>
                           </a:rPr>
                         </m:ctrlPr>
@@ -13948,7 +13420,7 @@
                           <m:dPr>
                             <m:ctrlPr>
                               <a:rPr lang="en-US" sz="2400" i="1" smtClean="0">
-                                <a:latin typeface="Cambria Math" charset="0"/>
+                                <a:latin typeface="Cambria Math" panose="02040503050406030204" pitchFamily="18" charset="0"/>
                                 <a:ea typeface="Cambria Math" pitchFamily="18" charset="0"/>
                               </a:rPr>
                             </m:ctrlPr>
@@ -14044,7 +13516,7 @@
                         <m:supHide m:val="on"/>
                         <m:ctrlPr>
                           <a:rPr lang="en-US" sz="2400" i="1">
-                            <a:latin typeface="Cambria Math" charset="0"/>
+                            <a:latin typeface="Cambria Math" panose="02040503050406030204" pitchFamily="18" charset="0"/>
                             <a:ea typeface="Cambria Math" pitchFamily="18" charset="0"/>
                           </a:rPr>
                         </m:ctrlPr>
@@ -14080,7 +13552,7 @@
                             <m:supHide m:val="on"/>
                             <m:ctrlPr>
                               <a:rPr lang="en-US" sz="2400" i="1">
-                                <a:latin typeface="Cambria Math" charset="0"/>
+                                <a:latin typeface="Cambria Math" panose="02040503050406030204" pitchFamily="18" charset="0"/>
                                 <a:ea typeface="Cambria Math" pitchFamily="18" charset="0"/>
                               </a:rPr>
                             </m:ctrlPr>
@@ -14092,7 +13564,7 @@
                               <m:sSubPr>
                                 <m:ctrlPr>
                                   <a:rPr lang="en-US" sz="2400" i="1" dirty="0">
-                                    <a:latin typeface="Cambria Math" charset="0"/>
+                                    <a:latin typeface="Cambria Math" panose="02040503050406030204" pitchFamily="18" charset="0"/>
                                     <a:ea typeface="Cambria Math" pitchFamily="18" charset="0"/>
                                   </a:rPr>
                                 </m:ctrlPr>
@@ -14100,7 +13572,7 @@
                               <m:e>
                                 <m:r>
                                   <a:rPr lang="en-US" sz="2400" b="0" i="1" dirty="0">
-                                    <a:latin typeface="Cambria Math" pitchFamily="18" charset="0"/>
+                                    <a:latin typeface="Cambria Math" panose="02040503050406030204" pitchFamily="18" charset="0"/>
                                     <a:ea typeface="Cambria Math" pitchFamily="18" charset="0"/>
                                   </a:rPr>
                                   <m:t>𝑑</m:t>
@@ -14109,7 +13581,7 @@
                               <m:sub>
                                 <m:r>
                                   <a:rPr lang="en-US" sz="2400" b="0" i="1" dirty="0">
-                                    <a:latin typeface="Cambria Math" pitchFamily="18" charset="0"/>
+                                    <a:latin typeface="Cambria Math" panose="02040503050406030204" pitchFamily="18" charset="0"/>
                                     <a:ea typeface="Cambria Math" pitchFamily="18" charset="0"/>
                                   </a:rPr>
                                   <m:t>𝑟</m:t>
@@ -14120,7 +13592,7 @@
                               <m:dPr>
                                 <m:ctrlPr>
                                   <a:rPr lang="en-US" sz="2400" i="1">
-                                    <a:latin typeface="Cambria Math" charset="0"/>
+                                    <a:latin typeface="Cambria Math" panose="02040503050406030204" pitchFamily="18" charset="0"/>
                                     <a:ea typeface="Cambria Math" pitchFamily="18" charset="0"/>
                                   </a:rPr>
                                 </m:ctrlPr>
@@ -14128,21 +13600,21 @@
                               <m:e>
                                 <m:r>
                                   <a:rPr lang="en-US" sz="2400" b="0" i="1">
-                                    <a:latin typeface="Cambria Math" pitchFamily="18" charset="0"/>
+                                    <a:latin typeface="Cambria Math" panose="02040503050406030204" pitchFamily="18" charset="0"/>
                                     <a:ea typeface="Cambria Math" pitchFamily="18" charset="0"/>
                                   </a:rPr>
                                   <m:t>𝑠</m:t>
                                 </m:r>
                                 <m:r>
                                   <a:rPr lang="en-US" sz="2400" b="0" i="1">
-                                    <a:latin typeface="Cambria Math" pitchFamily="18" charset="0"/>
+                                    <a:latin typeface="Cambria Math" panose="02040503050406030204" pitchFamily="18" charset="0"/>
                                     <a:ea typeface="Cambria Math" pitchFamily="18" charset="0"/>
                                   </a:rPr>
                                   <m:t>,</m:t>
                                 </m:r>
                                 <m:r>
                                   <a:rPr lang="en-US" sz="2400" b="0" i="1">
-                                    <a:latin typeface="Cambria Math" pitchFamily="18" charset="0"/>
+                                    <a:latin typeface="Cambria Math" panose="02040503050406030204" pitchFamily="18" charset="0"/>
                                     <a:ea typeface="Cambria Math" pitchFamily="18" charset="0"/>
                                   </a:rPr>
                                   <m:t>𝑡</m:t>
@@ -14161,7 +13633,7 @@
                               <m:sSubPr>
                                 <m:ctrlPr>
                                   <a:rPr lang="en-US" sz="2400" i="1">
-                                    <a:latin typeface="Cambria Math" charset="0"/>
+                                    <a:latin typeface="Cambria Math" panose="02040503050406030204" pitchFamily="18" charset="0"/>
                                     <a:ea typeface="Cambria Math" pitchFamily="18" charset="0"/>
                                   </a:rPr>
                                 </m:ctrlPr>
@@ -14169,7 +13641,7 @@
                               <m:e>
                                 <m:r>
                                   <a:rPr lang="el-GR" sz="2400" b="0" i="1">
-                                    <a:latin typeface="Cambria Math" pitchFamily="18" charset="0"/>
+                                    <a:latin typeface="Cambria Math" panose="02040503050406030204" pitchFamily="18" charset="0"/>
                                     <a:ea typeface="Cambria Math" pitchFamily="18" charset="0"/>
                                   </a:rPr>
                                   <m:t>𝜃</m:t>
@@ -14180,7 +13652,7 @@
                                   <m:sSubPr>
                                     <m:ctrlPr>
                                       <a:rPr lang="en-US" sz="2400" i="1">
-                                        <a:latin typeface="Cambria Math" charset="0"/>
+                                        <a:latin typeface="Cambria Math" panose="02040503050406030204" pitchFamily="18" charset="0"/>
                                         <a:ea typeface="Cambria Math" pitchFamily="18" charset="0"/>
                                       </a:rPr>
                                     </m:ctrlPr>
@@ -14188,7 +13660,7 @@
                                   <m:e>
                                     <m:r>
                                       <a:rPr lang="en-US" sz="2400" b="0" i="1">
-                                        <a:latin typeface="Cambria Math" pitchFamily="18" charset="0"/>
+                                        <a:latin typeface="Cambria Math" panose="02040503050406030204" pitchFamily="18" charset="0"/>
                                         <a:ea typeface="Cambria Math" pitchFamily="18" charset="0"/>
                                       </a:rPr>
                                       <m:t>𝑑</m:t>
@@ -14197,7 +13669,7 @@
                                   <m:sub>
                                     <m:r>
                                       <a:rPr lang="en-US" sz="2400" b="0" i="1">
-                                        <a:latin typeface="Cambria Math" pitchFamily="18" charset="0"/>
+                                        <a:latin typeface="Cambria Math" panose="02040503050406030204" pitchFamily="18" charset="0"/>
                                         <a:ea typeface="Cambria Math" pitchFamily="18" charset="0"/>
                                       </a:rPr>
                                       <m:t>𝑟</m:t>
@@ -14213,7 +13685,7 @@
                   </m:oMath>
                 </a14:m>
                 <a:r>
-                  <a:rPr lang="en-US" sz="2400" dirty="0" smtClean="0">
+                  <a:rPr lang="en-US" sz="2400" dirty="0">
                     <a:latin typeface="Cambria Math" pitchFamily="18" charset="0"/>
                     <a:ea typeface="Cambria Math" pitchFamily="18" charset="0"/>
                   </a:rPr>
@@ -14273,7 +13745,7 @@
           <a:lstStyle/>
           <a:p>
             <a:r>
-              <a:rPr lang="en-US" smtClean="0"/>
+              <a:rPr lang="en-US"/>
               <a:t>12/04/2016</a:t>
             </a:r>
             <a:endParaRPr lang="en-US" dirty="0"/>
@@ -14297,7 +13769,7 @@
           <a:p>
             <a:pPr algn="ctr"/>
             <a:r>
-              <a:rPr lang="en-US" smtClean="0"/>
+              <a:rPr lang="en-US"/>
               <a:t>Discovering Spatial and Temporal Links among RDF Data</a:t>
             </a:r>
             <a:endParaRPr lang="en-US" dirty="0"/>
@@ -14339,13 +13811,6 @@
   <p:clrMapOvr>
     <a:masterClrMapping/>
   </p:clrMapOvr>
-  <p:timing>
-    <p:tnLst>
-      <p:par>
-        <p:cTn id="1" dur="indefinite" restart="never" nodeType="tmRoot"/>
-      </p:par>
-    </p:tnLst>
-  </p:timing>
 </p:sld>
 </file>
 
@@ -14382,7 +13847,7 @@
           <a:lstStyle/>
           <a:p>
             <a:r>
-              <a:rPr lang="en-US" smtClean="0"/>
+              <a:rPr lang="en-US"/>
               <a:t>12/04/2016</a:t>
             </a:r>
             <a:endParaRPr lang="en-US" dirty="0"/>
@@ -14406,7 +13871,7 @@
           <a:p>
             <a:pPr algn="ctr"/>
             <a:r>
-              <a:rPr lang="en-US" smtClean="0"/>
+              <a:rPr lang="en-US"/>
               <a:t>Discovering Spatial and Temporal Links among RDF Data</a:t>
             </a:r>
             <a:endParaRPr lang="en-US" dirty="0"/>
@@ -14454,10 +13919,9 @@
           <a:lstStyle/>
           <a:p>
             <a:r>
-              <a:rPr lang="en-US" dirty="0" smtClean="0"/>
+              <a:rPr lang="en-US" dirty="0"/>
               <a:t>Outline</a:t>
             </a:r>
-            <a:endParaRPr lang="en-US" dirty="0"/>
           </a:p>
         </p:txBody>
       </p:sp>
@@ -14479,7 +13943,7 @@
           <a:lstStyle/>
           <a:p>
             <a:r>
-              <a:rPr lang="en-US" b="1" dirty="0" smtClean="0"/>
+              <a:rPr lang="en-US" b="1" dirty="0"/>
               <a:t>Introduction</a:t>
             </a:r>
           </a:p>
@@ -14488,36 +13952,34 @@
           </a:p>
           <a:p>
             <a:r>
-              <a:rPr lang="en-US" dirty="0" smtClean="0"/>
+              <a:rPr lang="en-US" dirty="0"/>
               <a:t>Background</a:t>
             </a:r>
           </a:p>
           <a:p>
-            <a:endParaRPr lang="en-US" dirty="0" smtClean="0"/>
-          </a:p>
-          <a:p>
-            <a:r>
-              <a:rPr lang="en-US" dirty="0" smtClean="0"/>
+            <a:endParaRPr lang="en-US" dirty="0"/>
+          </a:p>
+          <a:p>
+            <a:r>
+              <a:rPr lang="en-US" dirty="0"/>
               <a:t>Developed Methods</a:t>
             </a:r>
+          </a:p>
+          <a:p>
             <a:endParaRPr lang="en-US" dirty="0"/>
           </a:p>
           <a:p>
-            <a:endParaRPr lang="en-US" dirty="0" smtClean="0"/>
-          </a:p>
-          <a:p>
-            <a:r>
-              <a:rPr lang="en-US" dirty="0" smtClean="0"/>
+            <a:r>
+              <a:rPr lang="en-US" dirty="0"/>
               <a:t>Implementation</a:t>
             </a:r>
+          </a:p>
+          <a:p>
             <a:endParaRPr lang="en-US" dirty="0"/>
           </a:p>
           <a:p>
-            <a:endParaRPr lang="en-US" dirty="0" smtClean="0"/>
-          </a:p>
-          <a:p>
-            <a:r>
-              <a:rPr lang="en-US" dirty="0" smtClean="0"/>
+            <a:r>
+              <a:rPr lang="en-US" dirty="0"/>
               <a:t>Experimental Evaluation</a:t>
             </a:r>
           </a:p>
@@ -14526,7 +13988,7 @@
           </a:p>
           <a:p>
             <a:r>
-              <a:rPr lang="en-US" dirty="0" smtClean="0"/>
+              <a:rPr lang="en-US" dirty="0"/>
               <a:t>Conclusions</a:t>
             </a:r>
           </a:p>
@@ -14542,13 +14004,6 @@
   <p:clrMapOvr>
     <a:masterClrMapping/>
   </p:clrMapOvr>
-  <p:timing>
-    <p:tnLst>
-      <p:par>
-        <p:cTn id="1" dur="indefinite" restart="never" nodeType="tmRoot"/>
-      </p:par>
-    </p:tnLst>
-  </p:timing>
 </p:sld>
 </file>
 
@@ -14587,10 +14042,9 @@
           <a:lstStyle/>
           <a:p>
             <a:r>
-              <a:rPr lang="en-US" dirty="0" smtClean="0"/>
+              <a:rPr lang="en-US" dirty="0"/>
               <a:t>State-of-the-art Spatial Relations</a:t>
             </a:r>
-            <a:endParaRPr lang="en-US" dirty="0"/>
           </a:p>
         </p:txBody>
       </p:sp>
@@ -14615,15 +14069,11 @@
               <a:rPr lang="en-US" dirty="0"/>
               <a:t>Dimensionally Extended </a:t>
             </a:r>
-            <a:r>
-              <a:rPr lang="en-US" dirty="0" smtClean="0"/>
-              <a:t/>
-            </a:r>
             <a:br>
-              <a:rPr lang="en-US" dirty="0" smtClean="0"/>
+              <a:rPr lang="en-US" dirty="0"/>
             </a:br>
             <a:r>
-              <a:rPr lang="en-US" dirty="0" smtClean="0"/>
+              <a:rPr lang="en-US" dirty="0"/>
               <a:t>9-Intersection Model</a:t>
             </a:r>
             <a:endParaRPr lang="en-US" sz="1000" dirty="0"/>
@@ -14637,20 +14087,15 @@
               <a:rPr lang="en-US" dirty="0"/>
               <a:t> Model </a:t>
             </a:r>
-            <a:endParaRPr lang="en-US" dirty="0" smtClean="0"/>
           </a:p>
           <a:p>
             <a:r>
               <a:rPr lang="en-US" dirty="0"/>
-              <a:t>OGC Simple Features </a:t>
-            </a:r>
-            <a:r>
-              <a:rPr lang="en-US" dirty="0" smtClean="0"/>
-              <a:t>Model</a:t>
-            </a:r>
-          </a:p>
-          <a:p>
-            <a:endParaRPr lang="en-US" dirty="0" smtClean="0"/>
+              <a:t>OGC Simple Features Model</a:t>
+            </a:r>
+          </a:p>
+          <a:p>
+            <a:endParaRPr lang="en-US" dirty="0"/>
           </a:p>
           <a:p>
             <a:endParaRPr lang="en-US" dirty="0"/>
@@ -14665,7 +14110,7 @@
           <a:p>
             <a:pPr lvl="1"/>
             <a:r>
-              <a:rPr lang="en-US" dirty="0" smtClean="0"/>
+              <a:rPr lang="en-US" dirty="0"/>
               <a:t>e.g., RCC8</a:t>
             </a:r>
           </a:p>
@@ -14699,7 +14144,7 @@
           <a:lstStyle/>
           <a:p>
             <a:r>
-              <a:rPr lang="en-US" smtClean="0"/>
+              <a:rPr lang="en-US"/>
               <a:t>12/04/2016</a:t>
             </a:r>
             <a:endParaRPr lang="en-US" dirty="0"/>
@@ -14723,7 +14168,7 @@
           <a:p>
             <a:pPr algn="ctr"/>
             <a:r>
-              <a:rPr lang="en-US" smtClean="0"/>
+              <a:rPr lang="en-US"/>
               <a:t>Discovering Spatial and Temporal Links among RDF Data</a:t>
             </a:r>
             <a:endParaRPr lang="en-US" dirty="0"/>
@@ -14777,7 +14222,7 @@
             </a:clrChange>
             <a:extLst>
               <a:ext uri="{28A0092B-C50C-407E-A947-70E740481C1C}">
-                <a14:useLocalDpi xmlns:a14="http://schemas.microsoft.com/office/drawing/2010/main" val="0"/>
+                <a14:useLocalDpi xmlns:a14="http://schemas.microsoft.com/office/drawing/2010/main"/>
               </a:ext>
             </a:extLst>
           </a:blip>
@@ -14818,7 +14263,7 @@
           <a:blip r:embed="rId3" cstate="print">
             <a:extLst>
               <a:ext uri="{28A0092B-C50C-407E-A947-70E740481C1C}">
-                <a14:useLocalDpi xmlns:a14="http://schemas.microsoft.com/office/drawing/2010/main" val="0"/>
+                <a14:useLocalDpi xmlns:a14="http://schemas.microsoft.com/office/drawing/2010/main"/>
               </a:ext>
             </a:extLst>
           </a:blip>
@@ -14871,110 +14316,22 @@
           <a:lstStyle/>
           <a:p>
             <a:r>
-              <a:rPr lang="en-US" dirty="0" smtClean="0">
-                <a:latin typeface="Helvetica" charset="0"/>
-                <a:ea typeface="Helvetica" charset="0"/>
-                <a:cs typeface="Helvetica" charset="0"/>
-              </a:rPr>
-              <a:t>Intersects, Overlaps</a:t>
-            </a:r>
-            <a:r>
               <a:rPr lang="en-US" dirty="0">
                 <a:latin typeface="Helvetica" charset="0"/>
                 <a:ea typeface="Helvetica" charset="0"/>
                 <a:cs typeface="Helvetica" charset="0"/>
               </a:rPr>
-              <a:t>, </a:t>
-            </a:r>
-            <a:r>
-              <a:rPr lang="en-US" dirty="0" smtClean="0">
-                <a:latin typeface="Helvetica" charset="0"/>
-                <a:ea typeface="Helvetica" charset="0"/>
-                <a:cs typeface="Helvetica" charset="0"/>
-              </a:rPr>
-              <a:t>Equals</a:t>
-            </a:r>
+              <a:t>Intersects, Overlaps, Equals, Touches, Disjoint, Contains,</a:t>
+            </a:r>
+          </a:p>
+          <a:p>
             <a:r>
               <a:rPr lang="en-US" dirty="0">
                 <a:latin typeface="Helvetica" charset="0"/>
                 <a:ea typeface="Helvetica" charset="0"/>
                 <a:cs typeface="Helvetica" charset="0"/>
               </a:rPr>
-              <a:t>, </a:t>
-            </a:r>
-            <a:r>
-              <a:rPr lang="en-US" dirty="0" smtClean="0">
-                <a:latin typeface="Helvetica" charset="0"/>
-                <a:ea typeface="Helvetica" charset="0"/>
-                <a:cs typeface="Helvetica" charset="0"/>
-              </a:rPr>
-              <a:t>Touches</a:t>
-            </a:r>
-            <a:r>
-              <a:rPr lang="en-US" dirty="0">
-                <a:latin typeface="Helvetica" charset="0"/>
-                <a:ea typeface="Helvetica" charset="0"/>
-                <a:cs typeface="Helvetica" charset="0"/>
-              </a:rPr>
-              <a:t>, </a:t>
-            </a:r>
-            <a:r>
-              <a:rPr lang="en-US" dirty="0" smtClean="0">
-                <a:latin typeface="Helvetica" charset="0"/>
-                <a:ea typeface="Helvetica" charset="0"/>
-                <a:cs typeface="Helvetica" charset="0"/>
-              </a:rPr>
-              <a:t>Disjoint</a:t>
-            </a:r>
-            <a:r>
-              <a:rPr lang="en-US" dirty="0">
-                <a:latin typeface="Helvetica" charset="0"/>
-                <a:ea typeface="Helvetica" charset="0"/>
-                <a:cs typeface="Helvetica" charset="0"/>
-              </a:rPr>
-              <a:t>, </a:t>
-            </a:r>
-            <a:r>
-              <a:rPr lang="en-US" dirty="0" smtClean="0">
-                <a:latin typeface="Helvetica" charset="0"/>
-                <a:ea typeface="Helvetica" charset="0"/>
-                <a:cs typeface="Helvetica" charset="0"/>
-              </a:rPr>
-              <a:t>Contains</a:t>
-            </a:r>
-            <a:r>
-              <a:rPr lang="en-US" dirty="0">
-                <a:latin typeface="Helvetica" charset="0"/>
-                <a:ea typeface="Helvetica" charset="0"/>
-                <a:cs typeface="Helvetica" charset="0"/>
-              </a:rPr>
-              <a:t>,</a:t>
-            </a:r>
-          </a:p>
-          <a:p>
-            <a:r>
-              <a:rPr lang="en-US" dirty="0">
-                <a:latin typeface="Helvetica" charset="0"/>
-                <a:ea typeface="Helvetica" charset="0"/>
-                <a:cs typeface="Helvetica" charset="0"/>
-              </a:rPr>
-              <a:t>Crosses, </a:t>
-            </a:r>
-            <a:r>
-              <a:rPr lang="en-US" dirty="0" smtClean="0">
-                <a:latin typeface="Helvetica" charset="0"/>
-                <a:ea typeface="Helvetica" charset="0"/>
-                <a:cs typeface="Helvetica" charset="0"/>
-              </a:rPr>
-              <a:t>Covers</a:t>
-            </a:r>
-            <a:r>
-              <a:rPr lang="en-US" dirty="0">
-                <a:latin typeface="Helvetica" charset="0"/>
-                <a:ea typeface="Helvetica" charset="0"/>
-                <a:cs typeface="Helvetica" charset="0"/>
-              </a:rPr>
-              <a:t>, </a:t>
+              <a:t>Crosses, Covers, </a:t>
             </a:r>
             <a:r>
               <a:rPr lang="en-US" dirty="0" err="1">
@@ -15005,13 +14362,6 @@
   <p:clrMapOvr>
     <a:masterClrMapping/>
   </p:clrMapOvr>
-  <p:timing>
-    <p:tnLst>
-      <p:par>
-        <p:cTn id="1" dur="indefinite" restart="never" nodeType="tmRoot"/>
-      </p:par>
-    </p:tnLst>
-  </p:timing>
 </p:sld>
 </file>
 
@@ -15048,7 +14398,7 @@
           <a:lstStyle/>
           <a:p>
             <a:r>
-              <a:rPr lang="en-US" smtClean="0"/>
+              <a:rPr lang="en-US"/>
               <a:t>12/04/2016</a:t>
             </a:r>
             <a:endParaRPr lang="en-US" dirty="0"/>
@@ -15072,7 +14422,7 @@
           <a:p>
             <a:pPr algn="ctr"/>
             <a:r>
-              <a:rPr lang="en-US" smtClean="0"/>
+              <a:rPr lang="en-US"/>
               <a:t>Discovering Spatial and Temporal Links among RDF Data</a:t>
             </a:r>
             <a:endParaRPr lang="en-US" dirty="0"/>
@@ -15123,13 +14473,8 @@
           <a:p>
             <a:r>
               <a:rPr lang="en-US" dirty="0"/>
-              <a:t>State-of-the-art Temporal </a:t>
-            </a:r>
-            <a:r>
-              <a:rPr lang="en-US" dirty="0" smtClean="0"/>
-              <a:t>Relations</a:t>
-            </a:r>
-            <a:endParaRPr lang="en-US" dirty="0"/>
+              <a:t>State-of-the-art Temporal Relations</a:t>
+            </a:r>
           </a:p>
         </p:txBody>
       </p:sp>
@@ -15150,14 +14495,10 @@
           <a:p>
             <a:r>
               <a:rPr lang="en-US" dirty="0"/>
-              <a:t>Allen’s Interval </a:t>
-            </a:r>
-            <a:r>
-              <a:rPr lang="en-US" dirty="0" smtClean="0"/>
-              <a:t>Calculus</a:t>
+              <a:t>Allen’s Interval Calculus</a:t>
             </a:r>
             <a:br>
-              <a:rPr lang="en-US" dirty="0" smtClean="0"/>
+              <a:rPr lang="en-US" dirty="0"/>
             </a:br>
             <a:endParaRPr lang="en-US" dirty="0"/>
           </a:p>
@@ -15185,7 +14526,7 @@
             </a:clrChange>
             <a:extLst>
               <a:ext uri="{28A0092B-C50C-407E-A947-70E740481C1C}">
-                <a14:useLocalDpi xmlns:a14="http://schemas.microsoft.com/office/drawing/2010/main" val="0"/>
+                <a14:useLocalDpi xmlns:a14="http://schemas.microsoft.com/office/drawing/2010/main"/>
               </a:ext>
             </a:extLst>
           </a:blip>
@@ -15224,13 +14565,6 @@
   <p:clrMapOvr>
     <a:masterClrMapping/>
   </p:clrMapOvr>
-  <p:timing>
-    <p:tnLst>
-      <p:par>
-        <p:cTn id="1" dur="indefinite" restart="never" nodeType="tmRoot"/>
-      </p:par>
-    </p:tnLst>
-  </p:timing>
 </p:sld>
 </file>
 
@@ -15336,10 +14670,9 @@
           </a:p>
           <a:p>
             <a:r>
-              <a:rPr lang="en-US" dirty="0" smtClean="0"/>
+              <a:rPr lang="en-US" dirty="0"/>
               <a:t>Conclusions</a:t>
             </a:r>
-            <a:endParaRPr lang="en-US" dirty="0"/>
           </a:p>
         </p:txBody>
       </p:sp>
@@ -15359,7 +14692,7 @@
           <a:lstStyle/>
           <a:p>
             <a:r>
-              <a:rPr lang="en-US" smtClean="0"/>
+              <a:rPr lang="en-US"/>
               <a:t>12/04/2016</a:t>
             </a:r>
             <a:endParaRPr lang="en-US" dirty="0"/>
@@ -15383,7 +14716,7 @@
           <a:p>
             <a:pPr algn="ctr"/>
             <a:r>
-              <a:rPr lang="en-US" smtClean="0"/>
+              <a:rPr lang="en-US"/>
               <a:t>Discovering Spatial and Temporal Links among RDF Data</a:t>
             </a:r>
             <a:endParaRPr lang="en-US" dirty="0"/>
@@ -15425,13 +14758,6 @@
   <p:clrMapOvr>
     <a:masterClrMapping/>
   </p:clrMapOvr>
-  <p:timing>
-    <p:tnLst>
-      <p:par>
-        <p:cTn id="1" dur="indefinite" restart="never" nodeType="tmRoot"/>
-      </p:par>
-    </p:tnLst>
-  </p:timing>
 </p:sld>
 </file>
 
@@ -15470,10 +14796,9 @@
           <a:lstStyle/>
           <a:p>
             <a:r>
-              <a:rPr lang="en-US" dirty="0" smtClean="0"/>
+              <a:rPr lang="en-US" dirty="0"/>
               <a:t>Introduced Relations</a:t>
             </a:r>
-            <a:endParaRPr lang="en-US" dirty="0"/>
           </a:p>
         </p:txBody>
       </p:sp>
@@ -15497,7 +14822,7 @@
               <a:lstStyle/>
               <a:p>
                 <a:r>
-                  <a:rPr lang="en-US" sz="2400" dirty="0" smtClean="0"/>
+                  <a:rPr lang="en-US" sz="2400" dirty="0"/>
                   <a:t>Spatial (</a:t>
                 </a:r>
                 <a14:m>
@@ -15506,7 +14831,7 @@
                       <m:sSubPr>
                         <m:ctrlPr>
                           <a:rPr lang="en-US" sz="2400" i="1">
-                            <a:latin typeface="Cambria Math" charset="0"/>
+                            <a:latin typeface="Cambria Math" panose="02040503050406030204" pitchFamily="18" charset="0"/>
                             <a:ea typeface="Cambria Math"/>
                           </a:rPr>
                         </m:ctrlPr>
@@ -15534,15 +14859,7 @@
                 </a14:m>
                 <a:r>
                   <a:rPr lang="en-US" sz="2400" dirty="0"/>
-                  <a:t>)</a:t>
-                </a:r>
-                <a:r>
-                  <a:rPr lang="en-US" sz="2400" dirty="0" smtClean="0"/>
-                  <a:t>, </a:t>
-                </a:r>
-                <a:r>
-                  <a:rPr lang="en-US" sz="2400" dirty="0"/>
-                  <a:t>Temporal (</a:t>
+                  <a:t>), Temporal (</a:t>
                 </a:r>
                 <a14:m>
                   <m:oMath xmlns:m="http://schemas.openxmlformats.org/officeDocument/2006/math">
@@ -15550,7 +14867,7 @@
                       <m:sSubPr>
                         <m:ctrlPr>
                           <a:rPr lang="en-US" sz="2400" i="1">
-                            <a:latin typeface="Cambria Math" charset="0"/>
+                            <a:latin typeface="Cambria Math" panose="02040503050406030204" pitchFamily="18" charset="0"/>
                             <a:ea typeface="Cambria Math"/>
                           </a:rPr>
                         </m:ctrlPr>
@@ -15578,23 +14895,7 @@
                 </a14:m>
                 <a:r>
                   <a:rPr lang="en-US" sz="2400" dirty="0"/>
-                  <a:t>)</a:t>
-                </a:r>
-                <a:r>
-                  <a:rPr lang="en-US" sz="2400" dirty="0" smtClean="0"/>
-                  <a:t>,</a:t>
-                </a:r>
-                <a:r>
-                  <a:rPr lang="en-US" sz="2400" dirty="0"/>
-                  <a:t> </a:t>
-                </a:r>
-                <a:r>
-                  <a:rPr lang="en-US" sz="2400" dirty="0" smtClean="0"/>
-                  <a:t>Spatiotemporal </a:t>
-                </a:r>
-                <a:r>
-                  <a:rPr lang="en-US" sz="2400" dirty="0"/>
-                  <a:t>(</a:t>
+                  <a:t>), Spatiotemporal (</a:t>
                 </a:r>
                 <a14:m>
                   <m:oMath xmlns:m="http://schemas.openxmlformats.org/officeDocument/2006/math">
@@ -15602,7 +14903,7 @@
                       <m:sSubPr>
                         <m:ctrlPr>
                           <a:rPr lang="en-US" sz="2400" i="1">
-                            <a:latin typeface="Cambria Math" charset="0"/>
+                            <a:latin typeface="Cambria Math" panose="02040503050406030204" pitchFamily="18" charset="0"/>
                             <a:ea typeface="Cambria Math"/>
                           </a:rPr>
                         </m:ctrlPr>
@@ -15639,10 +14940,9 @@
                   <a:rPr lang="en-US" sz="2400" dirty="0"/>
                   <a:t>) relations</a:t>
                 </a:r>
-                <a:endParaRPr lang="en-US" sz="2400" dirty="0" smtClean="0"/>
               </a:p>
               <a:p>
-                <a:endParaRPr lang="en-US" sz="2400" dirty="0" smtClean="0"/>
+                <a:endParaRPr lang="en-US" sz="2400" dirty="0"/>
               </a:p>
               <a:p>
                 <a:r>
@@ -15655,7 +14955,7 @@
                       <m:sSubPr>
                         <m:ctrlPr>
                           <a:rPr lang="en-US" sz="2400" i="1">
-                            <a:latin typeface="Cambria Math" charset="0"/>
+                            <a:latin typeface="Cambria Math" panose="02040503050406030204" pitchFamily="18" charset="0"/>
                             <a:ea typeface="Cambria Math"/>
                           </a:rPr>
                         </m:ctrlPr>
@@ -15699,7 +14999,7 @@
                       <m:sSubPr>
                         <m:ctrlPr>
                           <a:rPr lang="en-US" sz="2400" i="1">
-                            <a:latin typeface="Cambria Math" charset="0"/>
+                            <a:latin typeface="Cambria Math" panose="02040503050406030204" pitchFamily="18" charset="0"/>
                             <a:ea typeface="Cambria Math" pitchFamily="18" charset="0"/>
                           </a:rPr>
                         </m:ctrlPr>
@@ -15707,7 +15007,7 @@
                       <m:e>
                         <m:r>
                           <a:rPr lang="en-US" sz="2400" i="1">
-                            <a:latin typeface="Cambria Math" pitchFamily="18" charset="0"/>
+                            <a:latin typeface="Cambria Math" panose="02040503050406030204" pitchFamily="18" charset="0"/>
                             <a:ea typeface="Cambria Math" pitchFamily="18" charset="0"/>
                           </a:rPr>
                           <m:t>𝑅</m:t>
@@ -15716,7 +15016,7 @@
                       <m:sub>
                         <m:r>
                           <a:rPr lang="en-US" sz="2400" i="1">
-                            <a:latin typeface="Cambria Math" pitchFamily="18" charset="0"/>
+                            <a:latin typeface="Cambria Math" panose="02040503050406030204" pitchFamily="18" charset="0"/>
                             <a:ea typeface="Cambria Math" pitchFamily="18" charset="0"/>
                           </a:rPr>
                           <m:t>𝑠</m:t>
@@ -15738,7 +15038,7 @@
                       <m:sSubPr>
                         <m:ctrlPr>
                           <a:rPr lang="en-US" sz="2400" i="1">
-                            <a:latin typeface="Cambria Math" charset="0"/>
+                            <a:latin typeface="Cambria Math" panose="02040503050406030204" pitchFamily="18" charset="0"/>
                             <a:ea typeface="Cambria Math" pitchFamily="18" charset="0"/>
                           </a:rPr>
                         </m:ctrlPr>
@@ -15746,7 +15046,7 @@
                       <m:e>
                         <m:r>
                           <a:rPr lang="en-US" sz="2400" i="1">
-                            <a:latin typeface="Cambria Math" pitchFamily="18" charset="0"/>
+                            <a:latin typeface="Cambria Math" panose="02040503050406030204" pitchFamily="18" charset="0"/>
                             <a:ea typeface="Cambria Math" pitchFamily="18" charset="0"/>
                           </a:rPr>
                           <m:t>𝑅</m:t>
@@ -15755,7 +15055,7 @@
                       <m:sub>
                         <m:r>
                           <a:rPr lang="en-US" sz="2400" i="1">
-                            <a:latin typeface="Cambria Math" pitchFamily="18" charset="0"/>
+                            <a:latin typeface="Cambria Math" panose="02040503050406030204" pitchFamily="18" charset="0"/>
                             <a:ea typeface="Cambria Math" pitchFamily="18" charset="0"/>
                           </a:rPr>
                           <m:t>𝑡</m:t>
@@ -15777,7 +15077,7 @@
                       <m:sSubPr>
                         <m:ctrlPr>
                           <a:rPr lang="en-US" sz="2400" i="1">
-                            <a:latin typeface="Cambria Math" charset="0"/>
+                            <a:latin typeface="Cambria Math" panose="02040503050406030204" pitchFamily="18" charset="0"/>
                             <a:ea typeface="Cambria Math" pitchFamily="18" charset="0"/>
                           </a:rPr>
                         </m:ctrlPr>
@@ -15785,7 +15085,7 @@
                       <m:e>
                         <m:r>
                           <a:rPr lang="en-US" sz="2400" i="1">
-                            <a:latin typeface="Cambria Math" pitchFamily="18" charset="0"/>
+                            <a:latin typeface="Cambria Math" panose="02040503050406030204" pitchFamily="18" charset="0"/>
                             <a:ea typeface="Cambria Math" pitchFamily="18" charset="0"/>
                           </a:rPr>
                           <m:t>𝑅</m:t>
@@ -15801,7 +15101,7 @@
                         </m:r>
                         <m:r>
                           <a:rPr lang="en-US" sz="2400" i="1">
-                            <a:latin typeface="Cambria Math" pitchFamily="18" charset="0"/>
+                            <a:latin typeface="Cambria Math" panose="02040503050406030204" pitchFamily="18" charset="0"/>
                             <a:ea typeface="Cambria Math" pitchFamily="18" charset="0"/>
                           </a:rPr>
                           <m:t>𝑡</m:t>
@@ -15823,7 +15123,7 @@
                       <m:sSubPr>
                         <m:ctrlPr>
                           <a:rPr lang="en-US" sz="2400" i="1">
-                            <a:latin typeface="Cambria Math" charset="0"/>
+                            <a:latin typeface="Cambria Math" panose="02040503050406030204" pitchFamily="18" charset="0"/>
                             <a:ea typeface="Cambria Math" pitchFamily="18" charset="0"/>
                           </a:rPr>
                         </m:ctrlPr>
@@ -15831,7 +15131,7 @@
                       <m:e>
                         <m:r>
                           <a:rPr lang="en-US" sz="2400" i="1">
-                            <a:latin typeface="Cambria Math" pitchFamily="18" charset="0"/>
+                            <a:latin typeface="Cambria Math" panose="02040503050406030204" pitchFamily="18" charset="0"/>
                             <a:ea typeface="Cambria Math" pitchFamily="18" charset="0"/>
                           </a:rPr>
                           <m:t>𝑅</m:t>
@@ -15840,7 +15140,7 @@
                       <m:sub>
                         <m:r>
                           <a:rPr lang="en-US" sz="2400" i="1">
-                            <a:latin typeface="Cambria Math" pitchFamily="18" charset="0"/>
+                            <a:latin typeface="Cambria Math" panose="02040503050406030204" pitchFamily="18" charset="0"/>
                             <a:ea typeface="Cambria Math" pitchFamily="18" charset="0"/>
                           </a:rPr>
                           <m:t>𝐵</m:t>
@@ -15871,7 +15171,7 @@
                 </a:endParaRPr>
               </a:p>
               <a:p>
-                <a:endParaRPr lang="en-US" sz="2400" i="1" dirty="0" smtClean="0">
+                <a:endParaRPr lang="en-US" sz="2400" i="1" dirty="0">
                   <a:latin typeface="Cambria Math"/>
                   <a:ea typeface="Cambria Math"/>
                 </a:endParaRPr>
@@ -15883,7 +15183,7 @@
                       <m:sSubPr>
                         <m:ctrlPr>
                           <a:rPr lang="en-US" sz="2400" i="1">
-                            <a:latin typeface="Cambria Math" charset="0"/>
+                            <a:latin typeface="Cambria Math" panose="02040503050406030204" pitchFamily="18" charset="0"/>
                             <a:ea typeface="Cambria Math"/>
                           </a:rPr>
                         </m:ctrlPr>
@@ -15917,12 +15217,8 @@
                   </m:oMath>
                 </a14:m>
                 <a:r>
-                  <a:rPr lang="en-US" sz="2400" dirty="0" smtClean="0"/>
-                  <a:t>constitutes </a:t>
-                </a:r>
-                <a:r>
                   <a:rPr lang="en-US" sz="2400" dirty="0"/>
-                  <a:t>a special subset of </a:t>
+                  <a:t>constitutes a special subset of </a:t>
                 </a:r>
                 <a14:m>
                   <m:oMath xmlns:m="http://schemas.openxmlformats.org/officeDocument/2006/math">
@@ -15935,12 +15231,8 @@
                   </m:oMath>
                 </a14:m>
                 <a:r>
-                  <a:rPr lang="en-US" sz="2400" dirty="0" smtClean="0"/>
-                  <a:t>. </a:t>
-                </a:r>
-                <a:r>
                   <a:rPr lang="en-US" sz="2400" dirty="0"/>
-                  <a:t>The distance function </a:t>
+                  <a:t>. The distance function </a:t>
                 </a:r>
                 <a14:m>
                   <m:oMath xmlns:m="http://schemas.openxmlformats.org/officeDocument/2006/math">
@@ -15948,7 +15240,7 @@
                       <m:sSubPr>
                         <m:ctrlPr>
                           <a:rPr lang="en-US" sz="2400" i="1" dirty="0">
-                            <a:latin typeface="Cambria Math" charset="0"/>
+                            <a:latin typeface="Cambria Math" panose="02040503050406030204" pitchFamily="18" charset="0"/>
                           </a:rPr>
                         </m:ctrlPr>
                       </m:sSubPr>
@@ -15972,20 +15264,8 @@
                   </m:oMath>
                 </a14:m>
                 <a:r>
-                  <a:rPr lang="en-US" sz="2400" dirty="0" smtClean="0"/>
-                  <a:t> </a:t>
-                </a:r>
-                <a:r>
                   <a:rPr lang="en-US" sz="2400" dirty="0"/>
-                  <a:t>and </a:t>
-                </a:r>
-                <a:r>
-                  <a:rPr lang="en-US" sz="2400" dirty="0" smtClean="0"/>
-                  <a:t>the distance </a:t>
-                </a:r>
-                <a:r>
-                  <a:rPr lang="en-US" sz="2400" dirty="0"/>
-                  <a:t>threshold </a:t>
+                  <a:t> and the distance threshold </a:t>
                 </a:r>
                 <a14:m>
                   <m:oMath xmlns:m="http://schemas.openxmlformats.org/officeDocument/2006/math">
@@ -15993,7 +15273,7 @@
                       <m:sSubPr>
                         <m:ctrlPr>
                           <a:rPr lang="en-US" sz="2400" i="1">
-                            <a:latin typeface="Cambria Math" charset="0"/>
+                            <a:latin typeface="Cambria Math" panose="02040503050406030204" pitchFamily="18" charset="0"/>
                           </a:rPr>
                         </m:ctrlPr>
                       </m:sSubPr>
@@ -16010,7 +15290,7 @@
                           <m:sSubPr>
                             <m:ctrlPr>
                               <a:rPr lang="en-US" sz="2400" i="1">
-                                <a:latin typeface="Cambria Math" charset="0"/>
+                                <a:latin typeface="Cambria Math" panose="02040503050406030204" pitchFamily="18" charset="0"/>
                               </a:rPr>
                             </m:ctrlPr>
                           </m:sSubPr>
@@ -16036,12 +15316,8 @@
                   </m:oMath>
                 </a14:m>
                 <a:r>
-                  <a:rPr lang="en-US" sz="2400" dirty="0" smtClean="0"/>
-                  <a:t> </a:t>
-                </a:r>
-                <a:r>
                   <a:rPr lang="en-US" sz="2400" dirty="0"/>
-                  <a:t>for a relation </a:t>
+                  <a:t> for a relation </a:t>
                 </a:r>
                 <a14:m>
                   <m:oMath xmlns:m="http://schemas.openxmlformats.org/officeDocument/2006/math">
@@ -16062,7 +15338,7 @@
                       <m:sSubPr>
                         <m:ctrlPr>
                           <a:rPr lang="en-US" sz="2400" i="1">
-                            <a:latin typeface="Cambria Math" charset="0"/>
+                            <a:latin typeface="Cambria Math" panose="02040503050406030204" pitchFamily="18" charset="0"/>
                             <a:ea typeface="Cambria Math"/>
                           </a:rPr>
                         </m:ctrlPr>
@@ -16089,20 +15365,12 @@
                   </m:oMath>
                 </a14:m>
                 <a:r>
-                  <a:rPr lang="en-US" sz="2400" dirty="0" smtClean="0"/>
-                  <a:t> </a:t>
-                </a:r>
-                <a:r>
                   <a:rPr lang="en-US" sz="2400" dirty="0"/>
-                  <a:t>are defined as follows</a:t>
-                </a:r>
-                <a:r>
-                  <a:rPr lang="en-US" sz="2400" dirty="0" smtClean="0"/>
-                  <a:t>:</a:t>
+                  <a:t> are defined as follows:</a:t>
                 </a:r>
               </a:p>
               <a:p>
-                <a:endParaRPr lang="en-US" sz="2400" dirty="0" smtClean="0"/>
+                <a:endParaRPr lang="en-US" sz="2400" dirty="0"/>
               </a:p>
               <a:p>
                 <a:pPr marL="0" indent="0" algn="ctr">
@@ -16114,7 +15382,7 @@
                       <m:sSubPr>
                         <m:ctrlPr>
                           <a:rPr lang="en-US" sz="2400" i="1" dirty="0" smtClean="0">
-                            <a:latin typeface="Cambria Math" charset="0"/>
+                            <a:latin typeface="Cambria Math" panose="02040503050406030204" pitchFamily="18" charset="0"/>
                             <a:ea typeface="Cambria Math" pitchFamily="18" charset="0"/>
                           </a:rPr>
                         </m:ctrlPr>
@@ -16122,7 +15390,7 @@
                       <m:e>
                         <m:r>
                           <a:rPr lang="en-US" sz="2400" b="0" i="1" dirty="0" smtClean="0">
-                            <a:latin typeface="Cambria Math" pitchFamily="18" charset="0"/>
+                            <a:latin typeface="Cambria Math" panose="02040503050406030204" pitchFamily="18" charset="0"/>
                             <a:ea typeface="Cambria Math" pitchFamily="18" charset="0"/>
                           </a:rPr>
                           <m:t>𝑑</m:t>
@@ -16131,7 +15399,7 @@
                       <m:sub>
                         <m:r>
                           <a:rPr lang="en-US" sz="2400" b="0" i="1" dirty="0" smtClean="0">
-                            <a:latin typeface="Cambria Math" pitchFamily="18" charset="0"/>
+                            <a:latin typeface="Cambria Math" panose="02040503050406030204" pitchFamily="18" charset="0"/>
                             <a:ea typeface="Cambria Math" pitchFamily="18" charset="0"/>
                           </a:rPr>
                           <m:t>𝑟</m:t>
@@ -16201,7 +15469,7 @@
                         <m:endChr m:val=""/>
                         <m:ctrlPr>
                           <a:rPr lang="en-US" sz="2400" i="1" smtClean="0">
-                            <a:latin typeface="Cambria Math" charset="0"/>
+                            <a:latin typeface="Cambria Math" panose="02040503050406030204" pitchFamily="18" charset="0"/>
                             <a:ea typeface="Cambria Math" pitchFamily="18" charset="0"/>
                           </a:rPr>
                         </m:ctrlPr>
@@ -16219,7 +15487,7 @@
                             </m:mcs>
                             <m:ctrlPr>
                               <a:rPr lang="en-US" sz="2400" i="1" smtClean="0">
-                                <a:latin typeface="Cambria Math" charset="0"/>
+                                <a:latin typeface="Cambria Math" panose="02040503050406030204" pitchFamily="18" charset="0"/>
                                 <a:ea typeface="Cambria Math" pitchFamily="18" charset="0"/>
                               </a:rPr>
                             </m:ctrlPr>
@@ -16238,42 +15506,42 @@
                               </m:r>
                               <m:r>
                                 <a:rPr lang="en-US" sz="2400" b="0" i="1" smtClean="0">
-                                  <a:latin typeface="Cambria Math" pitchFamily="18" charset="0"/>
+                                  <a:latin typeface="Cambria Math" panose="02040503050406030204" pitchFamily="18" charset="0"/>
                                   <a:ea typeface="Cambria Math" pitchFamily="18" charset="0"/>
                                 </a:rPr>
                                 <m:t>     </m:t>
                               </m:r>
                               <m:r>
                                 <a:rPr lang="en-US" sz="2400" b="0" i="1" smtClean="0">
-                                  <a:latin typeface="Cambria Math" pitchFamily="18" charset="0"/>
+                                  <a:latin typeface="Cambria Math" panose="02040503050406030204" pitchFamily="18" charset="0"/>
                                   <a:ea typeface="Cambria Math" pitchFamily="18" charset="0"/>
                                 </a:rPr>
                                 <m:t>𝑖𝑓</m:t>
                               </m:r>
                               <m:r>
                                 <a:rPr lang="en-US" sz="2400" b="0" i="1" smtClean="0">
-                                  <a:latin typeface="Cambria Math" pitchFamily="18" charset="0"/>
+                                  <a:latin typeface="Cambria Math" panose="02040503050406030204" pitchFamily="18" charset="0"/>
                                   <a:ea typeface="Cambria Math" pitchFamily="18" charset="0"/>
                                 </a:rPr>
                                 <m:t>  </m:t>
                               </m:r>
                               <m:r>
                                 <a:rPr lang="en-US" sz="2400" b="0" i="1" smtClean="0">
-                                  <a:latin typeface="Cambria Math" pitchFamily="18" charset="0"/>
+                                  <a:latin typeface="Cambria Math" panose="02040503050406030204" pitchFamily="18" charset="0"/>
                                   <a:ea typeface="Cambria Math" pitchFamily="18" charset="0"/>
                                 </a:rPr>
                                 <m:t>𝑟</m:t>
                               </m:r>
                               <m:r>
                                 <a:rPr lang="en-US" sz="2400" b="0" i="1" smtClean="0">
-                                  <a:latin typeface="Cambria Math" pitchFamily="18" charset="0"/>
+                                  <a:latin typeface="Cambria Math" panose="02040503050406030204" pitchFamily="18" charset="0"/>
                                   <a:ea typeface="Cambria Math" pitchFamily="18" charset="0"/>
                                 </a:rPr>
                                 <m:t> </m:t>
                               </m:r>
                               <m:r>
                                 <a:rPr lang="en-US" sz="2400" b="0" i="1" smtClean="0">
-                                  <a:latin typeface="Cambria Math" pitchFamily="18" charset="0"/>
+                                  <a:latin typeface="Cambria Math" panose="02040503050406030204" pitchFamily="18" charset="0"/>
                                   <a:ea typeface="Cambria Math" pitchFamily="18" charset="0"/>
                                 </a:rPr>
                                 <m:t>h𝑜𝑙𝑑𝑠</m:t>
@@ -16284,14 +15552,14 @@
                             <m:e>
                               <m:r>
                                 <a:rPr lang="en-US" sz="2400" b="0" i="1" smtClean="0">
-                                  <a:latin typeface="Cambria Math" pitchFamily="18" charset="0"/>
+                                  <a:latin typeface="Cambria Math" panose="02040503050406030204" pitchFamily="18" charset="0"/>
                                   <a:ea typeface="Cambria Math" pitchFamily="18" charset="0"/>
                                 </a:rPr>
                                 <m:t>1    </m:t>
                               </m:r>
                               <m:r>
                                 <a:rPr lang="en-US" sz="2400" b="0" i="1" smtClean="0">
-                                  <a:latin typeface="Cambria Math" pitchFamily="18" charset="0"/>
+                                  <a:latin typeface="Cambria Math" panose="02040503050406030204" pitchFamily="18" charset="0"/>
                                   <a:ea typeface="Cambria Math" pitchFamily="18" charset="0"/>
                                 </a:rPr>
                                 <m:t>𝑒𝑙𝑠𝑒𝑤h𝑒𝑟𝑒</m:t>
@@ -16325,7 +15593,7 @@
                       <m:sSubPr>
                         <m:ctrlPr>
                           <a:rPr lang="en-US" sz="2400" i="1" smtClean="0">
-                            <a:latin typeface="Cambria Math" charset="0"/>
+                            <a:latin typeface="Cambria Math" panose="02040503050406030204" pitchFamily="18" charset="0"/>
                             <a:ea typeface="Cambria Math" pitchFamily="18" charset="0"/>
                           </a:rPr>
                         </m:ctrlPr>
@@ -16333,7 +15601,7 @@
                       <m:e>
                         <m:r>
                           <a:rPr lang="el-GR" sz="2400" b="0" i="1" smtClean="0">
-                            <a:latin typeface="Cambria Math" pitchFamily="18" charset="0"/>
+                            <a:latin typeface="Cambria Math" panose="02040503050406030204" pitchFamily="18" charset="0"/>
                             <a:ea typeface="Cambria Math" pitchFamily="18" charset="0"/>
                           </a:rPr>
                           <m:t>𝜃</m:t>
@@ -16344,7 +15612,7 @@
                           <m:sSubPr>
                             <m:ctrlPr>
                               <a:rPr lang="en-US" sz="2400" i="1" smtClean="0">
-                                <a:latin typeface="Cambria Math" charset="0"/>
+                                <a:latin typeface="Cambria Math" panose="02040503050406030204" pitchFamily="18" charset="0"/>
                                 <a:ea typeface="Cambria Math" pitchFamily="18" charset="0"/>
                               </a:rPr>
                             </m:ctrlPr>
@@ -16352,7 +15620,7 @@
                           <m:e>
                             <m:r>
                               <a:rPr lang="en-US" sz="2400" b="0" i="1" smtClean="0">
-                                <a:latin typeface="Cambria Math" pitchFamily="18" charset="0"/>
+                                <a:latin typeface="Cambria Math" panose="02040503050406030204" pitchFamily="18" charset="0"/>
                                 <a:ea typeface="Cambria Math" pitchFamily="18" charset="0"/>
                               </a:rPr>
                               <m:t>𝑑</m:t>
@@ -16361,7 +15629,7 @@
                           <m:sub>
                             <m:r>
                               <a:rPr lang="en-US" sz="2400" b="0" i="1" smtClean="0">
-                                <a:latin typeface="Cambria Math" pitchFamily="18" charset="0"/>
+                                <a:latin typeface="Cambria Math" panose="02040503050406030204" pitchFamily="18" charset="0"/>
                                 <a:ea typeface="Cambria Math" pitchFamily="18" charset="0"/>
                               </a:rPr>
                               <m:t>𝑟</m:t>
@@ -16380,7 +15648,7 @@
                   </m:oMath>
                 </a14:m>
                 <a:r>
-                  <a:rPr lang="en-US" sz="2400" dirty="0" smtClean="0">
+                  <a:rPr lang="en-US" sz="2400" dirty="0">
                     <a:latin typeface="Cambria Math" pitchFamily="18" charset="0"/>
                     <a:ea typeface="Cambria Math" pitchFamily="18" charset="0"/>
                   </a:rPr>
@@ -16440,7 +15708,7 @@
           <a:lstStyle/>
           <a:p>
             <a:r>
-              <a:rPr lang="en-US" smtClean="0"/>
+              <a:rPr lang="en-US"/>
               <a:t>12/04/2016</a:t>
             </a:r>
             <a:endParaRPr lang="en-US" dirty="0"/>
@@ -16464,7 +15732,7 @@
           <a:p>
             <a:pPr algn="ctr"/>
             <a:r>
-              <a:rPr lang="en-US" smtClean="0"/>
+              <a:rPr lang="en-US"/>
               <a:t>Discovering Spatial and Temporal Links among RDF Data</a:t>
             </a:r>
             <a:endParaRPr lang="en-US" dirty="0"/>
@@ -16506,13 +15774,6 @@
   <p:clrMapOvr>
     <a:masterClrMapping/>
   </p:clrMapOvr>
-  <p:timing>
-    <p:tnLst>
-      <p:par>
-        <p:cTn id="1" dur="indefinite" restart="never" nodeType="tmRoot"/>
-      </p:par>
-    </p:tnLst>
-  </p:timing>
 </p:sld>
 </file>
 
@@ -16549,7 +15810,7 @@
           <a:lstStyle/>
           <a:p>
             <a:r>
-              <a:rPr lang="en-US" smtClean="0"/>
+              <a:rPr lang="en-US"/>
               <a:t>12/04/2016</a:t>
             </a:r>
             <a:endParaRPr lang="en-US" dirty="0"/>
@@ -16573,7 +15834,7 @@
           <a:p>
             <a:pPr algn="ctr"/>
             <a:r>
-              <a:rPr lang="en-US" smtClean="0"/>
+              <a:rPr lang="en-US"/>
               <a:t>Discovering Spatial and Temporal Links among RDF Data</a:t>
             </a:r>
             <a:endParaRPr lang="en-US" dirty="0"/>
@@ -16623,10 +15884,9 @@
           <a:lstStyle/>
           <a:p>
             <a:r>
-              <a:rPr lang="en-US" dirty="0" smtClean="0"/>
+              <a:rPr lang="en-US" dirty="0"/>
               <a:t>Introduced Transformations (1/2)</a:t>
             </a:r>
-            <a:endParaRPr lang="en-US" dirty="0"/>
           </a:p>
         </p:txBody>
       </p:sp>
@@ -16669,7 +15929,7 @@
             <a:endParaRPr lang="en-US" dirty="0"/>
           </a:p>
           <a:p>
-            <a:endParaRPr lang="en-US" b="1" dirty="0" smtClean="0"/>
+            <a:endParaRPr lang="en-US" b="1" dirty="0"/>
           </a:p>
           <a:p>
             <a:r>
@@ -16685,98 +15945,53 @@
             <a:pPr lvl="1"/>
             <a:r>
               <a:rPr lang="en-US" dirty="0"/>
-              <a:t>converts the serialization of geometries into </a:t>
-            </a:r>
-            <a:r>
-              <a:rPr lang="en-US" dirty="0" smtClean="0"/>
-              <a:t>WKT</a:t>
+              <a:t>converts the serialization of geometries into WKT</a:t>
             </a:r>
           </a:p>
           <a:p>
             <a:pPr lvl="1"/>
-            <a:endParaRPr lang="en-US" b="1" dirty="0" smtClean="0"/>
-          </a:p>
-          <a:p>
-            <a:r>
-              <a:rPr lang="en-US" b="1" dirty="0" smtClean="0"/>
+            <a:endParaRPr lang="en-US" b="1" dirty="0"/>
+          </a:p>
+          <a:p>
+            <a:r>
+              <a:rPr lang="en-US" b="1" dirty="0"/>
               <a:t>CRS </a:t>
             </a:r>
             <a:r>
-              <a:rPr lang="en-US" dirty="0" smtClean="0"/>
+              <a:rPr lang="en-US" dirty="0"/>
               <a:t>Transformation</a:t>
             </a:r>
+          </a:p>
+          <a:p>
+            <a:pPr lvl="1"/>
+            <a:r>
+              <a:rPr lang="en-US" dirty="0"/>
+              <a:t>converts the CRS of geometries into the World Geodetic System (WGS 84)</a:t>
+            </a:r>
+          </a:p>
+          <a:p>
             <a:endParaRPr lang="en-US" dirty="0"/>
           </a:p>
           <a:p>
+            <a:r>
+              <a:rPr lang="en-US" b="1" dirty="0"/>
+              <a:t>Validation</a:t>
+            </a:r>
+            <a:r>
+              <a:rPr lang="en-US" dirty="0"/>
+              <a:t> Transformation </a:t>
+            </a:r>
+          </a:p>
+          <a:p>
             <a:pPr lvl="1"/>
             <a:r>
-              <a:rPr lang="en-US" dirty="0" smtClean="0"/>
-              <a:t>converts </a:t>
-            </a:r>
-            <a:r>
               <a:rPr lang="en-US" dirty="0"/>
-              <a:t>the CRS </a:t>
-            </a:r>
-            <a:r>
-              <a:rPr lang="en-US" dirty="0" smtClean="0"/>
-              <a:t>of geometries into </a:t>
-            </a:r>
-            <a:r>
+              <a:t>converts not valid geometries (e.g., self-intersecting polygons) to valid ones </a:t>
+            </a:r>
+            <a:br>
               <a:rPr lang="en-US" dirty="0"/>
-              <a:t>the World Geodetic </a:t>
-            </a:r>
-            <a:r>
-              <a:rPr lang="en-US" dirty="0" smtClean="0"/>
-              <a:t>System (WGS </a:t>
-            </a:r>
-            <a:r>
-              <a:rPr lang="en-US" dirty="0"/>
-              <a:t>84</a:t>
-            </a:r>
-            <a:r>
-              <a:rPr lang="en-US" dirty="0" smtClean="0"/>
-              <a:t>)</a:t>
-            </a:r>
-          </a:p>
-          <a:p>
-            <a:endParaRPr lang="en-US" dirty="0" smtClean="0"/>
-          </a:p>
-          <a:p>
-            <a:r>
-              <a:rPr lang="en-US" b="1" dirty="0" smtClean="0"/>
-              <a:t>Validation</a:t>
-            </a:r>
-            <a:r>
-              <a:rPr lang="en-US" dirty="0" smtClean="0"/>
-              <a:t> Transformation </a:t>
-            </a:r>
-          </a:p>
-          <a:p>
-            <a:pPr lvl="1"/>
-            <a:r>
-              <a:rPr lang="en-US" dirty="0" smtClean="0"/>
-              <a:t>converts </a:t>
-            </a:r>
-            <a:r>
-              <a:rPr lang="en-US" dirty="0"/>
-              <a:t>not valid geometries (e.g., self-intersecting </a:t>
-            </a:r>
-            <a:r>
-              <a:rPr lang="en-US" dirty="0" smtClean="0"/>
-              <a:t>polygons</a:t>
-            </a:r>
-            <a:r>
-              <a:rPr lang="en-US" dirty="0"/>
-              <a:t>) to valid </a:t>
-            </a:r>
-            <a:r>
-              <a:rPr lang="en-US" dirty="0" smtClean="0"/>
-              <a:t>ones </a:t>
-            </a:r>
-            <a:br>
-              <a:rPr lang="en-US" dirty="0" smtClean="0"/>
             </a:br>
-            <a:endParaRPr lang="en-US" dirty="0" smtClean="0"/>
+            <a:endParaRPr lang="en-US" dirty="0"/>
           </a:p>
           <a:p>
             <a:r>
@@ -16792,13 +16007,8 @@
             <a:pPr lvl="1"/>
             <a:r>
               <a:rPr lang="en-US" dirty="0"/>
-              <a:t>simplifies geometries according to a given distance </a:t>
-            </a:r>
-            <a:r>
-              <a:rPr lang="en-US" dirty="0" smtClean="0"/>
-              <a:t>tolerance</a:t>
-            </a:r>
-            <a:endParaRPr lang="en-US" dirty="0"/>
+              <a:t>simplifies geometries according to a given distance tolerance</a:t>
+            </a:r>
           </a:p>
         </p:txBody>
       </p:sp>
@@ -16812,13 +16022,6 @@
   <p:clrMapOvr>
     <a:masterClrMapping/>
   </p:clrMapOvr>
-  <p:timing>
-    <p:tnLst>
-      <p:par>
-        <p:cTn id="1" dur="indefinite" restart="never" nodeType="tmRoot"/>
-      </p:par>
-    </p:tnLst>
-  </p:timing>
 </p:sld>
 </file>
 
@@ -16855,7 +16058,7 @@
           <a:lstStyle/>
           <a:p>
             <a:r>
-              <a:rPr lang="en-US" smtClean="0"/>
+              <a:rPr lang="en-US"/>
               <a:t>12/04/2016</a:t>
             </a:r>
             <a:endParaRPr lang="en-US" dirty="0"/>
@@ -16879,7 +16082,7 @@
           <a:p>
             <a:pPr algn="ctr"/>
             <a:r>
-              <a:rPr lang="en-US" smtClean="0"/>
+              <a:rPr lang="en-US"/>
               <a:t>Discovering Spatial and Temporal Links among RDF Data</a:t>
             </a:r>
             <a:endParaRPr lang="en-US" dirty="0"/>
@@ -16930,13 +16133,8 @@
           <a:p>
             <a:r>
               <a:rPr lang="en-US" dirty="0"/>
-              <a:t>Introduced Transformations </a:t>
-            </a:r>
-            <a:r>
-              <a:rPr lang="en-US" dirty="0" smtClean="0"/>
-              <a:t>(2/2)</a:t>
-            </a:r>
-            <a:endParaRPr lang="en-US" dirty="0"/>
+              <a:t>Introduced Transformations (2/2)</a:t>
+            </a:r>
           </a:p>
         </p:txBody>
       </p:sp>
@@ -16958,135 +16156,19 @@
           <a:lstStyle/>
           <a:p>
             <a:r>
-              <a:rPr lang="en-US" b="1" dirty="0" smtClean="0"/>
+              <a:rPr lang="en-US" b="1" dirty="0"/>
               <a:t>Envelope </a:t>
             </a:r>
             <a:r>
-              <a:rPr lang="en-US" dirty="0" smtClean="0"/>
+              <a:rPr lang="en-US" dirty="0"/>
               <a:t>Transformation</a:t>
             </a:r>
           </a:p>
           <a:p>
             <a:pPr lvl="1"/>
             <a:r>
-              <a:rPr lang="en-US" dirty="0" smtClean="0"/>
-              <a:t>computes </a:t>
-            </a:r>
-            <a:r>
               <a:rPr lang="en-US" dirty="0"/>
-              <a:t>the envelope </a:t>
-            </a:r>
-            <a:r>
-              <a:rPr lang="en-US" dirty="0" smtClean="0"/>
-              <a:t>(minimum </a:t>
-            </a:r>
-            <a:r>
-              <a:rPr lang="en-US" dirty="0"/>
-              <a:t>bounding rectangle) </a:t>
-            </a:r>
-            <a:r>
-              <a:rPr lang="en-US" dirty="0" smtClean="0"/>
-              <a:t>of geometries</a:t>
-            </a:r>
-            <a:br>
-              <a:rPr lang="en-US" dirty="0" smtClean="0"/>
-            </a:br>
-            <a:endParaRPr lang="en-US" dirty="0"/>
-          </a:p>
-          <a:p>
-            <a:r>
-              <a:rPr lang="en-US" b="1" dirty="0" smtClean="0"/>
-              <a:t>Area </a:t>
-            </a:r>
-            <a:r>
-              <a:rPr lang="en-US" dirty="0" smtClean="0"/>
-              <a:t>Transformation</a:t>
-            </a:r>
-          </a:p>
-          <a:p>
-            <a:pPr lvl="1"/>
-            <a:r>
-              <a:rPr lang="en-US" dirty="0" smtClean="0"/>
-              <a:t>computes </a:t>
-            </a:r>
-            <a:r>
-              <a:rPr lang="en-US" dirty="0"/>
-              <a:t>the area of </a:t>
-            </a:r>
-            <a:r>
-              <a:rPr lang="en-US" dirty="0" smtClean="0"/>
-              <a:t>geometries </a:t>
-            </a:r>
-            <a:r>
-              <a:rPr lang="en-US" dirty="0"/>
-              <a:t>in square </a:t>
-            </a:r>
-            <a:r>
-              <a:rPr lang="en-US" dirty="0" err="1" smtClean="0"/>
-              <a:t>metres</a:t>
-            </a:r>
-            <a:r>
-              <a:rPr lang="en-US" dirty="0" smtClean="0"/>
-              <a:t/>
-            </a:r>
-            <a:br>
-              <a:rPr lang="en-US" dirty="0" smtClean="0"/>
-            </a:br>
-            <a:endParaRPr lang="en-US" dirty="0"/>
-          </a:p>
-          <a:p>
-            <a:r>
-              <a:rPr lang="en-US" b="1" dirty="0" smtClean="0"/>
-              <a:t>Points-To-Centroid </a:t>
-            </a:r>
-            <a:r>
-              <a:rPr lang="en-US" dirty="0" smtClean="0"/>
-              <a:t>Transformation</a:t>
-            </a:r>
-            <a:endParaRPr lang="en-US" dirty="0"/>
-          </a:p>
-          <a:p>
-            <a:pPr lvl="1"/>
-            <a:r>
-              <a:rPr lang="en-US" dirty="0" smtClean="0"/>
-              <a:t>computes </a:t>
-            </a:r>
-            <a:r>
-              <a:rPr lang="en-US" dirty="0"/>
-              <a:t>the </a:t>
-            </a:r>
-            <a:r>
-              <a:rPr lang="en-US" dirty="0" smtClean="0"/>
-              <a:t>centroid of </a:t>
-            </a:r>
-            <a:r>
-              <a:rPr lang="en-US" dirty="0"/>
-              <a:t>a cluster of </a:t>
-            </a:r>
-            <a:r>
-              <a:rPr lang="en-US" dirty="0" smtClean="0"/>
-              <a:t>points</a:t>
-            </a:r>
-          </a:p>
-          <a:p>
-            <a:pPr lvl="1"/>
-            <a:endParaRPr lang="en-US" dirty="0"/>
-          </a:p>
-          <a:p>
-            <a:r>
-              <a:rPr lang="en-US" b="1" dirty="0"/>
-              <a:t>Time-Zone </a:t>
-            </a:r>
-            <a:r>
-              <a:rPr lang="en-US" dirty="0"/>
-              <a:t>Transformation </a:t>
-            </a:r>
-          </a:p>
-          <a:p>
-            <a:pPr lvl="1"/>
-            <a:r>
-              <a:rPr lang="en-US" dirty="0"/>
-              <a:t>converts the time zone of time elements to Coordinated Universal Time (UTC)</a:t>
+              <a:t>computes the envelope (minimum bounding rectangle) of geometries</a:t>
             </a:r>
             <a:br>
               <a:rPr lang="en-US" dirty="0"/>
@@ -17096,7 +16178,7 @@
           <a:p>
             <a:r>
               <a:rPr lang="en-US" b="1" dirty="0"/>
-              <a:t>Period </a:t>
+              <a:t>Area </a:t>
             </a:r>
             <a:r>
               <a:rPr lang="en-US" dirty="0"/>
@@ -17107,11 +16189,74 @@
             <a:pPr lvl="1"/>
             <a:r>
               <a:rPr lang="en-US" dirty="0"/>
-              <a:t>converts time instants to periods with the same starting and ending </a:t>
-            </a:r>
-            <a:r>
-              <a:rPr lang="en-US" dirty="0" smtClean="0"/>
-              <a:t>point</a:t>
+              <a:t>computes the area of geometries in square </a:t>
+            </a:r>
+            <a:r>
+              <a:rPr lang="en-US" dirty="0" err="1"/>
+              <a:t>metres</a:t>
+            </a:r>
+            <a:br>
+              <a:rPr lang="en-US" dirty="0"/>
+            </a:br>
+            <a:endParaRPr lang="en-US" dirty="0"/>
+          </a:p>
+          <a:p>
+            <a:r>
+              <a:rPr lang="en-US" b="1" dirty="0"/>
+              <a:t>Points-To-Centroid </a:t>
+            </a:r>
+            <a:r>
+              <a:rPr lang="en-US" dirty="0"/>
+              <a:t>Transformation</a:t>
+            </a:r>
+          </a:p>
+          <a:p>
+            <a:pPr lvl="1"/>
+            <a:r>
+              <a:rPr lang="en-US" dirty="0"/>
+              <a:t>computes the centroid of a cluster of points</a:t>
+            </a:r>
+          </a:p>
+          <a:p>
+            <a:pPr lvl="1"/>
+            <a:endParaRPr lang="en-US" dirty="0"/>
+          </a:p>
+          <a:p>
+            <a:r>
+              <a:rPr lang="en-US" b="1" dirty="0"/>
+              <a:t>Time-Zone </a:t>
+            </a:r>
+            <a:r>
+              <a:rPr lang="en-US" dirty="0"/>
+              <a:t>Transformation </a:t>
+            </a:r>
+          </a:p>
+          <a:p>
+            <a:pPr lvl="1"/>
+            <a:r>
+              <a:rPr lang="en-US" dirty="0"/>
+              <a:t>converts the time zone of time elements to Coordinated Universal Time (UTC)</a:t>
+            </a:r>
+            <a:br>
+              <a:rPr lang="en-US" dirty="0"/>
+            </a:br>
+            <a:endParaRPr lang="en-US" dirty="0"/>
+          </a:p>
+          <a:p>
+            <a:r>
+              <a:rPr lang="en-US" b="1" dirty="0"/>
+              <a:t>Period </a:t>
+            </a:r>
+            <a:r>
+              <a:rPr lang="en-US" dirty="0"/>
+              <a:t>Transformation</a:t>
+            </a:r>
+          </a:p>
+          <a:p>
+            <a:pPr lvl="1"/>
+            <a:r>
+              <a:rPr lang="en-US" dirty="0"/>
+              <a:t>converts time instants to periods with the same starting and ending point</a:t>
             </a:r>
           </a:p>
         </p:txBody>
@@ -17126,13 +16271,6 @@
   <p:clrMapOvr>
     <a:masterClrMapping/>
   </p:clrMapOvr>
-  <p:timing>
-    <p:tnLst>
-      <p:par>
-        <p:cTn id="1" dur="indefinite" restart="never" nodeType="tmRoot"/>
-      </p:par>
-    </p:tnLst>
-  </p:timing>
 </p:sld>
 </file>
 
@@ -17169,7 +16307,7 @@
           <a:lstStyle/>
           <a:p>
             <a:r>
-              <a:rPr lang="en-US" smtClean="0"/>
+              <a:rPr lang="en-US"/>
               <a:t>12/04/2016</a:t>
             </a:r>
             <a:endParaRPr lang="en-US" dirty="0"/>
@@ -17193,7 +16331,7 @@
           <a:p>
             <a:pPr algn="ctr"/>
             <a:r>
-              <a:rPr lang="en-US" smtClean="0"/>
+              <a:rPr lang="en-US"/>
               <a:t>Discovering Spatial and Temporal Links among RDF Data</a:t>
             </a:r>
             <a:endParaRPr lang="en-US" dirty="0"/>
@@ -17243,18 +16381,9 @@
           <a:lstStyle/>
           <a:p>
             <a:r>
-              <a:rPr lang="en-US" dirty="0" smtClean="0"/>
-              <a:t>Techniques for </a:t>
-            </a:r>
-            <a:r>
               <a:rPr lang="en-US" dirty="0"/>
-              <a:t>C</a:t>
-            </a:r>
-            <a:r>
-              <a:rPr lang="en-US" dirty="0" smtClean="0"/>
-              <a:t>hecking the Relations</a:t>
-            </a:r>
-            <a:endParaRPr lang="en-US" dirty="0"/>
+              <a:t>Techniques for Checking the Relations</a:t>
+            </a:r>
           </a:p>
         </p:txBody>
       </p:sp>
@@ -17281,75 +16410,46 @@
             </a:r>
             <a:r>
               <a:rPr lang="en-US" dirty="0"/>
-              <a:t> Technique </a:t>
-            </a:r>
-            <a:r>
-              <a:rPr lang="en-US" dirty="0" smtClean="0"/>
-              <a:t>(Naive)</a:t>
+              <a:t> Technique (Naive)</a:t>
             </a:r>
           </a:p>
           <a:p>
             <a:pPr lvl="1"/>
             <a:r>
               <a:rPr lang="en-US" dirty="0"/>
-              <a:t>E</a:t>
-            </a:r>
-            <a:r>
-              <a:rPr lang="en-US" dirty="0" smtClean="0"/>
-              <a:t>xhaustive </a:t>
-            </a:r>
+              <a:t>Exhaustive checks between the pairs of the entities of datasets</a:t>
+            </a:r>
+          </a:p>
+          <a:p>
+            <a:pPr lvl="1"/>
             <a:r>
               <a:rPr lang="en-US" dirty="0"/>
-              <a:t>checks </a:t>
-            </a:r>
-            <a:r>
-              <a:rPr lang="en-US" dirty="0" smtClean="0"/>
-              <a:t>between the pairs of the entities of datasets</a:t>
+              <a:t>Complete</a:t>
             </a:r>
           </a:p>
           <a:p>
             <a:pPr lvl="1"/>
             <a:r>
-              <a:rPr lang="en-US" dirty="0" smtClean="0"/>
-              <a:t>Complete</a:t>
-            </a:r>
-          </a:p>
-          <a:p>
-            <a:pPr lvl="1"/>
-            <a:r>
-              <a:rPr lang="en-US" dirty="0" smtClean="0"/>
-              <a:t>Complexity: </a:t>
-            </a:r>
-            <a:r>
               <a:rPr lang="en-US" dirty="0"/>
-              <a:t>O(|S||T|) </a:t>
-            </a:r>
-            <a:r>
-              <a:rPr lang="en-US" dirty="0" smtClean="0"/>
-              <a:t>checks</a:t>
-            </a:r>
-            <a:endParaRPr lang="en-US" dirty="0"/>
+              <a:t>Complexity: O(|S||T|) checks</a:t>
+            </a:r>
           </a:p>
           <a:p>
             <a:pPr marL="0" indent="0">
               <a:buNone/>
             </a:pPr>
-            <a:endParaRPr lang="en-US" dirty="0" smtClean="0"/>
-          </a:p>
-          <a:p>
-            <a:r>
-              <a:rPr lang="en-US" b="1" dirty="0" smtClean="0"/>
+            <a:endParaRPr lang="en-US" dirty="0"/>
+          </a:p>
+          <a:p>
+            <a:r>
+              <a:rPr lang="en-US" b="1" dirty="0"/>
               <a:t>Blocking</a:t>
             </a:r>
             <a:r>
               <a:rPr lang="en-US" dirty="0"/>
-              <a:t> </a:t>
-            </a:r>
-            <a:r>
-              <a:rPr lang="en-US" dirty="0" smtClean="0"/>
-              <a:t>Technique</a:t>
-            </a:r>
-            <a:endParaRPr lang="en-US" sz="1600" dirty="0" smtClean="0"/>
+              <a:t> Technique</a:t>
+            </a:r>
+            <a:endParaRPr lang="en-US" sz="1600" dirty="0"/>
           </a:p>
           <a:p>
             <a:pPr lvl="1"/>
@@ -17361,61 +16461,28 @@
           <a:p>
             <a:pPr lvl="1"/>
             <a:r>
-              <a:rPr lang="en-US" dirty="0" smtClean="0"/>
+              <a:rPr lang="en-US" dirty="0"/>
               <a:t>Divides the entities into blocks</a:t>
             </a:r>
           </a:p>
           <a:p>
             <a:pPr lvl="1"/>
             <a:r>
-              <a:rPr lang="en-US" dirty="0" smtClean="0"/>
-              <a:t>Complexity: O(|S||T|) checks</a:t>
-            </a:r>
-            <a:r>
               <a:rPr lang="en-US" dirty="0"/>
-              <a:t> </a:t>
-            </a:r>
-            <a:r>
-              <a:rPr lang="en-US" dirty="0" smtClean="0"/>
-              <a:t>(worst </a:t>
-            </a:r>
-            <a:r>
-              <a:rPr lang="en-US" dirty="0"/>
-              <a:t>case</a:t>
-            </a:r>
-            <a:r>
-              <a:rPr lang="en-US" dirty="0" smtClean="0"/>
-              <a:t>), O(|L|) </a:t>
-            </a:r>
-            <a:r>
-              <a:rPr lang="en-US" dirty="0"/>
-              <a:t>checks </a:t>
-            </a:r>
-            <a:r>
-              <a:rPr lang="en-US" dirty="0" smtClean="0"/>
-              <a:t>(best </a:t>
-            </a:r>
-            <a:r>
-              <a:rPr lang="en-US" dirty="0"/>
-              <a:t>case</a:t>
-            </a:r>
-            <a:r>
-              <a:rPr lang="en-US" dirty="0" smtClean="0"/>
-              <a:t>)</a:t>
-            </a:r>
-          </a:p>
-          <a:p>
-            <a:endParaRPr lang="en-US" dirty="0" smtClean="0"/>
+              <a:t>Complexity: O(|S||T|) checks (worst case), O(|L|) checks (best case)</a:t>
+            </a:r>
+          </a:p>
+          <a:p>
+            <a:endParaRPr lang="en-US" dirty="0"/>
           </a:p>
           <a:p>
             <a:pPr marL="0" indent="0">
               <a:buNone/>
             </a:pPr>
             <a:r>
-              <a:rPr lang="en-US" sz="1500" dirty="0" smtClean="0"/>
+              <a:rPr lang="en-US" sz="1500" dirty="0"/>
               <a:t>* |S|, |T|: number of entities in datasets S and T; |L|: number of links between datasets S and T</a:t>
             </a:r>
-            <a:endParaRPr lang="en-US" sz="1500" dirty="0"/>
           </a:p>
         </p:txBody>
       </p:sp>
@@ -17429,13 +16496,6 @@
   <p:clrMapOvr>
     <a:masterClrMapping/>
   </p:clrMapOvr>
-  <p:timing>
-    <p:tnLst>
-      <p:par>
-        <p:cTn id="1" dur="indefinite" restart="never" nodeType="tmRoot"/>
-      </p:par>
-    </p:tnLst>
-  </p:timing>
 </p:sld>
 </file>
 
@@ -17472,7 +16532,7 @@
           <a:lstStyle/>
           <a:p>
             <a:r>
-              <a:rPr lang="en-US" smtClean="0"/>
+              <a:rPr lang="en-US"/>
               <a:t>12/04/2016</a:t>
             </a:r>
             <a:endParaRPr lang="en-US" dirty="0"/>
@@ -17496,7 +16556,7 @@
           <a:p>
             <a:pPr algn="ctr"/>
             <a:r>
-              <a:rPr lang="en-US" smtClean="0"/>
+              <a:rPr lang="en-US"/>
               <a:t>Discovering Spatial and Temporal Links among RDF Data</a:t>
             </a:r>
             <a:endParaRPr lang="en-US" dirty="0"/>
@@ -17546,10 +16606,9 @@
           <a:lstStyle/>
           <a:p>
             <a:r>
-              <a:rPr lang="en-US" dirty="0" smtClean="0"/>
+              <a:rPr lang="en-US" dirty="0"/>
               <a:t>Blocking Technique (algorithm)</a:t>
             </a:r>
-            <a:endParaRPr lang="en-US" dirty="0"/>
           </a:p>
         </p:txBody>
       </p:sp>
@@ -17575,7 +16634,7 @@
             </a:clrChange>
             <a:extLst>
               <a:ext uri="{28A0092B-C50C-407E-A947-70E740481C1C}">
-                <a14:useLocalDpi xmlns:a14="http://schemas.microsoft.com/office/drawing/2010/main" val="0"/>
+                <a14:useLocalDpi xmlns:a14="http://schemas.microsoft.com/office/drawing/2010/main"/>
               </a:ext>
             </a:extLst>
           </a:blip>
@@ -17633,71 +16692,51 @@
                   <a:buAutoNum type="arabicPeriod"/>
                 </a:pPr>
                 <a:r>
-                  <a:rPr lang="en-US" sz="2600" b="1" dirty="0" smtClean="0"/>
+                  <a:rPr lang="en-US" sz="2600" b="1" dirty="0"/>
                   <a:t>Divide</a:t>
                 </a:r>
                 <a:r>
-                  <a:rPr lang="en-US" sz="2600" dirty="0" smtClean="0"/>
-                  <a:t> </a:t>
+                  <a:rPr lang="en-US" sz="2600" dirty="0"/>
+                  <a:t> the surface of the earth</a:t>
                 </a:r>
+                <a:br>
+                  <a:rPr lang="en-US" sz="2600" dirty="0"/>
+                </a:br>
                 <a:r>
                   <a:rPr lang="en-US" sz="2600" dirty="0"/>
-                  <a:t>the </a:t>
-                </a:r>
-                <a:r>
-                  <a:rPr lang="en-US" sz="2600" dirty="0" smtClean="0"/>
-                  <a:t>surface of the earth</a:t>
-                </a:r>
-                <a:br>
-                  <a:rPr lang="en-US" sz="2600" dirty="0" smtClean="0"/>
-                </a:br>
-                <a:r>
-                  <a:rPr lang="en-US" sz="2600" dirty="0" smtClean="0"/>
                   <a:t>into </a:t>
                 </a:r>
                 <a:r>
                   <a:rPr lang="en-US" sz="2600" b="1" dirty="0"/>
-                  <a:t>curved </a:t>
-                </a:r>
-                <a:r>
-                  <a:rPr lang="en-US" sz="2600" b="1" dirty="0" smtClean="0"/>
-                  <a:t>rectangles</a:t>
+                  <a:t>curved rectangles</a:t>
                 </a:r>
                 <a:r>
                   <a:rPr lang="en-US" sz="2600" dirty="0"/>
-                  <a:t> /</a:t>
-                </a:r>
-                <a:r>
-                  <a:rPr lang="en-US" sz="2600" dirty="0" smtClean="0"/>
-                  <a:t> the </a:t>
+                  <a:t> / the </a:t>
                 </a:r>
                 <a:br>
-                  <a:rPr lang="en-US" sz="2600" dirty="0" smtClean="0"/>
+                  <a:rPr lang="en-US" sz="2600" dirty="0"/>
                 </a:br>
                 <a:r>
-                  <a:rPr lang="en-US" sz="2600" dirty="0" smtClean="0"/>
+                  <a:rPr lang="en-US" sz="2600" dirty="0"/>
                   <a:t>time into </a:t>
                 </a:r>
                 <a:r>
-                  <a:rPr lang="en-US" sz="2600" b="1" dirty="0" smtClean="0"/>
+                  <a:rPr lang="en-US" sz="2600" b="1" dirty="0"/>
                   <a:t>intervals </a:t>
                 </a:r>
                 <a:r>
                   <a:rPr lang="en-US" sz="2600" dirty="0"/>
-                  <a:t>(blocks</a:t>
+                  <a:t>(blocks)</a:t>
                 </a:r>
-                <a:r>
-                  <a:rPr lang="en-US" sz="2600" dirty="0" smtClean="0"/>
-                  <a:t>)</a:t>
-                </a:r>
-                <a:endParaRPr lang="en-US" sz="2600" b="1" dirty="0" smtClean="0"/>
+                <a:endParaRPr lang="en-US" sz="2600" b="1" dirty="0"/>
               </a:p>
               <a:p>
                 <a:pPr marL="514350" indent="-514350">
                   <a:buFont typeface="+mj-lt"/>
                   <a:buAutoNum type="arabicPeriod"/>
                 </a:pPr>
-                <a:endParaRPr lang="en-US" sz="2600" dirty="0" smtClean="0"/>
+                <a:endParaRPr lang="en-US" sz="2600" dirty="0"/>
               </a:p>
               <a:p>
                 <a:pPr marL="514350" indent="-514350">
@@ -17705,49 +16744,33 @@
                   <a:buAutoNum type="arabicPeriod"/>
                 </a:pPr>
                 <a:r>
-                  <a:rPr lang="en-US" sz="2600" b="1" dirty="0" smtClean="0"/>
+                  <a:rPr lang="en-US" sz="2600" b="1" dirty="0"/>
                   <a:t>Adjust</a:t>
                 </a:r>
                 <a:r>
-                  <a:rPr lang="en-US" sz="2600" dirty="0" smtClean="0"/>
-                  <a:t> the size </a:t>
+                  <a:rPr lang="en-US" sz="2600" dirty="0"/>
+                  <a:t> the size of the blocks </a:t>
+                </a:r>
+                <a:br>
+                  <a:rPr lang="en-US" sz="2600" dirty="0"/>
+                </a:br>
+                <a:r>
+                  <a:rPr lang="en-US" sz="2600" dirty="0"/>
+                  <a:t>with a </a:t>
+                </a:r>
+                <a:r>
+                  <a:rPr lang="en-US" sz="2600" b="1" dirty="0"/>
+                  <a:t>blocking factor</a:t>
                 </a:r>
                 <a:r>
                   <a:rPr lang="en-US" sz="2600" dirty="0"/>
-                  <a:t>of the </a:t>
-                </a:r>
-                <a:r>
-                  <a:rPr lang="en-US" sz="2600" dirty="0" smtClean="0"/>
-                  <a:t>blocks </a:t>
-                </a:r>
-                <a:br>
-                  <a:rPr lang="en-US" sz="2600" dirty="0" smtClean="0"/>
-                </a:br>
-                <a:r>
-                  <a:rPr lang="en-US" sz="2600" dirty="0" smtClean="0"/>
-                  <a:t>with </a:t>
-                </a:r>
-                <a:r>
-                  <a:rPr lang="en-US" sz="2600" dirty="0"/>
-                  <a:t>a </a:t>
-                </a:r>
-                <a:r>
-                  <a:rPr lang="en-US" sz="2600" b="1" dirty="0"/>
-                  <a:t>blocking </a:t>
-                </a:r>
-                <a:r>
-                  <a:rPr lang="en-US" sz="2600" b="1" dirty="0" smtClean="0"/>
-                  <a:t>factor</a:t>
-                </a:r>
-                <a:r>
-                  <a:rPr lang="en-US" sz="2600" dirty="0" smtClean="0"/>
                   <a:t> </a:t>
                 </a:r>
                 <a:br>
-                  <a:rPr lang="en-US" sz="2600" dirty="0" smtClean="0"/>
+                  <a:rPr lang="en-US" sz="2600" dirty="0"/>
                 </a:br>
                 <a:r>
-                  <a:rPr lang="en-US" sz="2600" dirty="0" smtClean="0"/>
+                  <a:rPr lang="en-US" sz="2600" dirty="0"/>
                   <a:t>(</a:t>
                 </a:r>
                 <a14:m>
@@ -17761,7 +16784,7 @@
                   </m:oMath>
                 </a14:m>
                 <a:r>
-                  <a:rPr lang="en-US" sz="2600" dirty="0" smtClean="0"/>
+                  <a:rPr lang="en-US" sz="2600" dirty="0"/>
                   <a:t> or </a:t>
                 </a:r>
                 <a14:m>
@@ -17784,23 +16807,16 @@
                   </m:oMath>
                 </a14:m>
                 <a:r>
-                  <a:rPr lang="en-US" sz="2600" dirty="0" smtClean="0"/>
+                  <a:rPr lang="en-US" sz="2600" dirty="0"/>
                   <a:t>)</a:t>
                 </a:r>
-                <a:r>
-                  <a:rPr lang="en-US" sz="2600" b="1" dirty="0" smtClean="0">
-                    <a:ea typeface="Verdana" pitchFamily="34" charset="0"/>
-                    <a:cs typeface="Verdana" pitchFamily="34" charset="0"/>
-                  </a:rPr>
-                  <a:t/>
-                </a:r>
                 <a:br>
-                  <a:rPr lang="en-US" sz="2600" b="1" dirty="0" smtClean="0">
+                  <a:rPr lang="en-US" sz="2600" b="1" dirty="0">
                     <a:ea typeface="Verdana" pitchFamily="34" charset="0"/>
                     <a:cs typeface="Verdana" pitchFamily="34" charset="0"/>
                   </a:rPr>
                 </a:br>
-                <a:endParaRPr lang="en-US" sz="2600" dirty="0" smtClean="0"/>
+                <a:endParaRPr lang="en-US" sz="2600" dirty="0"/>
               </a:p>
               <a:p>
                 <a:pPr marL="514350" indent="-514350">
@@ -17808,24 +16824,24 @@
                   <a:buAutoNum type="arabicPeriod"/>
                 </a:pPr>
                 <a:r>
-                  <a:rPr lang="en-US" sz="2600" b="1" dirty="0" smtClean="0"/>
+                  <a:rPr lang="en-US" sz="2600" b="1" dirty="0"/>
                   <a:t>Insert</a:t>
                 </a:r>
                 <a:r>
-                  <a:rPr lang="en-US" sz="2600" dirty="0" smtClean="0"/>
+                  <a:rPr lang="en-US" sz="2600" dirty="0"/>
                   <a:t> the entities into the </a:t>
                 </a:r>
                 <a:br>
-                  <a:rPr lang="en-US" sz="2600" dirty="0" smtClean="0"/>
+                  <a:rPr lang="en-US" sz="2600" dirty="0"/>
                 </a:br>
                 <a:r>
-                  <a:rPr lang="en-US" sz="2600" dirty="0" smtClean="0"/>
+                  <a:rPr lang="en-US" sz="2600" dirty="0"/>
                   <a:t>corresponding blocks </a:t>
                 </a:r>
                 <a:br>
-                  <a:rPr lang="en-US" sz="2600" dirty="0" smtClean="0"/>
+                  <a:rPr lang="en-US" sz="2600" dirty="0"/>
                 </a:br>
-                <a:endParaRPr lang="en-US" sz="2600" dirty="0" smtClean="0"/>
+                <a:endParaRPr lang="en-US" sz="2600" dirty="0"/>
               </a:p>
               <a:p>
                 <a:pPr marL="514350" indent="-514350">
@@ -17833,11 +16849,11 @@
                   <a:buAutoNum type="arabicPeriod"/>
                 </a:pPr>
                 <a:r>
-                  <a:rPr lang="en-US" sz="2600" b="1" dirty="0" smtClean="0"/>
+                  <a:rPr lang="en-US" sz="2600" b="1" dirty="0"/>
                   <a:t>Check</a:t>
                 </a:r>
                 <a:r>
-                  <a:rPr lang="en-US" sz="2600" dirty="0" smtClean="0"/>
+                  <a:rPr lang="en-US" sz="2600" dirty="0"/>
                   <a:t> for the actual relation within each block</a:t>
                 </a:r>
               </a:p>
@@ -17846,7 +16862,7 @@
                   <a:buFont typeface="+mj-lt"/>
                   <a:buAutoNum type="arabicPeriod"/>
                 </a:pPr>
-                <a:endParaRPr lang="en-US" sz="2600" dirty="0" smtClean="0"/>
+                <a:endParaRPr lang="en-US" sz="2600" dirty="0"/>
               </a:p>
               <a:p>
                 <a:pPr marL="514350" indent="-514350">
@@ -17854,23 +16870,19 @@
                   <a:buAutoNum type="arabicPeriod"/>
                 </a:pPr>
                 <a:r>
-                  <a:rPr lang="en-US" sz="2600" b="1" dirty="0" smtClean="0"/>
+                  <a:rPr lang="en-US" sz="2600" b="1" dirty="0"/>
                   <a:t>Aggregate </a:t>
                 </a:r>
                 <a:r>
                   <a:rPr lang="en-US" sz="2600" dirty="0"/>
-                  <a:t>the </a:t>
+                  <a:t>the links from all the blocks to</a:t>
                 </a:r>
                 <a:r>
-                  <a:rPr lang="en-US" sz="2600" dirty="0" smtClean="0"/>
-                  <a:t>links from all the blocks to</a:t>
-                </a:r>
-                <a:r>
-                  <a:rPr lang="en-US" sz="2600" b="1" dirty="0" smtClean="0"/>
+                  <a:rPr lang="en-US" sz="2600" b="1" dirty="0"/>
                   <a:t> </a:t>
                 </a:r>
                 <a:r>
-                  <a:rPr lang="en-US" sz="2600" dirty="0" smtClean="0"/>
+                  <a:rPr lang="en-US" sz="2600" dirty="0"/>
                   <a:t>construct </a:t>
                 </a:r>
                 <a14:m>
@@ -17882,7 +16894,7 @@
                             <a:solidFill>
                               <a:prstClr val="black"/>
                             </a:solidFill>
-                            <a:latin typeface="Cambria Math" charset="0"/>
+                            <a:latin typeface="Cambria Math" panose="02040503050406030204" pitchFamily="18" charset="0"/>
                           </a:rPr>
                         </m:ctrlPr>
                       </m:sSubPr>
@@ -17966,7 +16978,7 @@
           <a:blip r:embed="rId4" cstate="print">
             <a:extLst>
               <a:ext uri="{28A0092B-C50C-407E-A947-70E740481C1C}">
-                <a14:useLocalDpi xmlns:a14="http://schemas.microsoft.com/office/drawing/2010/main" val="0"/>
+                <a14:useLocalDpi xmlns:a14="http://schemas.microsoft.com/office/drawing/2010/main"/>
               </a:ext>
             </a:extLst>
           </a:blip>
@@ -17994,13 +17006,6 @@
   <p:clrMapOvr>
     <a:masterClrMapping/>
   </p:clrMapOvr>
-  <p:timing>
-    <p:tnLst>
-      <p:par>
-        <p:cTn id="1" dur="indefinite" restart="never" nodeType="tmRoot"/>
-      </p:par>
-    </p:tnLst>
-  </p:timing>
 </p:sld>
 </file>
 
@@ -18037,14 +17042,14 @@
           <a:lstStyle/>
           <a:p>
             <a:r>
-              <a:rPr lang="en-US" smtClean="0">
+              <a:rPr lang="en-US">
                 <a:latin typeface="Helvetica" charset="0"/>
                 <a:ea typeface="Helvetica" charset="0"/>
                 <a:cs typeface="Helvetica" charset="0"/>
               </a:rPr>
               <a:t>12/04/2016</a:t>
             </a:r>
-            <a:endParaRPr lang="el-GR" dirty="0" smtClean="0">
+            <a:endParaRPr lang="el-GR" dirty="0">
               <a:latin typeface="Helvetica" charset="0"/>
               <a:ea typeface="Helvetica" charset="0"/>
               <a:cs typeface="Helvetica" charset="0"/>
@@ -18068,7 +17073,7 @@
           <a:lstStyle/>
           <a:p>
             <a:r>
-              <a:rPr lang="en-US" smtClean="0">
+              <a:rPr lang="en-US">
                 <a:latin typeface="Helvetica" charset="0"/>
                 <a:ea typeface="Helvetica" charset="0"/>
                 <a:cs typeface="Helvetica" charset="0"/>
@@ -18296,18 +17301,13 @@
                 </a:spcAft>
               </a:pPr>
               <a:r>
-                <a:rPr lang="en-US" sz="4000" kern="1200" dirty="0" smtClean="0">
+                <a:rPr lang="en-US" sz="4000" kern="1200" dirty="0">
                   <a:latin typeface="Helvetica" charset="0"/>
                   <a:ea typeface="Helvetica" charset="0"/>
                   <a:cs typeface="Helvetica" charset="0"/>
                 </a:rPr>
                 <a:t>e2</a:t>
               </a:r>
-              <a:endParaRPr lang="en-US" sz="4000" kern="1200" dirty="0">
-                <a:latin typeface="Helvetica" charset="0"/>
-                <a:ea typeface="Helvetica" charset="0"/>
-                <a:cs typeface="Helvetica" charset="0"/>
-              </a:endParaRPr>
             </a:p>
           </p:txBody>
         </p:sp>
@@ -18440,15 +17440,7 @@
                 <a:ea typeface="Helvetica" charset="0"/>
                 <a:cs typeface="Helvetica" charset="0"/>
               </a:rPr>
-              <a:t>e</a:t>
-            </a:r>
-            <a:r>
-              <a:rPr lang="en-US" sz="3200" dirty="0" smtClean="0">
-                <a:latin typeface="Helvetica" charset="0"/>
-                <a:ea typeface="Helvetica" charset="0"/>
-                <a:cs typeface="Helvetica" charset="0"/>
-              </a:rPr>
-              <a:t>1: b1, b2</a:t>
+              <a:t>e1: b1, b2</a:t>
             </a:r>
           </a:p>
           <a:p>
@@ -18458,21 +17450,8 @@
                 <a:ea typeface="Helvetica" charset="0"/>
                 <a:cs typeface="Helvetica" charset="0"/>
               </a:rPr>
-              <a:t>e</a:t>
-            </a:r>
-            <a:r>
-              <a:rPr lang="en-US" sz="3200" dirty="0" smtClean="0">
-                <a:latin typeface="Helvetica" charset="0"/>
-                <a:ea typeface="Helvetica" charset="0"/>
-                <a:cs typeface="Helvetica" charset="0"/>
-              </a:rPr>
-              <a:t>2: b2, b4</a:t>
-            </a:r>
-            <a:endParaRPr lang="en-US" sz="3200" dirty="0">
-              <a:latin typeface="Helvetica" charset="0"/>
-              <a:ea typeface="Helvetica" charset="0"/>
-              <a:cs typeface="Helvetica" charset="0"/>
-            </a:endParaRPr>
+              <a:t>e2: b2, b4</a:t>
+            </a:r>
           </a:p>
         </p:txBody>
       </p:sp>
@@ -18595,18 +17574,13 @@
           <a:p>
             <a:pPr lvl="0"/>
             <a:r>
-              <a:rPr lang="en-US" sz="2400" dirty="0" smtClean="0">
+              <a:rPr lang="en-US" sz="2400" dirty="0">
                 <a:latin typeface="Helvetica" charset="0"/>
                 <a:ea typeface="Helvetica" charset="0"/>
                 <a:cs typeface="Helvetica" charset="0"/>
               </a:rPr>
               <a:t>b2</a:t>
             </a:r>
-            <a:endParaRPr lang="en-US" sz="2400" dirty="0">
-              <a:latin typeface="Helvetica" charset="0"/>
-              <a:ea typeface="Helvetica" charset="0"/>
-              <a:cs typeface="Helvetica" charset="0"/>
-            </a:endParaRPr>
           </a:p>
         </p:txBody>
       </p:sp>
@@ -18693,7 +17667,7 @@
           <a:p>
             <a:pPr lvl="0"/>
             <a:r>
-              <a:rPr lang="en-US" sz="2400" dirty="0" smtClean="0">
+              <a:rPr lang="en-US" sz="2400" dirty="0">
                 <a:latin typeface="Helvetica" charset="0"/>
                 <a:ea typeface="Helvetica" charset="0"/>
                 <a:cs typeface="Helvetica" charset="0"/>
@@ -18701,7 +17675,7 @@
               <a:t>e</a:t>
             </a:r>
             <a:r>
-              <a:rPr lang="en-US" sz="2400" smtClean="0">
+              <a:rPr lang="en-US" sz="2400">
                 <a:latin typeface="Helvetica" charset="0"/>
                 <a:ea typeface="Helvetica" charset="0"/>
                 <a:cs typeface="Helvetica" charset="0"/>
@@ -18739,20 +17713,12 @@
           <a:p>
             <a:pPr lvl="0"/>
             <a:r>
-              <a:rPr lang="en-US" sz="2400" dirty="0" smtClean="0">
-                <a:latin typeface="Helvetica" charset="0"/>
-                <a:ea typeface="Helvetica" charset="0"/>
-                <a:cs typeface="Helvetica" charset="0"/>
-              </a:rPr>
-              <a:t>e</a:t>
-            </a:r>
-            <a:r>
               <a:rPr lang="en-US" sz="2400" dirty="0">
                 <a:latin typeface="Helvetica" charset="0"/>
                 <a:ea typeface="Helvetica" charset="0"/>
                 <a:cs typeface="Helvetica" charset="0"/>
               </a:rPr>
-              <a:t>2</a:t>
+              <a:t>e2</a:t>
             </a:r>
           </a:p>
         </p:txBody>
@@ -18785,15 +17751,7 @@
                 <a:ea typeface="Helvetica" charset="0"/>
                 <a:cs typeface="Helvetica" charset="0"/>
               </a:rPr>
-              <a:t>e</a:t>
-            </a:r>
-            <a:r>
-              <a:rPr lang="en-US" sz="3200" dirty="0" smtClean="0">
-                <a:latin typeface="Helvetica" charset="0"/>
-                <a:ea typeface="Helvetica" charset="0"/>
-                <a:cs typeface="Helvetica" charset="0"/>
-              </a:rPr>
-              <a:t>1: b1, b2</a:t>
+              <a:t>e1: b1, b2</a:t>
             </a:r>
           </a:p>
           <a:p>
@@ -18803,21 +17761,8 @@
                 <a:ea typeface="Helvetica" charset="0"/>
                 <a:cs typeface="Helvetica" charset="0"/>
               </a:rPr>
-              <a:t>e</a:t>
-            </a:r>
-            <a:r>
-              <a:rPr lang="en-US" sz="3200" dirty="0" smtClean="0">
-                <a:latin typeface="Helvetica" charset="0"/>
-                <a:ea typeface="Helvetica" charset="0"/>
-                <a:cs typeface="Helvetica" charset="0"/>
-              </a:rPr>
-              <a:t>2: b2</a:t>
-            </a:r>
-            <a:endParaRPr lang="en-US" sz="3200" dirty="0">
-              <a:latin typeface="Helvetica" charset="0"/>
-              <a:ea typeface="Helvetica" charset="0"/>
-              <a:cs typeface="Helvetica" charset="0"/>
-            </a:endParaRPr>
+              <a:t>e2: b2</a:t>
+            </a:r>
           </a:p>
         </p:txBody>
       </p:sp>
@@ -18831,13 +17776,6 @@
   <p:clrMapOvr>
     <a:masterClrMapping/>
   </p:clrMapOvr>
-  <p:timing>
-    <p:tnLst>
-      <p:par>
-        <p:cTn id="1" dur="indefinite" restart="never" nodeType="tmRoot"/>
-      </p:par>
-    </p:tnLst>
-  </p:timing>
 </p:sld>
 </file>
 
@@ -18874,7 +17812,7 @@
           <a:lstStyle/>
           <a:p>
             <a:r>
-              <a:rPr lang="en-US" smtClean="0"/>
+              <a:rPr lang="en-US"/>
               <a:t>12/04/2016</a:t>
             </a:r>
             <a:endParaRPr lang="en-US" dirty="0"/>
@@ -18898,7 +17836,7 @@
           <a:p>
             <a:pPr algn="ctr"/>
             <a:r>
-              <a:rPr lang="en-US" smtClean="0"/>
+              <a:rPr lang="en-US"/>
               <a:t>Discovering Spatial and Temporal Links among RDF Data</a:t>
             </a:r>
             <a:endParaRPr lang="en-US" dirty="0"/>
@@ -18948,10 +17886,9 @@
           <a:lstStyle/>
           <a:p>
             <a:r>
-              <a:rPr lang="en-US" dirty="0" smtClean="0"/>
+              <a:rPr lang="en-US" dirty="0"/>
               <a:t>Blocking Technique (algorithm)</a:t>
             </a:r>
-            <a:endParaRPr lang="en-US" dirty="0"/>
           </a:p>
         </p:txBody>
       </p:sp>
@@ -18977,7 +17914,7 @@
             </a:clrChange>
             <a:extLst>
               <a:ext uri="{28A0092B-C50C-407E-A947-70E740481C1C}">
-                <a14:useLocalDpi xmlns:a14="http://schemas.microsoft.com/office/drawing/2010/main" val="0"/>
+                <a14:useLocalDpi xmlns:a14="http://schemas.microsoft.com/office/drawing/2010/main"/>
               </a:ext>
             </a:extLst>
           </a:blip>
@@ -19035,71 +17972,51 @@
                   <a:buAutoNum type="arabicPeriod"/>
                 </a:pPr>
                 <a:r>
-                  <a:rPr lang="en-US" sz="2600" b="1" dirty="0" smtClean="0"/>
+                  <a:rPr lang="en-US" sz="2600" b="1" dirty="0"/>
                   <a:t>Divide</a:t>
                 </a:r>
                 <a:r>
-                  <a:rPr lang="en-US" sz="2600" dirty="0" smtClean="0"/>
-                  <a:t> </a:t>
+                  <a:rPr lang="en-US" sz="2600" dirty="0"/>
+                  <a:t> the surface of the earth</a:t>
                 </a:r>
+                <a:br>
+                  <a:rPr lang="en-US" sz="2600" dirty="0"/>
+                </a:br>
                 <a:r>
                   <a:rPr lang="en-US" sz="2600" dirty="0"/>
-                  <a:t>the </a:t>
-                </a:r>
-                <a:r>
-                  <a:rPr lang="en-US" sz="2600" dirty="0" smtClean="0"/>
-                  <a:t>surface of the earth</a:t>
-                </a:r>
-                <a:br>
-                  <a:rPr lang="en-US" sz="2600" dirty="0" smtClean="0"/>
-                </a:br>
-                <a:r>
-                  <a:rPr lang="en-US" sz="2600" dirty="0" smtClean="0"/>
                   <a:t>into </a:t>
                 </a:r>
                 <a:r>
                   <a:rPr lang="en-US" sz="2600" b="1" dirty="0"/>
-                  <a:t>curved </a:t>
-                </a:r>
-                <a:r>
-                  <a:rPr lang="en-US" sz="2600" b="1" dirty="0" smtClean="0"/>
-                  <a:t>rectangles</a:t>
+                  <a:t>curved rectangles</a:t>
                 </a:r>
                 <a:r>
                   <a:rPr lang="en-US" sz="2600" dirty="0"/>
-                  <a:t> /</a:t>
-                </a:r>
-                <a:r>
-                  <a:rPr lang="en-US" sz="2600" dirty="0" smtClean="0"/>
-                  <a:t> the </a:t>
+                  <a:t> / the </a:t>
                 </a:r>
                 <a:br>
-                  <a:rPr lang="en-US" sz="2600" dirty="0" smtClean="0"/>
+                  <a:rPr lang="en-US" sz="2600" dirty="0"/>
                 </a:br>
                 <a:r>
-                  <a:rPr lang="en-US" sz="2600" dirty="0" smtClean="0"/>
+                  <a:rPr lang="en-US" sz="2600" dirty="0"/>
                   <a:t>time into </a:t>
                 </a:r>
                 <a:r>
-                  <a:rPr lang="en-US" sz="2600" b="1" dirty="0" smtClean="0"/>
+                  <a:rPr lang="en-US" sz="2600" b="1" dirty="0"/>
                   <a:t>intervals </a:t>
                 </a:r>
                 <a:r>
                   <a:rPr lang="en-US" sz="2600" dirty="0"/>
-                  <a:t>(blocks</a:t>
+                  <a:t>(blocks)</a:t>
                 </a:r>
-                <a:r>
-                  <a:rPr lang="en-US" sz="2600" dirty="0" smtClean="0"/>
-                  <a:t>)</a:t>
-                </a:r>
-                <a:endParaRPr lang="en-US" sz="2600" b="1" dirty="0" smtClean="0"/>
+                <a:endParaRPr lang="en-US" sz="2600" b="1" dirty="0"/>
               </a:p>
               <a:p>
                 <a:pPr marL="514350" indent="-514350">
                   <a:buFont typeface="+mj-lt"/>
                   <a:buAutoNum type="arabicPeriod"/>
                 </a:pPr>
-                <a:endParaRPr lang="en-US" sz="2600" dirty="0" smtClean="0"/>
+                <a:endParaRPr lang="en-US" sz="2600" dirty="0"/>
               </a:p>
               <a:p>
                 <a:pPr marL="514350" indent="-514350">
@@ -19107,49 +18024,33 @@
                   <a:buAutoNum type="arabicPeriod"/>
                 </a:pPr>
                 <a:r>
-                  <a:rPr lang="en-US" sz="2600" b="1" dirty="0" smtClean="0"/>
+                  <a:rPr lang="en-US" sz="2600" b="1" dirty="0"/>
                   <a:t>Adjust</a:t>
                 </a:r>
                 <a:r>
-                  <a:rPr lang="en-US" sz="2600" dirty="0" smtClean="0"/>
-                  <a:t> the size </a:t>
+                  <a:rPr lang="en-US" sz="2600" dirty="0"/>
+                  <a:t> the size of the blocks </a:t>
+                </a:r>
+                <a:br>
+                  <a:rPr lang="en-US" sz="2600" dirty="0"/>
+                </a:br>
+                <a:r>
+                  <a:rPr lang="en-US" sz="2600" dirty="0"/>
+                  <a:t>with a </a:t>
+                </a:r>
+                <a:r>
+                  <a:rPr lang="en-US" sz="2600" b="1" dirty="0"/>
+                  <a:t>blocking factor</a:t>
                 </a:r>
                 <a:r>
                   <a:rPr lang="en-US" sz="2600" dirty="0"/>
-                  <a:t>of the </a:t>
-                </a:r>
-                <a:r>
-                  <a:rPr lang="en-US" sz="2600" dirty="0" smtClean="0"/>
-                  <a:t>blocks </a:t>
-                </a:r>
-                <a:br>
-                  <a:rPr lang="en-US" sz="2600" dirty="0" smtClean="0"/>
-                </a:br>
-                <a:r>
-                  <a:rPr lang="en-US" sz="2600" dirty="0" smtClean="0"/>
-                  <a:t>with </a:t>
-                </a:r>
-                <a:r>
-                  <a:rPr lang="en-US" sz="2600" dirty="0"/>
-                  <a:t>a </a:t>
-                </a:r>
-                <a:r>
-                  <a:rPr lang="en-US" sz="2600" b="1" dirty="0"/>
-                  <a:t>blocking </a:t>
-                </a:r>
-                <a:r>
-                  <a:rPr lang="en-US" sz="2600" b="1" dirty="0" smtClean="0"/>
-                  <a:t>factor</a:t>
-                </a:r>
-                <a:r>
-                  <a:rPr lang="en-US" sz="2600" dirty="0" smtClean="0"/>
                   <a:t> </a:t>
                 </a:r>
                 <a:br>
-                  <a:rPr lang="en-US" sz="2600" dirty="0" smtClean="0"/>
+                  <a:rPr lang="en-US" sz="2600" dirty="0"/>
                 </a:br>
                 <a:r>
-                  <a:rPr lang="en-US" sz="2600" dirty="0" smtClean="0"/>
+                  <a:rPr lang="en-US" sz="2600" dirty="0"/>
                   <a:t>(</a:t>
                 </a:r>
                 <a14:m>
@@ -19163,7 +18064,7 @@
                   </m:oMath>
                 </a14:m>
                 <a:r>
-                  <a:rPr lang="en-US" sz="2600" dirty="0" smtClean="0"/>
+                  <a:rPr lang="en-US" sz="2600" dirty="0"/>
                   <a:t> or </a:t>
                 </a:r>
                 <a14:m>
@@ -19186,23 +18087,16 @@
                   </m:oMath>
                 </a14:m>
                 <a:r>
-                  <a:rPr lang="en-US" sz="2600" dirty="0" smtClean="0"/>
+                  <a:rPr lang="en-US" sz="2600" dirty="0"/>
                   <a:t>)</a:t>
                 </a:r>
-                <a:r>
-                  <a:rPr lang="en-US" sz="2600" b="1" dirty="0" smtClean="0">
-                    <a:ea typeface="Verdana" pitchFamily="34" charset="0"/>
-                    <a:cs typeface="Verdana" pitchFamily="34" charset="0"/>
-                  </a:rPr>
-                  <a:t/>
-                </a:r>
                 <a:br>
-                  <a:rPr lang="en-US" sz="2600" b="1" dirty="0" smtClean="0">
+                  <a:rPr lang="en-US" sz="2600" b="1" dirty="0">
                     <a:ea typeface="Verdana" pitchFamily="34" charset="0"/>
                     <a:cs typeface="Verdana" pitchFamily="34" charset="0"/>
                   </a:rPr>
                 </a:br>
-                <a:endParaRPr lang="en-US" sz="2600" dirty="0" smtClean="0"/>
+                <a:endParaRPr lang="en-US" sz="2600" dirty="0"/>
               </a:p>
               <a:p>
                 <a:pPr marL="514350" indent="-514350">
@@ -19210,24 +18104,24 @@
                   <a:buAutoNum type="arabicPeriod"/>
                 </a:pPr>
                 <a:r>
-                  <a:rPr lang="en-US" sz="2600" b="1" dirty="0" smtClean="0"/>
+                  <a:rPr lang="en-US" sz="2600" b="1" dirty="0"/>
                   <a:t>Insert</a:t>
                 </a:r>
                 <a:r>
-                  <a:rPr lang="en-US" sz="2600" dirty="0" smtClean="0"/>
+                  <a:rPr lang="en-US" sz="2600" dirty="0"/>
                   <a:t> the entities into the </a:t>
                 </a:r>
                 <a:br>
-                  <a:rPr lang="en-US" sz="2600" dirty="0" smtClean="0"/>
+                  <a:rPr lang="en-US" sz="2600" dirty="0"/>
                 </a:br>
                 <a:r>
-                  <a:rPr lang="en-US" sz="2600" dirty="0" smtClean="0"/>
+                  <a:rPr lang="en-US" sz="2600" dirty="0"/>
                   <a:t>corresponding blocks </a:t>
                 </a:r>
                 <a:br>
-                  <a:rPr lang="en-US" sz="2600" dirty="0" smtClean="0"/>
+                  <a:rPr lang="en-US" sz="2600" dirty="0"/>
                 </a:br>
-                <a:endParaRPr lang="en-US" sz="2600" dirty="0" smtClean="0"/>
+                <a:endParaRPr lang="en-US" sz="2600" dirty="0"/>
               </a:p>
               <a:p>
                 <a:pPr marL="514350" indent="-514350">
@@ -19235,11 +18129,11 @@
                   <a:buAutoNum type="arabicPeriod"/>
                 </a:pPr>
                 <a:r>
-                  <a:rPr lang="en-US" sz="2600" b="1" dirty="0" smtClean="0"/>
+                  <a:rPr lang="en-US" sz="2600" b="1" dirty="0"/>
                   <a:t>Check</a:t>
                 </a:r>
                 <a:r>
-                  <a:rPr lang="en-US" sz="2600" dirty="0" smtClean="0"/>
+                  <a:rPr lang="en-US" sz="2600" dirty="0"/>
                   <a:t> for the actual relation within each block</a:t>
                 </a:r>
               </a:p>
@@ -19248,7 +18142,7 @@
                   <a:buFont typeface="+mj-lt"/>
                   <a:buAutoNum type="arabicPeriod"/>
                 </a:pPr>
-                <a:endParaRPr lang="en-US" sz="2600" dirty="0" smtClean="0"/>
+                <a:endParaRPr lang="en-US" sz="2600" dirty="0"/>
               </a:p>
               <a:p>
                 <a:pPr marL="514350" indent="-514350">
@@ -19256,23 +18150,19 @@
                   <a:buAutoNum type="arabicPeriod"/>
                 </a:pPr>
                 <a:r>
-                  <a:rPr lang="en-US" sz="2600" b="1" dirty="0" smtClean="0"/>
+                  <a:rPr lang="en-US" sz="2600" b="1" dirty="0"/>
                   <a:t>Aggregate </a:t>
                 </a:r>
                 <a:r>
                   <a:rPr lang="en-US" sz="2600" dirty="0"/>
-                  <a:t>the </a:t>
+                  <a:t>the links from all the blocks to</a:t>
                 </a:r>
                 <a:r>
-                  <a:rPr lang="en-US" sz="2600" dirty="0" smtClean="0"/>
-                  <a:t>links from all the blocks to</a:t>
-                </a:r>
-                <a:r>
-                  <a:rPr lang="en-US" sz="2600" b="1" dirty="0" smtClean="0"/>
+                  <a:rPr lang="en-US" sz="2600" b="1" dirty="0"/>
                   <a:t> </a:t>
                 </a:r>
                 <a:r>
-                  <a:rPr lang="en-US" sz="2600" dirty="0" smtClean="0"/>
+                  <a:rPr lang="en-US" sz="2600" dirty="0"/>
                   <a:t>construct </a:t>
                 </a:r>
                 <a14:m>
@@ -19284,7 +18174,7 @@
                             <a:solidFill>
                               <a:prstClr val="black"/>
                             </a:solidFill>
-                            <a:latin typeface="Cambria Math" charset="0"/>
+                            <a:latin typeface="Cambria Math" panose="02040503050406030204" pitchFamily="18" charset="0"/>
                           </a:rPr>
                         </m:ctrlPr>
                       </m:sSubPr>
@@ -19368,7 +18258,7 @@
           <a:blip r:embed="rId4" cstate="print">
             <a:extLst>
               <a:ext uri="{28A0092B-C50C-407E-A947-70E740481C1C}">
-                <a14:useLocalDpi xmlns:a14="http://schemas.microsoft.com/office/drawing/2010/main" val="0"/>
+                <a14:useLocalDpi xmlns:a14="http://schemas.microsoft.com/office/drawing/2010/main"/>
               </a:ext>
             </a:extLst>
           </a:blip>
@@ -19396,13 +18286,6 @@
   <p:clrMapOvr>
     <a:masterClrMapping/>
   </p:clrMapOvr>
-  <p:timing>
-    <p:tnLst>
-      <p:par>
-        <p:cTn id="1" dur="indefinite" restart="never" nodeType="tmRoot"/>
-      </p:par>
-    </p:tnLst>
-  </p:timing>
 </p:sld>
 </file>
 
@@ -19441,10 +18324,9 @@
           <a:lstStyle/>
           <a:p>
             <a:r>
-              <a:rPr lang="en-US" dirty="0" smtClean="0"/>
+              <a:rPr lang="en-US" dirty="0"/>
               <a:t>Spatial and Temporal Link Discovery</a:t>
             </a:r>
-            <a:endParaRPr lang="en-US" dirty="0"/>
           </a:p>
         </p:txBody>
       </p:sp>
@@ -19464,7 +18346,7 @@
           <a:lstStyle/>
           <a:p>
             <a:r>
-              <a:rPr lang="en-US" smtClean="0"/>
+              <a:rPr lang="en-US"/>
               <a:t>12/04/2016</a:t>
             </a:r>
             <a:endParaRPr lang="en-US" dirty="0"/>
@@ -19488,7 +18370,7 @@
           <a:p>
             <a:pPr algn="ctr"/>
             <a:r>
-              <a:rPr lang="en-US" smtClean="0"/>
+              <a:rPr lang="en-US"/>
               <a:t>Discovering Spatial and Temporal Links among RDF Data</a:t>
             </a:r>
             <a:endParaRPr lang="en-US" dirty="0"/>
@@ -19532,7 +18414,7 @@
           <a:blip r:embed="rId2">
             <a:extLst>
               <a:ext uri="{28A0092B-C50C-407E-A947-70E740481C1C}">
-                <a14:useLocalDpi xmlns:a14="http://schemas.microsoft.com/office/drawing/2010/main" val="0"/>
+                <a14:useLocalDpi xmlns:a14="http://schemas.microsoft.com/office/drawing/2010/main"/>
               </a:ext>
             </a:extLst>
           </a:blip>
@@ -19573,7 +18455,7 @@
           <a:blip r:embed="rId3">
             <a:extLst>
               <a:ext uri="{28A0092B-C50C-407E-A947-70E740481C1C}">
-                <a14:useLocalDpi xmlns:a14="http://schemas.microsoft.com/office/drawing/2010/main" val="0"/>
+                <a14:useLocalDpi xmlns:a14="http://schemas.microsoft.com/office/drawing/2010/main"/>
               </a:ext>
             </a:extLst>
           </a:blip>
@@ -19625,7 +18507,7 @@
           <a:lstStyle/>
           <a:p>
             <a:r>
-              <a:rPr lang="en-US" sz="1000" dirty="0" smtClean="0">
+              <a:rPr lang="en-US" sz="1000" dirty="0">
                 <a:latin typeface="Helvetica" pitchFamily="34" charset="0"/>
                 <a:cs typeface="Helvetica" pitchFamily="34" charset="0"/>
                 <a:hlinkClick r:id="rId4"/>
@@ -19828,7 +18710,7 @@
           <a:lstStyle/>
           <a:p>
             <a:r>
-              <a:rPr lang="en-US" sz="1000" dirty="0" smtClean="0">
+              <a:rPr lang="en-US" sz="1000" dirty="0">
                 <a:latin typeface="Helvetica" pitchFamily="34" charset="0"/>
                 <a:cs typeface="Helvetica" pitchFamily="34" charset="0"/>
                 <a:hlinkClick r:id="rId4"/>
@@ -19866,17 +18748,6 @@
           <a:p>
             <a:pPr algn="ctr"/>
             <a:r>
-              <a:rPr lang="en-US" sz="2400" dirty="0" smtClean="0">
-                <a:solidFill>
-                  <a:srgbClr val="C00000"/>
-                </a:solidFill>
-                <a:latin typeface="Helvetica" charset="0"/>
-                <a:ea typeface="Helvetica" charset="0"/>
-                <a:cs typeface="Helvetica" charset="0"/>
-              </a:rPr>
-              <a:t>Enrich </a:t>
-            </a:r>
-            <a:r>
               <a:rPr lang="en-US" sz="2400" dirty="0">
                 <a:solidFill>
                   <a:srgbClr val="C00000"/>
@@ -19885,20 +18756,9 @@
                 <a:ea typeface="Helvetica" charset="0"/>
                 <a:cs typeface="Helvetica" charset="0"/>
               </a:rPr>
-              <a:t>the information </a:t>
-            </a:r>
-            <a:r>
-              <a:rPr lang="en-US" sz="2400" dirty="0" smtClean="0">
-                <a:solidFill>
-                  <a:srgbClr val="C00000"/>
-                </a:solidFill>
-                <a:latin typeface="Helvetica" charset="0"/>
-                <a:ea typeface="Helvetica" charset="0"/>
-                <a:cs typeface="Helvetica" charset="0"/>
-              </a:rPr>
-              <a:t>of datasets with </a:t>
-            </a:r>
-            <a:endParaRPr lang="el-GR" sz="2400" dirty="0" smtClean="0">
+              <a:t>Enrich the information of datasets with </a:t>
+            </a:r>
+            <a:endParaRPr lang="el-GR" sz="2400" dirty="0">
               <a:solidFill>
                 <a:srgbClr val="C00000"/>
               </a:solidFill>
@@ -19910,7 +18770,7 @@
           <a:p>
             <a:pPr algn="ctr"/>
             <a:r>
-              <a:rPr lang="en-US" sz="2400" dirty="0" smtClean="0">
+              <a:rPr lang="en-US" sz="2400" dirty="0">
                 <a:solidFill>
                   <a:srgbClr val="C00000"/>
                 </a:solidFill>
@@ -19920,14 +18780,6 @@
               </a:rPr>
               <a:t>Geospatial and Temporal characteristics</a:t>
             </a:r>
-            <a:endParaRPr lang="en-US" sz="2400" dirty="0">
-              <a:solidFill>
-                <a:srgbClr val="C00000"/>
-              </a:solidFill>
-              <a:latin typeface="Helvetica" charset="0"/>
-              <a:ea typeface="Helvetica" charset="0"/>
-              <a:cs typeface="Helvetica" charset="0"/>
-            </a:endParaRPr>
           </a:p>
         </p:txBody>
       </p:sp>
@@ -19975,21 +18827,8 @@
                 <a:ea typeface="Helvetica" charset="0"/>
                 <a:cs typeface="Helvetica" charset="0"/>
               </a:rPr>
-              <a:t>(links) </a:t>
-            </a:r>
-            <a:r>
-              <a:rPr lang="en-US" sz="2400" dirty="0" smtClean="0">
-                <a:latin typeface="Helvetica" charset="0"/>
-                <a:ea typeface="Helvetica" charset="0"/>
-                <a:cs typeface="Helvetica" charset="0"/>
-              </a:rPr>
-              <a:t>between entities</a:t>
-            </a:r>
-            <a:endParaRPr lang="en-US" sz="2400" dirty="0">
-              <a:latin typeface="Helvetica" charset="0"/>
-              <a:ea typeface="Helvetica" charset="0"/>
-              <a:cs typeface="Helvetica" charset="0"/>
-            </a:endParaRPr>
+              <a:t>(links) between entities</a:t>
+            </a:r>
           </a:p>
         </p:txBody>
       </p:sp>
@@ -20003,13 +18842,6 @@
   <p:clrMapOvr>
     <a:masterClrMapping/>
   </p:clrMapOvr>
-  <p:timing>
-    <p:tnLst>
-      <p:par>
-        <p:cTn id="1" dur="indefinite" restart="never" nodeType="tmRoot"/>
-      </p:par>
-    </p:tnLst>
-  </p:timing>
 </p:sld>
 </file>
 
@@ -20046,7 +18878,7 @@
           <a:lstStyle/>
           <a:p>
             <a:r>
-              <a:rPr lang="en-US" smtClean="0"/>
+              <a:rPr lang="en-US"/>
               <a:t>12/04/2016</a:t>
             </a:r>
             <a:endParaRPr lang="en-US" dirty="0"/>
@@ -20070,7 +18902,7 @@
           <a:p>
             <a:pPr algn="ctr"/>
             <a:r>
-              <a:rPr lang="en-US" smtClean="0"/>
+              <a:rPr lang="en-US"/>
               <a:t>Discovering Spatial and Temporal Links among RDF Data</a:t>
             </a:r>
             <a:endParaRPr lang="en-US" dirty="0"/>
@@ -20144,25 +18976,18 @@
               <a:lstStyle/>
               <a:p>
                 <a:r>
-                  <a:rPr lang="en-US" b="1" dirty="0" smtClean="0">
+                  <a:rPr lang="en-US" b="1" dirty="0">
                     <a:ea typeface="Verdana" pitchFamily="34" charset="0"/>
                     <a:cs typeface="Verdana" pitchFamily="34" charset="0"/>
                   </a:rPr>
                   <a:t>Sound</a:t>
                 </a:r>
                 <a:r>
-                  <a:rPr lang="en-US" dirty="0" smtClean="0">
-                    <a:ea typeface="Verdana" pitchFamily="34" charset="0"/>
-                    <a:cs typeface="Verdana" pitchFamily="34" charset="0"/>
-                  </a:rPr>
-                  <a:t> </a:t>
-                </a:r>
-                <a:r>
                   <a:rPr lang="en-US" dirty="0">
                     <a:ea typeface="Verdana" pitchFamily="34" charset="0"/>
                     <a:cs typeface="Verdana" pitchFamily="34" charset="0"/>
                   </a:rPr>
-                  <a:t>and </a:t>
+                  <a:t> and </a:t>
                 </a:r>
                 <a:r>
                   <a:rPr lang="en-US" b="1" dirty="0">
@@ -20173,7 +18998,7 @@
                 </a:r>
               </a:p>
               <a:p>
-                <a:endParaRPr lang="en-US" dirty="0" smtClean="0"/>
+                <a:endParaRPr lang="en-US" dirty="0"/>
               </a:p>
               <a:p>
                 <a14:m>
@@ -20194,7 +19019,7 @@
                       <m:fPr>
                         <m:ctrlPr>
                           <a:rPr lang="en-US" i="1" smtClean="0">
-                            <a:latin typeface="Cambria Math" charset="0"/>
+                            <a:latin typeface="Cambria Math" panose="02040503050406030204" pitchFamily="18" charset="0"/>
                           </a:rPr>
                         </m:ctrlPr>
                       </m:fPr>
@@ -20237,7 +19062,7 @@
                       <m:fPr>
                         <m:ctrlPr>
                           <a:rPr lang="en-US" b="0" i="1" smtClean="0">
-                            <a:latin typeface="Cambria Math" charset="0"/>
+                            <a:latin typeface="Cambria Math" panose="02040503050406030204" pitchFamily="18" charset="0"/>
                           </a:rPr>
                         </m:ctrlPr>
                       </m:fPr>
@@ -20266,7 +19091,7 @@
                     </m:r>
                   </m:oMath>
                 </a14:m>
-                <a:endParaRPr lang="en-US" dirty="0" smtClean="0"/>
+                <a:endParaRPr lang="en-US" dirty="0"/>
               </a:p>
               <a:p>
                 <a14:m>
@@ -20287,7 +19112,7 @@
                       <m:fPr>
                         <m:ctrlPr>
                           <a:rPr lang="en-US" i="1">
-                            <a:latin typeface="Cambria Math" charset="0"/>
+                            <a:latin typeface="Cambria Math" panose="02040503050406030204" pitchFamily="18" charset="0"/>
                           </a:rPr>
                         </m:ctrlPr>
                       </m:fPr>
@@ -20330,7 +19155,7 @@
                       <m:fPr>
                         <m:ctrlPr>
                           <a:rPr lang="en-US" i="1">
-                            <a:latin typeface="Cambria Math" charset="0"/>
+                            <a:latin typeface="Cambria Math" panose="02040503050406030204" pitchFamily="18" charset="0"/>
                           </a:rPr>
                         </m:ctrlPr>
                       </m:fPr>
@@ -20359,29 +19184,21 @@
                     </m:r>
                   </m:oMath>
                 </a14:m>
-                <a:endParaRPr lang="en-US" dirty="0" smtClean="0"/>
+                <a:endParaRPr lang="en-US" dirty="0"/>
               </a:p>
               <a:p>
                 <a:pPr marL="0" indent="0">
                   <a:buNone/>
                 </a:pPr>
-                <a:endParaRPr lang="en-US" sz="1800" dirty="0" smtClean="0"/>
+                <a:endParaRPr lang="en-US" sz="1800" dirty="0"/>
               </a:p>
               <a:p>
                 <a:pPr marL="0" indent="0">
                   <a:buNone/>
                 </a:pPr>
                 <a:r>
-                  <a:rPr lang="en-US" sz="1800" dirty="0" smtClean="0"/>
-                  <a:t>TDL: </a:t>
-                </a:r>
-                <a:r>
                   <a:rPr lang="en-US" sz="1800" dirty="0"/>
-                  <a:t>True Discovered </a:t>
-                </a:r>
-                <a:r>
-                  <a:rPr lang="en-US" sz="1800" dirty="0" smtClean="0"/>
-                  <a:t>Links</a:t>
+                  <a:t>TDL: True Discovered Links</a:t>
                 </a:r>
               </a:p>
               <a:p>
@@ -20389,12 +19206,8 @@
                   <a:buNone/>
                 </a:pPr>
                 <a:r>
-                  <a:rPr lang="en-US" sz="1800" dirty="0" smtClean="0"/>
-                  <a:t>FDL: False </a:t>
-                </a:r>
-                <a:r>
                   <a:rPr lang="en-US" sz="1800" dirty="0"/>
-                  <a:t>Discovered Links </a:t>
+                  <a:t>FDL: False Discovered Links </a:t>
                 </a:r>
               </a:p>
               <a:p>
@@ -20402,30 +19215,22 @@
                   <a:buNone/>
                 </a:pPr>
                 <a:r>
-                  <a:rPr lang="en-US" sz="1800" dirty="0" smtClean="0"/>
-                  <a:t>FNDL: </a:t>
-                </a:r>
-                <a:r>
                   <a:rPr lang="en-US" sz="1800" dirty="0"/>
-                  <a:t>False Not </a:t>
-                </a:r>
-                <a:r>
-                  <a:rPr lang="en-US" sz="1800" dirty="0" smtClean="0"/>
-                  <a:t>Discovered Links</a:t>
+                  <a:t>FNDL: False Not Discovered Links</a:t>
                 </a:r>
               </a:p>
               <a:p>
                 <a:pPr marL="0" indent="0">
                   <a:buNone/>
                 </a:pPr>
-                <a:endParaRPr lang="en-US" dirty="0" smtClean="0"/>
+                <a:endParaRPr lang="en-US" dirty="0"/>
               </a:p>
               <a:p>
                 <a:pPr marL="0" indent="0" algn="ctr">
                   <a:buNone/>
                 </a:pPr>
                 <a:r>
-                  <a:rPr lang="en-US" dirty="0" smtClean="0">
+                  <a:rPr lang="en-US" dirty="0">
                     <a:solidFill>
                       <a:srgbClr val="C00000"/>
                     </a:solidFill>
@@ -20435,16 +19240,6 @@
                   <a:t>Guaranteed </a:t>
                 </a:r>
                 <a:r>
-                  <a:rPr lang="en-US" b="1" dirty="0" smtClean="0">
-                    <a:solidFill>
-                      <a:srgbClr val="C00000"/>
-                    </a:solidFill>
-                    <a:ea typeface="Verdana" pitchFamily="34" charset="0"/>
-                    <a:cs typeface="Verdana" pitchFamily="34" charset="0"/>
-                  </a:rPr>
-                  <a:t>100</a:t>
-                </a:r>
-                <a:r>
                   <a:rPr lang="en-US" b="1" dirty="0">
                     <a:solidFill>
                       <a:srgbClr val="C00000"/>
@@ -20452,7 +19247,7 @@
                     <a:ea typeface="Verdana" pitchFamily="34" charset="0"/>
                     <a:cs typeface="Verdana" pitchFamily="34" charset="0"/>
                   </a:rPr>
-                  <a:t>%</a:t>
+                  <a:t>100%</a:t>
                 </a:r>
                 <a:r>
                   <a:rPr lang="en-US" dirty="0">
@@ -20479,7 +19274,7 @@
                 <a:pPr marL="0" indent="0">
                   <a:buNone/>
                 </a:pPr>
-                <a:endParaRPr lang="en-US" dirty="0" smtClean="0"/>
+                <a:endParaRPr lang="en-US" dirty="0"/>
               </a:p>
               <a:p>
                 <a:endParaRPr lang="en-US" dirty="0"/>
@@ -20536,7 +19331,7 @@
           <a:blip r:embed="rId3" cstate="print">
             <a:extLst>
               <a:ext uri="{28A0092B-C50C-407E-A947-70E740481C1C}">
-                <a14:useLocalDpi xmlns:a14="http://schemas.microsoft.com/office/drawing/2010/main" val="0"/>
+                <a14:useLocalDpi xmlns:a14="http://schemas.microsoft.com/office/drawing/2010/main"/>
               </a:ext>
             </a:extLst>
           </a:blip>
@@ -20575,13 +19370,6 @@
   <p:clrMapOvr>
     <a:masterClrMapping/>
   </p:clrMapOvr>
-  <p:timing>
-    <p:tnLst>
-      <p:par>
-        <p:cTn id="1" dur="indefinite" restart="never" nodeType="tmRoot"/>
-      </p:par>
-    </p:tnLst>
-  </p:timing>
 </p:sld>
 </file>
 
@@ -20687,10 +19475,9 @@
           </a:p>
           <a:p>
             <a:r>
-              <a:rPr lang="en-US" dirty="0" smtClean="0"/>
+              <a:rPr lang="en-US" dirty="0"/>
               <a:t>Conclusions</a:t>
             </a:r>
-            <a:endParaRPr lang="en-US" dirty="0"/>
           </a:p>
         </p:txBody>
       </p:sp>
@@ -20710,7 +19497,7 @@
           <a:lstStyle/>
           <a:p>
             <a:r>
-              <a:rPr lang="en-US" smtClean="0"/>
+              <a:rPr lang="en-US"/>
               <a:t>12/04/2016</a:t>
             </a:r>
             <a:endParaRPr lang="en-US" dirty="0"/>
@@ -20734,7 +19521,7 @@
           <a:p>
             <a:pPr algn="ctr"/>
             <a:r>
-              <a:rPr lang="en-US" smtClean="0"/>
+              <a:rPr lang="en-US"/>
               <a:t>Discovering Spatial and Temporal Links among RDF Data</a:t>
             </a:r>
             <a:endParaRPr lang="en-US" dirty="0"/>
@@ -20776,13 +19563,6 @@
   <p:clrMapOvr>
     <a:masterClrMapping/>
   </p:clrMapOvr>
-  <p:timing>
-    <p:tnLst>
-      <p:par>
-        <p:cTn id="1" dur="indefinite" restart="never" nodeType="tmRoot"/>
-      </p:par>
-    </p:tnLst>
-  </p:timing>
 </p:sld>
 </file>
 
@@ -20819,7 +19599,7 @@
           <a:lstStyle/>
           <a:p>
             <a:r>
-              <a:rPr lang="en-US" smtClean="0"/>
+              <a:rPr lang="en-US"/>
               <a:t>12/04/2016</a:t>
             </a:r>
             <a:endParaRPr lang="en-US" dirty="0"/>
@@ -20843,7 +19623,7 @@
           <a:p>
             <a:pPr algn="ctr"/>
             <a:r>
-              <a:rPr lang="en-US" smtClean="0"/>
+              <a:rPr lang="en-US"/>
               <a:t>Discovering Spatial and Temporal Links among RDF Data</a:t>
             </a:r>
             <a:endParaRPr lang="en-US" dirty="0"/>
@@ -20909,7 +19689,7 @@
           <a:blip r:embed="rId2" cstate="print">
             <a:extLst>
               <a:ext uri="{28A0092B-C50C-407E-A947-70E740481C1C}">
-                <a14:useLocalDpi xmlns:a14="http://schemas.microsoft.com/office/drawing/2010/main" val="0"/>
+                <a14:useLocalDpi xmlns:a14="http://schemas.microsoft.com/office/drawing/2010/main"/>
               </a:ext>
             </a:extLst>
           </a:blip>
@@ -20937,13 +19717,6 @@
   <p:clrMapOvr>
     <a:masterClrMapping/>
   </p:clrMapOvr>
-  <p:timing>
-    <p:tnLst>
-      <p:par>
-        <p:cTn id="1" dur="indefinite" restart="never" nodeType="tmRoot"/>
-      </p:par>
-    </p:tnLst>
-  </p:timing>
 </p:sld>
 </file>
 
@@ -20980,7 +19753,7 @@
           <a:lstStyle/>
           <a:p>
             <a:r>
-              <a:rPr lang="en-US" smtClean="0"/>
+              <a:rPr lang="en-US"/>
               <a:t>12/04/2016</a:t>
             </a:r>
             <a:endParaRPr lang="en-US" dirty="0"/>
@@ -21004,7 +19777,7 @@
           <a:p>
             <a:pPr algn="ctr"/>
             <a:r>
-              <a:rPr lang="en-US" smtClean="0"/>
+              <a:rPr lang="en-US"/>
               <a:t>Discovering Spatial and Temporal Links among RDF Data</a:t>
             </a:r>
             <a:endParaRPr lang="en-US" dirty="0"/>
@@ -21081,11 +19854,11 @@
           <a:lstStyle/>
           <a:p>
             <a:r>
-              <a:rPr lang="en-US" dirty="0" smtClean="0"/>
+              <a:rPr lang="en-US" dirty="0"/>
               <a:t>Implemented as </a:t>
             </a:r>
             <a:r>
-              <a:rPr lang="en-US" b="1" dirty="0" smtClean="0"/>
+              <a:rPr lang="en-US" b="1" dirty="0"/>
               <a:t>Plugins</a:t>
             </a:r>
           </a:p>
@@ -21105,17 +19878,10 @@
                 <a:ea typeface="Verdana" pitchFamily="34" charset="0"/>
                 <a:cs typeface="Verdana" pitchFamily="34" charset="0"/>
               </a:rPr>
-              <a:t> to all the applications of </a:t>
-            </a:r>
-            <a:r>
-              <a:rPr lang="en-US" dirty="0" smtClean="0">
-                <a:ea typeface="Verdana" pitchFamily="34" charset="0"/>
-                <a:cs typeface="Verdana" pitchFamily="34" charset="0"/>
-              </a:rPr>
-              <a:t>Silk (Single Machine, </a:t>
-            </a:r>
-            <a:r>
-              <a:rPr lang="en-US" dirty="0" err="1" smtClean="0">
+              <a:t> to all the applications of Silk (Single Machine, </a:t>
+            </a:r>
+            <a:r>
+              <a:rPr lang="en-US" dirty="0" err="1">
                 <a:ea typeface="Verdana" pitchFamily="34" charset="0"/>
                 <a:cs typeface="Verdana" pitchFamily="34" charset="0"/>
               </a:rPr>
@@ -21126,36 +19892,22 @@
                 <a:ea typeface="Verdana" pitchFamily="34" charset="0"/>
                 <a:cs typeface="Verdana" pitchFamily="34" charset="0"/>
               </a:rPr>
-              <a:t> </a:t>
-            </a:r>
-            <a:r>
-              <a:rPr lang="en-US" dirty="0" smtClean="0">
-                <a:ea typeface="Verdana" pitchFamily="34" charset="0"/>
-                <a:cs typeface="Verdana" pitchFamily="34" charset="0"/>
-              </a:rPr>
-              <a:t>and Workbench)</a:t>
-            </a:r>
-          </a:p>
-          <a:p>
-            <a:endParaRPr lang="en-US" dirty="0" smtClean="0">
+              <a:t> and Workbench)</a:t>
+            </a:r>
+          </a:p>
+          <a:p>
+            <a:endParaRPr lang="en-US" dirty="0">
               <a:ea typeface="Verdana" pitchFamily="34" charset="0"/>
               <a:cs typeface="Verdana" pitchFamily="34" charset="0"/>
             </a:endParaRPr>
           </a:p>
           <a:p>
             <a:r>
-              <a:rPr lang="en-US" dirty="0" smtClean="0">
-                <a:ea typeface="Verdana" pitchFamily="34" charset="0"/>
-                <a:cs typeface="Verdana" pitchFamily="34" charset="0"/>
-              </a:rPr>
-              <a:t>Included in the </a:t>
-            </a:r>
-            <a:r>
               <a:rPr lang="en-US" dirty="0">
                 <a:ea typeface="Verdana" pitchFamily="34" charset="0"/>
                 <a:cs typeface="Verdana" pitchFamily="34" charset="0"/>
               </a:rPr>
-              <a:t>the </a:t>
+              <a:t>Included in the the </a:t>
             </a:r>
             <a:r>
               <a:rPr lang="en-US" b="1" dirty="0">
@@ -21169,18 +19921,11 @@
                 <a:ea typeface="Verdana" pitchFamily="34" charset="0"/>
                 <a:cs typeface="Verdana" pitchFamily="34" charset="0"/>
               </a:rPr>
-              <a:t> Silk distribution </a:t>
-            </a:r>
-            <a:r>
-              <a:rPr lang="en-US" dirty="0" smtClean="0">
-                <a:ea typeface="Verdana" pitchFamily="34" charset="0"/>
-                <a:cs typeface="Verdana" pitchFamily="34" charset="0"/>
-              </a:rPr>
-              <a:t>(from release 2.6.1 and above)</a:t>
-            </a:r>
-          </a:p>
-          <a:p>
-            <a:endParaRPr lang="en-US" dirty="0" smtClean="0">
+              <a:t> Silk distribution (from release 2.6.1 and above)</a:t>
+            </a:r>
+          </a:p>
+          <a:p>
+            <a:endParaRPr lang="en-US" dirty="0">
               <a:ea typeface="Verdana" pitchFamily="34" charset="0"/>
               <a:cs typeface="Verdana" pitchFamily="34" charset="0"/>
             </a:endParaRPr>
@@ -21192,15 +19937,7 @@
                 <a:cs typeface="Verdana" pitchFamily="34" charset="0"/>
                 <a:hlinkClick r:id="rId2"/>
               </a:rPr>
-              <a:t>https://</a:t>
-            </a:r>
-            <a:r>
-              <a:rPr lang="en-US" dirty="0" smtClean="0">
-                <a:ea typeface="Verdana" pitchFamily="34" charset="0"/>
-                <a:cs typeface="Verdana" pitchFamily="34" charset="0"/>
-                <a:hlinkClick r:id="rId2"/>
-              </a:rPr>
-              <a:t>github.com/silk-framework/silk</a:t>
+              <a:t>https://github.com/silk-framework/silk</a:t>
             </a:r>
             <a:endParaRPr lang="en-US" dirty="0">
               <a:ea typeface="Verdana" pitchFamily="34" charset="0"/>
@@ -21224,7 +19961,7 @@
           <a:blip r:embed="rId3" cstate="print">
             <a:extLst>
               <a:ext uri="{28A0092B-C50C-407E-A947-70E740481C1C}">
-                <a14:useLocalDpi xmlns:a14="http://schemas.microsoft.com/office/drawing/2010/main" val="0"/>
+                <a14:useLocalDpi xmlns:a14="http://schemas.microsoft.com/office/drawing/2010/main"/>
               </a:ext>
             </a:extLst>
           </a:blip>
@@ -21252,13 +19989,6 @@
   <p:clrMapOvr>
     <a:masterClrMapping/>
   </p:clrMapOvr>
-  <p:timing>
-    <p:tnLst>
-      <p:par>
-        <p:cTn id="1" dur="indefinite" restart="never" nodeType="tmRoot"/>
-      </p:par>
-    </p:tnLst>
-  </p:timing>
 </p:sld>
 </file>
 
@@ -21364,10 +20094,9 @@
           </a:p>
           <a:p>
             <a:r>
-              <a:rPr lang="en-US" dirty="0" smtClean="0"/>
+              <a:rPr lang="en-US" dirty="0"/>
               <a:t>Conclusions</a:t>
             </a:r>
-            <a:endParaRPr lang="en-US" dirty="0"/>
           </a:p>
         </p:txBody>
       </p:sp>
@@ -21387,7 +20116,7 @@
           <a:lstStyle/>
           <a:p>
             <a:r>
-              <a:rPr lang="en-US" smtClean="0"/>
+              <a:rPr lang="en-US"/>
               <a:t>12/04/2016</a:t>
             </a:r>
             <a:endParaRPr lang="en-US" dirty="0"/>
@@ -21411,7 +20140,7 @@
           <a:p>
             <a:pPr algn="ctr"/>
             <a:r>
-              <a:rPr lang="en-US" smtClean="0"/>
+              <a:rPr lang="en-US"/>
               <a:t>Discovering Spatial and Temporal Links among RDF Data</a:t>
             </a:r>
             <a:endParaRPr lang="en-US" dirty="0"/>
@@ -21453,13 +20182,6 @@
   <p:clrMapOvr>
     <a:masterClrMapping/>
   </p:clrMapOvr>
-  <p:timing>
-    <p:tnLst>
-      <p:par>
-        <p:cTn id="1" dur="indefinite" restart="never" nodeType="tmRoot"/>
-      </p:par>
-    </p:tnLst>
-  </p:timing>
 </p:sld>
 </file>
 
@@ -21496,7 +20218,7 @@
           <a:lstStyle/>
           <a:p>
             <a:r>
-              <a:rPr lang="en-US" smtClean="0"/>
+              <a:rPr lang="en-US"/>
               <a:t>12/04/2016</a:t>
             </a:r>
             <a:endParaRPr lang="en-US" dirty="0"/>
@@ -21520,7 +20242,7 @@
           <a:p>
             <a:pPr algn="ctr"/>
             <a:r>
-              <a:rPr lang="en-US" smtClean="0"/>
+              <a:rPr lang="en-US"/>
               <a:t>Discovering Spatial and Temporal Links among RDF Data</a:t>
             </a:r>
             <a:endParaRPr lang="en-US" dirty="0"/>
@@ -21570,10 +20292,9 @@
           <a:lstStyle/>
           <a:p>
             <a:r>
-              <a:rPr lang="en-US" dirty="0" smtClean="0"/>
+              <a:rPr lang="en-US" dirty="0"/>
               <a:t>Real-world Scenario (Fire Monitoring)</a:t>
             </a:r>
-            <a:endParaRPr lang="en-US" dirty="0"/>
           </a:p>
         </p:txBody>
       </p:sp>
@@ -21595,46 +20316,40 @@
           <a:lstStyle/>
           <a:p>
             <a:r>
-              <a:rPr lang="en-US" dirty="0" smtClean="0"/>
+              <a:rPr lang="en-US" dirty="0"/>
               <a:t>Which fires (hotspots) threaten forests?</a:t>
             </a:r>
+          </a:p>
+          <a:p>
+            <a:r>
+              <a:rPr lang="en-US" dirty="0"/>
+              <a:t>Which municipalities are threatened by fires?</a:t>
+            </a:r>
+          </a:p>
+          <a:p>
             <a:endParaRPr lang="en-US" dirty="0"/>
           </a:p>
           <a:p>
-            <a:r>
-              <a:rPr lang="en-US" dirty="0" smtClean="0"/>
-              <a:t>Which municipalities are threatened by fires?</a:t>
-            </a:r>
             <a:endParaRPr lang="en-US" dirty="0"/>
           </a:p>
           <a:p>
-            <a:endParaRPr lang="en-US" dirty="0" smtClean="0"/>
-          </a:p>
-          <a:p>
-            <a:endParaRPr lang="en-US" dirty="0" smtClean="0"/>
-          </a:p>
-          <a:p>
             <a:endParaRPr lang="en-US" dirty="0"/>
           </a:p>
           <a:p>
-            <a:endParaRPr lang="en-US" dirty="0" smtClean="0"/>
+            <a:endParaRPr lang="en-US" dirty="0"/>
           </a:p>
           <a:p>
             <a:pPr marL="0" indent="0">
               <a:buNone/>
             </a:pPr>
-            <a:r>
-              <a:rPr lang="en-US" dirty="0" smtClean="0"/>
-              <a:t/>
-            </a:r>
             <a:br>
-              <a:rPr lang="en-US" dirty="0" smtClean="0"/>
+              <a:rPr lang="en-US" dirty="0"/>
             </a:br>
-            <a:endParaRPr lang="en-US" dirty="0" smtClean="0"/>
+            <a:endParaRPr lang="en-US" dirty="0"/>
           </a:p>
           <a:p>
             <a:pPr lvl="1"/>
-            <a:endParaRPr lang="en-US" sz="2300" dirty="0" smtClean="0">
+            <a:endParaRPr lang="en-US" sz="2300" dirty="0">
               <a:solidFill>
                 <a:srgbClr val="C00000"/>
               </a:solidFill>
@@ -21642,49 +20357,49 @@
           </a:p>
           <a:p>
             <a:pPr lvl="1"/>
-            <a:endParaRPr lang="en-US" sz="2300" dirty="0" smtClean="0">
+            <a:endParaRPr lang="en-US" sz="2300" dirty="0">
               <a:solidFill>
                 <a:srgbClr val="C00000"/>
               </a:solidFill>
             </a:endParaRPr>
           </a:p>
           <a:p>
-            <a:endParaRPr lang="en-US" sz="2700" dirty="0" smtClean="0"/>
-          </a:p>
-          <a:p>
             <a:endParaRPr lang="en-US" sz="2700" dirty="0"/>
           </a:p>
           <a:p>
-            <a:r>
-              <a:rPr lang="en-US" sz="2700" dirty="0" smtClean="0"/>
+            <a:endParaRPr lang="en-US" sz="2700" dirty="0"/>
+          </a:p>
+          <a:p>
+            <a:r>
+              <a:rPr lang="en-US" sz="2700" dirty="0"/>
               <a:t>Using </a:t>
             </a:r>
             <a:r>
-              <a:rPr lang="en-US" sz="2700" b="1" dirty="0" smtClean="0"/>
+              <a:rPr lang="en-US" sz="2700" b="1" dirty="0"/>
               <a:t>Silk</a:t>
             </a:r>
             <a:r>
-              <a:rPr lang="en-US" sz="2700" dirty="0" smtClean="0"/>
+              <a:rPr lang="en-US" sz="2700" dirty="0"/>
               <a:t>: Discover the relation </a:t>
             </a:r>
             <a:r>
-              <a:rPr lang="en-US" sz="2700" b="1" dirty="0" smtClean="0"/>
+              <a:rPr lang="en-US" sz="2700" b="1" dirty="0"/>
               <a:t>intersects </a:t>
             </a:r>
             <a:r>
-              <a:rPr lang="en-US" sz="2700" dirty="0" smtClean="0"/>
+              <a:rPr lang="en-US" sz="2700" dirty="0"/>
               <a:t>between</a:t>
             </a:r>
             <a:r>
-              <a:rPr lang="en-US" sz="2700" b="1" dirty="0" smtClean="0"/>
+              <a:rPr lang="en-US" sz="2700" b="1" dirty="0"/>
               <a:t> HG-GAG </a:t>
             </a:r>
             <a:r>
-              <a:rPr lang="en-US" sz="2700" dirty="0" smtClean="0"/>
+              <a:rPr lang="en-US" sz="2700" dirty="0"/>
               <a:t>and</a:t>
             </a:r>
             <a:r>
-              <a:rPr lang="en-US" sz="2700" b="1" dirty="0" smtClean="0"/>
+              <a:rPr lang="en-US" sz="2700" b="1" dirty="0"/>
               <a:t> HG-CLCG</a:t>
             </a:r>
           </a:p>
@@ -21715,12 +20430,48 @@
                 <a:tableStyleId>{5C22544A-7EE6-4342-B048-85BDC9FD1C3A}</a:tableStyleId>
               </a:tblPr>
               <a:tblGrid>
-                <a:gridCol w="2445010"/>
-                <a:gridCol w="1103720"/>
-                <a:gridCol w="1113066"/>
-                <a:gridCol w="1192572"/>
-                <a:gridCol w="1033565"/>
-                <a:gridCol w="1113066"/>
+                <a:gridCol w="2445010">
+                  <a:extLst>
+                    <a:ext uri="{9D8B030D-6E8A-4147-A177-3AD203B41FA5}">
+                      <a16:colId xmlns:a16="http://schemas.microsoft.com/office/drawing/2014/main" val="20000"/>
+                    </a:ext>
+                  </a:extLst>
+                </a:gridCol>
+                <a:gridCol w="1103720">
+                  <a:extLst>
+                    <a:ext uri="{9D8B030D-6E8A-4147-A177-3AD203B41FA5}">
+                      <a16:colId xmlns:a16="http://schemas.microsoft.com/office/drawing/2014/main" val="20001"/>
+                    </a:ext>
+                  </a:extLst>
+                </a:gridCol>
+                <a:gridCol w="1113066">
+                  <a:extLst>
+                    <a:ext uri="{9D8B030D-6E8A-4147-A177-3AD203B41FA5}">
+                      <a16:colId xmlns:a16="http://schemas.microsoft.com/office/drawing/2014/main" val="20002"/>
+                    </a:ext>
+                  </a:extLst>
+                </a:gridCol>
+                <a:gridCol w="1192572">
+                  <a:extLst>
+                    <a:ext uri="{9D8B030D-6E8A-4147-A177-3AD203B41FA5}">
+                      <a16:colId xmlns:a16="http://schemas.microsoft.com/office/drawing/2014/main" val="20003"/>
+                    </a:ext>
+                  </a:extLst>
+                </a:gridCol>
+                <a:gridCol w="1033565">
+                  <a:extLst>
+                    <a:ext uri="{9D8B030D-6E8A-4147-A177-3AD203B41FA5}">
+                      <a16:colId xmlns:a16="http://schemas.microsoft.com/office/drawing/2014/main" val="20004"/>
+                    </a:ext>
+                  </a:extLst>
+                </a:gridCol>
+                <a:gridCol w="1113066">
+                  <a:extLst>
+                    <a:ext uri="{9D8B030D-6E8A-4147-A177-3AD203B41FA5}">
+                      <a16:colId xmlns:a16="http://schemas.microsoft.com/office/drawing/2014/main" val="20005"/>
+                    </a:ext>
+                  </a:extLst>
+                </a:gridCol>
               </a:tblGrid>
               <a:tr h="345938">
                 <a:tc rowSpan="2">
@@ -21730,10 +20481,9 @@
                     <a:p>
                       <a:pPr algn="l"/>
                       <a:r>
-                        <a:rPr lang="en-US" sz="1400" dirty="0" smtClean="0"/>
+                        <a:rPr lang="en-US" sz="1400" dirty="0"/>
                         <a:t>Dataset</a:t>
                       </a:r>
-                      <a:endParaRPr lang="en-US" sz="1400" dirty="0"/>
                     </a:p>
                   </a:txBody>
                   <a:tcPr anchor="b">
@@ -21782,10 +20532,9 @@
                     <a:p>
                       <a:pPr algn="l"/>
                       <a:r>
-                        <a:rPr lang="en-US" sz="1400" dirty="0" smtClean="0"/>
+                        <a:rPr lang="en-US" sz="1400" dirty="0"/>
                         <a:t>#Entities</a:t>
                       </a:r>
-                      <a:endParaRPr lang="en-US" sz="1400" dirty="0"/>
                     </a:p>
                   </a:txBody>
                   <a:tcPr anchor="b">
@@ -21834,10 +20583,9 @@
                     <a:p>
                       <a:pPr algn="l"/>
                       <a:r>
-                        <a:rPr lang="en-US" sz="1400" dirty="0" smtClean="0"/>
+                        <a:rPr lang="en-US" sz="1400" dirty="0"/>
                         <a:t>Geometries</a:t>
                       </a:r>
-                      <a:endParaRPr lang="en-US" sz="1400" dirty="0"/>
                     </a:p>
                   </a:txBody>
                   <a:tcPr>
@@ -21896,10 +20644,9 @@
                     <a:p>
                       <a:pPr algn="l"/>
                       <a:r>
-                        <a:rPr lang="en-US" sz="1400" dirty="0" smtClean="0"/>
+                        <a:rPr lang="en-US" sz="1400" dirty="0"/>
                         <a:t>Time Elements</a:t>
                       </a:r>
-                      <a:endParaRPr lang="en-US" sz="1400" dirty="0"/>
                     </a:p>
                   </a:txBody>
                   <a:tcPr>
@@ -21951,6 +20698,11 @@
                   </a:txBody>
                   <a:tcPr/>
                 </a:tc>
+                <a:extLst>
+                  <a:ext uri="{0D108BD9-81ED-4DB2-BD59-A6C34878D82A}">
+                    <a16:rowId xmlns:a16="http://schemas.microsoft.com/office/drawing/2014/main" val="10000"/>
+                  </a:ext>
+                </a:extLst>
               </a:tr>
               <a:tr h="345938">
                 <a:tc vMerge="1">
@@ -21980,18 +20732,13 @@
                     <a:p>
                       <a:pPr algn="l"/>
                       <a:r>
-                        <a:rPr lang="en-US" sz="1400" dirty="0" smtClean="0">
+                        <a:rPr lang="en-US" sz="1400" dirty="0">
                           <a:solidFill>
                             <a:schemeClr val="bg1"/>
                           </a:solidFill>
                         </a:rPr>
                         <a:t>Type</a:t>
                       </a:r>
-                      <a:endParaRPr lang="en-US" sz="1400" dirty="0">
-                        <a:solidFill>
-                          <a:schemeClr val="bg1"/>
-                        </a:solidFill>
-                      </a:endParaRPr>
                     </a:p>
                   </a:txBody>
                   <a:tcPr anchor="b">
@@ -22043,18 +20790,13 @@
                     <a:p>
                       <a:pPr algn="l"/>
                       <a:r>
-                        <a:rPr lang="en-US" sz="1400" dirty="0" smtClean="0">
+                        <a:rPr lang="en-US" sz="1400" dirty="0">
                           <a:solidFill>
                             <a:schemeClr val="bg1"/>
                           </a:solidFill>
                         </a:rPr>
                         <a:t>#Points</a:t>
                       </a:r>
-                      <a:endParaRPr lang="en-US" sz="1400" dirty="0">
-                        <a:solidFill>
-                          <a:schemeClr val="bg1"/>
-                        </a:solidFill>
-                      </a:endParaRPr>
                     </a:p>
                   </a:txBody>
                   <a:tcPr anchor="b">
@@ -22106,18 +20848,13 @@
                     <a:p>
                       <a:pPr algn="l"/>
                       <a:r>
-                        <a:rPr lang="en-US" sz="1400" dirty="0" smtClean="0">
+                        <a:rPr lang="en-US" sz="1400" dirty="0">
                           <a:solidFill>
                             <a:schemeClr val="bg1"/>
                           </a:solidFill>
                         </a:rPr>
                         <a:t>Type</a:t>
                       </a:r>
-                      <a:endParaRPr lang="en-US" sz="1400" dirty="0">
-                        <a:solidFill>
-                          <a:schemeClr val="bg1"/>
-                        </a:solidFill>
-                      </a:endParaRPr>
                     </a:p>
                   </a:txBody>
                   <a:tcPr anchor="b">
@@ -22169,18 +20906,13 @@
                     <a:p>
                       <a:pPr algn="l"/>
                       <a:r>
-                        <a:rPr lang="en-US" sz="1400" dirty="0" smtClean="0">
+                        <a:rPr lang="en-US" sz="1400" dirty="0">
                           <a:solidFill>
                             <a:schemeClr val="bg1"/>
                           </a:solidFill>
                         </a:rPr>
                         <a:t>#Instants</a:t>
                       </a:r>
-                      <a:endParaRPr lang="en-US" sz="1400" dirty="0">
-                        <a:solidFill>
-                          <a:schemeClr val="bg1"/>
-                        </a:solidFill>
-                      </a:endParaRPr>
                     </a:p>
                   </a:txBody>
                   <a:tcPr anchor="b">
@@ -22225,6 +20957,11 @@
                     </a:solidFill>
                   </a:tcPr>
                 </a:tc>
+                <a:extLst>
+                  <a:ext uri="{0D108BD9-81ED-4DB2-BD59-A6C34878D82A}">
+                    <a16:rowId xmlns:a16="http://schemas.microsoft.com/office/drawing/2014/main" val="10001"/>
+                  </a:ext>
+                </a:extLst>
               </a:tr>
               <a:tr h="830254">
                 <a:tc>
@@ -22234,7 +20971,7 @@
                     <a:p>
                       <a:pPr algn="l"/>
                       <a:r>
-                        <a:rPr lang="en-US" sz="1400" dirty="0" smtClean="0"/>
+                        <a:rPr lang="en-US" sz="1400" dirty="0"/>
                         <a:t>Municipalities from Greek Administrative Geography (GAG)</a:t>
                       </a:r>
                     </a:p>
@@ -22285,10 +21022,9 @@
                     <a:p>
                       <a:pPr algn="l"/>
                       <a:r>
-                        <a:rPr lang="en-US" sz="1400" dirty="0" smtClean="0"/>
+                        <a:rPr lang="en-US" sz="1400" dirty="0"/>
                         <a:t>325</a:t>
                       </a:r>
-                      <a:endParaRPr lang="en-US" sz="1400" dirty="0"/>
                     </a:p>
                   </a:txBody>
                   <a:tcPr anchor="ctr">
@@ -22337,7 +21073,7 @@
                     <a:p>
                       <a:pPr algn="l"/>
                       <a:r>
-                        <a:rPr lang="en-US" sz="1400" dirty="0" smtClean="0"/>
+                        <a:rPr lang="en-US" sz="1400" dirty="0"/>
                         <a:t>Polygons</a:t>
                       </a:r>
                     </a:p>
@@ -22404,7 +21140,7 @@
                         <a:defRPr/>
                       </a:pPr>
                       <a:r>
-                        <a:rPr lang="en-US" sz="1400" dirty="0" smtClean="0"/>
+                        <a:rPr lang="en-US" sz="1400" dirty="0"/>
                         <a:t>979,929</a:t>
                       </a:r>
                     </a:p>
@@ -22455,7 +21191,7 @@
                     <a:p>
                       <a:pPr algn="l"/>
                       <a:r>
-                        <a:rPr lang="en-US" sz="1400" dirty="0" smtClean="0"/>
+                        <a:rPr lang="en-US" sz="1400" dirty="0"/>
                         <a:t>Periods</a:t>
                       </a:r>
                     </a:p>
@@ -22506,7 +21242,7 @@
                     <a:p>
                       <a:pPr algn="l"/>
                       <a:r>
-                        <a:rPr lang="en-US" sz="1400" dirty="0" smtClean="0"/>
+                        <a:rPr lang="en-US" sz="1400" dirty="0"/>
                         <a:t>650</a:t>
                       </a:r>
                     </a:p>
@@ -22550,6 +21286,11 @@
                     </a:lnB>
                   </a:tcPr>
                 </a:tc>
+                <a:extLst>
+                  <a:ext uri="{0D108BD9-81ED-4DB2-BD59-A6C34878D82A}">
+                    <a16:rowId xmlns:a16="http://schemas.microsoft.com/office/drawing/2014/main" val="10002"/>
+                  </a:ext>
+                </a:extLst>
               </a:tr>
               <a:tr h="821387">
                 <a:tc>
@@ -22559,7 +21300,7 @@
                     <a:p>
                       <a:pPr algn="l"/>
                       <a:r>
-                        <a:rPr lang="en-US" sz="1400" dirty="0" smtClean="0"/>
+                        <a:rPr lang="en-US" sz="1400" dirty="0"/>
                         <a:t>Forests from CORINE Land Cover of Greece (CLCG)</a:t>
                       </a:r>
                     </a:p>
@@ -22610,10 +21351,9 @@
                     <a:p>
                       <a:pPr algn="l"/>
                       <a:r>
-                        <a:rPr lang="en-US" sz="1400" dirty="0" smtClean="0"/>
+                        <a:rPr lang="en-US" sz="1400" dirty="0"/>
                         <a:t>4,868</a:t>
                       </a:r>
-                      <a:endParaRPr lang="en-US" sz="1400" dirty="0"/>
                     </a:p>
                   </a:txBody>
                   <a:tcPr anchor="ctr">
@@ -22662,7 +21402,7 @@
                     <a:p>
                       <a:pPr algn="l"/>
                       <a:r>
-                        <a:rPr lang="en-US" sz="1400" dirty="0" smtClean="0"/>
+                        <a:rPr lang="en-US" sz="1400" dirty="0"/>
                         <a:t>Polygons</a:t>
                       </a:r>
                     </a:p>
@@ -22729,7 +21469,7 @@
                         <a:defRPr/>
                       </a:pPr>
                       <a:r>
-                        <a:rPr lang="en-US" sz="1400" dirty="0" smtClean="0"/>
+                        <a:rPr lang="en-US" sz="1400" dirty="0"/>
                         <a:t>8,004,058</a:t>
                       </a:r>
                     </a:p>
@@ -22780,7 +21520,7 @@
                     <a:p>
                       <a:pPr algn="l"/>
                       <a:r>
-                        <a:rPr lang="en-US" sz="1400" dirty="0" smtClean="0"/>
+                        <a:rPr lang="en-US" sz="1400" dirty="0"/>
                         <a:t>Periods</a:t>
                       </a:r>
                     </a:p>
@@ -22831,7 +21571,7 @@
                     <a:p>
                       <a:pPr algn="l"/>
                       <a:r>
-                        <a:rPr lang="en-US" sz="1400" dirty="0" smtClean="0"/>
+                        <a:rPr lang="en-US" sz="1400" dirty="0"/>
                         <a:t>9,736</a:t>
                       </a:r>
                     </a:p>
@@ -22875,6 +21615,11 @@
                     </a:lnB>
                   </a:tcPr>
                 </a:tc>
+                <a:extLst>
+                  <a:ext uri="{0D108BD9-81ED-4DB2-BD59-A6C34878D82A}">
+                    <a16:rowId xmlns:a16="http://schemas.microsoft.com/office/drawing/2014/main" val="10003"/>
+                  </a:ext>
+                </a:extLst>
               </a:tr>
               <a:tr h="475882">
                 <a:tc>
@@ -22884,7 +21629,7 @@
                     <a:p>
                       <a:pPr algn="l"/>
                       <a:r>
-                        <a:rPr lang="en-US" sz="1400" dirty="0" smtClean="0"/>
+                        <a:rPr lang="en-US" sz="1400" dirty="0"/>
                         <a:t>Hotspots of Greece (HG)</a:t>
                       </a:r>
                     </a:p>
@@ -22935,10 +21680,9 @@
                     <a:p>
                       <a:pPr algn="l"/>
                       <a:r>
-                        <a:rPr lang="en-US" sz="1400" dirty="0" smtClean="0"/>
+                        <a:rPr lang="en-US" sz="1400" dirty="0"/>
                         <a:t>37,048</a:t>
                       </a:r>
-                      <a:endParaRPr lang="en-US" sz="1400" dirty="0"/>
                     </a:p>
                   </a:txBody>
                   <a:tcPr anchor="ctr">
@@ -22987,7 +21731,7 @@
                     <a:p>
                       <a:pPr algn="l"/>
                       <a:r>
-                        <a:rPr lang="en-US" sz="1400" dirty="0" smtClean="0"/>
+                        <a:rPr lang="en-US" sz="1400" dirty="0"/>
                         <a:t>Polygons</a:t>
                       </a:r>
                     </a:p>
@@ -23038,10 +21782,9 @@
                     <a:p>
                       <a:pPr algn="l"/>
                       <a:r>
-                        <a:rPr lang="en-US" sz="1400" dirty="0" smtClean="0"/>
+                        <a:rPr lang="en-US" sz="1400" dirty="0"/>
                         <a:t>148,192</a:t>
                       </a:r>
-                      <a:endParaRPr lang="en-US" sz="1400" dirty="0"/>
                     </a:p>
                   </a:txBody>
                   <a:tcPr anchor="ctr">
@@ -23090,7 +21833,7 @@
                     <a:p>
                       <a:pPr algn="l"/>
                       <a:r>
-                        <a:rPr lang="en-US" sz="1400" dirty="0" smtClean="0"/>
+                        <a:rPr lang="en-US" sz="1400" dirty="0"/>
                         <a:t>Instants</a:t>
                       </a:r>
                     </a:p>
@@ -23141,7 +21884,7 @@
                     <a:p>
                       <a:pPr algn="l"/>
                       <a:r>
-                        <a:rPr lang="en-US" sz="1400" dirty="0" smtClean="0"/>
+                        <a:rPr lang="en-US" sz="1400" dirty="0"/>
                         <a:t>37,048</a:t>
                       </a:r>
                     </a:p>
@@ -23185,6 +21928,11 @@
                     </a:lnB>
                   </a:tcPr>
                 </a:tc>
+                <a:extLst>
+                  <a:ext uri="{0D108BD9-81ED-4DB2-BD59-A6C34878D82A}">
+                    <a16:rowId xmlns:a16="http://schemas.microsoft.com/office/drawing/2014/main" val="10004"/>
+                  </a:ext>
+                </a:extLst>
               </a:tr>
             </a:tbl>
           </a:graphicData>
@@ -23200,13 +21948,6 @@
   <p:clrMapOvr>
     <a:masterClrMapping/>
   </p:clrMapOvr>
-  <p:timing>
-    <p:tnLst>
-      <p:par>
-        <p:cTn id="1" dur="indefinite" restart="never" nodeType="tmRoot"/>
-      </p:par>
-    </p:tnLst>
-  </p:timing>
 </p:sld>
 </file>
 
@@ -23243,10 +21984,10 @@
           <a:lstStyle/>
           <a:p>
             <a:r>
-              <a:rPr lang="en-US" smtClean="0"/>
+              <a:rPr lang="en-US"/>
               <a:t>12/04/2016</a:t>
             </a:r>
-            <a:endParaRPr lang="el-GR" dirty="0" smtClean="0"/>
+            <a:endParaRPr lang="el-GR" dirty="0"/>
           </a:p>
         </p:txBody>
       </p:sp>
@@ -23266,7 +22007,7 @@
           <a:lstStyle/>
           <a:p>
             <a:r>
-              <a:rPr lang="en-US" smtClean="0"/>
+              <a:rPr lang="en-US"/>
               <a:t>Discovering Spatial and Temporal Links among RDF Data</a:t>
             </a:r>
             <a:endParaRPr lang="en-US" dirty="0"/>
@@ -23317,13 +22058,8 @@
           <a:p>
             <a:r>
               <a:rPr lang="en-US" dirty="0"/>
-              <a:t>Real-world Scenario (Fire Monitoring</a:t>
-            </a:r>
-            <a:r>
-              <a:rPr lang="en-US" dirty="0" smtClean="0"/>
-              <a:t>)</a:t>
-            </a:r>
-            <a:endParaRPr lang="en-US" dirty="0"/>
+              <a:t>Real-world Scenario (Fire Monitoring)</a:t>
+            </a:r>
           </a:p>
         </p:txBody>
       </p:sp>
@@ -23341,7 +22077,7 @@
           <a:blip r:embed="rId2">
             <a:extLst>
               <a:ext uri="{28A0092B-C50C-407E-A947-70E740481C1C}">
-                <a14:useLocalDpi xmlns:a14="http://schemas.microsoft.com/office/drawing/2010/main" val="0"/>
+                <a14:useLocalDpi xmlns:a14="http://schemas.microsoft.com/office/drawing/2010/main"/>
               </a:ext>
             </a:extLst>
           </a:blip>
@@ -23427,16 +22163,12 @@
           <a:lstStyle/>
           <a:p>
             <a:r>
-              <a:rPr lang="en-US" sz="1400" b="1" dirty="0" smtClean="0">
+              <a:rPr lang="en-US" sz="1400" b="1" dirty="0">
                 <a:latin typeface="Helvetica" pitchFamily="34" charset="0"/>
                 <a:cs typeface="Helvetica" pitchFamily="34" charset="0"/>
               </a:rPr>
               <a:t>        Land Cover (CLCG)          Municipalities (GAG)          Fire (HG)</a:t>
             </a:r>
-            <a:endParaRPr lang="en-US" sz="1400" b="1" dirty="0">
-              <a:latin typeface="Helvetica" pitchFamily="34" charset="0"/>
-              <a:cs typeface="Helvetica" pitchFamily="34" charset="0"/>
-            </a:endParaRPr>
           </a:p>
         </p:txBody>
       </p:sp>
@@ -23702,7 +22434,7 @@
             </a:clrChange>
             <a:extLst>
               <a:ext uri="{28A0092B-C50C-407E-A947-70E740481C1C}">
-                <a14:useLocalDpi xmlns:a14="http://schemas.microsoft.com/office/drawing/2010/main" val="0"/>
+                <a14:useLocalDpi xmlns:a14="http://schemas.microsoft.com/office/drawing/2010/main"/>
               </a:ext>
             </a:extLst>
           </a:blip>
@@ -23840,7 +22572,7 @@
           <a:p>
             <a:pPr algn="ctr"/>
             <a:r>
-              <a:rPr lang="en-US" sz="2000" b="1" dirty="0" smtClean="0">
+              <a:rPr lang="en-US" sz="2000" b="1" dirty="0">
                 <a:solidFill>
                   <a:srgbClr val="7030A0"/>
                 </a:solidFill>
@@ -23910,13 +22642,6 @@
   <p:clrMapOvr>
     <a:masterClrMapping/>
   </p:clrMapOvr>
-  <p:timing>
-    <p:tnLst>
-      <p:par>
-        <p:cTn id="1" dur="indefinite" restart="never" nodeType="tmRoot"/>
-      </p:par>
-    </p:tnLst>
-  </p:timing>
 </p:sld>
 </file>
 
@@ -23953,7 +22678,7 @@
           <a:lstStyle/>
           <a:p>
             <a:r>
-              <a:rPr lang="en-US" smtClean="0"/>
+              <a:rPr lang="en-US"/>
               <a:t>12/04/2016</a:t>
             </a:r>
             <a:endParaRPr lang="en-US" dirty="0"/>
@@ -23977,7 +22702,7 @@
           <a:p>
             <a:pPr algn="ctr"/>
             <a:r>
-              <a:rPr lang="en-US" smtClean="0"/>
+              <a:rPr lang="en-US"/>
               <a:t>Discovering Spatial and Temporal Links among RDF Data</a:t>
             </a:r>
             <a:endParaRPr lang="en-US" dirty="0"/>
@@ -24028,13 +22753,8 @@
           <a:p>
             <a:r>
               <a:rPr lang="en-US" dirty="0"/>
-              <a:t>Environment of </a:t>
-            </a:r>
-            <a:r>
-              <a:rPr lang="en-US" dirty="0" smtClean="0"/>
-              <a:t>Experiments</a:t>
-            </a:r>
-            <a:endParaRPr lang="en-US" dirty="0"/>
+              <a:t>Environment of Experiments</a:t>
+            </a:r>
           </a:p>
         </p:txBody>
       </p:sp>
@@ -24057,138 +22777,64 @@
           <a:p>
             <a:r>
               <a:rPr lang="en-US" b="1" dirty="0"/>
-              <a:t>S</a:t>
-            </a:r>
-            <a:r>
-              <a:rPr lang="en-US" b="1" dirty="0" smtClean="0"/>
-              <a:t>ingle </a:t>
-            </a:r>
+              <a:t>Single machine environment</a:t>
+            </a:r>
+            <a:endParaRPr lang="en-US" dirty="0"/>
+          </a:p>
+          <a:p>
+            <a:pPr lvl="1"/>
+            <a:r>
+              <a:rPr lang="en-US" dirty="0"/>
+              <a:t>2 Intel Xeon E5620 processors, 12MB L3 cache, 2.4 GHz, 32 GB RAM, RAID-5. 4 disks, 32 MB cache, 7200 rpm</a:t>
+            </a:r>
+          </a:p>
+          <a:p>
+            <a:endParaRPr lang="en-US" b="1" dirty="0"/>
+          </a:p>
+          <a:p>
             <a:r>
               <a:rPr lang="en-US" b="1" dirty="0"/>
-              <a:t>machine </a:t>
-            </a:r>
-            <a:r>
-              <a:rPr lang="en-US" b="1" dirty="0" smtClean="0"/>
-              <a:t>environment</a:t>
+              <a:t>Distributed environment</a:t>
             </a:r>
             <a:endParaRPr lang="en-US" dirty="0"/>
           </a:p>
           <a:p>
             <a:pPr lvl="1"/>
             <a:r>
-              <a:rPr lang="en-US" dirty="0" smtClean="0"/>
-              <a:t>2 </a:t>
-            </a:r>
-            <a:r>
               <a:rPr lang="en-US" dirty="0"/>
-              <a:t>Intel Xeon E5620 </a:t>
-            </a:r>
-            <a:r>
-              <a:rPr lang="en-US" dirty="0" smtClean="0"/>
-              <a:t>processors, 12MB L3 cache, </a:t>
+              <a:t>cluster provided by the European Public Cloud Provider </a:t>
+            </a:r>
+            <a:r>
+              <a:rPr lang="en-US" dirty="0" err="1"/>
+              <a:t>Interoute</a:t>
             </a:r>
             <a:r>
               <a:rPr lang="en-US" dirty="0"/>
-              <a:t>2.4 GHz, 32 </a:t>
-            </a:r>
-            <a:r>
-              <a:rPr lang="en-US" dirty="0" smtClean="0"/>
-              <a:t>GB RAM, RAID-5. 4 disks, </a:t>
-            </a:r>
-            <a:r>
-              <a:rPr lang="en-US" dirty="0"/>
-              <a:t>32 </a:t>
-            </a:r>
-            <a:r>
-              <a:rPr lang="en-US" dirty="0" smtClean="0"/>
-              <a:t>MB cache, 7200 rpm</a:t>
-            </a:r>
-          </a:p>
-          <a:p>
-            <a:endParaRPr lang="en-US" b="1" dirty="0" smtClean="0"/>
-          </a:p>
-          <a:p>
-            <a:r>
-              <a:rPr lang="en-US" b="1" dirty="0" smtClean="0"/>
-              <a:t>Distributed environment</a:t>
-            </a:r>
-            <a:endParaRPr lang="en-US" dirty="0" smtClean="0"/>
-          </a:p>
-          <a:p>
-            <a:pPr lvl="1"/>
-            <a:r>
-              <a:rPr lang="en-US" dirty="0" smtClean="0"/>
-              <a:t>cluster provided by the European Public Cloud Provider </a:t>
-            </a:r>
-            <a:r>
-              <a:rPr lang="en-US" dirty="0" err="1" smtClean="0"/>
-              <a:t>Interoute</a:t>
-            </a:r>
-            <a:r>
-              <a:rPr lang="en-US" dirty="0"/>
-              <a:t> </a:t>
-            </a:r>
-            <a:r>
-              <a:rPr lang="en-US" dirty="0" smtClean="0"/>
-              <a:t>(1 Master </a:t>
-            </a:r>
-            <a:r>
-              <a:rPr lang="en-US" dirty="0"/>
-              <a:t>Node + 20 Slave </a:t>
-            </a:r>
-            <a:r>
-              <a:rPr lang="en-US" dirty="0" smtClean="0"/>
-              <a:t>Nodes: </a:t>
-            </a:r>
-            <a:r>
-              <a:rPr lang="en-US" dirty="0"/>
-              <a:t>2 CPUs, 4GB </a:t>
-            </a:r>
-            <a:r>
-              <a:rPr lang="en-US" dirty="0" smtClean="0"/>
-              <a:t>RAM, </a:t>
-            </a:r>
-            <a:r>
-              <a:rPr lang="en-US" dirty="0"/>
-              <a:t>10GB </a:t>
-            </a:r>
-            <a:r>
-              <a:rPr lang="en-US" dirty="0" smtClean="0"/>
-              <a:t>disk)</a:t>
-            </a:r>
-          </a:p>
-          <a:p>
-            <a:pPr lvl="2"/>
-            <a:endParaRPr lang="en-US" dirty="0" smtClean="0"/>
+              <a:t> (1 Master Node + 20 Slave Nodes: 2 CPUs, 4GB RAM, 10GB disk)</a:t>
+            </a:r>
           </a:p>
           <a:p>
             <a:pPr lvl="2"/>
             <a:endParaRPr lang="en-US" dirty="0"/>
           </a:p>
           <a:p>
+            <a:pPr lvl="2"/>
+            <a:endParaRPr lang="en-US" dirty="0"/>
+          </a:p>
+          <a:p>
             <a:r>
               <a:rPr lang="en-US" dirty="0"/>
-              <a:t>More </a:t>
-            </a:r>
-            <a:r>
-              <a:rPr lang="en-US" dirty="0" smtClean="0"/>
-              <a:t>details:</a:t>
-            </a:r>
-            <a:r>
-              <a:rPr lang="en-US" b="1" dirty="0" smtClean="0"/>
+              <a:t>More details:</a:t>
+            </a:r>
+            <a:r>
+              <a:rPr lang="en-US" b="1" dirty="0"/>
               <a:t> </a:t>
             </a:r>
             <a:r>
               <a:rPr lang="en-US" b="1" dirty="0">
                 <a:hlinkClick r:id="rId2"/>
               </a:rPr>
-              <a:t>http://</a:t>
-            </a:r>
-            <a:r>
-              <a:rPr lang="en-US" b="1" dirty="0" smtClean="0">
-                <a:hlinkClick r:id="rId2"/>
-              </a:rPr>
-              <a:t>silk.di.uoa.gr</a:t>
+              <a:t>http://silk.di.uoa.gr</a:t>
             </a:r>
             <a:endParaRPr lang="en-US" b="1" dirty="0"/>
           </a:p>
@@ -24204,13 +22850,6 @@
   <p:clrMapOvr>
     <a:masterClrMapping/>
   </p:clrMapOvr>
-  <p:timing>
-    <p:tnLst>
-      <p:par>
-        <p:cTn id="1" dur="indefinite" restart="never" nodeType="tmRoot"/>
-      </p:par>
-    </p:tnLst>
-  </p:timing>
 </p:sld>
 </file>
 
@@ -24247,10 +22886,10 @@
           <a:lstStyle/>
           <a:p>
             <a:r>
-              <a:rPr lang="en-US" smtClean="0"/>
+              <a:rPr lang="en-US"/>
               <a:t>12/04/2016</a:t>
             </a:r>
-            <a:endParaRPr lang="el-GR" dirty="0" smtClean="0"/>
+            <a:endParaRPr lang="el-GR" dirty="0"/>
           </a:p>
         </p:txBody>
       </p:sp>
@@ -24270,7 +22909,7 @@
           <a:lstStyle/>
           <a:p>
             <a:r>
-              <a:rPr lang="en-US" smtClean="0"/>
+              <a:rPr lang="en-US"/>
               <a:t>Discovering Spatial and Temporal Links among RDF Data</a:t>
             </a:r>
             <a:endParaRPr lang="en-US" dirty="0"/>
@@ -24321,21 +22960,16 @@
           <a:p>
             <a:r>
               <a:rPr lang="en-US" dirty="0"/>
-              <a:t>Experiment 1: Adjusting the Spatial Blocking </a:t>
-            </a:r>
-            <a:r>
-              <a:rPr lang="en-US" dirty="0" smtClean="0"/>
-              <a:t>Factor (</a:t>
-            </a:r>
-            <a:r>
-              <a:rPr lang="en-US" dirty="0" err="1" smtClean="0"/>
+              <a:t>Experiment 1: Adjusting the Spatial Blocking Factor (</a:t>
+            </a:r>
+            <a:r>
+              <a:rPr lang="en-US" dirty="0" err="1"/>
               <a:t>sbf</a:t>
             </a:r>
             <a:r>
-              <a:rPr lang="en-US" dirty="0" smtClean="0"/>
+              <a:rPr lang="en-US" dirty="0"/>
               <a:t>)</a:t>
             </a:r>
-            <a:endParaRPr lang="en-US" dirty="0"/>
           </a:p>
         </p:txBody>
       </p:sp>
@@ -24374,13 +23008,6 @@
   <p:clrMapOvr>
     <a:masterClrMapping/>
   </p:clrMapOvr>
-  <p:timing>
-    <p:tnLst>
-      <p:par>
-        <p:cTn id="1" dur="indefinite" restart="never" nodeType="tmRoot"/>
-      </p:par>
-    </p:tnLst>
-  </p:timing>
 </p:sld>
 </file>
 
@@ -24417,10 +23044,10 @@
           <a:lstStyle/>
           <a:p>
             <a:r>
-              <a:rPr lang="en-US" smtClean="0"/>
+              <a:rPr lang="en-US"/>
               <a:t>12/04/2016</a:t>
             </a:r>
-            <a:endParaRPr lang="el-GR" dirty="0" smtClean="0"/>
+            <a:endParaRPr lang="el-GR" dirty="0"/>
           </a:p>
         </p:txBody>
       </p:sp>
@@ -24440,7 +23067,7 @@
           <a:lstStyle/>
           <a:p>
             <a:r>
-              <a:rPr lang="en-US" smtClean="0"/>
+              <a:rPr lang="en-US"/>
               <a:t>Discovering Spatial and Temporal Links among RDF Data</a:t>
             </a:r>
             <a:endParaRPr lang="en-US" dirty="0"/>
@@ -24531,13 +23158,6 @@
   <p:clrMapOvr>
     <a:masterClrMapping/>
   </p:clrMapOvr>
-  <p:timing>
-    <p:tnLst>
-      <p:par>
-        <p:cTn id="1" dur="indefinite" restart="never" nodeType="tmRoot"/>
-      </p:par>
-    </p:tnLst>
-  </p:timing>
 </p:sld>
 </file>
 
@@ -24574,10 +23194,10 @@
           <a:lstStyle/>
           <a:p>
             <a:r>
-              <a:rPr lang="en-US" smtClean="0"/>
+              <a:rPr lang="en-US"/>
               <a:t>12/04/2016</a:t>
             </a:r>
-            <a:endParaRPr lang="el-GR" dirty="0" smtClean="0"/>
+            <a:endParaRPr lang="el-GR" dirty="0"/>
           </a:p>
         </p:txBody>
       </p:sp>
@@ -24597,7 +23217,7 @@
           <a:lstStyle/>
           <a:p>
             <a:r>
-              <a:rPr lang="en-US" smtClean="0"/>
+              <a:rPr lang="en-US"/>
               <a:t>Discovering Spatial and Temporal Links among RDF Data</a:t>
             </a:r>
             <a:endParaRPr lang="en-US" dirty="0"/>
@@ -24647,10 +23267,9 @@
           <a:lstStyle/>
           <a:p>
             <a:r>
-              <a:rPr lang="en-US" dirty="0" smtClean="0"/>
+              <a:rPr lang="en-US" dirty="0"/>
               <a:t>From Locations to Complex Geometries</a:t>
             </a:r>
-            <a:endParaRPr lang="en-US" dirty="0"/>
           </a:p>
         </p:txBody>
       </p:sp>
@@ -24672,169 +23291,155 @@
           <a:lstStyle/>
           <a:p>
             <a:r>
-              <a:rPr lang="en-US" dirty="0" err="1" smtClean="0"/>
+              <a:rPr lang="en-US" dirty="0" err="1"/>
               <a:t>Geonames</a:t>
             </a:r>
             <a:r>
-              <a:rPr lang="en-US" dirty="0" smtClean="0"/>
+              <a:rPr lang="en-US" dirty="0"/>
               <a:t>, </a:t>
             </a:r>
             <a:r>
-              <a:rPr lang="en-US" dirty="0" err="1" smtClean="0"/>
+              <a:rPr lang="en-US" dirty="0" err="1"/>
               <a:t>OpenStreetMap</a:t>
             </a:r>
             <a:r>
-              <a:rPr lang="en-US" dirty="0" smtClean="0"/>
+              <a:rPr lang="en-US" dirty="0"/>
               <a:t>, etc. are dominated by </a:t>
             </a:r>
             <a:r>
-              <a:rPr lang="en-US" b="1" dirty="0" smtClean="0"/>
+              <a:rPr lang="en-US" b="1" dirty="0"/>
               <a:t>location</a:t>
             </a:r>
             <a:r>
-              <a:rPr lang="en-US" dirty="0" smtClean="0"/>
+              <a:rPr lang="en-US" dirty="0"/>
               <a:t> (point) information</a:t>
             </a:r>
           </a:p>
           <a:p>
-            <a:endParaRPr lang="en-US" dirty="0" smtClean="0"/>
-          </a:p>
-          <a:p>
-            <a:r>
-              <a:rPr lang="en-US" dirty="0" err="1" smtClean="0"/>
+            <a:endParaRPr lang="en-US" dirty="0"/>
+          </a:p>
+          <a:p>
+            <a:r>
+              <a:rPr lang="en-US" dirty="0" err="1"/>
               <a:t>GeoSPARQL</a:t>
             </a:r>
             <a:r>
-              <a:rPr lang="en-US" dirty="0" smtClean="0"/>
+              <a:rPr lang="en-US" dirty="0"/>
               <a:t> Standard</a:t>
             </a:r>
           </a:p>
           <a:p>
-            <a:endParaRPr lang="en-US" dirty="0" smtClean="0"/>
-          </a:p>
-          <a:p>
-            <a:r>
-              <a:rPr lang="en-US" dirty="0" smtClean="0"/>
+            <a:endParaRPr lang="en-US" dirty="0"/>
+          </a:p>
+          <a:p>
+            <a:r>
+              <a:rPr lang="en-US" dirty="0"/>
               <a:t>Datasets with </a:t>
             </a:r>
             <a:r>
-              <a:rPr lang="en-US" b="1" dirty="0" smtClean="0"/>
+              <a:rPr lang="en-US" b="1" dirty="0"/>
               <a:t>rich geospatial</a:t>
             </a:r>
             <a:r>
-              <a:rPr lang="en-US" dirty="0" smtClean="0"/>
+              <a:rPr lang="en-US" dirty="0"/>
               <a:t> and </a:t>
             </a:r>
             <a:r>
-              <a:rPr lang="en-US" b="1" dirty="0" smtClean="0"/>
+              <a:rPr lang="en-US" b="1" dirty="0"/>
               <a:t>temporal</a:t>
             </a:r>
             <a:r>
-              <a:rPr lang="en-US" dirty="0" smtClean="0"/>
+              <a:rPr lang="en-US" dirty="0"/>
               <a:t> information</a:t>
             </a:r>
           </a:p>
           <a:p>
             <a:pPr lvl="1"/>
             <a:r>
-              <a:rPr lang="en-US" sz="1900" dirty="0" err="1" smtClean="0"/>
+              <a:rPr lang="en-US" sz="1900" dirty="0" err="1"/>
               <a:t>Corine</a:t>
             </a:r>
             <a:r>
-              <a:rPr lang="en-US" sz="1900" dirty="0" smtClean="0"/>
+              <a:rPr lang="en-US" sz="1900" dirty="0"/>
               <a:t> Land Cover (</a:t>
             </a:r>
             <a:r>
-              <a:rPr lang="en-US" sz="1900" dirty="0" smtClean="0">
+              <a:rPr lang="en-US" sz="1900" dirty="0">
                 <a:hlinkClick r:id="rId2"/>
               </a:rPr>
               <a:t>http://datahub.io/dataset/corine-land-cover</a:t>
             </a:r>
             <a:r>
-              <a:rPr lang="en-US" sz="1900" dirty="0" smtClean="0"/>
+              <a:rPr lang="en-US" sz="1900" dirty="0"/>
               <a:t>)</a:t>
             </a:r>
           </a:p>
           <a:p>
             <a:pPr lvl="1"/>
             <a:r>
-              <a:rPr lang="en-US" sz="1900" dirty="0" smtClean="0"/>
+              <a:rPr lang="en-US" sz="1900" dirty="0"/>
               <a:t>Urban Atlas (</a:t>
             </a:r>
             <a:r>
-              <a:rPr lang="en-US" sz="1900" dirty="0" smtClean="0">
+              <a:rPr lang="en-US" sz="1900" dirty="0">
                 <a:hlinkClick r:id="rId3"/>
               </a:rPr>
               <a:t>http://datahub.io/dataset/urban-atlas</a:t>
             </a:r>
             <a:r>
-              <a:rPr lang="en-US" sz="1900" dirty="0" smtClean="0"/>
+              <a:rPr lang="en-US" sz="1900" dirty="0"/>
               <a:t>)</a:t>
             </a:r>
           </a:p>
           <a:p>
             <a:pPr lvl="1"/>
             <a:r>
-              <a:rPr lang="en-US" sz="1900" dirty="0" smtClean="0"/>
+              <a:rPr lang="en-US" sz="1900" dirty="0"/>
               <a:t>Products from Satellite Images (</a:t>
             </a:r>
             <a:r>
-              <a:rPr lang="en-US" sz="1900" dirty="0" smtClean="0">
+              <a:rPr lang="en-US" sz="1900" dirty="0">
                 <a:hlinkClick r:id="rId4"/>
               </a:rPr>
               <a:t>http://datahub.io/dataset/sentinel2</a:t>
             </a:r>
             <a:r>
-              <a:rPr lang="en-US" sz="1900" dirty="0" smtClean="0"/>
+              <a:rPr lang="en-US" sz="1900" dirty="0"/>
               <a:t>)</a:t>
             </a:r>
           </a:p>
           <a:p>
-            <a:endParaRPr lang="en-US" dirty="0" smtClean="0"/>
-          </a:p>
-          <a:p>
-            <a:r>
-              <a:rPr lang="en-US" dirty="0" smtClean="0"/>
-              <a:t>State-of-the-art works </a:t>
-            </a:r>
+            <a:endParaRPr lang="en-US" dirty="0"/>
+          </a:p>
+          <a:p>
             <a:r>
               <a:rPr lang="en-US" dirty="0"/>
-              <a:t>focus on </a:t>
-            </a:r>
-            <a:r>
-              <a:rPr lang="en-US" b="1" dirty="0" smtClean="0"/>
+              <a:t>State-of-the-art works focus on </a:t>
+            </a:r>
+            <a:r>
+              <a:rPr lang="en-US" b="1" dirty="0"/>
               <a:t>distance based</a:t>
             </a:r>
             <a:r>
-              <a:rPr lang="en-US" dirty="0" smtClean="0"/>
-              <a:t> (similarity) </a:t>
-            </a:r>
-            <a:r>
               <a:rPr lang="en-US" dirty="0"/>
-              <a:t>relations </a:t>
-            </a:r>
-            <a:endParaRPr lang="en-US" dirty="0" smtClean="0"/>
-          </a:p>
-          <a:p>
-            <a:endParaRPr lang="en-US" dirty="0" smtClean="0"/>
+              <a:t> (similarity) relations </a:t>
+            </a:r>
+          </a:p>
+          <a:p>
+            <a:endParaRPr lang="en-US" dirty="0"/>
           </a:p>
           <a:p>
             <a:pPr marL="0" indent="0" algn="ctr">
               <a:buNone/>
             </a:pPr>
             <a:r>
-              <a:rPr lang="en-US" dirty="0" smtClean="0">
+              <a:rPr lang="en-US" dirty="0">
                 <a:solidFill>
                   <a:srgbClr val="C00000"/>
                 </a:solidFill>
               </a:rPr>
               <a:t>More spatial and temporal relations can be discovered!</a:t>
             </a:r>
-            <a:endParaRPr lang="en-US" dirty="0">
-              <a:solidFill>
-                <a:srgbClr val="C00000"/>
-              </a:solidFill>
-            </a:endParaRPr>
           </a:p>
         </p:txBody>
       </p:sp>
@@ -24860,7 +23465,7 @@
             </a:clrChange>
             <a:extLst>
               <a:ext uri="{28A0092B-C50C-407E-A947-70E740481C1C}">
-                <a14:useLocalDpi xmlns:a14="http://schemas.microsoft.com/office/drawing/2010/main" val="0"/>
+                <a14:useLocalDpi xmlns:a14="http://schemas.microsoft.com/office/drawing/2010/main"/>
               </a:ext>
             </a:extLst>
           </a:blip>
@@ -24881,7 +23486,6 @@
           <a:ln>
             <a:noFill/>
           </a:ln>
-          <a:extLst/>
         </p:spPr>
       </p:pic>
       <p:pic>
@@ -24906,7 +23510,7 @@
             </a:clrChange>
             <a:extLst>
               <a:ext uri="{28A0092B-C50C-407E-A947-70E740481C1C}">
-                <a14:useLocalDpi xmlns:a14="http://schemas.microsoft.com/office/drawing/2010/main" val="0"/>
+                <a14:useLocalDpi xmlns:a14="http://schemas.microsoft.com/office/drawing/2010/main"/>
               </a:ext>
             </a:extLst>
           </a:blip>
@@ -24957,7 +23561,7 @@
             </a:clrChange>
             <a:extLst>
               <a:ext uri="{28A0092B-C50C-407E-A947-70E740481C1C}">
-                <a14:useLocalDpi xmlns:a14="http://schemas.microsoft.com/office/drawing/2010/main" val="0"/>
+                <a14:useLocalDpi xmlns:a14="http://schemas.microsoft.com/office/drawing/2010/main"/>
               </a:ext>
             </a:extLst>
           </a:blip>
@@ -24998,7 +23602,7 @@
           <a:blip r:embed="rId8" cstate="print">
             <a:extLst>
               <a:ext uri="{28A0092B-C50C-407E-A947-70E740481C1C}">
-                <a14:useLocalDpi xmlns:a14="http://schemas.microsoft.com/office/drawing/2010/main" val="0"/>
+                <a14:useLocalDpi xmlns:a14="http://schemas.microsoft.com/office/drawing/2010/main"/>
               </a:ext>
             </a:extLst>
           </a:blip>
@@ -25037,13 +23641,6 @@
   <p:clrMapOvr>
     <a:masterClrMapping/>
   </p:clrMapOvr>
-  <p:timing>
-    <p:tnLst>
-      <p:par>
-        <p:cTn id="1" dur="indefinite" restart="never" nodeType="tmRoot"/>
-      </p:par>
-    </p:tnLst>
-  </p:timing>
 </p:sld>
 </file>
 
@@ -25149,10 +23746,9 @@
           </a:p>
           <a:p>
             <a:r>
-              <a:rPr lang="en-US" b="1" dirty="0" smtClean="0"/>
+              <a:rPr lang="en-US" b="1" dirty="0"/>
               <a:t>Conclusions</a:t>
             </a:r>
-            <a:endParaRPr lang="en-US" b="1" dirty="0"/>
           </a:p>
         </p:txBody>
       </p:sp>
@@ -25172,7 +23768,7 @@
           <a:lstStyle/>
           <a:p>
             <a:r>
-              <a:rPr lang="en-US" smtClean="0"/>
+              <a:rPr lang="en-US"/>
               <a:t>12/04/2016</a:t>
             </a:r>
             <a:endParaRPr lang="en-US" dirty="0"/>
@@ -25196,7 +23792,7 @@
           <a:p>
             <a:pPr algn="ctr"/>
             <a:r>
-              <a:rPr lang="en-US" smtClean="0"/>
+              <a:rPr lang="en-US"/>
               <a:t>Discovering Spatial and Temporal Links among RDF Data</a:t>
             </a:r>
             <a:endParaRPr lang="en-US" dirty="0"/>
@@ -25238,13 +23834,6 @@
   <p:clrMapOvr>
     <a:masterClrMapping/>
   </p:clrMapOvr>
-  <p:timing>
-    <p:tnLst>
-      <p:par>
-        <p:cTn id="1" dur="indefinite" restart="never" nodeType="tmRoot"/>
-      </p:par>
-    </p:tnLst>
-  </p:timing>
 </p:sld>
 </file>
 
@@ -25281,10 +23870,10 @@
           <a:lstStyle/>
           <a:p>
             <a:r>
-              <a:rPr lang="en-US" smtClean="0"/>
+              <a:rPr lang="en-US"/>
               <a:t>12/04/2016</a:t>
             </a:r>
-            <a:endParaRPr lang="el-GR" dirty="0" smtClean="0"/>
+            <a:endParaRPr lang="el-GR" dirty="0"/>
           </a:p>
         </p:txBody>
       </p:sp>
@@ -25304,7 +23893,7 @@
           <a:lstStyle/>
           <a:p>
             <a:r>
-              <a:rPr lang="en-US" smtClean="0"/>
+              <a:rPr lang="en-US"/>
               <a:t>Discovering Spatial and Temporal Links among RDF Data</a:t>
             </a:r>
             <a:endParaRPr lang="en-US" dirty="0"/>
@@ -25352,10 +23941,9 @@
           <a:lstStyle/>
           <a:p>
             <a:r>
-              <a:rPr lang="en-US" dirty="0" smtClean="0"/>
+              <a:rPr lang="en-US" dirty="0"/>
               <a:t>Conclusions &amp; Future Work</a:t>
             </a:r>
-            <a:endParaRPr lang="en-US" dirty="0"/>
           </a:p>
         </p:txBody>
       </p:sp>
@@ -25377,46 +23965,44 @@
               <a:lstStyle/>
               <a:p>
                 <a:r>
-                  <a:rPr lang="en-US" dirty="0" smtClean="0"/>
+                  <a:rPr lang="en-US" dirty="0"/>
                   <a:t>Methods for Spatial and Temporal Link Discovery</a:t>
                 </a:r>
-                <a:endParaRPr lang="en-US" dirty="0"/>
               </a:p>
               <a:p>
                 <a:r>
-                  <a:rPr lang="en-US" dirty="0" smtClean="0"/>
+                  <a:rPr lang="en-US" dirty="0"/>
                   <a:t>Implementation on the Silk framework</a:t>
                 </a:r>
-                <a:endParaRPr lang="en-US" dirty="0"/>
               </a:p>
               <a:p>
                 <a:r>
-                  <a:rPr lang="en-US" dirty="0" smtClean="0"/>
+                  <a:rPr lang="en-US" dirty="0"/>
                   <a:t>Employed efficiently in Real-World Applications</a:t>
                 </a:r>
               </a:p>
               <a:p>
-                <a:endParaRPr lang="en-US" dirty="0" smtClean="0"/>
+                <a:endParaRPr lang="en-US" dirty="0"/>
               </a:p>
               <a:p>
                 <a:endParaRPr lang="en-US" dirty="0"/>
               </a:p>
               <a:p>
                 <a:r>
-                  <a:rPr lang="en-US" dirty="0" smtClean="0"/>
+                  <a:rPr lang="en-US" dirty="0"/>
                   <a:t>Support more relation models/calculi</a:t>
                 </a:r>
               </a:p>
               <a:p>
                 <a:r>
-                  <a:rPr lang="en-US" dirty="0" smtClean="0"/>
+                  <a:rPr lang="en-US" dirty="0"/>
                   <a:t>Make the algorithm parameter free</a:t>
                 </a:r>
               </a:p>
               <a:p>
                 <a:pPr lvl="1"/>
                 <a:r>
-                  <a:rPr lang="en-US" dirty="0" smtClean="0"/>
+                  <a:rPr lang="en-US" dirty="0"/>
                   <a:t>Estimate the optimal value for the </a:t>
                 </a:r>
                 <a14:m>
@@ -25435,18 +24021,18 @@
                     </m:r>
                   </m:oMath>
                 </a14:m>
-                <a:endParaRPr lang="en-US" dirty="0" smtClean="0"/>
+                <a:endParaRPr lang="en-US" dirty="0"/>
               </a:p>
               <a:p>
                 <a:pPr lvl="1"/>
                 <a:r>
-                  <a:rPr lang="en-US" dirty="0" smtClean="0"/>
+                  <a:rPr lang="en-US" dirty="0"/>
                   <a:t>Pose preprocessing queries</a:t>
                 </a:r>
               </a:p>
               <a:p>
                 <a:r>
-                  <a:rPr lang="en-US" dirty="0" smtClean="0"/>
+                  <a:rPr lang="en-US" dirty="0"/>
                   <a:t>Use approximate blocking techniques</a:t>
                 </a:r>
               </a:p>
@@ -25497,13 +24083,6 @@
   <p:clrMapOvr>
     <a:masterClrMapping/>
   </p:clrMapOvr>
-  <p:timing>
-    <p:tnLst>
-      <p:par>
-        <p:cTn id="1" dur="indefinite" restart="never" nodeType="tmRoot"/>
-      </p:par>
-    </p:tnLst>
-  </p:timing>
 </p:sld>
 </file>
 
@@ -25540,7 +24119,7 @@
           <a:lstStyle/>
           <a:p>
             <a:r>
-              <a:rPr lang="en-US" smtClean="0"/>
+              <a:rPr lang="en-US"/>
               <a:t>12/04/2016</a:t>
             </a:r>
             <a:endParaRPr lang="en-US" dirty="0"/>
@@ -25564,7 +24143,7 @@
           <a:p>
             <a:pPr algn="ctr"/>
             <a:r>
-              <a:rPr lang="en-US" smtClean="0"/>
+              <a:rPr lang="en-US"/>
               <a:t>Discovering Spatial and Temporal Links among RDF Data</a:t>
             </a:r>
             <a:endParaRPr lang="en-US" dirty="0"/>
@@ -25619,17 +24198,16 @@
           <a:p>
             <a:pPr algn="ctr"/>
             <a:r>
-              <a:rPr lang="en-US" sz="2800" b="1" dirty="0" smtClean="0"/>
+              <a:rPr lang="en-US" sz="2800" b="1" dirty="0"/>
               <a:t>Thanks for your attention!</a:t>
             </a:r>
             <a:br>
-              <a:rPr lang="en-US" sz="2800" b="1" dirty="0" smtClean="0"/>
+              <a:rPr lang="en-US" sz="2800" b="1" dirty="0"/>
             </a:br>
             <a:r>
-              <a:rPr lang="en-US" sz="2800" b="1" dirty="0" smtClean="0"/>
+              <a:rPr lang="en-US" sz="2800" b="1" dirty="0"/>
               <a:t>Questions?</a:t>
             </a:r>
-            <a:endParaRPr lang="en-US" sz="2800" b="1" dirty="0"/>
           </a:p>
         </p:txBody>
       </p:sp>
@@ -25643,13 +24221,6 @@
   <p:clrMapOvr>
     <a:masterClrMapping/>
   </p:clrMapOvr>
-  <p:timing>
-    <p:tnLst>
-      <p:par>
-        <p:cTn id="1" dur="indefinite" restart="never" nodeType="tmRoot"/>
-      </p:par>
-    </p:tnLst>
-  </p:timing>
 </p:sld>
 </file>
 
@@ -25686,10 +24257,10 @@
           <a:lstStyle/>
           <a:p>
             <a:r>
-              <a:rPr lang="en-US" smtClean="0"/>
+              <a:rPr lang="en-US"/>
               <a:t>12/04/2016</a:t>
             </a:r>
-            <a:endParaRPr lang="el-GR" dirty="0" smtClean="0"/>
+            <a:endParaRPr lang="el-GR" dirty="0"/>
           </a:p>
         </p:txBody>
       </p:sp>
@@ -25709,7 +24280,7 @@
           <a:lstStyle/>
           <a:p>
             <a:r>
-              <a:rPr lang="en-US" smtClean="0"/>
+              <a:rPr lang="en-US"/>
               <a:t>Discovering Spatial and Temporal Links among RDF Data</a:t>
             </a:r>
             <a:endParaRPr lang="en-US" dirty="0"/>
@@ -25779,7 +24350,7 @@
           <a:blip r:embed="rId2">
             <a:extLst>
               <a:ext uri="{28A0092B-C50C-407E-A947-70E740481C1C}">
-                <a14:useLocalDpi xmlns:a14="http://schemas.microsoft.com/office/drawing/2010/main" val="0"/>
+                <a14:useLocalDpi xmlns:a14="http://schemas.microsoft.com/office/drawing/2010/main"/>
               </a:ext>
             </a:extLst>
           </a:blip>
@@ -25865,44 +24436,40 @@
           <a:lstStyle/>
           <a:p>
             <a:r>
-              <a:rPr lang="en-US" sz="1400" b="1" dirty="0" smtClean="0">
+              <a:rPr lang="en-US" sz="1400" b="1" dirty="0">
                 <a:latin typeface="Helvetica" pitchFamily="34" charset="0"/>
                 <a:cs typeface="Helvetica" pitchFamily="34" charset="0"/>
               </a:rPr>
               <a:t>        Land Cover           </a:t>
             </a:r>
             <a:r>
-              <a:rPr lang="el-GR" sz="1400" b="1" dirty="0" smtClean="0">
+              <a:rPr lang="el-GR" sz="1400" b="1" dirty="0">
                 <a:latin typeface="Helvetica" pitchFamily="34" charset="0"/>
                 <a:cs typeface="Helvetica" pitchFamily="34" charset="0"/>
               </a:rPr>
               <a:t>  </a:t>
             </a:r>
             <a:r>
-              <a:rPr lang="en-US" sz="1400" b="1" dirty="0" smtClean="0">
+              <a:rPr lang="en-US" sz="1400" b="1" dirty="0">
                 <a:latin typeface="Helvetica" pitchFamily="34" charset="0"/>
                 <a:cs typeface="Helvetica" pitchFamily="34" charset="0"/>
               </a:rPr>
               <a:t> </a:t>
             </a:r>
             <a:r>
-              <a:rPr lang="el-GR" sz="1400" b="1" dirty="0" smtClean="0">
+              <a:rPr lang="el-GR" sz="1400" b="1" dirty="0">
                 <a:latin typeface="Helvetica" pitchFamily="34" charset="0"/>
                 <a:cs typeface="Helvetica" pitchFamily="34" charset="0"/>
               </a:rPr>
               <a:t> </a:t>
             </a:r>
             <a:r>
-              <a:rPr lang="en-US" sz="1400" b="1" dirty="0" smtClean="0">
+              <a:rPr lang="en-US" sz="1400" b="1" dirty="0">
                 <a:latin typeface="Helvetica" pitchFamily="34" charset="0"/>
                 <a:cs typeface="Helvetica" pitchFamily="34" charset="0"/>
               </a:rPr>
               <a:t>Municipalities           Fire</a:t>
             </a:r>
-            <a:endParaRPr lang="en-US" sz="1400" b="1" dirty="0">
-              <a:latin typeface="Helvetica" pitchFamily="34" charset="0"/>
-              <a:cs typeface="Helvetica" pitchFamily="34" charset="0"/>
-            </a:endParaRPr>
           </a:p>
         </p:txBody>
       </p:sp>
@@ -26168,7 +24735,7 @@
             </a:clrChange>
             <a:extLst>
               <a:ext uri="{28A0092B-C50C-407E-A947-70E740481C1C}">
-                <a14:useLocalDpi xmlns:a14="http://schemas.microsoft.com/office/drawing/2010/main" val="0"/>
+                <a14:useLocalDpi xmlns:a14="http://schemas.microsoft.com/office/drawing/2010/main"/>
               </a:ext>
             </a:extLst>
           </a:blip>
@@ -26207,13 +24774,6 @@
   <p:clrMapOvr>
     <a:masterClrMapping/>
   </p:clrMapOvr>
-  <p:timing>
-    <p:tnLst>
-      <p:par>
-        <p:cTn id="1" dur="indefinite" restart="never" nodeType="tmRoot"/>
-      </p:par>
-    </p:tnLst>
-  </p:timing>
 </p:sld>
 </file>
 
@@ -26250,10 +24810,10 @@
           <a:lstStyle/>
           <a:p>
             <a:r>
-              <a:rPr lang="en-US" smtClean="0"/>
+              <a:rPr lang="en-US"/>
               <a:t>12/04/2016</a:t>
             </a:r>
-            <a:endParaRPr lang="el-GR" dirty="0" smtClean="0"/>
+            <a:endParaRPr lang="el-GR" dirty="0"/>
           </a:p>
         </p:txBody>
       </p:sp>
@@ -26273,7 +24833,7 @@
           <a:lstStyle/>
           <a:p>
             <a:r>
-              <a:rPr lang="en-US" smtClean="0"/>
+              <a:rPr lang="en-US"/>
               <a:t>Discovering Spatial and Temporal Links among RDF Data</a:t>
             </a:r>
             <a:endParaRPr lang="en-US" dirty="0"/>
@@ -26343,7 +24903,7 @@
           <a:blip r:embed="rId2">
             <a:extLst>
               <a:ext uri="{28A0092B-C50C-407E-A947-70E740481C1C}">
-                <a14:useLocalDpi xmlns:a14="http://schemas.microsoft.com/office/drawing/2010/main" val="0"/>
+                <a14:useLocalDpi xmlns:a14="http://schemas.microsoft.com/office/drawing/2010/main"/>
               </a:ext>
             </a:extLst>
           </a:blip>
@@ -26429,44 +24989,40 @@
           <a:lstStyle/>
           <a:p>
             <a:r>
-              <a:rPr lang="en-US" sz="1400" b="1" dirty="0" smtClean="0">
+              <a:rPr lang="en-US" sz="1400" b="1" dirty="0">
                 <a:latin typeface="Helvetica" pitchFamily="34" charset="0"/>
                 <a:cs typeface="Helvetica" pitchFamily="34" charset="0"/>
               </a:rPr>
               <a:t>        Land Cover           </a:t>
             </a:r>
             <a:r>
-              <a:rPr lang="el-GR" sz="1400" b="1" dirty="0" smtClean="0">
+              <a:rPr lang="el-GR" sz="1400" b="1" dirty="0">
                 <a:latin typeface="Helvetica" pitchFamily="34" charset="0"/>
                 <a:cs typeface="Helvetica" pitchFamily="34" charset="0"/>
               </a:rPr>
               <a:t>  </a:t>
             </a:r>
             <a:r>
-              <a:rPr lang="en-US" sz="1400" b="1" dirty="0" smtClean="0">
+              <a:rPr lang="en-US" sz="1400" b="1" dirty="0">
                 <a:latin typeface="Helvetica" pitchFamily="34" charset="0"/>
                 <a:cs typeface="Helvetica" pitchFamily="34" charset="0"/>
               </a:rPr>
               <a:t> </a:t>
             </a:r>
             <a:r>
-              <a:rPr lang="el-GR" sz="1400" b="1" dirty="0" smtClean="0">
+              <a:rPr lang="el-GR" sz="1400" b="1" dirty="0">
                 <a:latin typeface="Helvetica" pitchFamily="34" charset="0"/>
                 <a:cs typeface="Helvetica" pitchFamily="34" charset="0"/>
               </a:rPr>
               <a:t> </a:t>
             </a:r>
             <a:r>
-              <a:rPr lang="en-US" sz="1400" b="1" dirty="0" smtClean="0">
+              <a:rPr lang="en-US" sz="1400" b="1" dirty="0">
                 <a:latin typeface="Helvetica" pitchFamily="34" charset="0"/>
                 <a:cs typeface="Helvetica" pitchFamily="34" charset="0"/>
               </a:rPr>
               <a:t>Municipalities           Fire</a:t>
             </a:r>
-            <a:endParaRPr lang="en-US" sz="1400" b="1" dirty="0">
-              <a:latin typeface="Helvetica" pitchFamily="34" charset="0"/>
-              <a:cs typeface="Helvetica" pitchFamily="34" charset="0"/>
-            </a:endParaRPr>
           </a:p>
         </p:txBody>
       </p:sp>
@@ -26732,7 +25288,7 @@
             </a:clrChange>
             <a:extLst>
               <a:ext uri="{28A0092B-C50C-407E-A947-70E740481C1C}">
-                <a14:useLocalDpi xmlns:a14="http://schemas.microsoft.com/office/drawing/2010/main" val="0"/>
+                <a14:useLocalDpi xmlns:a14="http://schemas.microsoft.com/office/drawing/2010/main"/>
               </a:ext>
             </a:extLst>
           </a:blip>
@@ -26870,7 +25426,7 @@
           <a:p>
             <a:pPr algn="ctr"/>
             <a:r>
-              <a:rPr lang="en-US" sz="2000" b="1" dirty="0" smtClean="0">
+              <a:rPr lang="en-US" sz="2000" b="1" dirty="0">
                 <a:solidFill>
                   <a:srgbClr val="7030A0"/>
                 </a:solidFill>
@@ -26940,13 +25496,6 @@
   <p:clrMapOvr>
     <a:masterClrMapping/>
   </p:clrMapOvr>
-  <p:timing>
-    <p:tnLst>
-      <p:par>
-        <p:cTn id="1" dur="indefinite" restart="never" nodeType="tmRoot"/>
-      </p:par>
-    </p:tnLst>
-  </p:timing>
 </p:sld>
 </file>
 
@@ -26983,10 +25532,10 @@
           <a:lstStyle/>
           <a:p>
             <a:r>
-              <a:rPr lang="en-US" smtClean="0"/>
+              <a:rPr lang="en-US"/>
               <a:t>12/04/2016</a:t>
             </a:r>
-            <a:endParaRPr lang="el-GR" dirty="0" smtClean="0"/>
+            <a:endParaRPr lang="el-GR" dirty="0"/>
           </a:p>
         </p:txBody>
       </p:sp>
@@ -27006,7 +25555,7 @@
           <a:lstStyle/>
           <a:p>
             <a:r>
-              <a:rPr lang="en-US" smtClean="0"/>
+              <a:rPr lang="en-US"/>
               <a:t>Discovering Spatial and Temporal Links among RDF Data</a:t>
             </a:r>
             <a:endParaRPr lang="en-US" dirty="0"/>
@@ -27076,7 +25625,7 @@
           <a:blip r:embed="rId2">
             <a:extLst>
               <a:ext uri="{28A0092B-C50C-407E-A947-70E740481C1C}">
-                <a14:useLocalDpi xmlns:a14="http://schemas.microsoft.com/office/drawing/2010/main" val="0"/>
+                <a14:useLocalDpi xmlns:a14="http://schemas.microsoft.com/office/drawing/2010/main"/>
               </a:ext>
             </a:extLst>
           </a:blip>
@@ -27162,44 +25711,40 @@
           <a:lstStyle/>
           <a:p>
             <a:r>
-              <a:rPr lang="en-US" sz="1400" b="1" dirty="0" smtClean="0">
+              <a:rPr lang="en-US" sz="1400" b="1" dirty="0">
                 <a:latin typeface="Helvetica" pitchFamily="34" charset="0"/>
                 <a:cs typeface="Helvetica" pitchFamily="34" charset="0"/>
               </a:rPr>
               <a:t>        Land Cover           </a:t>
             </a:r>
             <a:r>
-              <a:rPr lang="el-GR" sz="1400" b="1" dirty="0" smtClean="0">
+              <a:rPr lang="el-GR" sz="1400" b="1" dirty="0">
                 <a:latin typeface="Helvetica" pitchFamily="34" charset="0"/>
                 <a:cs typeface="Helvetica" pitchFamily="34" charset="0"/>
               </a:rPr>
               <a:t>  </a:t>
             </a:r>
             <a:r>
-              <a:rPr lang="en-US" sz="1400" b="1" dirty="0" smtClean="0">
+              <a:rPr lang="en-US" sz="1400" b="1" dirty="0">
                 <a:latin typeface="Helvetica" pitchFamily="34" charset="0"/>
                 <a:cs typeface="Helvetica" pitchFamily="34" charset="0"/>
               </a:rPr>
               <a:t> </a:t>
             </a:r>
             <a:r>
-              <a:rPr lang="el-GR" sz="1400" b="1" dirty="0" smtClean="0">
+              <a:rPr lang="el-GR" sz="1400" b="1" dirty="0">
                 <a:latin typeface="Helvetica" pitchFamily="34" charset="0"/>
                 <a:cs typeface="Helvetica" pitchFamily="34" charset="0"/>
               </a:rPr>
               <a:t> </a:t>
             </a:r>
             <a:r>
-              <a:rPr lang="en-US" sz="1400" b="1" dirty="0" smtClean="0">
+              <a:rPr lang="en-US" sz="1400" b="1" dirty="0">
                 <a:latin typeface="Helvetica" pitchFamily="34" charset="0"/>
                 <a:cs typeface="Helvetica" pitchFamily="34" charset="0"/>
               </a:rPr>
               <a:t>Municipalities           Fire</a:t>
             </a:r>
-            <a:endParaRPr lang="en-US" sz="1400" b="1" dirty="0">
-              <a:latin typeface="Helvetica" pitchFamily="34" charset="0"/>
-              <a:cs typeface="Helvetica" pitchFamily="34" charset="0"/>
-            </a:endParaRPr>
           </a:p>
         </p:txBody>
       </p:sp>
@@ -27465,7 +26010,7 @@
             </a:clrChange>
             <a:extLst>
               <a:ext uri="{28A0092B-C50C-407E-A947-70E740481C1C}">
-                <a14:useLocalDpi xmlns:a14="http://schemas.microsoft.com/office/drawing/2010/main" val="0"/>
+                <a14:useLocalDpi xmlns:a14="http://schemas.microsoft.com/office/drawing/2010/main"/>
               </a:ext>
             </a:extLst>
           </a:blip>
@@ -27603,7 +26148,7 @@
           <a:p>
             <a:pPr algn="ctr"/>
             <a:r>
-              <a:rPr lang="en-US" sz="2000" b="1" dirty="0" smtClean="0">
+              <a:rPr lang="en-US" sz="2000" b="1" dirty="0">
                 <a:solidFill>
                   <a:srgbClr val="7030A0"/>
                 </a:solidFill>
@@ -27673,13 +26218,6 @@
   <p:clrMapOvr>
     <a:masterClrMapping/>
   </p:clrMapOvr>
-  <p:timing>
-    <p:tnLst>
-      <p:par>
-        <p:cTn id="1" dur="indefinite" restart="never" nodeType="tmRoot"/>
-      </p:par>
-    </p:tnLst>
-  </p:timing>
 </p:sld>
 </file>
 
@@ -27716,7 +26254,7 @@
           <a:lstStyle/>
           <a:p>
             <a:r>
-              <a:rPr lang="en-US" smtClean="0"/>
+              <a:rPr lang="en-US"/>
               <a:t>12/04/2016</a:t>
             </a:r>
             <a:endParaRPr lang="en-US" dirty="0"/>
@@ -27740,7 +26278,7 @@
           <a:p>
             <a:pPr algn="ctr"/>
             <a:r>
-              <a:rPr lang="en-US" smtClean="0"/>
+              <a:rPr lang="en-US"/>
               <a:t>Discovering Spatial and Temporal Links among RDF Data</a:t>
             </a:r>
             <a:endParaRPr lang="en-US" dirty="0"/>
@@ -27790,10 +26328,9 @@
           <a:lstStyle/>
           <a:p>
             <a:r>
-              <a:rPr lang="en-US" dirty="0" smtClean="0"/>
+              <a:rPr lang="en-US" dirty="0"/>
               <a:t>Heterogeneity: Geospatial Datasets</a:t>
             </a:r>
-            <a:endParaRPr lang="en-US" dirty="0"/>
           </a:p>
         </p:txBody>
       </p:sp>
@@ -27816,18 +26353,11 @@
               <a:buNone/>
             </a:pPr>
             <a:r>
-              <a:rPr lang="en-US" sz="1800" dirty="0" smtClean="0">
-                <a:latin typeface="Courier New" pitchFamily="49" charset="0"/>
-                <a:cs typeface="Courier New" pitchFamily="49" charset="0"/>
-              </a:rPr>
-              <a:t>_:</a:t>
-            </a:r>
-            <a:r>
               <a:rPr lang="en-US" sz="1800" dirty="0">
                 <a:latin typeface="Courier New" pitchFamily="49" charset="0"/>
                 <a:cs typeface="Courier New" pitchFamily="49" charset="0"/>
               </a:rPr>
-              <a:t>1 </a:t>
+              <a:t>_:1 </a:t>
             </a:r>
             <a:r>
               <a:rPr lang="en-US" sz="1800" dirty="0" err="1">
@@ -27892,17 +26422,13 @@
               </a:rPr>
               <a:t>"&lt;http://www.opengis.net/def/crs/EPSG/0/4326&gt; </a:t>
             </a:r>
-            <a:endParaRPr lang="en-US" sz="1800" dirty="0" smtClean="0">
-              <a:latin typeface="Courier New" pitchFamily="49" charset="0"/>
-              <a:cs typeface="Courier New" pitchFamily="49" charset="0"/>
-            </a:endParaRPr>
           </a:p>
           <a:p>
             <a:pPr marL="0" indent="0">
               <a:buNone/>
             </a:pPr>
             <a:r>
-              <a:rPr lang="en-US" sz="1800" dirty="0" smtClean="0">
+              <a:rPr lang="en-US" sz="1800" dirty="0">
                 <a:latin typeface="Courier New" pitchFamily="49" charset="0"/>
                 <a:cs typeface="Courier New" pitchFamily="49" charset="0"/>
               </a:rPr>
@@ -27922,19 +26448,6 @@
               </a:rPr>
               <a:t> .</a:t>
             </a:r>
-            <a:endParaRPr lang="en-US" sz="1800" dirty="0" smtClean="0">
-              <a:latin typeface="Courier New" pitchFamily="49" charset="0"/>
-              <a:cs typeface="Courier New" pitchFamily="49" charset="0"/>
-            </a:endParaRPr>
-          </a:p>
-          <a:p>
-            <a:pPr marL="0" indent="0">
-              <a:buNone/>
-            </a:pPr>
-            <a:endParaRPr lang="en-US" sz="1800" dirty="0" smtClean="0">
-              <a:latin typeface="Courier New" pitchFamily="49" charset="0"/>
-              <a:cs typeface="Courier New" pitchFamily="49" charset="0"/>
-            </a:endParaRPr>
           </a:p>
           <a:p>
             <a:pPr marL="0" indent="0">
@@ -27949,6 +26462,15 @@
             <a:pPr marL="0" indent="0">
               <a:buNone/>
             </a:pPr>
+            <a:endParaRPr lang="en-US" sz="1800" dirty="0">
+              <a:latin typeface="Courier New" pitchFamily="49" charset="0"/>
+              <a:cs typeface="Courier New" pitchFamily="49" charset="0"/>
+            </a:endParaRPr>
+          </a:p>
+          <a:p>
+            <a:pPr marL="0" indent="0">
+              <a:buNone/>
+            </a:pPr>
             <a:r>
               <a:rPr lang="en-US" sz="1800" dirty="0">
                 <a:latin typeface="Courier New" pitchFamily="49" charset="0"/>
@@ -28148,14 +26670,7 @@
                 <a:latin typeface="Courier New" pitchFamily="49" charset="0"/>
                 <a:cs typeface="Courier New" pitchFamily="49" charset="0"/>
               </a:rPr>
-              <a:t> </a:t>
-            </a:r>
-            <a:r>
-              <a:rPr lang="en-US" sz="1800" dirty="0" smtClean="0">
-                <a:latin typeface="Courier New" pitchFamily="49" charset="0"/>
-                <a:cs typeface="Courier New" pitchFamily="49" charset="0"/>
-              </a:rPr>
-              <a:t>wgs84Geo:Point .</a:t>
+              <a:t> wgs84Geo:Point .</a:t>
             </a:r>
             <a:endParaRPr lang="en-US" dirty="0">
               <a:latin typeface="Courier New" pitchFamily="49" charset="0"/>
@@ -28171,35 +26686,21 @@
                 <a:latin typeface="Courier New" pitchFamily="49" charset="0"/>
                 <a:cs typeface="Courier New" pitchFamily="49" charset="0"/>
               </a:rPr>
-              <a:t>_:1 </a:t>
-            </a:r>
-            <a:r>
-              <a:rPr lang="en-US" sz="1800" dirty="0" smtClean="0">
+              <a:t>_:1 wgs84Geo:lat “10“^^</a:t>
+            </a:r>
+            <a:r>
+              <a:rPr lang="en-US" sz="1800" dirty="0" err="1">
                 <a:latin typeface="Courier New" pitchFamily="49" charset="0"/>
                 <a:cs typeface="Courier New" pitchFamily="49" charset="0"/>
               </a:rPr>
-              <a:t>wgs84Geo:lat “10“^^</a:t>
-            </a:r>
-            <a:r>
-              <a:rPr lang="en-US" sz="1800" dirty="0" err="1" smtClean="0">
-                <a:latin typeface="Courier New" pitchFamily="49" charset="0"/>
-                <a:cs typeface="Courier New" pitchFamily="49" charset="0"/>
-              </a:rPr>
               <a:t>xsd:double</a:t>
-            </a:r>
-            <a:r>
-              <a:rPr lang="en-US" sz="1800" dirty="0" smtClean="0">
-                <a:latin typeface="Courier New" pitchFamily="49" charset="0"/>
-                <a:cs typeface="Courier New" pitchFamily="49" charset="0"/>
-              </a:rPr>
-              <a:t> </a:t>
             </a:r>
             <a:r>
               <a:rPr lang="en-US" sz="1800" dirty="0">
                 <a:latin typeface="Courier New" pitchFamily="49" charset="0"/>
                 <a:cs typeface="Courier New" pitchFamily="49" charset="0"/>
               </a:rPr>
-              <a:t>.</a:t>
+              <a:t> .</a:t>
             </a:r>
           </a:p>
           <a:p>
@@ -28211,14 +26712,7 @@
                 <a:latin typeface="Courier New" pitchFamily="49" charset="0"/>
                 <a:cs typeface="Courier New" pitchFamily="49" charset="0"/>
               </a:rPr>
-              <a:t>_:1 </a:t>
-            </a:r>
-            <a:r>
-              <a:rPr lang="en-US" sz="1800" dirty="0" smtClean="0">
-                <a:latin typeface="Courier New" pitchFamily="49" charset="0"/>
-                <a:cs typeface="Courier New" pitchFamily="49" charset="0"/>
-              </a:rPr>
-              <a:t>wgs84Geo:long “20“^^</a:t>
+              <a:t>_:1 wgs84Geo:long “20“^^</a:t>
             </a:r>
             <a:r>
               <a:rPr lang="en-US" sz="1800" dirty="0" err="1">
@@ -28290,7 +26784,7 @@
           <a:lstStyle/>
           <a:p>
             <a:r>
-              <a:rPr lang="en-US" sz="2400" dirty="0" err="1" smtClean="0">
+              <a:rPr lang="en-US" sz="2400" dirty="0" err="1">
                 <a:solidFill>
                   <a:schemeClr val="accent6">
                     <a:lumMod val="50000"/>
@@ -28355,7 +26849,7 @@
           <a:lstStyle/>
           <a:p>
             <a:r>
-              <a:rPr lang="en-US" sz="2400" dirty="0" err="1" smtClean="0">
+              <a:rPr lang="en-US" sz="2400" dirty="0" err="1">
                 <a:solidFill>
                   <a:schemeClr val="accent6">
                     <a:lumMod val="50000"/>
@@ -28420,7 +26914,7 @@
           <a:lstStyle/>
           <a:p>
             <a:r>
-              <a:rPr lang="en-US" sz="2400" dirty="0" smtClean="0">
+              <a:rPr lang="en-US" sz="2400" dirty="0">
                 <a:solidFill>
                   <a:schemeClr val="accent6">
                     <a:lumMod val="50000"/>
@@ -28451,13 +26945,6 @@
   <p:clrMapOvr>
     <a:masterClrMapping/>
   </p:clrMapOvr>
-  <p:timing>
-    <p:tnLst>
-      <p:par>
-        <p:cTn id="1" dur="indefinite" restart="never" nodeType="tmRoot"/>
-      </p:par>
-    </p:tnLst>
-  </p:timing>
 </p:sld>
 </file>
 
@@ -28494,7 +26981,7 @@
           <a:lstStyle/>
           <a:p>
             <a:r>
-              <a:rPr lang="en-US" smtClean="0"/>
+              <a:rPr lang="en-US"/>
               <a:t>12/04/2016</a:t>
             </a:r>
             <a:endParaRPr lang="en-US" dirty="0"/>
@@ -28518,7 +27005,7 @@
           <a:p>
             <a:pPr algn="ctr"/>
             <a:r>
-              <a:rPr lang="en-US" smtClean="0"/>
+              <a:rPr lang="en-US"/>
               <a:t>Discovering Spatial and Temporal Links among RDF Data</a:t>
             </a:r>
             <a:endParaRPr lang="en-US" dirty="0"/>
@@ -28593,18 +27080,11 @@
               <a:buNone/>
             </a:pPr>
             <a:r>
-              <a:rPr lang="en-US" sz="1800" dirty="0" smtClean="0">
-                <a:latin typeface="Courier New" pitchFamily="49" charset="0"/>
-                <a:cs typeface="Courier New" pitchFamily="49" charset="0"/>
-              </a:rPr>
-              <a:t>_:</a:t>
-            </a:r>
-            <a:r>
               <a:rPr lang="en-US" sz="1800" dirty="0">
                 <a:latin typeface="Courier New" pitchFamily="49" charset="0"/>
                 <a:cs typeface="Courier New" pitchFamily="49" charset="0"/>
               </a:rPr>
-              <a:t>1 </a:t>
+              <a:t>_:1 </a:t>
             </a:r>
             <a:r>
               <a:rPr lang="en-US" sz="1800" dirty="0" err="1">
@@ -28669,17 +27149,13 @@
               </a:rPr>
               <a:t>"&lt;http://www.opengis.net/def/crs/EPSG/0/4326&gt; </a:t>
             </a:r>
-            <a:endParaRPr lang="en-US" sz="1800" dirty="0" smtClean="0">
-              <a:latin typeface="Courier New" pitchFamily="49" charset="0"/>
-              <a:cs typeface="Courier New" pitchFamily="49" charset="0"/>
-            </a:endParaRPr>
           </a:p>
           <a:p>
             <a:pPr marL="0" indent="0">
               <a:buNone/>
             </a:pPr>
             <a:r>
-              <a:rPr lang="en-US" sz="1800" dirty="0" smtClean="0">
+              <a:rPr lang="en-US" sz="1800" dirty="0">
                 <a:latin typeface="Courier New" pitchFamily="49" charset="0"/>
                 <a:cs typeface="Courier New" pitchFamily="49" charset="0"/>
               </a:rPr>
@@ -28699,19 +27175,6 @@
               </a:rPr>
               <a:t> .</a:t>
             </a:r>
-            <a:endParaRPr lang="en-US" sz="1800" dirty="0" smtClean="0">
-              <a:latin typeface="Courier New" pitchFamily="49" charset="0"/>
-              <a:cs typeface="Courier New" pitchFamily="49" charset="0"/>
-            </a:endParaRPr>
-          </a:p>
-          <a:p>
-            <a:pPr marL="0" indent="0">
-              <a:buNone/>
-            </a:pPr>
-            <a:endParaRPr lang="en-US" sz="1800" dirty="0" smtClean="0">
-              <a:latin typeface="Courier New" pitchFamily="49" charset="0"/>
-              <a:cs typeface="Courier New" pitchFamily="49" charset="0"/>
-            </a:endParaRPr>
           </a:p>
           <a:p>
             <a:pPr marL="0" indent="0">
@@ -28726,60 +27189,6 @@
             <a:pPr marL="0" indent="0">
               <a:buNone/>
             </a:pPr>
-            <a:r>
-              <a:rPr lang="en-US" sz="1800" dirty="0">
-                <a:latin typeface="Courier New" pitchFamily="49" charset="0"/>
-                <a:cs typeface="Courier New" pitchFamily="49" charset="0"/>
-              </a:rPr>
-              <a:t>_:1 </a:t>
-            </a:r>
-            <a:r>
-              <a:rPr lang="en-US" sz="1800" dirty="0" err="1">
-                <a:latin typeface="Courier New" pitchFamily="49" charset="0"/>
-                <a:cs typeface="Courier New" pitchFamily="49" charset="0"/>
-              </a:rPr>
-              <a:t>rdf:type</a:t>
-            </a:r>
-            <a:r>
-              <a:rPr lang="en-US" sz="1800" dirty="0">
-                <a:latin typeface="Courier New" pitchFamily="49" charset="0"/>
-                <a:cs typeface="Courier New" pitchFamily="49" charset="0"/>
-              </a:rPr>
-              <a:t> </a:t>
-            </a:r>
-            <a:r>
-              <a:rPr lang="en-US" sz="1800" dirty="0" err="1">
-                <a:latin typeface="Courier New" pitchFamily="49" charset="0"/>
-                <a:cs typeface="Courier New" pitchFamily="49" charset="0"/>
-              </a:rPr>
-              <a:t>strdf:Geometry</a:t>
-            </a:r>
-            <a:r>
-              <a:rPr lang="en-US" sz="1800" dirty="0">
-                <a:latin typeface="Courier New" pitchFamily="49" charset="0"/>
-                <a:cs typeface="Courier New" pitchFamily="49" charset="0"/>
-              </a:rPr>
-              <a:t> .</a:t>
-            </a:r>
-          </a:p>
-          <a:p>
-            <a:pPr marL="0" indent="0">
-              <a:buNone/>
-            </a:pPr>
-            <a:r>
-              <a:rPr lang="en-US" sz="1800" dirty="0">
-                <a:latin typeface="Courier New" pitchFamily="49" charset="0"/>
-                <a:cs typeface="Courier New" pitchFamily="49" charset="0"/>
-              </a:rPr>
-              <a:t>_:1 </a:t>
-            </a:r>
-            <a:r>
-              <a:rPr lang="en-US" sz="1800" dirty="0" err="1">
-                <a:latin typeface="Courier New" pitchFamily="49" charset="0"/>
-                <a:cs typeface="Courier New" pitchFamily="49" charset="0"/>
-              </a:rPr>
-              <a:t>strdf:hasGeometry</a:t>
-            </a:r>
             <a:endParaRPr lang="en-US" sz="1800" dirty="0">
               <a:latin typeface="Courier New" pitchFamily="49" charset="0"/>
               <a:cs typeface="Courier New" pitchFamily="49" charset="0"/>
@@ -28790,60 +27199,39 @@
               <a:buNone/>
             </a:pPr>
             <a:r>
-              <a:rPr lang="en-US" sz="1800" dirty="0" smtClean="0">
+              <a:rPr lang="en-US" sz="1800" dirty="0">
                 <a:latin typeface="Courier New" pitchFamily="49" charset="0"/>
                 <a:cs typeface="Courier New" pitchFamily="49" charset="0"/>
               </a:rPr>
-              <a:t>"&lt;</a:t>
-            </a:r>
-            <a:r>
-              <a:rPr lang="en-US" sz="1800" dirty="0" err="1" smtClean="0">
-                <a:latin typeface="Courier New" pitchFamily="49" charset="0"/>
-                <a:cs typeface="Courier New" pitchFamily="49" charset="0"/>
-              </a:rPr>
-              <a:t>gml:Point</a:t>
-            </a:r>
-            <a:r>
-              <a:rPr lang="en-US" sz="1800" dirty="0" smtClean="0">
-                <a:latin typeface="Courier New" pitchFamily="49" charset="0"/>
-                <a:cs typeface="Courier New" pitchFamily="49" charset="0"/>
-              </a:rPr>
-              <a:t> </a:t>
+              <a:t>_:1 </a:t>
             </a:r>
             <a:r>
               <a:rPr lang="en-US" sz="1800" dirty="0" err="1">
                 <a:latin typeface="Courier New" pitchFamily="49" charset="0"/>
                 <a:cs typeface="Courier New" pitchFamily="49" charset="0"/>
               </a:rPr>
-              <a:t>c</a:t>
-            </a:r>
-            <a:r>
-              <a:rPr lang="en-US" sz="1800" dirty="0" err="1" smtClean="0">
+              <a:t>rdf:type</a:t>
+            </a:r>
+            <a:r>
+              <a:rPr lang="en-US" sz="1800" dirty="0">
                 <a:latin typeface="Courier New" pitchFamily="49" charset="0"/>
                 <a:cs typeface="Courier New" pitchFamily="49" charset="0"/>
               </a:rPr>
-              <a:t>rsName</a:t>
-            </a:r>
-            <a:r>
-              <a:rPr lang="en-US" sz="1800" dirty="0" smtClean="0">
+              <a:t> </a:t>
+            </a:r>
+            <a:r>
+              <a:rPr lang="en-US" sz="1800" dirty="0" err="1">
                 <a:latin typeface="Courier New" pitchFamily="49" charset="0"/>
                 <a:cs typeface="Courier New" pitchFamily="49" charset="0"/>
               </a:rPr>
-              <a:t>="EPSG:2100"&gt;&lt;</a:t>
-            </a:r>
-            <a:r>
-              <a:rPr lang="en-US" sz="1800" dirty="0" err="1" smtClean="0">
+              <a:t>strdf:Geometry</a:t>
+            </a:r>
+            <a:r>
+              <a:rPr lang="en-US" sz="1800" dirty="0">
                 <a:latin typeface="Courier New" pitchFamily="49" charset="0"/>
                 <a:cs typeface="Courier New" pitchFamily="49" charset="0"/>
               </a:rPr>
-              <a:t>gml:coordinates</a:t>
-            </a:r>
-            <a:r>
-              <a:rPr lang="en-US" sz="1800" dirty="0" smtClean="0">
-                <a:latin typeface="Courier New" pitchFamily="49" charset="0"/>
-                <a:cs typeface="Courier New" pitchFamily="49" charset="0"/>
-              </a:rPr>
-              <a:t>&gt;10,20 </a:t>
+              <a:t> .</a:t>
             </a:r>
           </a:p>
           <a:p>
@@ -28851,60 +27239,137 @@
               <a:buNone/>
             </a:pPr>
             <a:r>
-              <a:rPr lang="en-US" sz="1800" dirty="0" smtClean="0">
+              <a:rPr lang="en-US" sz="1800" dirty="0">
                 <a:latin typeface="Courier New" pitchFamily="49" charset="0"/>
                 <a:cs typeface="Courier New" pitchFamily="49" charset="0"/>
               </a:rPr>
-              <a:t>&lt;/</a:t>
-            </a:r>
-            <a:r>
-              <a:rPr lang="en-US" sz="1800" dirty="0" err="1" smtClean="0">
+              <a:t>_:1 </a:t>
+            </a:r>
+            <a:r>
+              <a:rPr lang="en-US" sz="1800" dirty="0" err="1">
                 <a:latin typeface="Courier New" pitchFamily="49" charset="0"/>
                 <a:cs typeface="Courier New" pitchFamily="49" charset="0"/>
               </a:rPr>
-              <a:t>gml:coordinates</a:t>
-            </a:r>
-            <a:r>
-              <a:rPr lang="en-US" sz="1800" dirty="0" smtClean="0">
-                <a:latin typeface="Courier New" pitchFamily="49" charset="0"/>
-                <a:cs typeface="Courier New" pitchFamily="49" charset="0"/>
-              </a:rPr>
-              <a:t>&gt;&lt;/</a:t>
-            </a:r>
-            <a:r>
-              <a:rPr lang="en-US" sz="1800" dirty="0" err="1" smtClean="0">
-                <a:latin typeface="Courier New" pitchFamily="49" charset="0"/>
-                <a:cs typeface="Courier New" pitchFamily="49" charset="0"/>
-              </a:rPr>
-              <a:t>gml:Point</a:t>
-            </a:r>
-            <a:r>
-              <a:rPr lang="en-US" sz="1800" dirty="0" smtClean="0">
-                <a:latin typeface="Courier New" pitchFamily="49" charset="0"/>
-                <a:cs typeface="Courier New" pitchFamily="49" charset="0"/>
-              </a:rPr>
-              <a:t>&gt;"^^</a:t>
-            </a:r>
-            <a:r>
-              <a:rPr lang="en-US" sz="1800" dirty="0" err="1" smtClean="0">
-                <a:latin typeface="Courier New" pitchFamily="49" charset="0"/>
-                <a:cs typeface="Courier New" pitchFamily="49" charset="0"/>
-              </a:rPr>
-              <a:t>strdf:GML</a:t>
-            </a:r>
-            <a:r>
-              <a:rPr lang="en-US" sz="1800" dirty="0" smtClean="0">
-                <a:latin typeface="Courier New" pitchFamily="49" charset="0"/>
-                <a:cs typeface="Courier New" pitchFamily="49" charset="0"/>
-              </a:rPr>
-              <a:t> .</a:t>
-            </a:r>
+              <a:t>strdf:hasGeometry</a:t>
+            </a:r>
+            <a:endParaRPr lang="en-US" sz="1800" dirty="0">
+              <a:latin typeface="Courier New" pitchFamily="49" charset="0"/>
+              <a:cs typeface="Courier New" pitchFamily="49" charset="0"/>
+            </a:endParaRPr>
           </a:p>
           <a:p>
             <a:pPr marL="0" indent="0">
               <a:buNone/>
             </a:pPr>
-            <a:endParaRPr lang="en-US" sz="1200" i="1" dirty="0" smtClean="0">
+            <a:r>
+              <a:rPr lang="en-US" sz="1800" dirty="0">
+                <a:latin typeface="Courier New" pitchFamily="49" charset="0"/>
+                <a:cs typeface="Courier New" pitchFamily="49" charset="0"/>
+              </a:rPr>
+              <a:t>"&lt;</a:t>
+            </a:r>
+            <a:r>
+              <a:rPr lang="en-US" sz="1800" dirty="0" err="1">
+                <a:latin typeface="Courier New" pitchFamily="49" charset="0"/>
+                <a:cs typeface="Courier New" pitchFamily="49" charset="0"/>
+              </a:rPr>
+              <a:t>gml:Point</a:t>
+            </a:r>
+            <a:r>
+              <a:rPr lang="en-US" sz="1800" dirty="0">
+                <a:latin typeface="Courier New" pitchFamily="49" charset="0"/>
+                <a:cs typeface="Courier New" pitchFamily="49" charset="0"/>
+              </a:rPr>
+              <a:t> </a:t>
+            </a:r>
+            <a:r>
+              <a:rPr lang="en-US" sz="1800" dirty="0" err="1">
+                <a:latin typeface="Courier New" pitchFamily="49" charset="0"/>
+                <a:cs typeface="Courier New" pitchFamily="49" charset="0"/>
+              </a:rPr>
+              <a:t>crsName</a:t>
+            </a:r>
+            <a:r>
+              <a:rPr lang="en-US" sz="1800" dirty="0">
+                <a:latin typeface="Courier New" pitchFamily="49" charset="0"/>
+                <a:cs typeface="Courier New" pitchFamily="49" charset="0"/>
+              </a:rPr>
+              <a:t>="EPSG:2100"&gt;&lt;</a:t>
+            </a:r>
+            <a:r>
+              <a:rPr lang="en-US" sz="1800" dirty="0" err="1">
+                <a:latin typeface="Courier New" pitchFamily="49" charset="0"/>
+                <a:cs typeface="Courier New" pitchFamily="49" charset="0"/>
+              </a:rPr>
+              <a:t>gml:coordinates</a:t>
+            </a:r>
+            <a:r>
+              <a:rPr lang="en-US" sz="1800" dirty="0">
+                <a:latin typeface="Courier New" pitchFamily="49" charset="0"/>
+                <a:cs typeface="Courier New" pitchFamily="49" charset="0"/>
+              </a:rPr>
+              <a:t>&gt;10,20 </a:t>
+            </a:r>
+          </a:p>
+          <a:p>
+            <a:pPr marL="0" indent="0">
+              <a:buNone/>
+            </a:pPr>
+            <a:r>
+              <a:rPr lang="en-US" sz="1800" dirty="0">
+                <a:latin typeface="Courier New" pitchFamily="49" charset="0"/>
+                <a:cs typeface="Courier New" pitchFamily="49" charset="0"/>
+              </a:rPr>
+              <a:t>&lt;/</a:t>
+            </a:r>
+            <a:r>
+              <a:rPr lang="en-US" sz="1800" dirty="0" err="1">
+                <a:latin typeface="Courier New" pitchFamily="49" charset="0"/>
+                <a:cs typeface="Courier New" pitchFamily="49" charset="0"/>
+              </a:rPr>
+              <a:t>gml:coordinates</a:t>
+            </a:r>
+            <a:r>
+              <a:rPr lang="en-US" sz="1800" dirty="0">
+                <a:latin typeface="Courier New" pitchFamily="49" charset="0"/>
+                <a:cs typeface="Courier New" pitchFamily="49" charset="0"/>
+              </a:rPr>
+              <a:t>&gt;&lt;/</a:t>
+            </a:r>
+            <a:r>
+              <a:rPr lang="en-US" sz="1800" dirty="0" err="1">
+                <a:latin typeface="Courier New" pitchFamily="49" charset="0"/>
+                <a:cs typeface="Courier New" pitchFamily="49" charset="0"/>
+              </a:rPr>
+              <a:t>gml:Point</a:t>
+            </a:r>
+            <a:r>
+              <a:rPr lang="en-US" sz="1800" dirty="0">
+                <a:latin typeface="Courier New" pitchFamily="49" charset="0"/>
+                <a:cs typeface="Courier New" pitchFamily="49" charset="0"/>
+              </a:rPr>
+              <a:t>&gt;"^^</a:t>
+            </a:r>
+            <a:r>
+              <a:rPr lang="en-US" sz="1800" dirty="0" err="1">
+                <a:latin typeface="Courier New" pitchFamily="49" charset="0"/>
+                <a:cs typeface="Courier New" pitchFamily="49" charset="0"/>
+              </a:rPr>
+              <a:t>strdf:GML</a:t>
+            </a:r>
+            <a:r>
+              <a:rPr lang="en-US" sz="1800" dirty="0">
+                <a:latin typeface="Courier New" pitchFamily="49" charset="0"/>
+                <a:cs typeface="Courier New" pitchFamily="49" charset="0"/>
+              </a:rPr>
+              <a:t> .</a:t>
+            </a:r>
+          </a:p>
+          <a:p>
+            <a:pPr marL="0" indent="0">
+              <a:buNone/>
+            </a:pPr>
+            <a:endParaRPr lang="en-US" sz="1200" i="1" dirty="0">
               <a:solidFill>
                 <a:srgbClr val="C00000"/>
               </a:solidFill>
@@ -28923,7 +27388,7 @@
             <a:pPr marL="0" indent="0">
               <a:buNone/>
             </a:pPr>
-            <a:endParaRPr lang="en-US" sz="1200" i="1" dirty="0" smtClean="0">
+            <a:endParaRPr lang="en-US" sz="1200" i="1" dirty="0">
               <a:solidFill>
                 <a:srgbClr val="C00000"/>
               </a:solidFill>
@@ -28946,34 +27411,7 @@
                 </a:solidFill>
                 <a:cs typeface="Courier New" pitchFamily="49" charset="0"/>
               </a:rPr>
-              <a:t>D</a:t>
-            </a:r>
-            <a:r>
-              <a:rPr lang="en-US" sz="2100" b="1" i="1" dirty="0" smtClean="0">
-                <a:solidFill>
-                  <a:srgbClr val="C00000"/>
-                </a:solidFill>
-                <a:cs typeface="Courier New" pitchFamily="49" charset="0"/>
-              </a:rPr>
-              <a:t>ifferent </a:t>
-            </a:r>
-            <a:r>
-              <a:rPr lang="en-US" sz="2100" b="1" i="1" dirty="0">
-                <a:solidFill>
-                  <a:srgbClr val="C00000"/>
-                </a:solidFill>
-                <a:cs typeface="Courier New" pitchFamily="49" charset="0"/>
-              </a:rPr>
-              <a:t>V</a:t>
-            </a:r>
-            <a:r>
-              <a:rPr lang="en-US" sz="2100" b="1" i="1" dirty="0" smtClean="0">
-                <a:solidFill>
-                  <a:srgbClr val="C00000"/>
-                </a:solidFill>
-                <a:cs typeface="Courier New" pitchFamily="49" charset="0"/>
-              </a:rPr>
-              <a:t>ocabularies</a:t>
+              <a:t>Different Vocabularies</a:t>
             </a:r>
           </a:p>
           <a:p>
@@ -29031,7 +27469,7 @@
           <a:lstStyle/>
           <a:p>
             <a:r>
-              <a:rPr lang="en-US" sz="2400" dirty="0" err="1" smtClean="0">
+              <a:rPr lang="en-US" sz="2400" dirty="0" err="1">
                 <a:solidFill>
                   <a:schemeClr val="accent6">
                     <a:lumMod val="50000"/>
@@ -29064,7 +27502,7 @@
           <a:blip r:embed="rId2">
             <a:extLst>
               <a:ext uri="{28A0092B-C50C-407E-A947-70E740481C1C}">
-                <a14:useLocalDpi xmlns:a14="http://schemas.microsoft.com/office/drawing/2010/main" val="0"/>
+                <a14:useLocalDpi xmlns:a14="http://schemas.microsoft.com/office/drawing/2010/main"/>
               </a:ext>
             </a:extLst>
           </a:blip>
@@ -29137,7 +27575,7 @@
           <a:lstStyle/>
           <a:p>
             <a:r>
-              <a:rPr lang="en-US" sz="2400" dirty="0" err="1" smtClean="0">
+              <a:rPr lang="en-US" sz="2400" dirty="0" err="1">
                 <a:solidFill>
                   <a:schemeClr val="accent6">
                     <a:lumMod val="50000"/>
@@ -29168,13 +27606,6 @@
   <p:clrMapOvr>
     <a:masterClrMapping/>
   </p:clrMapOvr>
-  <p:timing>
-    <p:tnLst>
-      <p:par>
-        <p:cTn id="1" dur="indefinite" restart="never" nodeType="tmRoot"/>
-      </p:par>
-    </p:tnLst>
-  </p:timing>
 </p:sld>
 </file>
 
